--- a/Sem 5/Let’s Meet.pptx
+++ b/Sem 5/Let’s Meet.pptx
@@ -54,6 +54,7 @@
     <p:sldId id="309" r:id="rId48"/>
     <p:sldId id="310" r:id="rId49"/>
     <p:sldId id="311" r:id="rId50"/>
+    <p:sldId id="314" r:id="rId51"/>
   </p:sldIdLst>
   <p:sldSz cx="12192000" cy="6858000"/>
   <p:notesSz cx="6858000" cy="9144000"/>
@@ -3380,9 +3381,10 @@
         <a:lstStyle/>
         <a:p>
           <a:r>
-            <a:rPr lang="en-IN"/>
-            <a:t>1 GB or above</a:t>
+            <a:rPr lang="en-IN" dirty="0" smtClean="0"/>
+            <a:t>100-150 MB</a:t>
           </a:r>
+          <a:endParaRPr lang="en-IN" dirty="0"/>
         </a:p>
       </dgm:t>
     </dgm:pt>
@@ -4227,29 +4229,29 @@
     </dgm:pt>
   </dgm:ptLst>
   <dgm:cxnLst>
+    <dgm:cxn modelId="{E9C6A74B-85CA-49AA-8B19-3D57A91C5D11}" srcId="{1594AFB7-8671-404F-BEEB-C8A4126DA06B}" destId="{E6168EB4-ABA1-4A13-9A14-257C21E4269F}" srcOrd="3" destOrd="0" parTransId="{3436F8CB-1F4C-498F-BBFE-E6188B434B66}" sibTransId="{DB639671-41BA-43BA-9660-AF8D98F7BB80}"/>
+    <dgm:cxn modelId="{26C4DC8A-3C61-470C-95F2-B1CDA4CFB1F3}" type="presOf" srcId="{147630AF-304C-48DF-9066-9CD3FF1C4521}" destId="{F9460717-1D5F-48F9-A60C-6E1B93D809C3}" srcOrd="0" destOrd="0" presId="urn:microsoft.com/office/officeart/2005/8/layout/chevron2"/>
+    <dgm:cxn modelId="{76F7CC1B-CDF8-4D15-8992-F19D17DB25EE}" srcId="{A6B820DA-A9B4-4FA8-BB3B-952A4BF76A06}" destId="{6AADD2C3-E503-4A40-AA10-61C4B739EA0A}" srcOrd="1" destOrd="0" parTransId="{5B810593-B635-4A9D-BFFE-BDE3D439520B}" sibTransId="{4F84FFF6-004B-48B9-B3DC-6E7B9E7154A4}"/>
+    <dgm:cxn modelId="{24E0E3F2-5702-40E4-96F4-E1EC309BCBC2}" type="presOf" srcId="{B2D270E9-880B-44BD-B6E8-536F0696AFF3}" destId="{9B148C55-5C90-42AE-91E7-BF90C6167815}" srcOrd="0" destOrd="0" presId="urn:microsoft.com/office/officeart/2005/8/layout/chevron2"/>
+    <dgm:cxn modelId="{8137C3B4-79D5-44D1-B6FE-A8C5A1627538}" srcId="{35E745C1-DB53-47AA-BC12-3271B525A1FD}" destId="{42B28E0D-4818-445C-827C-3D0D481F8C3E}" srcOrd="1" destOrd="0" parTransId="{E9A86B5D-81DF-41CB-A042-A19C16EEB003}" sibTransId="{C28B9F95-6B7B-4795-9702-3ECCD7C30E6C}"/>
+    <dgm:cxn modelId="{4FCC8155-A0CE-49A1-B07B-9E180CE921A4}" srcId="{A6B820DA-A9B4-4FA8-BB3B-952A4BF76A06}" destId="{DF129EFD-F05F-4167-887B-7121574E9356}" srcOrd="0" destOrd="0" parTransId="{ADD836C1-B3A5-48A2-831E-7EADBE814982}" sibTransId="{31F8411D-8953-4A4B-9EA3-9AA7AA7D8C13}"/>
     <dgm:cxn modelId="{6088C9FE-4683-4F3B-B7DB-A91057267461}" type="presOf" srcId="{1594AFB7-8671-404F-BEEB-C8A4126DA06B}" destId="{DCCE801C-FFBF-4E29-8D14-EB953759826F}" srcOrd="0" destOrd="0" presId="urn:microsoft.com/office/officeart/2005/8/layout/chevron2"/>
+    <dgm:cxn modelId="{419D98A8-75C6-4C8E-8C7A-5BBEDBE596EF}" type="presOf" srcId="{5215D88A-3671-4D8E-804E-A88073127873}" destId="{261D23DF-E4BC-41EB-A5B8-C6D96B9A4DC8}" srcOrd="0" destOrd="0" presId="urn:microsoft.com/office/officeart/2005/8/layout/chevron2"/>
     <dgm:cxn modelId="{EBC64653-CF6D-4D14-BDF4-0C3FD8BC6E82}" type="presOf" srcId="{E6168EB4-ABA1-4A13-9A14-257C21E4269F}" destId="{0A7D175F-2FE0-455D-BA96-F14411F3C31A}" srcOrd="0" destOrd="0" presId="urn:microsoft.com/office/officeart/2005/8/layout/chevron2"/>
-    <dgm:cxn modelId="{76F7CC1B-CDF8-4D15-8992-F19D17DB25EE}" srcId="{A6B820DA-A9B4-4FA8-BB3B-952A4BF76A06}" destId="{6AADD2C3-E503-4A40-AA10-61C4B739EA0A}" srcOrd="1" destOrd="0" parTransId="{5B810593-B635-4A9D-BFFE-BDE3D439520B}" sibTransId="{4F84FFF6-004B-48B9-B3DC-6E7B9E7154A4}"/>
-    <dgm:cxn modelId="{8ED38DB2-13C7-472A-8FE4-63A2A9CEE8D5}" type="presOf" srcId="{2AB5A7B4-CA11-49EF-B36D-821CAD92A29A}" destId="{3A69984B-EF6D-49F3-AA84-DE93BC2D5174}" srcOrd="0" destOrd="2" presId="urn:microsoft.com/office/officeart/2005/8/layout/chevron2"/>
-    <dgm:cxn modelId="{F1A15F23-7BDC-4022-B6D3-C7ACC05C605F}" type="presOf" srcId="{42B28E0D-4818-445C-827C-3D0D481F8C3E}" destId="{F9460717-1D5F-48F9-A60C-6E1B93D809C3}" srcOrd="0" destOrd="1" presId="urn:microsoft.com/office/officeart/2005/8/layout/chevron2"/>
-    <dgm:cxn modelId="{4FCC8155-A0CE-49A1-B07B-9E180CE921A4}" srcId="{A6B820DA-A9B4-4FA8-BB3B-952A4BF76A06}" destId="{DF129EFD-F05F-4167-887B-7121574E9356}" srcOrd="0" destOrd="0" parTransId="{ADD836C1-B3A5-48A2-831E-7EADBE814982}" sibTransId="{31F8411D-8953-4A4B-9EA3-9AA7AA7D8C13}"/>
-    <dgm:cxn modelId="{8CA3169F-66A3-4E1A-873E-F9489C155D59}" srcId="{1594AFB7-8671-404F-BEEB-C8A4126DA06B}" destId="{A6B820DA-A9B4-4FA8-BB3B-952A4BF76A06}" srcOrd="0" destOrd="0" parTransId="{B4E4F57C-8CD2-4401-B845-5B7394E44637}" sibTransId="{1C36141B-E6E4-4098-9920-FA358C41127F}"/>
+    <dgm:cxn modelId="{E1A920D7-4398-4E75-9518-8AC2542A135F}" type="presOf" srcId="{6AADD2C3-E503-4A40-AA10-61C4B739EA0A}" destId="{3A69984B-EF6D-49F3-AA84-DE93BC2D5174}" srcOrd="0" destOrd="1" presId="urn:microsoft.com/office/officeart/2005/8/layout/chevron2"/>
     <dgm:cxn modelId="{E1633DFE-774E-434A-9C6D-89ACCB3FD41D}" srcId="{1594AFB7-8671-404F-BEEB-C8A4126DA06B}" destId="{D70890A0-8E78-4F06-91EF-C95610475000}" srcOrd="2" destOrd="0" parTransId="{04C384F9-99F0-4186-BF94-D3A99D73EC91}" sibTransId="{CEC08B80-BB98-410D-AF26-7E3A87410E99}"/>
     <dgm:cxn modelId="{46AC8CAC-CBD0-4BC2-B5A5-9754A5F5019B}" srcId="{35E745C1-DB53-47AA-BC12-3271B525A1FD}" destId="{147630AF-304C-48DF-9066-9CD3FF1C4521}" srcOrd="0" destOrd="0" parTransId="{896ABFA0-36AA-4BB6-BF12-C6D54B5519CF}" sibTransId="{75197BF0-B5DE-43DC-B3D1-18500D961D4D}"/>
-    <dgm:cxn modelId="{26C4DC8A-3C61-470C-95F2-B1CDA4CFB1F3}" type="presOf" srcId="{147630AF-304C-48DF-9066-9CD3FF1C4521}" destId="{F9460717-1D5F-48F9-A60C-6E1B93D809C3}" srcOrd="0" destOrd="0" presId="urn:microsoft.com/office/officeart/2005/8/layout/chevron2"/>
-    <dgm:cxn modelId="{419D98A8-75C6-4C8E-8C7A-5BBEDBE596EF}" type="presOf" srcId="{5215D88A-3671-4D8E-804E-A88073127873}" destId="{261D23DF-E4BC-41EB-A5B8-C6D96B9A4DC8}" srcOrd="0" destOrd="0" presId="urn:microsoft.com/office/officeart/2005/8/layout/chevron2"/>
-    <dgm:cxn modelId="{E9C6A74B-85CA-49AA-8B19-3D57A91C5D11}" srcId="{1594AFB7-8671-404F-BEEB-C8A4126DA06B}" destId="{E6168EB4-ABA1-4A13-9A14-257C21E4269F}" srcOrd="3" destOrd="0" parTransId="{3436F8CB-1F4C-498F-BBFE-E6188B434B66}" sibTransId="{DB639671-41BA-43BA-9660-AF8D98F7BB80}"/>
-    <dgm:cxn modelId="{9D0303A0-88B3-45C3-9097-378BAA4876DC}" type="presOf" srcId="{DF129EFD-F05F-4167-887B-7121574E9356}" destId="{3A69984B-EF6D-49F3-AA84-DE93BC2D5174}" srcOrd="0" destOrd="0" presId="urn:microsoft.com/office/officeart/2005/8/layout/chevron2"/>
-    <dgm:cxn modelId="{8137C3B4-79D5-44D1-B6FE-A8C5A1627538}" srcId="{35E745C1-DB53-47AA-BC12-3271B525A1FD}" destId="{42B28E0D-4818-445C-827C-3D0D481F8C3E}" srcOrd="1" destOrd="0" parTransId="{E9A86B5D-81DF-41CB-A042-A19C16EEB003}" sibTransId="{C28B9F95-6B7B-4795-9702-3ECCD7C30E6C}"/>
-    <dgm:cxn modelId="{07BAA748-7268-4E1D-AB3C-EE69A59A78A7}" srcId="{E6168EB4-ABA1-4A13-9A14-257C21E4269F}" destId="{5215D88A-3671-4D8E-804E-A88073127873}" srcOrd="0" destOrd="0" parTransId="{8E3BAD78-E95C-4D2A-9F49-5F6432E8DB74}" sibTransId="{73A52E35-DD33-461F-87D0-12FE360BA5A1}"/>
-    <dgm:cxn modelId="{E1A920D7-4398-4E75-9518-8AC2542A135F}" type="presOf" srcId="{6AADD2C3-E503-4A40-AA10-61C4B739EA0A}" destId="{3A69984B-EF6D-49F3-AA84-DE93BC2D5174}" srcOrd="0" destOrd="1" presId="urn:microsoft.com/office/officeart/2005/8/layout/chevron2"/>
-    <dgm:cxn modelId="{F2A4ED17-F925-4389-976C-87AABAB8BE8E}" srcId="{1594AFB7-8671-404F-BEEB-C8A4126DA06B}" destId="{35E745C1-DB53-47AA-BC12-3271B525A1FD}" srcOrd="1" destOrd="0" parTransId="{36705FC1-24A0-468E-A2AF-547CB6D2D73F}" sibTransId="{7991B3DC-F01F-4D65-9AF4-A83F69CAEF44}"/>
-    <dgm:cxn modelId="{24E0E3F2-5702-40E4-96F4-E1EC309BCBC2}" type="presOf" srcId="{B2D270E9-880B-44BD-B6E8-536F0696AFF3}" destId="{9B148C55-5C90-42AE-91E7-BF90C6167815}" srcOrd="0" destOrd="0" presId="urn:microsoft.com/office/officeart/2005/8/layout/chevron2"/>
-    <dgm:cxn modelId="{52569D85-E1B5-4099-81E0-167BE42BDCFE}" type="presOf" srcId="{A6B820DA-A9B4-4FA8-BB3B-952A4BF76A06}" destId="{D307F559-66D6-4ED3-B7CE-B37D0A36DA22}" srcOrd="0" destOrd="0" presId="urn:microsoft.com/office/officeart/2005/8/layout/chevron2"/>
-    <dgm:cxn modelId="{7426A332-251B-4F1A-9C89-490757B0F304}" srcId="{A6B820DA-A9B4-4FA8-BB3B-952A4BF76A06}" destId="{2AB5A7B4-CA11-49EF-B36D-821CAD92A29A}" srcOrd="2" destOrd="0" parTransId="{6F02DDC5-B151-4F8A-BD02-DCB5A884552D}" sibTransId="{2010C4F4-029C-45FF-BA6E-A68BB4C37FD4}"/>
     <dgm:cxn modelId="{E2739042-952A-4225-AB32-E4BCD73136E6}" type="presOf" srcId="{D70890A0-8E78-4F06-91EF-C95610475000}" destId="{8D4CEEBD-903B-45F6-AEAD-EC258FBA9444}" srcOrd="0" destOrd="0" presId="urn:microsoft.com/office/officeart/2005/8/layout/chevron2"/>
     <dgm:cxn modelId="{0D6EA7BF-DB3E-4DBB-BC8C-C0E79E8D3536}" srcId="{D70890A0-8E78-4F06-91EF-C95610475000}" destId="{B2D270E9-880B-44BD-B6E8-536F0696AFF3}" srcOrd="0" destOrd="0" parTransId="{7C2CFC58-3BC6-4628-BD8E-68DBA99254F3}" sibTransId="{8F654076-ACCE-49B5-A569-0D0408ED7C51}"/>
+    <dgm:cxn modelId="{F1A15F23-7BDC-4022-B6D3-C7ACC05C605F}" type="presOf" srcId="{42B28E0D-4818-445C-827C-3D0D481F8C3E}" destId="{F9460717-1D5F-48F9-A60C-6E1B93D809C3}" srcOrd="0" destOrd="1" presId="urn:microsoft.com/office/officeart/2005/8/layout/chevron2"/>
+    <dgm:cxn modelId="{7426A332-251B-4F1A-9C89-490757B0F304}" srcId="{A6B820DA-A9B4-4FA8-BB3B-952A4BF76A06}" destId="{2AB5A7B4-CA11-49EF-B36D-821CAD92A29A}" srcOrd="2" destOrd="0" parTransId="{6F02DDC5-B151-4F8A-BD02-DCB5A884552D}" sibTransId="{2010C4F4-029C-45FF-BA6E-A68BB4C37FD4}"/>
+    <dgm:cxn modelId="{52569D85-E1B5-4099-81E0-167BE42BDCFE}" type="presOf" srcId="{A6B820DA-A9B4-4FA8-BB3B-952A4BF76A06}" destId="{D307F559-66D6-4ED3-B7CE-B37D0A36DA22}" srcOrd="0" destOrd="0" presId="urn:microsoft.com/office/officeart/2005/8/layout/chevron2"/>
+    <dgm:cxn modelId="{9D0303A0-88B3-45C3-9097-378BAA4876DC}" type="presOf" srcId="{DF129EFD-F05F-4167-887B-7121574E9356}" destId="{3A69984B-EF6D-49F3-AA84-DE93BC2D5174}" srcOrd="0" destOrd="0" presId="urn:microsoft.com/office/officeart/2005/8/layout/chevron2"/>
     <dgm:cxn modelId="{52702D44-43FA-4681-9CA2-BCD2E64EC190}" type="presOf" srcId="{35E745C1-DB53-47AA-BC12-3271B525A1FD}" destId="{883DEA5C-60C6-494A-AC85-832579A6F9B3}" srcOrd="0" destOrd="0" presId="urn:microsoft.com/office/officeart/2005/8/layout/chevron2"/>
+    <dgm:cxn modelId="{F2A4ED17-F925-4389-976C-87AABAB8BE8E}" srcId="{1594AFB7-8671-404F-BEEB-C8A4126DA06B}" destId="{35E745C1-DB53-47AA-BC12-3271B525A1FD}" srcOrd="1" destOrd="0" parTransId="{36705FC1-24A0-468E-A2AF-547CB6D2D73F}" sibTransId="{7991B3DC-F01F-4D65-9AF4-A83F69CAEF44}"/>
+    <dgm:cxn modelId="{8ED38DB2-13C7-472A-8FE4-63A2A9CEE8D5}" type="presOf" srcId="{2AB5A7B4-CA11-49EF-B36D-821CAD92A29A}" destId="{3A69984B-EF6D-49F3-AA84-DE93BC2D5174}" srcOrd="0" destOrd="2" presId="urn:microsoft.com/office/officeart/2005/8/layout/chevron2"/>
+    <dgm:cxn modelId="{8CA3169F-66A3-4E1A-873E-F9489C155D59}" srcId="{1594AFB7-8671-404F-BEEB-C8A4126DA06B}" destId="{A6B820DA-A9B4-4FA8-BB3B-952A4BF76A06}" srcOrd="0" destOrd="0" parTransId="{B4E4F57C-8CD2-4401-B845-5B7394E44637}" sibTransId="{1C36141B-E6E4-4098-9920-FA358C41127F}"/>
+    <dgm:cxn modelId="{07BAA748-7268-4E1D-AB3C-EE69A59A78A7}" srcId="{E6168EB4-ABA1-4A13-9A14-257C21E4269F}" destId="{5215D88A-3671-4D8E-804E-A88073127873}" srcOrd="0" destOrd="0" parTransId="{8E3BAD78-E95C-4D2A-9F49-5F6432E8DB74}" sibTransId="{73A52E35-DD33-461F-87D0-12FE360BA5A1}"/>
     <dgm:cxn modelId="{6CA130DA-95C9-4D7D-A9A1-AA534F355165}" type="presParOf" srcId="{DCCE801C-FFBF-4E29-8D14-EB953759826F}" destId="{D5412DA4-39F1-4894-8846-E86717F6067D}" srcOrd="0" destOrd="0" presId="urn:microsoft.com/office/officeart/2005/8/layout/chevron2"/>
     <dgm:cxn modelId="{41221BC0-86A6-46EC-A7F7-28B8B5D945F0}" type="presParOf" srcId="{D5412DA4-39F1-4894-8846-E86717F6067D}" destId="{D307F559-66D6-4ED3-B7CE-B37D0A36DA22}" srcOrd="0" destOrd="0" presId="urn:microsoft.com/office/officeart/2005/8/layout/chevron2"/>
     <dgm:cxn modelId="{09FA050F-C70D-4558-B644-4CF1CB4D624B}" type="presParOf" srcId="{D5412DA4-39F1-4894-8846-E86717F6067D}" destId="{3A69984B-EF6D-49F3-AA84-DE93BC2D5174}" srcOrd="1" destOrd="0" presId="urn:microsoft.com/office/officeart/2005/8/layout/chevron2"/>
@@ -4280,7 +4282,7 @@
 <dgm:dataModel xmlns:dgm="http://schemas.openxmlformats.org/drawingml/2006/diagram" xmlns:a="http://schemas.openxmlformats.org/drawingml/2006/main">
   <dgm:ptLst>
     <dgm:pt modelId="{96218991-9336-420F-BF44-D0DBE9FF9A45}" type="doc">
-      <dgm:prSet loTypeId="urn:microsoft.com/office/officeart/2005/8/layout/hierarchy1" loCatId="hierarchy" qsTypeId="urn:microsoft.com/office/officeart/2005/8/quickstyle/simple1" qsCatId="simple" csTypeId="urn:microsoft.com/office/officeart/2005/8/colors/accent1_2" csCatId="accent1" phldr="1"/>
+      <dgm:prSet loTypeId="urn:microsoft.com/office/officeart/2005/8/layout/hierarchy6" loCatId="hierarchy" qsTypeId="urn:microsoft.com/office/officeart/2005/8/quickstyle/simple1" qsCatId="simple" csTypeId="urn:microsoft.com/office/officeart/2005/8/colors/accent1_2" csCatId="accent1" phldr="1"/>
       <dgm:spPr/>
       <dgm:t>
         <a:bodyPr/>
@@ -4550,7 +4552,7 @@
         <a:lstStyle/>
         <a:p>
           <a:r>
-            <a:rPr lang="en-IN"/>
+            <a:rPr lang="en-IN" dirty="0"/>
             <a:t>GUI Design</a:t>
           </a:r>
         </a:p>
@@ -5118,14 +5120,14 @@
         </a:p>
       </dgm:t>
     </dgm:pt>
-    <dgm:pt modelId="{6B19A7F7-6AD1-4DB9-8FFF-BD38007CD532}" type="pres">
-      <dgm:prSet presAssocID="{96218991-9336-420F-BF44-D0DBE9FF9A45}" presName="hierChild1" presStyleCnt="0">
+    <dgm:pt modelId="{F95E8933-D6A5-45CF-A152-4091E55327DC}" type="pres">
+      <dgm:prSet presAssocID="{96218991-9336-420F-BF44-D0DBE9FF9A45}" presName="mainComposite" presStyleCnt="0">
         <dgm:presLayoutVars>
           <dgm:chPref val="1"/>
           <dgm:dir/>
           <dgm:animOne val="branch"/>
           <dgm:animLvl val="lvl"/>
-          <dgm:resizeHandles/>
+          <dgm:resizeHandles val="exact"/>
         </dgm:presLayoutVars>
       </dgm:prSet>
       <dgm:spPr/>
@@ -5137,20 +5139,26 @@
         </a:p>
       </dgm:t>
     </dgm:pt>
-    <dgm:pt modelId="{A27594A2-FC40-455A-8169-FF287A92988F}" type="pres">
-      <dgm:prSet presAssocID="{DFA25D06-E52C-4FEC-9482-6CF75FEC2546}" presName="hierRoot1" presStyleCnt="0"/>
+    <dgm:pt modelId="{2B417778-7F42-4200-8692-4EAEDA029D97}" type="pres">
+      <dgm:prSet presAssocID="{96218991-9336-420F-BF44-D0DBE9FF9A45}" presName="hierFlow" presStyleCnt="0"/>
       <dgm:spPr/>
     </dgm:pt>
-    <dgm:pt modelId="{B9BF9608-9ED7-4562-BC88-976E5EC95346}" type="pres">
-      <dgm:prSet presAssocID="{DFA25D06-E52C-4FEC-9482-6CF75FEC2546}" presName="composite" presStyleCnt="0"/>
+    <dgm:pt modelId="{2F195E47-1893-4256-8821-76D0C4EA2359}" type="pres">
+      <dgm:prSet presAssocID="{96218991-9336-420F-BF44-D0DBE9FF9A45}" presName="hierChild1" presStyleCnt="0">
+        <dgm:presLayoutVars>
+          <dgm:chPref val="1"/>
+          <dgm:animOne val="branch"/>
+          <dgm:animLvl val="lvl"/>
+        </dgm:presLayoutVars>
+      </dgm:prSet>
       <dgm:spPr/>
     </dgm:pt>
-    <dgm:pt modelId="{68F7341E-F40D-4164-94D6-05A214FAA96A}" type="pres">
-      <dgm:prSet presAssocID="{DFA25D06-E52C-4FEC-9482-6CF75FEC2546}" presName="background" presStyleLbl="node0" presStyleIdx="0" presStyleCnt="1"/>
+    <dgm:pt modelId="{5531728A-5947-4978-9C9A-ACE39B9A2D8C}" type="pres">
+      <dgm:prSet presAssocID="{DFA25D06-E52C-4FEC-9482-6CF75FEC2546}" presName="Name14" presStyleCnt="0"/>
       <dgm:spPr/>
     </dgm:pt>
-    <dgm:pt modelId="{4E413285-3F31-467C-8899-0E0F89A9DA8E}" type="pres">
-      <dgm:prSet presAssocID="{DFA25D06-E52C-4FEC-9482-6CF75FEC2546}" presName="text" presStyleLbl="fgAcc0" presStyleIdx="0" presStyleCnt="1">
+    <dgm:pt modelId="{C1AC3130-AEAA-424F-9060-FA6DA81F38DF}" type="pres">
+      <dgm:prSet presAssocID="{DFA25D06-E52C-4FEC-9482-6CF75FEC2546}" presName="level1Shape" presStyleLbl="node0" presStyleIdx="0" presStyleCnt="1">
         <dgm:presLayoutVars>
           <dgm:chPref val="3"/>
         </dgm:presLayoutVars>
@@ -5164,12 +5172,12 @@
         </a:p>
       </dgm:t>
     </dgm:pt>
-    <dgm:pt modelId="{EF20D13F-2362-4A7B-A635-AEA5C5BA8C5A}" type="pres">
+    <dgm:pt modelId="{CEC20D0E-8050-4395-8C17-2826ACC09D7C}" type="pres">
       <dgm:prSet presAssocID="{DFA25D06-E52C-4FEC-9482-6CF75FEC2546}" presName="hierChild2" presStyleCnt="0"/>
       <dgm:spPr/>
     </dgm:pt>
-    <dgm:pt modelId="{5327C8D4-D657-41D7-9D0E-DC09DB9D5418}" type="pres">
-      <dgm:prSet presAssocID="{03FF4D50-5BB7-4079-8326-669B8223CB12}" presName="Name10" presStyleLbl="parChTrans1D2" presStyleIdx="0" presStyleCnt="5"/>
+    <dgm:pt modelId="{0A0B9721-61E0-4DCB-A8A5-80C85F8DF7A9}" type="pres">
+      <dgm:prSet presAssocID="{03FF4D50-5BB7-4079-8326-669B8223CB12}" presName="Name19" presStyleLbl="parChTrans1D2" presStyleIdx="0" presStyleCnt="5"/>
       <dgm:spPr/>
       <dgm:t>
         <a:bodyPr/>
@@ -5179,24 +5187,12 @@
         </a:p>
       </dgm:t>
     </dgm:pt>
-    <dgm:pt modelId="{0146529F-C6E0-4789-B018-92DC36ED8536}" type="pres">
-      <dgm:prSet presAssocID="{B2396658-AA41-47F2-949F-30F74E743415}" presName="hierRoot2" presStyleCnt="0"/>
+    <dgm:pt modelId="{5DA5CEFA-3C03-499B-891D-DB469CD14D21}" type="pres">
+      <dgm:prSet presAssocID="{B2396658-AA41-47F2-949F-30F74E743415}" presName="Name21" presStyleCnt="0"/>
       <dgm:spPr/>
     </dgm:pt>
-    <dgm:pt modelId="{CBB70BE7-7C2D-477F-9B6B-E47A6A7D49D6}" type="pres">
-      <dgm:prSet presAssocID="{B2396658-AA41-47F2-949F-30F74E743415}" presName="composite2" presStyleCnt="0"/>
-      <dgm:spPr/>
-    </dgm:pt>
-    <dgm:pt modelId="{59647FD9-A0C9-4730-8A1F-316B6BCF92AA}" type="pres">
-      <dgm:prSet presAssocID="{B2396658-AA41-47F2-949F-30F74E743415}" presName="background2" presStyleLbl="asst1" presStyleIdx="0" presStyleCnt="7"/>
-      <dgm:spPr/>
-    </dgm:pt>
-    <dgm:pt modelId="{7A8F210D-9538-40D0-BC37-94C3D4A55686}" type="pres">
-      <dgm:prSet presAssocID="{B2396658-AA41-47F2-949F-30F74E743415}" presName="text2" presStyleLbl="fgAcc2" presStyleIdx="0" presStyleCnt="5">
-        <dgm:presLayoutVars>
-          <dgm:chPref val="3"/>
-        </dgm:presLayoutVars>
-      </dgm:prSet>
+    <dgm:pt modelId="{1EB27D24-91A7-40AC-B1D1-4D3C944BBD3D}" type="pres">
+      <dgm:prSet presAssocID="{B2396658-AA41-47F2-949F-30F74E743415}" presName="level2Shape" presStyleLbl="asst1" presStyleIdx="0" presStyleCnt="7"/>
       <dgm:spPr/>
       <dgm:t>
         <a:bodyPr/>
@@ -5206,12 +5202,12 @@
         </a:p>
       </dgm:t>
     </dgm:pt>
-    <dgm:pt modelId="{A6065ECE-515F-4EAD-9F5F-6D5E00978ED2}" type="pres">
+    <dgm:pt modelId="{22F99C12-1ADC-4217-8821-817DC779C73E}" type="pres">
       <dgm:prSet presAssocID="{B2396658-AA41-47F2-949F-30F74E743415}" presName="hierChild3" presStyleCnt="0"/>
       <dgm:spPr/>
     </dgm:pt>
-    <dgm:pt modelId="{1CDF7785-F7C6-4A54-BC0D-06D2FE58E0FF}" type="pres">
-      <dgm:prSet presAssocID="{47F510FC-8412-4AB2-9E42-0712D3D9B38F}" presName="Name17" presStyleLbl="parChTrans1D3" presStyleIdx="0" presStyleCnt="13"/>
+    <dgm:pt modelId="{03457F5B-1CD9-437C-8E33-3CA3EE1B6B90}" type="pres">
+      <dgm:prSet presAssocID="{47F510FC-8412-4AB2-9E42-0712D3D9B38F}" presName="Name19" presStyleLbl="parChTrans1D3" presStyleIdx="0" presStyleCnt="13"/>
       <dgm:spPr/>
       <dgm:t>
         <a:bodyPr/>
@@ -5221,24 +5217,12 @@
         </a:p>
       </dgm:t>
     </dgm:pt>
-    <dgm:pt modelId="{C68431BB-C486-4040-B808-CB75DBA9D0B5}" type="pres">
-      <dgm:prSet presAssocID="{71A99BC8-9602-4220-875D-444EB6BD8319}" presName="hierRoot3" presStyleCnt="0"/>
+    <dgm:pt modelId="{C16C612B-36AC-4B5E-A0B7-52159D059282}" type="pres">
+      <dgm:prSet presAssocID="{71A99BC8-9602-4220-875D-444EB6BD8319}" presName="Name21" presStyleCnt="0"/>
       <dgm:spPr/>
     </dgm:pt>
-    <dgm:pt modelId="{906A7BA0-FC9A-49D0-96F3-58F207244157}" type="pres">
-      <dgm:prSet presAssocID="{71A99BC8-9602-4220-875D-444EB6BD8319}" presName="composite3" presStyleCnt="0"/>
-      <dgm:spPr/>
-    </dgm:pt>
-    <dgm:pt modelId="{9E7604FC-C5A1-4C9C-BA82-444098FC5D8B}" type="pres">
-      <dgm:prSet presAssocID="{71A99BC8-9602-4220-875D-444EB6BD8319}" presName="background3" presStyleLbl="asst1" presStyleIdx="1" presStyleCnt="7"/>
-      <dgm:spPr/>
-    </dgm:pt>
-    <dgm:pt modelId="{38580B1E-15FB-4C69-962E-03DC1CFBA672}" type="pres">
-      <dgm:prSet presAssocID="{71A99BC8-9602-4220-875D-444EB6BD8319}" presName="text3" presStyleLbl="fgAcc3" presStyleIdx="0" presStyleCnt="13">
-        <dgm:presLayoutVars>
-          <dgm:chPref val="3"/>
-        </dgm:presLayoutVars>
-      </dgm:prSet>
+    <dgm:pt modelId="{84329A73-76C0-4AA6-A3C0-F22672D6CED2}" type="pres">
+      <dgm:prSet presAssocID="{71A99BC8-9602-4220-875D-444EB6BD8319}" presName="level2Shape" presStyleLbl="asst1" presStyleIdx="1" presStyleCnt="7"/>
       <dgm:spPr/>
       <dgm:t>
         <a:bodyPr/>
@@ -5248,12 +5232,12 @@
         </a:p>
       </dgm:t>
     </dgm:pt>
-    <dgm:pt modelId="{1E7F6E36-8694-4420-AF11-0DC0D1200C60}" type="pres">
-      <dgm:prSet presAssocID="{71A99BC8-9602-4220-875D-444EB6BD8319}" presName="hierChild4" presStyleCnt="0"/>
+    <dgm:pt modelId="{E0606F0A-9B3C-4600-B05B-79D80CE466CB}" type="pres">
+      <dgm:prSet presAssocID="{71A99BC8-9602-4220-875D-444EB6BD8319}" presName="hierChild3" presStyleCnt="0"/>
       <dgm:spPr/>
     </dgm:pt>
-    <dgm:pt modelId="{D531DDB3-DA1D-4704-95CB-F45A38B2C488}" type="pres">
-      <dgm:prSet presAssocID="{19C89BC9-5612-46A5-B381-A7724317D947}" presName="Name17" presStyleLbl="parChTrans1D3" presStyleIdx="1" presStyleCnt="13"/>
+    <dgm:pt modelId="{C694AC81-B733-4129-9E19-0FDA75524BB4}" type="pres">
+      <dgm:prSet presAssocID="{19C89BC9-5612-46A5-B381-A7724317D947}" presName="Name19" presStyleLbl="parChTrans1D3" presStyleIdx="1" presStyleCnt="13"/>
       <dgm:spPr/>
       <dgm:t>
         <a:bodyPr/>
@@ -5263,24 +5247,12 @@
         </a:p>
       </dgm:t>
     </dgm:pt>
-    <dgm:pt modelId="{93DF72FB-8698-450D-85FC-8D8B2F164E21}" type="pres">
-      <dgm:prSet presAssocID="{E702B3D4-3B7B-49CC-8F0B-4AE3EAAB16B9}" presName="hierRoot3" presStyleCnt="0"/>
+    <dgm:pt modelId="{A6DC599B-BE51-4EE1-99C9-D03DB77F0045}" type="pres">
+      <dgm:prSet presAssocID="{E702B3D4-3B7B-49CC-8F0B-4AE3EAAB16B9}" presName="Name21" presStyleCnt="0"/>
       <dgm:spPr/>
     </dgm:pt>
-    <dgm:pt modelId="{F6839D78-D519-4037-B133-EE660F147124}" type="pres">
-      <dgm:prSet presAssocID="{E702B3D4-3B7B-49CC-8F0B-4AE3EAAB16B9}" presName="composite3" presStyleCnt="0"/>
-      <dgm:spPr/>
-    </dgm:pt>
-    <dgm:pt modelId="{29746384-5EF8-439F-A31E-ECD3DDFCA18F}" type="pres">
-      <dgm:prSet presAssocID="{E702B3D4-3B7B-49CC-8F0B-4AE3EAAB16B9}" presName="background3" presStyleLbl="asst1" presStyleIdx="2" presStyleCnt="7"/>
-      <dgm:spPr/>
-    </dgm:pt>
-    <dgm:pt modelId="{A90011EA-7EFB-4866-8BBD-47BCA30719FB}" type="pres">
-      <dgm:prSet presAssocID="{E702B3D4-3B7B-49CC-8F0B-4AE3EAAB16B9}" presName="text3" presStyleLbl="fgAcc3" presStyleIdx="1" presStyleCnt="13">
-        <dgm:presLayoutVars>
-          <dgm:chPref val="3"/>
-        </dgm:presLayoutVars>
-      </dgm:prSet>
+    <dgm:pt modelId="{FF4D5B63-92A9-4AED-84F3-80B999B27E64}" type="pres">
+      <dgm:prSet presAssocID="{E702B3D4-3B7B-49CC-8F0B-4AE3EAAB16B9}" presName="level2Shape" presStyleLbl="asst1" presStyleIdx="2" presStyleCnt="7"/>
       <dgm:spPr/>
       <dgm:t>
         <a:bodyPr/>
@@ -5290,12 +5262,12 @@
         </a:p>
       </dgm:t>
     </dgm:pt>
-    <dgm:pt modelId="{62563239-5E2E-49C9-AA44-0E9EC5230B86}" type="pres">
-      <dgm:prSet presAssocID="{E702B3D4-3B7B-49CC-8F0B-4AE3EAAB16B9}" presName="hierChild4" presStyleCnt="0"/>
+    <dgm:pt modelId="{075D34AD-8858-4BC8-B92A-96757B76CB7C}" type="pres">
+      <dgm:prSet presAssocID="{E702B3D4-3B7B-49CC-8F0B-4AE3EAAB16B9}" presName="hierChild3" presStyleCnt="0"/>
       <dgm:spPr/>
     </dgm:pt>
-    <dgm:pt modelId="{0F39A272-D989-4FB1-A1D6-67EB31ED0A19}" type="pres">
-      <dgm:prSet presAssocID="{94AE0677-33F6-40B9-912C-C13CB330A885}" presName="Name23" presStyleLbl="parChTrans1D4" presStyleIdx="0" presStyleCnt="4"/>
+    <dgm:pt modelId="{A1EA0B67-E795-4897-81C3-84B2BA8F22C3}" type="pres">
+      <dgm:prSet presAssocID="{94AE0677-33F6-40B9-912C-C13CB330A885}" presName="Name19" presStyleLbl="parChTrans1D4" presStyleIdx="0" presStyleCnt="4"/>
       <dgm:spPr/>
       <dgm:t>
         <a:bodyPr/>
@@ -5305,24 +5277,12 @@
         </a:p>
       </dgm:t>
     </dgm:pt>
-    <dgm:pt modelId="{F1262E82-0C70-498D-8BC5-2B5733D83827}" type="pres">
-      <dgm:prSet presAssocID="{71C0B651-B1BC-4956-BFB1-07266DFAD327}" presName="hierRoot4" presStyleCnt="0"/>
+    <dgm:pt modelId="{D2C9C563-8493-4EB4-91D0-35E62682178F}" type="pres">
+      <dgm:prSet presAssocID="{71C0B651-B1BC-4956-BFB1-07266DFAD327}" presName="Name21" presStyleCnt="0"/>
       <dgm:spPr/>
     </dgm:pt>
-    <dgm:pt modelId="{66F71B13-47DD-4F69-B220-3D880FF94D9F}" type="pres">
-      <dgm:prSet presAssocID="{71C0B651-B1BC-4956-BFB1-07266DFAD327}" presName="composite4" presStyleCnt="0"/>
-      <dgm:spPr/>
-    </dgm:pt>
-    <dgm:pt modelId="{E5F4F968-4902-48AE-876D-9E0F4DC49116}" type="pres">
-      <dgm:prSet presAssocID="{71C0B651-B1BC-4956-BFB1-07266DFAD327}" presName="background4" presStyleLbl="node4" presStyleIdx="0" presStyleCnt="4"/>
-      <dgm:spPr/>
-    </dgm:pt>
-    <dgm:pt modelId="{4A7455EC-ACDE-4967-AE95-F407E738DA74}" type="pres">
-      <dgm:prSet presAssocID="{71C0B651-B1BC-4956-BFB1-07266DFAD327}" presName="text4" presStyleLbl="fgAcc4" presStyleIdx="0" presStyleCnt="4">
-        <dgm:presLayoutVars>
-          <dgm:chPref val="3"/>
-        </dgm:presLayoutVars>
-      </dgm:prSet>
+    <dgm:pt modelId="{FC561924-EA86-4711-99AB-F7D489E68226}" type="pres">
+      <dgm:prSet presAssocID="{71C0B651-B1BC-4956-BFB1-07266DFAD327}" presName="level2Shape" presStyleLbl="node4" presStyleIdx="0" presStyleCnt="4"/>
       <dgm:spPr/>
       <dgm:t>
         <a:bodyPr/>
@@ -5332,12 +5292,12 @@
         </a:p>
       </dgm:t>
     </dgm:pt>
-    <dgm:pt modelId="{3043DEDB-3F51-411B-BC02-863CFD56887D}" type="pres">
-      <dgm:prSet presAssocID="{71C0B651-B1BC-4956-BFB1-07266DFAD327}" presName="hierChild5" presStyleCnt="0"/>
+    <dgm:pt modelId="{F557DCF8-5B3C-45C1-866E-E77B677186C2}" type="pres">
+      <dgm:prSet presAssocID="{71C0B651-B1BC-4956-BFB1-07266DFAD327}" presName="hierChild3" presStyleCnt="0"/>
       <dgm:spPr/>
     </dgm:pt>
-    <dgm:pt modelId="{E20139DB-A6E5-4A3F-B73E-464B10F45BB4}" type="pres">
-      <dgm:prSet presAssocID="{067A6633-C4CF-492E-A614-377F53BEC2F5}" presName="Name10" presStyleLbl="parChTrans1D2" presStyleIdx="1" presStyleCnt="5"/>
+    <dgm:pt modelId="{4A05A305-7F73-4010-8359-1EA45A773877}" type="pres">
+      <dgm:prSet presAssocID="{067A6633-C4CF-492E-A614-377F53BEC2F5}" presName="Name19" presStyleLbl="parChTrans1D2" presStyleIdx="1" presStyleCnt="5"/>
       <dgm:spPr/>
       <dgm:t>
         <a:bodyPr/>
@@ -5347,24 +5307,12 @@
         </a:p>
       </dgm:t>
     </dgm:pt>
-    <dgm:pt modelId="{F2D006BB-52E9-4252-A785-7CE5454AEBE3}" type="pres">
-      <dgm:prSet presAssocID="{BAB7B0BA-A581-4D0E-B2EA-447F1B6FCE92}" presName="hierRoot2" presStyleCnt="0"/>
+    <dgm:pt modelId="{FE81708A-6591-414B-8B22-BE622D4B843D}" type="pres">
+      <dgm:prSet presAssocID="{BAB7B0BA-A581-4D0E-B2EA-447F1B6FCE92}" presName="Name21" presStyleCnt="0"/>
       <dgm:spPr/>
     </dgm:pt>
-    <dgm:pt modelId="{C2FFDA47-8F53-4227-9B00-8BA3249C4799}" type="pres">
-      <dgm:prSet presAssocID="{BAB7B0BA-A581-4D0E-B2EA-447F1B6FCE92}" presName="composite2" presStyleCnt="0"/>
-      <dgm:spPr/>
-    </dgm:pt>
-    <dgm:pt modelId="{E8E4C296-654A-494B-8DC4-98F5C2F49A58}" type="pres">
-      <dgm:prSet presAssocID="{BAB7B0BA-A581-4D0E-B2EA-447F1B6FCE92}" presName="background2" presStyleLbl="asst1" presStyleIdx="3" presStyleCnt="7"/>
-      <dgm:spPr/>
-    </dgm:pt>
-    <dgm:pt modelId="{93851792-4549-48EC-AC4B-6E93EDD8270D}" type="pres">
-      <dgm:prSet presAssocID="{BAB7B0BA-A581-4D0E-B2EA-447F1B6FCE92}" presName="text2" presStyleLbl="fgAcc2" presStyleIdx="1" presStyleCnt="5">
-        <dgm:presLayoutVars>
-          <dgm:chPref val="3"/>
-        </dgm:presLayoutVars>
-      </dgm:prSet>
+    <dgm:pt modelId="{78EC2BC2-457F-4A16-A863-0501DD3CDFD4}" type="pres">
+      <dgm:prSet presAssocID="{BAB7B0BA-A581-4D0E-B2EA-447F1B6FCE92}" presName="level2Shape" presStyleLbl="asst1" presStyleIdx="3" presStyleCnt="7"/>
       <dgm:spPr/>
       <dgm:t>
         <a:bodyPr/>
@@ -5374,12 +5322,12 @@
         </a:p>
       </dgm:t>
     </dgm:pt>
-    <dgm:pt modelId="{FE4F0C87-ACF6-47F2-B29C-583C7D52F845}" type="pres">
+    <dgm:pt modelId="{1E15153E-F0D1-4397-9104-01972CCE5024}" type="pres">
       <dgm:prSet presAssocID="{BAB7B0BA-A581-4D0E-B2EA-447F1B6FCE92}" presName="hierChild3" presStyleCnt="0"/>
       <dgm:spPr/>
     </dgm:pt>
-    <dgm:pt modelId="{7B415A85-BF52-47CD-AC84-A104C406C7E5}" type="pres">
-      <dgm:prSet presAssocID="{75F11DF8-45DB-490C-8ACC-01F0ECE1FC78}" presName="Name17" presStyleLbl="parChTrans1D3" presStyleIdx="2" presStyleCnt="13"/>
+    <dgm:pt modelId="{0B52FC43-F757-45E8-949B-0EAD8D7C2096}" type="pres">
+      <dgm:prSet presAssocID="{75F11DF8-45DB-490C-8ACC-01F0ECE1FC78}" presName="Name19" presStyleLbl="parChTrans1D3" presStyleIdx="2" presStyleCnt="13"/>
       <dgm:spPr/>
       <dgm:t>
         <a:bodyPr/>
@@ -5389,24 +5337,12 @@
         </a:p>
       </dgm:t>
     </dgm:pt>
-    <dgm:pt modelId="{7FBAF406-73FE-4736-9BB7-9E21AE848A3A}" type="pres">
-      <dgm:prSet presAssocID="{CDEA9B89-C599-4680-9C82-417F27C61C8B}" presName="hierRoot3" presStyleCnt="0"/>
+    <dgm:pt modelId="{3B65B1D5-7A8D-477E-9F0E-BC1371FF1AD4}" type="pres">
+      <dgm:prSet presAssocID="{CDEA9B89-C599-4680-9C82-417F27C61C8B}" presName="Name21" presStyleCnt="0"/>
       <dgm:spPr/>
     </dgm:pt>
-    <dgm:pt modelId="{73905521-3DD8-494F-93E7-DA03CDB9B895}" type="pres">
-      <dgm:prSet presAssocID="{CDEA9B89-C599-4680-9C82-417F27C61C8B}" presName="composite3" presStyleCnt="0"/>
-      <dgm:spPr/>
-    </dgm:pt>
-    <dgm:pt modelId="{52D11D68-CEB4-42C8-BAF9-5136B9491076}" type="pres">
-      <dgm:prSet presAssocID="{CDEA9B89-C599-4680-9C82-417F27C61C8B}" presName="background3" presStyleLbl="node3" presStyleIdx="0" presStyleCnt="11"/>
-      <dgm:spPr/>
-    </dgm:pt>
-    <dgm:pt modelId="{1256F279-1A6C-4F76-B74A-C078AD630D88}" type="pres">
-      <dgm:prSet presAssocID="{CDEA9B89-C599-4680-9C82-417F27C61C8B}" presName="text3" presStyleLbl="fgAcc3" presStyleIdx="2" presStyleCnt="13">
-        <dgm:presLayoutVars>
-          <dgm:chPref val="3"/>
-        </dgm:presLayoutVars>
-      </dgm:prSet>
+    <dgm:pt modelId="{F06B61BC-80BE-4874-AB05-15E620FB0F82}" type="pres">
+      <dgm:prSet presAssocID="{CDEA9B89-C599-4680-9C82-417F27C61C8B}" presName="level2Shape" presStyleLbl="node3" presStyleIdx="0" presStyleCnt="11"/>
       <dgm:spPr/>
       <dgm:t>
         <a:bodyPr/>
@@ -5416,12 +5352,12 @@
         </a:p>
       </dgm:t>
     </dgm:pt>
-    <dgm:pt modelId="{9DFD53C9-E5B2-4445-A50F-7ED3605A8594}" type="pres">
-      <dgm:prSet presAssocID="{CDEA9B89-C599-4680-9C82-417F27C61C8B}" presName="hierChild4" presStyleCnt="0"/>
+    <dgm:pt modelId="{054ABBEE-5200-47D9-9B81-E165122BE994}" type="pres">
+      <dgm:prSet presAssocID="{CDEA9B89-C599-4680-9C82-417F27C61C8B}" presName="hierChild3" presStyleCnt="0"/>
       <dgm:spPr/>
     </dgm:pt>
-    <dgm:pt modelId="{7FEAEC89-55B2-47C4-9833-5210F598E0A1}" type="pres">
-      <dgm:prSet presAssocID="{75CE5685-D60B-4AF9-BE33-B763F45D9977}" presName="Name23" presStyleLbl="parChTrans1D4" presStyleIdx="1" presStyleCnt="4"/>
+    <dgm:pt modelId="{93903E97-D09F-487C-8617-F28DD6BD6250}" type="pres">
+      <dgm:prSet presAssocID="{75CE5685-D60B-4AF9-BE33-B763F45D9977}" presName="Name19" presStyleLbl="parChTrans1D4" presStyleIdx="1" presStyleCnt="4"/>
       <dgm:spPr/>
       <dgm:t>
         <a:bodyPr/>
@@ -5431,24 +5367,12 @@
         </a:p>
       </dgm:t>
     </dgm:pt>
-    <dgm:pt modelId="{DAE57AA6-6510-460B-9212-DF5EB14305CF}" type="pres">
-      <dgm:prSet presAssocID="{DC4A7EF7-B4AC-4F5D-AAF5-D20918C23581}" presName="hierRoot4" presStyleCnt="0"/>
+    <dgm:pt modelId="{D8256505-6E45-4797-BEA0-9210B5653FB3}" type="pres">
+      <dgm:prSet presAssocID="{DC4A7EF7-B4AC-4F5D-AAF5-D20918C23581}" presName="Name21" presStyleCnt="0"/>
       <dgm:spPr/>
     </dgm:pt>
-    <dgm:pt modelId="{97BEE893-FE55-4274-8D78-E0DBB014B228}" type="pres">
-      <dgm:prSet presAssocID="{DC4A7EF7-B4AC-4F5D-AAF5-D20918C23581}" presName="composite4" presStyleCnt="0"/>
-      <dgm:spPr/>
-    </dgm:pt>
-    <dgm:pt modelId="{2DE76FE8-C457-4805-97E8-D62109F75306}" type="pres">
-      <dgm:prSet presAssocID="{DC4A7EF7-B4AC-4F5D-AAF5-D20918C23581}" presName="background4" presStyleLbl="node4" presStyleIdx="1" presStyleCnt="4"/>
-      <dgm:spPr/>
-    </dgm:pt>
-    <dgm:pt modelId="{3D79B4A5-8C36-4545-9003-A52EABB3631C}" type="pres">
-      <dgm:prSet presAssocID="{DC4A7EF7-B4AC-4F5D-AAF5-D20918C23581}" presName="text4" presStyleLbl="fgAcc4" presStyleIdx="1" presStyleCnt="4">
-        <dgm:presLayoutVars>
-          <dgm:chPref val="3"/>
-        </dgm:presLayoutVars>
-      </dgm:prSet>
+    <dgm:pt modelId="{2D4FBE79-A3EF-4463-90C5-7A73403F0B55}" type="pres">
+      <dgm:prSet presAssocID="{DC4A7EF7-B4AC-4F5D-AAF5-D20918C23581}" presName="level2Shape" presStyleLbl="node4" presStyleIdx="1" presStyleCnt="4"/>
       <dgm:spPr/>
       <dgm:t>
         <a:bodyPr/>
@@ -5458,12 +5382,12 @@
         </a:p>
       </dgm:t>
     </dgm:pt>
-    <dgm:pt modelId="{0F04B6F3-825B-4EE1-BD95-BADB24CD0031}" type="pres">
-      <dgm:prSet presAssocID="{DC4A7EF7-B4AC-4F5D-AAF5-D20918C23581}" presName="hierChild5" presStyleCnt="0"/>
+    <dgm:pt modelId="{06DFEBE5-B5B2-4792-8023-702762C27AD1}" type="pres">
+      <dgm:prSet presAssocID="{DC4A7EF7-B4AC-4F5D-AAF5-D20918C23581}" presName="hierChild3" presStyleCnt="0"/>
       <dgm:spPr/>
     </dgm:pt>
-    <dgm:pt modelId="{AEE714BA-DDBA-4D63-90C9-4F7F4174B35E}" type="pres">
-      <dgm:prSet presAssocID="{9DC56F9E-14ED-4927-A571-7123A2145292}" presName="Name23" presStyleLbl="parChTrans1D4" presStyleIdx="2" presStyleCnt="4"/>
+    <dgm:pt modelId="{BAF7DF61-CBD6-4812-BBAE-9D45BF9F122D}" type="pres">
+      <dgm:prSet presAssocID="{9DC56F9E-14ED-4927-A571-7123A2145292}" presName="Name19" presStyleLbl="parChTrans1D4" presStyleIdx="2" presStyleCnt="4"/>
       <dgm:spPr/>
       <dgm:t>
         <a:bodyPr/>
@@ -5473,24 +5397,12 @@
         </a:p>
       </dgm:t>
     </dgm:pt>
-    <dgm:pt modelId="{F363E6C7-2D8E-46B7-A1BD-A6ED5AEBBA5E}" type="pres">
-      <dgm:prSet presAssocID="{C2FD08F5-E57F-4690-BBB5-026AAAFD7DA1}" presName="hierRoot4" presStyleCnt="0"/>
+    <dgm:pt modelId="{777AAB68-C65B-4CDE-BAE8-EE1FAF21B373}" type="pres">
+      <dgm:prSet presAssocID="{C2FD08F5-E57F-4690-BBB5-026AAAFD7DA1}" presName="Name21" presStyleCnt="0"/>
       <dgm:spPr/>
     </dgm:pt>
-    <dgm:pt modelId="{C15A4CA8-EA5A-40BA-8F93-252366B74DA5}" type="pres">
-      <dgm:prSet presAssocID="{C2FD08F5-E57F-4690-BBB5-026AAAFD7DA1}" presName="composite4" presStyleCnt="0"/>
-      <dgm:spPr/>
-    </dgm:pt>
-    <dgm:pt modelId="{A6B8837F-C4B4-4921-A953-F95F8928F526}" type="pres">
-      <dgm:prSet presAssocID="{C2FD08F5-E57F-4690-BBB5-026AAAFD7DA1}" presName="background4" presStyleLbl="node4" presStyleIdx="2" presStyleCnt="4"/>
-      <dgm:spPr/>
-    </dgm:pt>
-    <dgm:pt modelId="{58E8C8B7-6283-40B4-BA71-97BE95AC6F84}" type="pres">
-      <dgm:prSet presAssocID="{C2FD08F5-E57F-4690-BBB5-026AAAFD7DA1}" presName="text4" presStyleLbl="fgAcc4" presStyleIdx="2" presStyleCnt="4">
-        <dgm:presLayoutVars>
-          <dgm:chPref val="3"/>
-        </dgm:presLayoutVars>
-      </dgm:prSet>
+    <dgm:pt modelId="{E2A9597E-D1C3-4382-AC91-3040ADEF2195}" type="pres">
+      <dgm:prSet presAssocID="{C2FD08F5-E57F-4690-BBB5-026AAAFD7DA1}" presName="level2Shape" presStyleLbl="node4" presStyleIdx="2" presStyleCnt="4"/>
       <dgm:spPr/>
       <dgm:t>
         <a:bodyPr/>
@@ -5500,12 +5412,12 @@
         </a:p>
       </dgm:t>
     </dgm:pt>
-    <dgm:pt modelId="{DF8D6DC8-90C4-42F1-A22E-A264C63733EA}" type="pres">
-      <dgm:prSet presAssocID="{C2FD08F5-E57F-4690-BBB5-026AAAFD7DA1}" presName="hierChild5" presStyleCnt="0"/>
+    <dgm:pt modelId="{DD53337F-312D-4581-8912-83E16DFB2A47}" type="pres">
+      <dgm:prSet presAssocID="{C2FD08F5-E57F-4690-BBB5-026AAAFD7DA1}" presName="hierChild3" presStyleCnt="0"/>
       <dgm:spPr/>
     </dgm:pt>
-    <dgm:pt modelId="{78302FCD-CE60-429D-ABDB-77AA9BA7F696}" type="pres">
-      <dgm:prSet presAssocID="{9A0346B3-3447-44D1-AE54-774D34FAD2CC}" presName="Name17" presStyleLbl="parChTrans1D3" presStyleIdx="3" presStyleCnt="13"/>
+    <dgm:pt modelId="{D09CD0E6-4F38-4F76-947A-FA38F7454806}" type="pres">
+      <dgm:prSet presAssocID="{9A0346B3-3447-44D1-AE54-774D34FAD2CC}" presName="Name19" presStyleLbl="parChTrans1D3" presStyleIdx="3" presStyleCnt="13"/>
       <dgm:spPr/>
       <dgm:t>
         <a:bodyPr/>
@@ -5515,24 +5427,12 @@
         </a:p>
       </dgm:t>
     </dgm:pt>
-    <dgm:pt modelId="{E3BF4557-DC41-448B-BA6B-B814D98B6DCA}" type="pres">
-      <dgm:prSet presAssocID="{35C5DE37-EC7B-4B38-9D4D-35B374EC4B0E}" presName="hierRoot3" presStyleCnt="0"/>
+    <dgm:pt modelId="{31571CD2-304F-45C8-BD26-D32C4B976DF4}" type="pres">
+      <dgm:prSet presAssocID="{35C5DE37-EC7B-4B38-9D4D-35B374EC4B0E}" presName="Name21" presStyleCnt="0"/>
       <dgm:spPr/>
     </dgm:pt>
-    <dgm:pt modelId="{CB537428-7FF4-4C5F-ABCC-426E4FF4EAC5}" type="pres">
-      <dgm:prSet presAssocID="{35C5DE37-EC7B-4B38-9D4D-35B374EC4B0E}" presName="composite3" presStyleCnt="0"/>
-      <dgm:spPr/>
-    </dgm:pt>
-    <dgm:pt modelId="{63D1BDD9-EC6E-4506-B9D4-37DC1F7962B6}" type="pres">
-      <dgm:prSet presAssocID="{35C5DE37-EC7B-4B38-9D4D-35B374EC4B0E}" presName="background3" presStyleLbl="node3" presStyleIdx="1" presStyleCnt="11"/>
-      <dgm:spPr/>
-    </dgm:pt>
-    <dgm:pt modelId="{5CE8C2A1-0004-42B3-8207-5D9872D8A0F5}" type="pres">
-      <dgm:prSet presAssocID="{35C5DE37-EC7B-4B38-9D4D-35B374EC4B0E}" presName="text3" presStyleLbl="fgAcc3" presStyleIdx="3" presStyleCnt="13">
-        <dgm:presLayoutVars>
-          <dgm:chPref val="3"/>
-        </dgm:presLayoutVars>
-      </dgm:prSet>
+    <dgm:pt modelId="{4A54B0A5-28F7-426A-A644-4DD17AE359FD}" type="pres">
+      <dgm:prSet presAssocID="{35C5DE37-EC7B-4B38-9D4D-35B374EC4B0E}" presName="level2Shape" presStyleLbl="node3" presStyleIdx="1" presStyleCnt="11"/>
       <dgm:spPr/>
       <dgm:t>
         <a:bodyPr/>
@@ -5542,12 +5442,12 @@
         </a:p>
       </dgm:t>
     </dgm:pt>
-    <dgm:pt modelId="{7025D7AB-60ED-4F1E-AF62-20E09701A6DF}" type="pres">
-      <dgm:prSet presAssocID="{35C5DE37-EC7B-4B38-9D4D-35B374EC4B0E}" presName="hierChild4" presStyleCnt="0"/>
+    <dgm:pt modelId="{EF95C4DB-52A6-49BA-9246-FBF8B87E680D}" type="pres">
+      <dgm:prSet presAssocID="{35C5DE37-EC7B-4B38-9D4D-35B374EC4B0E}" presName="hierChild3" presStyleCnt="0"/>
       <dgm:spPr/>
     </dgm:pt>
-    <dgm:pt modelId="{8A55D92C-61F7-4B13-9A9F-287DDC59063C}" type="pres">
-      <dgm:prSet presAssocID="{B885048D-9053-47AC-909D-D8F89BC11F3B}" presName="Name10" presStyleLbl="parChTrans1D2" presStyleIdx="2" presStyleCnt="5"/>
+    <dgm:pt modelId="{709CFC6A-9772-4509-892B-DA5A935871B7}" type="pres">
+      <dgm:prSet presAssocID="{B885048D-9053-47AC-909D-D8F89BC11F3B}" presName="Name19" presStyleLbl="parChTrans1D2" presStyleIdx="2" presStyleCnt="5"/>
       <dgm:spPr/>
       <dgm:t>
         <a:bodyPr/>
@@ -5557,24 +5457,12 @@
         </a:p>
       </dgm:t>
     </dgm:pt>
-    <dgm:pt modelId="{14902029-61DB-40CA-8105-B27C1996C867}" type="pres">
-      <dgm:prSet presAssocID="{9475B7BC-3C6E-4F8B-86A2-02330295C367}" presName="hierRoot2" presStyleCnt="0"/>
+    <dgm:pt modelId="{434204FE-28BA-4CA1-80B2-EF68C0DC39C9}" type="pres">
+      <dgm:prSet presAssocID="{9475B7BC-3C6E-4F8B-86A2-02330295C367}" presName="Name21" presStyleCnt="0"/>
       <dgm:spPr/>
     </dgm:pt>
-    <dgm:pt modelId="{A520310F-B3E5-44BA-887E-A2A865C8B845}" type="pres">
-      <dgm:prSet presAssocID="{9475B7BC-3C6E-4F8B-86A2-02330295C367}" presName="composite2" presStyleCnt="0"/>
-      <dgm:spPr/>
-    </dgm:pt>
-    <dgm:pt modelId="{7223664F-BF0F-4D09-A441-B94F0A5BC5C1}" type="pres">
-      <dgm:prSet presAssocID="{9475B7BC-3C6E-4F8B-86A2-02330295C367}" presName="background2" presStyleLbl="asst1" presStyleIdx="4" presStyleCnt="7"/>
-      <dgm:spPr/>
-    </dgm:pt>
-    <dgm:pt modelId="{04B600F4-4BB9-49ED-ABDE-72597FEC67EB}" type="pres">
-      <dgm:prSet presAssocID="{9475B7BC-3C6E-4F8B-86A2-02330295C367}" presName="text2" presStyleLbl="fgAcc2" presStyleIdx="2" presStyleCnt="5">
-        <dgm:presLayoutVars>
-          <dgm:chPref val="3"/>
-        </dgm:presLayoutVars>
-      </dgm:prSet>
+    <dgm:pt modelId="{5333A29F-E554-46ED-B3EA-FC01FBFFEFCD}" type="pres">
+      <dgm:prSet presAssocID="{9475B7BC-3C6E-4F8B-86A2-02330295C367}" presName="level2Shape" presStyleLbl="asst1" presStyleIdx="4" presStyleCnt="7"/>
       <dgm:spPr/>
       <dgm:t>
         <a:bodyPr/>
@@ -5584,12 +5472,12 @@
         </a:p>
       </dgm:t>
     </dgm:pt>
-    <dgm:pt modelId="{43E95788-4887-4EC7-B5AC-59C828BB7204}" type="pres">
+    <dgm:pt modelId="{614AF847-6705-48D4-82F6-D8B511E6273E}" type="pres">
       <dgm:prSet presAssocID="{9475B7BC-3C6E-4F8B-86A2-02330295C367}" presName="hierChild3" presStyleCnt="0"/>
       <dgm:spPr/>
     </dgm:pt>
-    <dgm:pt modelId="{FF56A3BF-B215-4246-8715-BF750993814D}" type="pres">
-      <dgm:prSet presAssocID="{B015393B-2F22-47F4-8C1F-90727064926E}" presName="Name17" presStyleLbl="parChTrans1D3" presStyleIdx="4" presStyleCnt="13"/>
+    <dgm:pt modelId="{F24D4D7A-CD66-4588-B9D4-E9950282E51F}" type="pres">
+      <dgm:prSet presAssocID="{B015393B-2F22-47F4-8C1F-90727064926E}" presName="Name19" presStyleLbl="parChTrans1D3" presStyleIdx="4" presStyleCnt="13"/>
       <dgm:spPr/>
       <dgm:t>
         <a:bodyPr/>
@@ -5599,24 +5487,12 @@
         </a:p>
       </dgm:t>
     </dgm:pt>
-    <dgm:pt modelId="{ED3BD473-9805-4DA4-9563-BB8DDB80A0CA}" type="pres">
-      <dgm:prSet presAssocID="{D85F5AB4-99EE-4A1E-80F1-0148B92404C5}" presName="hierRoot3" presStyleCnt="0"/>
+    <dgm:pt modelId="{40C9AA87-0AB2-465B-B4DC-73EB026521A8}" type="pres">
+      <dgm:prSet presAssocID="{D85F5AB4-99EE-4A1E-80F1-0148B92404C5}" presName="Name21" presStyleCnt="0"/>
       <dgm:spPr/>
     </dgm:pt>
-    <dgm:pt modelId="{AF5B6B66-02DC-4E52-ABE2-289A208D41A7}" type="pres">
-      <dgm:prSet presAssocID="{D85F5AB4-99EE-4A1E-80F1-0148B92404C5}" presName="composite3" presStyleCnt="0"/>
-      <dgm:spPr/>
-    </dgm:pt>
-    <dgm:pt modelId="{5E51479E-71D5-482E-B93B-582856723F6D}" type="pres">
-      <dgm:prSet presAssocID="{D85F5AB4-99EE-4A1E-80F1-0148B92404C5}" presName="background3" presStyleLbl="node3" presStyleIdx="2" presStyleCnt="11"/>
-      <dgm:spPr/>
-    </dgm:pt>
-    <dgm:pt modelId="{C5496DC2-7525-4FD5-A053-481E05CD258A}" type="pres">
-      <dgm:prSet presAssocID="{D85F5AB4-99EE-4A1E-80F1-0148B92404C5}" presName="text3" presStyleLbl="fgAcc3" presStyleIdx="4" presStyleCnt="13">
-        <dgm:presLayoutVars>
-          <dgm:chPref val="3"/>
-        </dgm:presLayoutVars>
-      </dgm:prSet>
+    <dgm:pt modelId="{22A8866C-EE3B-4208-A4A8-E6151251A672}" type="pres">
+      <dgm:prSet presAssocID="{D85F5AB4-99EE-4A1E-80F1-0148B92404C5}" presName="level2Shape" presStyleLbl="node3" presStyleIdx="2" presStyleCnt="11"/>
       <dgm:spPr/>
       <dgm:t>
         <a:bodyPr/>
@@ -5626,12 +5502,12 @@
         </a:p>
       </dgm:t>
     </dgm:pt>
-    <dgm:pt modelId="{C211D248-1C85-47AB-9D4A-538F616869BD}" type="pres">
-      <dgm:prSet presAssocID="{D85F5AB4-99EE-4A1E-80F1-0148B92404C5}" presName="hierChild4" presStyleCnt="0"/>
+    <dgm:pt modelId="{E8D865F3-AFA6-4892-95BD-ECAB0151F0B9}" type="pres">
+      <dgm:prSet presAssocID="{D85F5AB4-99EE-4A1E-80F1-0148B92404C5}" presName="hierChild3" presStyleCnt="0"/>
       <dgm:spPr/>
     </dgm:pt>
-    <dgm:pt modelId="{9C28D996-77B5-4EFC-9F94-A8A01B4CEDD6}" type="pres">
-      <dgm:prSet presAssocID="{E532FFE0-7CB9-4735-8B3E-4CEA66C7C232}" presName="Name17" presStyleLbl="parChTrans1D3" presStyleIdx="5" presStyleCnt="13"/>
+    <dgm:pt modelId="{23B9C8A6-1954-4CFB-87A9-90CD143204BA}" type="pres">
+      <dgm:prSet presAssocID="{E532FFE0-7CB9-4735-8B3E-4CEA66C7C232}" presName="Name19" presStyleLbl="parChTrans1D3" presStyleIdx="5" presStyleCnt="13"/>
       <dgm:spPr/>
       <dgm:t>
         <a:bodyPr/>
@@ -5641,24 +5517,12 @@
         </a:p>
       </dgm:t>
     </dgm:pt>
-    <dgm:pt modelId="{48018389-C72C-4151-B5D2-D4ACBC0D3A61}" type="pres">
-      <dgm:prSet presAssocID="{30E4A96F-6F51-4F13-B37E-4174F4566204}" presName="hierRoot3" presStyleCnt="0"/>
+    <dgm:pt modelId="{599068CB-DF50-4C24-A388-ADD669A2BE31}" type="pres">
+      <dgm:prSet presAssocID="{30E4A96F-6F51-4F13-B37E-4174F4566204}" presName="Name21" presStyleCnt="0"/>
       <dgm:spPr/>
     </dgm:pt>
-    <dgm:pt modelId="{E7D79BDA-DF63-4555-9BAE-264E9D46E14C}" type="pres">
-      <dgm:prSet presAssocID="{30E4A96F-6F51-4F13-B37E-4174F4566204}" presName="composite3" presStyleCnt="0"/>
-      <dgm:spPr/>
-    </dgm:pt>
-    <dgm:pt modelId="{AFFDCF9B-15FB-4BE2-895E-3CEF36C09DE1}" type="pres">
-      <dgm:prSet presAssocID="{30E4A96F-6F51-4F13-B37E-4174F4566204}" presName="background3" presStyleLbl="node3" presStyleIdx="3" presStyleCnt="11"/>
-      <dgm:spPr/>
-    </dgm:pt>
-    <dgm:pt modelId="{24D23997-4BCE-4C11-B432-4BEA3A5F9410}" type="pres">
-      <dgm:prSet presAssocID="{30E4A96F-6F51-4F13-B37E-4174F4566204}" presName="text3" presStyleLbl="fgAcc3" presStyleIdx="5" presStyleCnt="13">
-        <dgm:presLayoutVars>
-          <dgm:chPref val="3"/>
-        </dgm:presLayoutVars>
-      </dgm:prSet>
+    <dgm:pt modelId="{1A4BC70B-B4EC-452C-BBE5-57C944F520B7}" type="pres">
+      <dgm:prSet presAssocID="{30E4A96F-6F51-4F13-B37E-4174F4566204}" presName="level2Shape" presStyleLbl="node3" presStyleIdx="3" presStyleCnt="11"/>
       <dgm:spPr/>
       <dgm:t>
         <a:bodyPr/>
@@ -5668,12 +5532,12 @@
         </a:p>
       </dgm:t>
     </dgm:pt>
-    <dgm:pt modelId="{E68B31A0-075C-4EE1-89ED-6B190B906F77}" type="pres">
-      <dgm:prSet presAssocID="{30E4A96F-6F51-4F13-B37E-4174F4566204}" presName="hierChild4" presStyleCnt="0"/>
+    <dgm:pt modelId="{209D6ACA-8605-43FE-9DF6-FA0D2166299A}" type="pres">
+      <dgm:prSet presAssocID="{30E4A96F-6F51-4F13-B37E-4174F4566204}" presName="hierChild3" presStyleCnt="0"/>
       <dgm:spPr/>
     </dgm:pt>
-    <dgm:pt modelId="{8546B7BA-C2F4-461E-86B3-48FD83F023F5}" type="pres">
-      <dgm:prSet presAssocID="{5985793E-B5C6-478C-AE80-2DA85071DE7C}" presName="Name17" presStyleLbl="parChTrans1D3" presStyleIdx="6" presStyleCnt="13"/>
+    <dgm:pt modelId="{FCF008A5-A1F9-4CD7-B3F0-A0607DF77C98}" type="pres">
+      <dgm:prSet presAssocID="{5985793E-B5C6-478C-AE80-2DA85071DE7C}" presName="Name19" presStyleLbl="parChTrans1D3" presStyleIdx="6" presStyleCnt="13"/>
       <dgm:spPr/>
       <dgm:t>
         <a:bodyPr/>
@@ -5683,24 +5547,12 @@
         </a:p>
       </dgm:t>
     </dgm:pt>
-    <dgm:pt modelId="{F9465A92-9CCD-44B1-B1F8-6697B7F62509}" type="pres">
-      <dgm:prSet presAssocID="{74708E20-C995-40E2-A885-65059E9EFB34}" presName="hierRoot3" presStyleCnt="0"/>
+    <dgm:pt modelId="{F808D83C-5963-4168-9223-99E3902C8CFB}" type="pres">
+      <dgm:prSet presAssocID="{74708E20-C995-40E2-A885-65059E9EFB34}" presName="Name21" presStyleCnt="0"/>
       <dgm:spPr/>
     </dgm:pt>
-    <dgm:pt modelId="{61FE5B12-10F8-4456-B5BF-7EF1A17BD637}" type="pres">
-      <dgm:prSet presAssocID="{74708E20-C995-40E2-A885-65059E9EFB34}" presName="composite3" presStyleCnt="0"/>
-      <dgm:spPr/>
-    </dgm:pt>
-    <dgm:pt modelId="{D26ED46C-3BF9-4A2A-95E5-BFC8E5882E3D}" type="pres">
-      <dgm:prSet presAssocID="{74708E20-C995-40E2-A885-65059E9EFB34}" presName="background3" presStyleLbl="node3" presStyleIdx="4" presStyleCnt="11"/>
-      <dgm:spPr/>
-    </dgm:pt>
-    <dgm:pt modelId="{EC49095F-AE9D-4FA3-9A16-EF347B829178}" type="pres">
-      <dgm:prSet presAssocID="{74708E20-C995-40E2-A885-65059E9EFB34}" presName="text3" presStyleLbl="fgAcc3" presStyleIdx="6" presStyleCnt="13">
-        <dgm:presLayoutVars>
-          <dgm:chPref val="3"/>
-        </dgm:presLayoutVars>
-      </dgm:prSet>
+    <dgm:pt modelId="{E514CF97-72E2-4BE2-9C1A-24A1C8B6C104}" type="pres">
+      <dgm:prSet presAssocID="{74708E20-C995-40E2-A885-65059E9EFB34}" presName="level2Shape" presStyleLbl="node3" presStyleIdx="4" presStyleCnt="11"/>
       <dgm:spPr/>
       <dgm:t>
         <a:bodyPr/>
@@ -5710,12 +5562,12 @@
         </a:p>
       </dgm:t>
     </dgm:pt>
-    <dgm:pt modelId="{87B8B744-AB35-41C2-95D8-3F268160DFFF}" type="pres">
-      <dgm:prSet presAssocID="{74708E20-C995-40E2-A885-65059E9EFB34}" presName="hierChild4" presStyleCnt="0"/>
+    <dgm:pt modelId="{A6A44A45-9252-447C-AFBA-DEBAD04AAC8B}" type="pres">
+      <dgm:prSet presAssocID="{74708E20-C995-40E2-A885-65059E9EFB34}" presName="hierChild3" presStyleCnt="0"/>
       <dgm:spPr/>
     </dgm:pt>
-    <dgm:pt modelId="{922FEA96-9506-4FA8-B6C7-D8A26FE1534A}" type="pres">
-      <dgm:prSet presAssocID="{922776D7-DBA0-4A58-9DFB-C6FD267881FC}" presName="Name10" presStyleLbl="parChTrans1D2" presStyleIdx="3" presStyleCnt="5"/>
+    <dgm:pt modelId="{E469686A-4276-4DEC-80BD-460ABA2E2AD0}" type="pres">
+      <dgm:prSet presAssocID="{922776D7-DBA0-4A58-9DFB-C6FD267881FC}" presName="Name19" presStyleLbl="parChTrans1D2" presStyleIdx="3" presStyleCnt="5"/>
       <dgm:spPr/>
       <dgm:t>
         <a:bodyPr/>
@@ -5725,24 +5577,12 @@
         </a:p>
       </dgm:t>
     </dgm:pt>
-    <dgm:pt modelId="{CADE1D80-B06C-4EB0-A3B0-D57500EC3011}" type="pres">
-      <dgm:prSet presAssocID="{1EFA85D2-EB77-4F05-84A0-41D01BEBC74A}" presName="hierRoot2" presStyleCnt="0"/>
+    <dgm:pt modelId="{738C873F-5C82-4CCE-AF5C-2338465ED4D5}" type="pres">
+      <dgm:prSet presAssocID="{1EFA85D2-EB77-4F05-84A0-41D01BEBC74A}" presName="Name21" presStyleCnt="0"/>
       <dgm:spPr/>
     </dgm:pt>
-    <dgm:pt modelId="{BAA17A93-BB69-482D-AD24-F6B354CD7D3F}" type="pres">
-      <dgm:prSet presAssocID="{1EFA85D2-EB77-4F05-84A0-41D01BEBC74A}" presName="composite2" presStyleCnt="0"/>
-      <dgm:spPr/>
-    </dgm:pt>
-    <dgm:pt modelId="{100A3676-7238-401E-9438-A79AEACB5651}" type="pres">
-      <dgm:prSet presAssocID="{1EFA85D2-EB77-4F05-84A0-41D01BEBC74A}" presName="background2" presStyleLbl="asst1" presStyleIdx="5" presStyleCnt="7"/>
-      <dgm:spPr/>
-    </dgm:pt>
-    <dgm:pt modelId="{C59CEA08-F567-4CD0-A44C-3617FAE36940}" type="pres">
-      <dgm:prSet presAssocID="{1EFA85D2-EB77-4F05-84A0-41D01BEBC74A}" presName="text2" presStyleLbl="fgAcc2" presStyleIdx="3" presStyleCnt="5">
-        <dgm:presLayoutVars>
-          <dgm:chPref val="3"/>
-        </dgm:presLayoutVars>
-      </dgm:prSet>
+    <dgm:pt modelId="{E24C99A8-E950-4165-B069-3821B376EB37}" type="pres">
+      <dgm:prSet presAssocID="{1EFA85D2-EB77-4F05-84A0-41D01BEBC74A}" presName="level2Shape" presStyleLbl="asst1" presStyleIdx="5" presStyleCnt="7"/>
       <dgm:spPr/>
       <dgm:t>
         <a:bodyPr/>
@@ -5752,12 +5592,12 @@
         </a:p>
       </dgm:t>
     </dgm:pt>
-    <dgm:pt modelId="{4F9CCEE6-3B13-41B6-9FA5-F1A709E9E35C}" type="pres">
+    <dgm:pt modelId="{D8BD1A50-E06C-499B-BCDC-88C6CC660E46}" type="pres">
       <dgm:prSet presAssocID="{1EFA85D2-EB77-4F05-84A0-41D01BEBC74A}" presName="hierChild3" presStyleCnt="0"/>
       <dgm:spPr/>
     </dgm:pt>
-    <dgm:pt modelId="{B999CA93-16E1-4893-9E87-62629E737C30}" type="pres">
-      <dgm:prSet presAssocID="{748BC84C-5B51-48F6-8A3C-E088D767DB63}" presName="Name17" presStyleLbl="parChTrans1D3" presStyleIdx="7" presStyleCnt="13"/>
+    <dgm:pt modelId="{0029D7A4-00A0-4553-999F-B68D0553B298}" type="pres">
+      <dgm:prSet presAssocID="{748BC84C-5B51-48F6-8A3C-E088D767DB63}" presName="Name19" presStyleLbl="parChTrans1D3" presStyleIdx="7" presStyleCnt="13"/>
       <dgm:spPr/>
       <dgm:t>
         <a:bodyPr/>
@@ -5767,24 +5607,12 @@
         </a:p>
       </dgm:t>
     </dgm:pt>
-    <dgm:pt modelId="{3313F681-40EB-4EA7-882B-B535F522D715}" type="pres">
-      <dgm:prSet presAssocID="{858DFAE1-4700-4F42-A27F-14A9DF5D8A62}" presName="hierRoot3" presStyleCnt="0"/>
+    <dgm:pt modelId="{995C283F-BC64-45E1-9997-C13009E64634}" type="pres">
+      <dgm:prSet presAssocID="{858DFAE1-4700-4F42-A27F-14A9DF5D8A62}" presName="Name21" presStyleCnt="0"/>
       <dgm:spPr/>
     </dgm:pt>
-    <dgm:pt modelId="{11742A65-9366-4BBA-BF15-8ADDDF0FD69D}" type="pres">
-      <dgm:prSet presAssocID="{858DFAE1-4700-4F42-A27F-14A9DF5D8A62}" presName="composite3" presStyleCnt="0"/>
-      <dgm:spPr/>
-    </dgm:pt>
-    <dgm:pt modelId="{BD9FC9C9-882E-45A0-8257-93CC0113FC87}" type="pres">
-      <dgm:prSet presAssocID="{858DFAE1-4700-4F42-A27F-14A9DF5D8A62}" presName="background3" presStyleLbl="node3" presStyleIdx="5" presStyleCnt="11"/>
-      <dgm:spPr/>
-    </dgm:pt>
-    <dgm:pt modelId="{D95D8436-AA11-4C54-838E-7AE5A9200664}" type="pres">
-      <dgm:prSet presAssocID="{858DFAE1-4700-4F42-A27F-14A9DF5D8A62}" presName="text3" presStyleLbl="fgAcc3" presStyleIdx="7" presStyleCnt="13">
-        <dgm:presLayoutVars>
-          <dgm:chPref val="3"/>
-        </dgm:presLayoutVars>
-      </dgm:prSet>
+    <dgm:pt modelId="{A95D7AC2-5D50-4B2D-B04E-471386875F48}" type="pres">
+      <dgm:prSet presAssocID="{858DFAE1-4700-4F42-A27F-14A9DF5D8A62}" presName="level2Shape" presStyleLbl="node3" presStyleIdx="5" presStyleCnt="11"/>
       <dgm:spPr/>
       <dgm:t>
         <a:bodyPr/>
@@ -5794,12 +5622,12 @@
         </a:p>
       </dgm:t>
     </dgm:pt>
-    <dgm:pt modelId="{D3802E6F-8A00-4FDC-AE3A-57443D2D04F3}" type="pres">
-      <dgm:prSet presAssocID="{858DFAE1-4700-4F42-A27F-14A9DF5D8A62}" presName="hierChild4" presStyleCnt="0"/>
+    <dgm:pt modelId="{74A90BC2-8DAD-4CE1-AD6A-6FCBF5057A33}" type="pres">
+      <dgm:prSet presAssocID="{858DFAE1-4700-4F42-A27F-14A9DF5D8A62}" presName="hierChild3" presStyleCnt="0"/>
       <dgm:spPr/>
     </dgm:pt>
-    <dgm:pt modelId="{1BB00B23-3CC6-4508-B3DC-A81AF0FA199B}" type="pres">
-      <dgm:prSet presAssocID="{0DC7CB2E-D3E7-40A3-84DE-14C8530B6C71}" presName="Name23" presStyleLbl="parChTrans1D4" presStyleIdx="3" presStyleCnt="4"/>
+    <dgm:pt modelId="{76A29399-B109-40F4-80C1-22C590F7EC68}" type="pres">
+      <dgm:prSet presAssocID="{0DC7CB2E-D3E7-40A3-84DE-14C8530B6C71}" presName="Name19" presStyleLbl="parChTrans1D4" presStyleIdx="3" presStyleCnt="4"/>
       <dgm:spPr/>
       <dgm:t>
         <a:bodyPr/>
@@ -5809,24 +5637,12 @@
         </a:p>
       </dgm:t>
     </dgm:pt>
-    <dgm:pt modelId="{05B904FB-DB0E-4E97-A687-E0D981B4BEB5}" type="pres">
-      <dgm:prSet presAssocID="{6674288A-4C5E-4493-B507-B562F54494F1}" presName="hierRoot4" presStyleCnt="0"/>
+    <dgm:pt modelId="{A560C5F1-C8AC-476C-A5DE-D0B88F236313}" type="pres">
+      <dgm:prSet presAssocID="{6674288A-4C5E-4493-B507-B562F54494F1}" presName="Name21" presStyleCnt="0"/>
       <dgm:spPr/>
     </dgm:pt>
-    <dgm:pt modelId="{7C562C06-50ED-41B7-A183-F15849653FF6}" type="pres">
-      <dgm:prSet presAssocID="{6674288A-4C5E-4493-B507-B562F54494F1}" presName="composite4" presStyleCnt="0"/>
-      <dgm:spPr/>
-    </dgm:pt>
-    <dgm:pt modelId="{F0ED0A30-7D91-487C-B06B-8CB489C1F4DC}" type="pres">
-      <dgm:prSet presAssocID="{6674288A-4C5E-4493-B507-B562F54494F1}" presName="background4" presStyleLbl="node4" presStyleIdx="3" presStyleCnt="4"/>
-      <dgm:spPr/>
-    </dgm:pt>
-    <dgm:pt modelId="{726B9378-1394-48F7-8A5D-21FE335A353B}" type="pres">
-      <dgm:prSet presAssocID="{6674288A-4C5E-4493-B507-B562F54494F1}" presName="text4" presStyleLbl="fgAcc4" presStyleIdx="3" presStyleCnt="4">
-        <dgm:presLayoutVars>
-          <dgm:chPref val="3"/>
-        </dgm:presLayoutVars>
-      </dgm:prSet>
+    <dgm:pt modelId="{DCB3515B-1284-4681-97DA-63199487B1C5}" type="pres">
+      <dgm:prSet presAssocID="{6674288A-4C5E-4493-B507-B562F54494F1}" presName="level2Shape" presStyleLbl="node4" presStyleIdx="3" presStyleCnt="4"/>
       <dgm:spPr/>
       <dgm:t>
         <a:bodyPr/>
@@ -5836,12 +5652,12 @@
         </a:p>
       </dgm:t>
     </dgm:pt>
-    <dgm:pt modelId="{733197BA-9A23-4C9B-85C2-098E17C4244D}" type="pres">
-      <dgm:prSet presAssocID="{6674288A-4C5E-4493-B507-B562F54494F1}" presName="hierChild5" presStyleCnt="0"/>
+    <dgm:pt modelId="{C6341CCC-26B7-46A5-AF32-83072EFA7357}" type="pres">
+      <dgm:prSet presAssocID="{6674288A-4C5E-4493-B507-B562F54494F1}" presName="hierChild3" presStyleCnt="0"/>
       <dgm:spPr/>
     </dgm:pt>
-    <dgm:pt modelId="{59C8480F-1470-4B16-A94A-F9DF7A41E13B}" type="pres">
-      <dgm:prSet presAssocID="{D56F912C-27F3-4368-9FAA-CDCABD47DA58}" presName="Name17" presStyleLbl="parChTrans1D3" presStyleIdx="8" presStyleCnt="13"/>
+    <dgm:pt modelId="{8544089E-6CBD-4D5F-9126-F1A0CAE49D15}" type="pres">
+      <dgm:prSet presAssocID="{D56F912C-27F3-4368-9FAA-CDCABD47DA58}" presName="Name19" presStyleLbl="parChTrans1D3" presStyleIdx="8" presStyleCnt="13"/>
       <dgm:spPr/>
       <dgm:t>
         <a:bodyPr/>
@@ -5851,24 +5667,12 @@
         </a:p>
       </dgm:t>
     </dgm:pt>
-    <dgm:pt modelId="{96A8F564-2F74-4CA1-A5B5-BBF80875E8EB}" type="pres">
-      <dgm:prSet presAssocID="{1B8E94EC-AA97-410E-9CCB-FA48ED92A584}" presName="hierRoot3" presStyleCnt="0"/>
+    <dgm:pt modelId="{1F7DE02C-35B5-4EC1-B426-2726A50AC1D6}" type="pres">
+      <dgm:prSet presAssocID="{1B8E94EC-AA97-410E-9CCB-FA48ED92A584}" presName="Name21" presStyleCnt="0"/>
       <dgm:spPr/>
     </dgm:pt>
-    <dgm:pt modelId="{459D033D-D2D1-4F2D-A38B-DACA6BE7AD41}" type="pres">
-      <dgm:prSet presAssocID="{1B8E94EC-AA97-410E-9CCB-FA48ED92A584}" presName="composite3" presStyleCnt="0"/>
-      <dgm:spPr/>
-    </dgm:pt>
-    <dgm:pt modelId="{B690D7E0-5E4D-4CD7-998D-6CC27CE8913F}" type="pres">
-      <dgm:prSet presAssocID="{1B8E94EC-AA97-410E-9CCB-FA48ED92A584}" presName="background3" presStyleLbl="node3" presStyleIdx="6" presStyleCnt="11"/>
-      <dgm:spPr/>
-    </dgm:pt>
-    <dgm:pt modelId="{FDD79ADB-F39C-4067-B6B1-9D60282E29F9}" type="pres">
-      <dgm:prSet presAssocID="{1B8E94EC-AA97-410E-9CCB-FA48ED92A584}" presName="text3" presStyleLbl="fgAcc3" presStyleIdx="8" presStyleCnt="13">
-        <dgm:presLayoutVars>
-          <dgm:chPref val="3"/>
-        </dgm:presLayoutVars>
-      </dgm:prSet>
+    <dgm:pt modelId="{ACE79EF8-745B-4F52-9FC1-B7324649AF8A}" type="pres">
+      <dgm:prSet presAssocID="{1B8E94EC-AA97-410E-9CCB-FA48ED92A584}" presName="level2Shape" presStyleLbl="node3" presStyleIdx="6" presStyleCnt="11"/>
       <dgm:spPr/>
       <dgm:t>
         <a:bodyPr/>
@@ -5878,12 +5682,12 @@
         </a:p>
       </dgm:t>
     </dgm:pt>
-    <dgm:pt modelId="{A4AF7D56-7AB8-4D75-9331-AB027ABB8589}" type="pres">
-      <dgm:prSet presAssocID="{1B8E94EC-AA97-410E-9CCB-FA48ED92A584}" presName="hierChild4" presStyleCnt="0"/>
+    <dgm:pt modelId="{FE6636D6-46BA-4E2F-BD99-50FF668A96AD}" type="pres">
+      <dgm:prSet presAssocID="{1B8E94EC-AA97-410E-9CCB-FA48ED92A584}" presName="hierChild3" presStyleCnt="0"/>
       <dgm:spPr/>
     </dgm:pt>
-    <dgm:pt modelId="{CA0EDD79-BD8F-4EA4-BEEA-A8786077B5CB}" type="pres">
-      <dgm:prSet presAssocID="{05D47AF2-CAB3-4C0A-9E30-CE1BD10D2C35}" presName="Name10" presStyleLbl="parChTrans1D2" presStyleIdx="4" presStyleCnt="5"/>
+    <dgm:pt modelId="{B6E8D807-4819-4CBC-9B28-DD375A0DC6D5}" type="pres">
+      <dgm:prSet presAssocID="{05D47AF2-CAB3-4C0A-9E30-CE1BD10D2C35}" presName="Name19" presStyleLbl="parChTrans1D2" presStyleIdx="4" presStyleCnt="5"/>
       <dgm:spPr/>
       <dgm:t>
         <a:bodyPr/>
@@ -5893,24 +5697,12 @@
         </a:p>
       </dgm:t>
     </dgm:pt>
-    <dgm:pt modelId="{BDCBB90F-A923-46A9-BF16-3944D478FF3C}" type="pres">
-      <dgm:prSet presAssocID="{4B43888C-FFA5-4147-9A7E-B614819566E2}" presName="hierRoot2" presStyleCnt="0"/>
+    <dgm:pt modelId="{179B1FD6-C3D9-42FF-9743-289FD216C1EE}" type="pres">
+      <dgm:prSet presAssocID="{4B43888C-FFA5-4147-9A7E-B614819566E2}" presName="Name21" presStyleCnt="0"/>
       <dgm:spPr/>
     </dgm:pt>
-    <dgm:pt modelId="{A5FFA481-92BC-49F1-BE3E-04B451898AB3}" type="pres">
-      <dgm:prSet presAssocID="{4B43888C-FFA5-4147-9A7E-B614819566E2}" presName="composite2" presStyleCnt="0"/>
-      <dgm:spPr/>
-    </dgm:pt>
-    <dgm:pt modelId="{E60F5574-E5EB-4463-9E7B-A8A05C7D28C0}" type="pres">
-      <dgm:prSet presAssocID="{4B43888C-FFA5-4147-9A7E-B614819566E2}" presName="background2" presStyleLbl="asst1" presStyleIdx="6" presStyleCnt="7"/>
-      <dgm:spPr/>
-    </dgm:pt>
-    <dgm:pt modelId="{AD88C538-117E-4C66-A561-BE48B0C21FF7}" type="pres">
-      <dgm:prSet presAssocID="{4B43888C-FFA5-4147-9A7E-B614819566E2}" presName="text2" presStyleLbl="fgAcc2" presStyleIdx="4" presStyleCnt="5">
-        <dgm:presLayoutVars>
-          <dgm:chPref val="3"/>
-        </dgm:presLayoutVars>
-      </dgm:prSet>
+    <dgm:pt modelId="{16A2E4C6-F84D-47BD-9EEF-F49218FF8FC8}" type="pres">
+      <dgm:prSet presAssocID="{4B43888C-FFA5-4147-9A7E-B614819566E2}" presName="level2Shape" presStyleLbl="asst1" presStyleIdx="6" presStyleCnt="7"/>
       <dgm:spPr/>
       <dgm:t>
         <a:bodyPr/>
@@ -5920,12 +5712,12 @@
         </a:p>
       </dgm:t>
     </dgm:pt>
-    <dgm:pt modelId="{05DDEF8A-BE56-4E73-992E-CB761B01EBF6}" type="pres">
+    <dgm:pt modelId="{A127675A-925A-49A6-9D4F-9C8BCF2E3EE7}" type="pres">
       <dgm:prSet presAssocID="{4B43888C-FFA5-4147-9A7E-B614819566E2}" presName="hierChild3" presStyleCnt="0"/>
       <dgm:spPr/>
     </dgm:pt>
-    <dgm:pt modelId="{9819C529-2219-41DE-BB5D-BDF1B58D5E18}" type="pres">
-      <dgm:prSet presAssocID="{6F561D9B-AA2D-41C7-B7AB-954C56A0871E}" presName="Name17" presStyleLbl="parChTrans1D3" presStyleIdx="9" presStyleCnt="13"/>
+    <dgm:pt modelId="{6FB6F60C-87F2-4742-8478-C8EA4BA11026}" type="pres">
+      <dgm:prSet presAssocID="{6F561D9B-AA2D-41C7-B7AB-954C56A0871E}" presName="Name19" presStyleLbl="parChTrans1D3" presStyleIdx="9" presStyleCnt="13"/>
       <dgm:spPr/>
       <dgm:t>
         <a:bodyPr/>
@@ -5935,24 +5727,12 @@
         </a:p>
       </dgm:t>
     </dgm:pt>
-    <dgm:pt modelId="{F236FCF3-7251-48D8-B22A-82C3D9A77E06}" type="pres">
-      <dgm:prSet presAssocID="{F76ECD67-F62D-459D-9B9E-1577DD6E8505}" presName="hierRoot3" presStyleCnt="0"/>
+    <dgm:pt modelId="{5954F513-5A14-4C31-9096-3DDBD598AE10}" type="pres">
+      <dgm:prSet presAssocID="{F76ECD67-F62D-459D-9B9E-1577DD6E8505}" presName="Name21" presStyleCnt="0"/>
       <dgm:spPr/>
     </dgm:pt>
-    <dgm:pt modelId="{5FBFF2B8-E9F6-474B-926C-290C61864B60}" type="pres">
-      <dgm:prSet presAssocID="{F76ECD67-F62D-459D-9B9E-1577DD6E8505}" presName="composite3" presStyleCnt="0"/>
-      <dgm:spPr/>
-    </dgm:pt>
-    <dgm:pt modelId="{51B91058-A4A7-4378-9659-7397FFABBF1F}" type="pres">
-      <dgm:prSet presAssocID="{F76ECD67-F62D-459D-9B9E-1577DD6E8505}" presName="background3" presStyleLbl="node3" presStyleIdx="7" presStyleCnt="11"/>
-      <dgm:spPr/>
-    </dgm:pt>
-    <dgm:pt modelId="{73EC0AB6-3775-4D35-968E-D4814D53D0E4}" type="pres">
-      <dgm:prSet presAssocID="{F76ECD67-F62D-459D-9B9E-1577DD6E8505}" presName="text3" presStyleLbl="fgAcc3" presStyleIdx="9" presStyleCnt="13">
-        <dgm:presLayoutVars>
-          <dgm:chPref val="3"/>
-        </dgm:presLayoutVars>
-      </dgm:prSet>
+    <dgm:pt modelId="{1024FD66-0E24-4539-820E-267D962F7721}" type="pres">
+      <dgm:prSet presAssocID="{F76ECD67-F62D-459D-9B9E-1577DD6E8505}" presName="level2Shape" presStyleLbl="node3" presStyleIdx="7" presStyleCnt="11"/>
       <dgm:spPr/>
       <dgm:t>
         <a:bodyPr/>
@@ -5962,12 +5742,12 @@
         </a:p>
       </dgm:t>
     </dgm:pt>
-    <dgm:pt modelId="{1324565C-77A5-4C68-90DA-4A93AE877ED1}" type="pres">
-      <dgm:prSet presAssocID="{F76ECD67-F62D-459D-9B9E-1577DD6E8505}" presName="hierChild4" presStyleCnt="0"/>
+    <dgm:pt modelId="{94F690FB-C20D-41C3-9A9C-BBDB00577969}" type="pres">
+      <dgm:prSet presAssocID="{F76ECD67-F62D-459D-9B9E-1577DD6E8505}" presName="hierChild3" presStyleCnt="0"/>
       <dgm:spPr/>
     </dgm:pt>
-    <dgm:pt modelId="{5D8315D6-A409-41C1-AC59-C41157902DBC}" type="pres">
-      <dgm:prSet presAssocID="{DC4934EB-56E0-4615-80E1-AF9FE1D99830}" presName="Name17" presStyleLbl="parChTrans1D3" presStyleIdx="10" presStyleCnt="13"/>
+    <dgm:pt modelId="{75212D1A-1651-4258-BFFD-4D30B761C067}" type="pres">
+      <dgm:prSet presAssocID="{DC4934EB-56E0-4615-80E1-AF9FE1D99830}" presName="Name19" presStyleLbl="parChTrans1D3" presStyleIdx="10" presStyleCnt="13"/>
       <dgm:spPr/>
       <dgm:t>
         <a:bodyPr/>
@@ -5977,24 +5757,12 @@
         </a:p>
       </dgm:t>
     </dgm:pt>
-    <dgm:pt modelId="{0DC8EB62-53B7-4DAF-9C64-B26F66A238AD}" type="pres">
-      <dgm:prSet presAssocID="{E281D1EE-B55C-406E-ADA6-AF467A1AC343}" presName="hierRoot3" presStyleCnt="0"/>
+    <dgm:pt modelId="{B8FB0790-3580-421C-B7CF-000AD379F802}" type="pres">
+      <dgm:prSet presAssocID="{E281D1EE-B55C-406E-ADA6-AF467A1AC343}" presName="Name21" presStyleCnt="0"/>
       <dgm:spPr/>
     </dgm:pt>
-    <dgm:pt modelId="{B363F5E7-2491-4368-B89F-04AC28142378}" type="pres">
-      <dgm:prSet presAssocID="{E281D1EE-B55C-406E-ADA6-AF467A1AC343}" presName="composite3" presStyleCnt="0"/>
-      <dgm:spPr/>
-    </dgm:pt>
-    <dgm:pt modelId="{59D71376-6484-4501-9B84-95709E1F8352}" type="pres">
-      <dgm:prSet presAssocID="{E281D1EE-B55C-406E-ADA6-AF467A1AC343}" presName="background3" presStyleLbl="node3" presStyleIdx="8" presStyleCnt="11"/>
-      <dgm:spPr/>
-    </dgm:pt>
-    <dgm:pt modelId="{66FCA93E-E0AF-4FE6-A318-040CF82D011A}" type="pres">
-      <dgm:prSet presAssocID="{E281D1EE-B55C-406E-ADA6-AF467A1AC343}" presName="text3" presStyleLbl="fgAcc3" presStyleIdx="10" presStyleCnt="13">
-        <dgm:presLayoutVars>
-          <dgm:chPref val="3"/>
-        </dgm:presLayoutVars>
-      </dgm:prSet>
+    <dgm:pt modelId="{A3A11ACA-966C-49A7-9866-9AF97E73FEC0}" type="pres">
+      <dgm:prSet presAssocID="{E281D1EE-B55C-406E-ADA6-AF467A1AC343}" presName="level2Shape" presStyleLbl="node3" presStyleIdx="8" presStyleCnt="11"/>
       <dgm:spPr/>
       <dgm:t>
         <a:bodyPr/>
@@ -6004,12 +5772,12 @@
         </a:p>
       </dgm:t>
     </dgm:pt>
-    <dgm:pt modelId="{354A20DD-AD99-4577-8249-0E4C0795DA78}" type="pres">
-      <dgm:prSet presAssocID="{E281D1EE-B55C-406E-ADA6-AF467A1AC343}" presName="hierChild4" presStyleCnt="0"/>
+    <dgm:pt modelId="{F6A70479-55FE-4C55-A8B1-963EDE6AA5B8}" type="pres">
+      <dgm:prSet presAssocID="{E281D1EE-B55C-406E-ADA6-AF467A1AC343}" presName="hierChild3" presStyleCnt="0"/>
       <dgm:spPr/>
     </dgm:pt>
-    <dgm:pt modelId="{95909514-E3D9-4BE3-B25A-542B742DFB0F}" type="pres">
-      <dgm:prSet presAssocID="{060898BD-A364-4DF8-B079-ED2FBAABF680}" presName="Name17" presStyleLbl="parChTrans1D3" presStyleIdx="11" presStyleCnt="13"/>
+    <dgm:pt modelId="{9CE55E44-E0DF-45F4-89D8-DA8CB95B17C1}" type="pres">
+      <dgm:prSet presAssocID="{060898BD-A364-4DF8-B079-ED2FBAABF680}" presName="Name19" presStyleLbl="parChTrans1D3" presStyleIdx="11" presStyleCnt="13"/>
       <dgm:spPr/>
       <dgm:t>
         <a:bodyPr/>
@@ -6019,24 +5787,12 @@
         </a:p>
       </dgm:t>
     </dgm:pt>
-    <dgm:pt modelId="{71AF24FC-E260-4170-AF52-C7A502DEBBB7}" type="pres">
-      <dgm:prSet presAssocID="{2A86A1F1-38C3-4F02-A604-0F9D7FC5A7C8}" presName="hierRoot3" presStyleCnt="0"/>
+    <dgm:pt modelId="{25350145-F21B-4321-BCB5-D7E2AC0B13A4}" type="pres">
+      <dgm:prSet presAssocID="{2A86A1F1-38C3-4F02-A604-0F9D7FC5A7C8}" presName="Name21" presStyleCnt="0"/>
       <dgm:spPr/>
     </dgm:pt>
-    <dgm:pt modelId="{3CF5DAB9-998C-4180-984C-1B8581140F9C}" type="pres">
-      <dgm:prSet presAssocID="{2A86A1F1-38C3-4F02-A604-0F9D7FC5A7C8}" presName="composite3" presStyleCnt="0"/>
-      <dgm:spPr/>
-    </dgm:pt>
-    <dgm:pt modelId="{E16A5EFB-BF2D-4890-BF79-1DB46A4060E2}" type="pres">
-      <dgm:prSet presAssocID="{2A86A1F1-38C3-4F02-A604-0F9D7FC5A7C8}" presName="background3" presStyleLbl="node3" presStyleIdx="9" presStyleCnt="11"/>
-      <dgm:spPr/>
-    </dgm:pt>
-    <dgm:pt modelId="{FDBA18E8-2AA5-4EC5-A231-BB5DE1EE775E}" type="pres">
-      <dgm:prSet presAssocID="{2A86A1F1-38C3-4F02-A604-0F9D7FC5A7C8}" presName="text3" presStyleLbl="fgAcc3" presStyleIdx="11" presStyleCnt="13">
-        <dgm:presLayoutVars>
-          <dgm:chPref val="3"/>
-        </dgm:presLayoutVars>
-      </dgm:prSet>
+    <dgm:pt modelId="{78A6F554-D312-468B-BE10-57C154B0D2F8}" type="pres">
+      <dgm:prSet presAssocID="{2A86A1F1-38C3-4F02-A604-0F9D7FC5A7C8}" presName="level2Shape" presStyleLbl="node3" presStyleIdx="9" presStyleCnt="11"/>
       <dgm:spPr/>
       <dgm:t>
         <a:bodyPr/>
@@ -6046,12 +5802,12 @@
         </a:p>
       </dgm:t>
     </dgm:pt>
-    <dgm:pt modelId="{28A3B0EA-B7F8-4385-BF4E-DA6B6A87F9A2}" type="pres">
-      <dgm:prSet presAssocID="{2A86A1F1-38C3-4F02-A604-0F9D7FC5A7C8}" presName="hierChild4" presStyleCnt="0"/>
+    <dgm:pt modelId="{8F0A04CD-6F8A-4CC4-B1BF-CBC043E82E6E}" type="pres">
+      <dgm:prSet presAssocID="{2A86A1F1-38C3-4F02-A604-0F9D7FC5A7C8}" presName="hierChild3" presStyleCnt="0"/>
       <dgm:spPr/>
     </dgm:pt>
-    <dgm:pt modelId="{3A08C79B-149D-4751-901C-0C65D73ECB5F}" type="pres">
-      <dgm:prSet presAssocID="{280FAE21-5B58-4008-AAA3-FC4AF3830394}" presName="Name17" presStyleLbl="parChTrans1D3" presStyleIdx="12" presStyleCnt="13"/>
+    <dgm:pt modelId="{4D236556-813A-4AE6-BB50-D6FF6C4CD4D0}" type="pres">
+      <dgm:prSet presAssocID="{280FAE21-5B58-4008-AAA3-FC4AF3830394}" presName="Name19" presStyleLbl="parChTrans1D3" presStyleIdx="12" presStyleCnt="13"/>
       <dgm:spPr/>
       <dgm:t>
         <a:bodyPr/>
@@ -6061,24 +5817,12 @@
         </a:p>
       </dgm:t>
     </dgm:pt>
-    <dgm:pt modelId="{EFBC70AF-4D35-4EBF-86AA-52B6D4015507}" type="pres">
-      <dgm:prSet presAssocID="{19433329-F54A-4D9E-BEAA-373FB36DEDAF}" presName="hierRoot3" presStyleCnt="0"/>
+    <dgm:pt modelId="{A83979EF-724D-48AA-8D78-661EA105357D}" type="pres">
+      <dgm:prSet presAssocID="{19433329-F54A-4D9E-BEAA-373FB36DEDAF}" presName="Name21" presStyleCnt="0"/>
       <dgm:spPr/>
     </dgm:pt>
-    <dgm:pt modelId="{F1E4065B-0200-4CAB-B18B-D317099C338E}" type="pres">
-      <dgm:prSet presAssocID="{19433329-F54A-4D9E-BEAA-373FB36DEDAF}" presName="composite3" presStyleCnt="0"/>
-      <dgm:spPr/>
-    </dgm:pt>
-    <dgm:pt modelId="{F30B47A4-A6EA-488F-88EF-04797CEB4580}" type="pres">
-      <dgm:prSet presAssocID="{19433329-F54A-4D9E-BEAA-373FB36DEDAF}" presName="background3" presStyleLbl="node3" presStyleIdx="10" presStyleCnt="11"/>
-      <dgm:spPr/>
-    </dgm:pt>
-    <dgm:pt modelId="{549101CE-71B3-40D2-A6D4-57066B01CFF8}" type="pres">
-      <dgm:prSet presAssocID="{19433329-F54A-4D9E-BEAA-373FB36DEDAF}" presName="text3" presStyleLbl="fgAcc3" presStyleIdx="12" presStyleCnt="13">
-        <dgm:presLayoutVars>
-          <dgm:chPref val="3"/>
-        </dgm:presLayoutVars>
-      </dgm:prSet>
+    <dgm:pt modelId="{CF90276C-7925-4DE9-BD6D-08934C5D6DF9}" type="pres">
+      <dgm:prSet presAssocID="{19433329-F54A-4D9E-BEAA-373FB36DEDAF}" presName="level2Shape" presStyleLbl="node3" presStyleIdx="10" presStyleCnt="11"/>
       <dgm:spPr/>
       <dgm:t>
         <a:bodyPr/>
@@ -6088,218 +5832,179 @@
         </a:p>
       </dgm:t>
     </dgm:pt>
-    <dgm:pt modelId="{26CA7508-D928-4F45-96A2-C214DE503ECB}" type="pres">
-      <dgm:prSet presAssocID="{19433329-F54A-4D9E-BEAA-373FB36DEDAF}" presName="hierChild4" presStyleCnt="0"/>
+    <dgm:pt modelId="{4D313483-E9DB-43F8-9AA0-29B05FB35913}" type="pres">
+      <dgm:prSet presAssocID="{19433329-F54A-4D9E-BEAA-373FB36DEDAF}" presName="hierChild3" presStyleCnt="0"/>
+      <dgm:spPr/>
+    </dgm:pt>
+    <dgm:pt modelId="{42A945C4-7AF9-4776-944F-8382BD72D931}" type="pres">
+      <dgm:prSet presAssocID="{96218991-9336-420F-BF44-D0DBE9FF9A45}" presName="bgShapesFlow" presStyleCnt="0"/>
       <dgm:spPr/>
     </dgm:pt>
   </dgm:ptLst>
   <dgm:cxnLst>
-    <dgm:cxn modelId="{2C4E660E-5246-4A4C-A7B6-BE244078A53C}" type="presOf" srcId="{280FAE21-5B58-4008-AAA3-FC4AF3830394}" destId="{3A08C79B-149D-4751-901C-0C65D73ECB5F}" srcOrd="0" destOrd="0" presId="urn:microsoft.com/office/officeart/2005/8/layout/hierarchy1"/>
+    <dgm:cxn modelId="{06A91E61-FCD6-4942-B8B8-8F6094AC7A93}" type="presOf" srcId="{75F11DF8-45DB-490C-8ACC-01F0ECE1FC78}" destId="{0B52FC43-F757-45E8-949B-0EAD8D7C2096}" srcOrd="0" destOrd="0" presId="urn:microsoft.com/office/officeart/2005/8/layout/hierarchy6"/>
+    <dgm:cxn modelId="{37C88AFA-7E68-499D-8C19-3961CB51B118}" srcId="{4B43888C-FFA5-4147-9A7E-B614819566E2}" destId="{2A86A1F1-38C3-4F02-A604-0F9D7FC5A7C8}" srcOrd="2" destOrd="0" parTransId="{060898BD-A364-4DF8-B079-ED2FBAABF680}" sibTransId="{C267B63A-3BCE-4397-805A-9BA79F9530E9}"/>
+    <dgm:cxn modelId="{673456A9-CA0B-4D12-B231-34A31D2B158E}" type="presOf" srcId="{71C0B651-B1BC-4956-BFB1-07266DFAD327}" destId="{FC561924-EA86-4711-99AB-F7D489E68226}" srcOrd="0" destOrd="0" presId="urn:microsoft.com/office/officeart/2005/8/layout/hierarchy6"/>
+    <dgm:cxn modelId="{D493FC86-9D6E-4FDF-856E-924423A5C83D}" type="presOf" srcId="{4B43888C-FFA5-4147-9A7E-B614819566E2}" destId="{16A2E4C6-F84D-47BD-9EEF-F49218FF8FC8}" srcOrd="0" destOrd="0" presId="urn:microsoft.com/office/officeart/2005/8/layout/hierarchy6"/>
+    <dgm:cxn modelId="{A3650645-E5CE-4E15-B72B-8609CB36C1BE}" type="presOf" srcId="{35C5DE37-EC7B-4B38-9D4D-35B374EC4B0E}" destId="{4A54B0A5-28F7-426A-A644-4DD17AE359FD}" srcOrd="0" destOrd="0" presId="urn:microsoft.com/office/officeart/2005/8/layout/hierarchy6"/>
+    <dgm:cxn modelId="{43DF72F9-59A6-4178-B6E4-179BEA83D770}" type="presOf" srcId="{E281D1EE-B55C-406E-ADA6-AF467A1AC343}" destId="{A3A11ACA-966C-49A7-9866-9AF97E73FEC0}" srcOrd="0" destOrd="0" presId="urn:microsoft.com/office/officeart/2005/8/layout/hierarchy6"/>
+    <dgm:cxn modelId="{C94B8CFF-B735-4857-AB49-50FFFCB8F73F}" srcId="{BAB7B0BA-A581-4D0E-B2EA-447F1B6FCE92}" destId="{CDEA9B89-C599-4680-9C82-417F27C61C8B}" srcOrd="0" destOrd="0" parTransId="{75F11DF8-45DB-490C-8ACC-01F0ECE1FC78}" sibTransId="{4564ACC4-2A5A-4B2E-B0FA-F584535BB7A2}"/>
+    <dgm:cxn modelId="{5FACEC35-D25E-465F-85EF-F5D5CF5A2219}" srcId="{CDEA9B89-C599-4680-9C82-417F27C61C8B}" destId="{DC4A7EF7-B4AC-4F5D-AAF5-D20918C23581}" srcOrd="0" destOrd="0" parTransId="{75CE5685-D60B-4AF9-BE33-B763F45D9977}" sibTransId="{CCBD8DE6-757F-4A36-A37F-2BA02C8D9902}"/>
+    <dgm:cxn modelId="{FDEB00FC-3519-4CA5-8984-68821D266C3C}" type="presOf" srcId="{1EFA85D2-EB77-4F05-84A0-41D01BEBC74A}" destId="{E24C99A8-E950-4165-B069-3821B376EB37}" srcOrd="0" destOrd="0" presId="urn:microsoft.com/office/officeart/2005/8/layout/hierarchy6"/>
+    <dgm:cxn modelId="{1F243E56-BBA5-430E-AC02-FF3BFE3157A7}" srcId="{4B43888C-FFA5-4147-9A7E-B614819566E2}" destId="{F76ECD67-F62D-459D-9B9E-1577DD6E8505}" srcOrd="0" destOrd="0" parTransId="{6F561D9B-AA2D-41C7-B7AB-954C56A0871E}" sibTransId="{DB3AF7C9-A089-4BAE-A4BC-91D7B40893EC}"/>
+    <dgm:cxn modelId="{62BF2D0D-4B54-49FE-B4F9-9A5AB9AD1E4C}" srcId="{E702B3D4-3B7B-49CC-8F0B-4AE3EAAB16B9}" destId="{71C0B651-B1BC-4956-BFB1-07266DFAD327}" srcOrd="0" destOrd="0" parTransId="{94AE0677-33F6-40B9-912C-C13CB330A885}" sibTransId="{DAC37F23-C750-4FEC-A780-B2C7676CF640}"/>
+    <dgm:cxn modelId="{A36A9007-F6FD-47F8-8ACC-8CDEDF12B46A}" type="presOf" srcId="{30E4A96F-6F51-4F13-B37E-4174F4566204}" destId="{1A4BC70B-B4EC-452C-BBE5-57C944F520B7}" srcOrd="0" destOrd="0" presId="urn:microsoft.com/office/officeart/2005/8/layout/hierarchy6"/>
+    <dgm:cxn modelId="{EDBE1653-F3E7-4015-B857-F4CADA6E9613}" type="presOf" srcId="{5985793E-B5C6-478C-AE80-2DA85071DE7C}" destId="{FCF008A5-A1F9-4CD7-B3F0-A0607DF77C98}" srcOrd="0" destOrd="0" presId="urn:microsoft.com/office/officeart/2005/8/layout/hierarchy6"/>
+    <dgm:cxn modelId="{309467DA-89DD-4462-933C-71E92BD111CF}" type="presOf" srcId="{6674288A-4C5E-4493-B507-B562F54494F1}" destId="{DCB3515B-1284-4681-97DA-63199487B1C5}" srcOrd="0" destOrd="0" presId="urn:microsoft.com/office/officeart/2005/8/layout/hierarchy6"/>
+    <dgm:cxn modelId="{6B0FA820-67CE-412C-85AD-26CCDD2AF0F9}" srcId="{9475B7BC-3C6E-4F8B-86A2-02330295C367}" destId="{74708E20-C995-40E2-A885-65059E9EFB34}" srcOrd="2" destOrd="0" parTransId="{5985793E-B5C6-478C-AE80-2DA85071DE7C}" sibTransId="{EDA1D36C-5E4D-4158-8658-B0D41D2B1D84}"/>
+    <dgm:cxn modelId="{DB1320EA-360D-4839-BB75-2B9697EE4EA6}" type="presOf" srcId="{0DC7CB2E-D3E7-40A3-84DE-14C8530B6C71}" destId="{76A29399-B109-40F4-80C1-22C590F7EC68}" srcOrd="0" destOrd="0" presId="urn:microsoft.com/office/officeart/2005/8/layout/hierarchy6"/>
+    <dgm:cxn modelId="{4A5C67AD-7375-472D-90C9-F13C45CD11F4}" type="presOf" srcId="{47F510FC-8412-4AB2-9E42-0712D3D9B38F}" destId="{03457F5B-1CD9-437C-8E33-3CA3EE1B6B90}" srcOrd="0" destOrd="0" presId="urn:microsoft.com/office/officeart/2005/8/layout/hierarchy6"/>
+    <dgm:cxn modelId="{B966D4B1-CA70-4DBD-B18E-EDD1FD76A9E4}" srcId="{B2396658-AA41-47F2-949F-30F74E743415}" destId="{71A99BC8-9602-4220-875D-444EB6BD8319}" srcOrd="0" destOrd="0" parTransId="{47F510FC-8412-4AB2-9E42-0712D3D9B38F}" sibTransId="{9488784E-168A-4405-AF80-4EC4E3DADF3C}"/>
+    <dgm:cxn modelId="{EE670525-D6DE-4208-8266-CE854D2CCF7B}" type="presOf" srcId="{DC4A7EF7-B4AC-4F5D-AAF5-D20918C23581}" destId="{2D4FBE79-A3EF-4463-90C5-7A73403F0B55}" srcOrd="0" destOrd="0" presId="urn:microsoft.com/office/officeart/2005/8/layout/hierarchy6"/>
+    <dgm:cxn modelId="{F91BBD99-816E-46B8-B6CD-BFCAAFB10E42}" srcId="{9475B7BC-3C6E-4F8B-86A2-02330295C367}" destId="{D85F5AB4-99EE-4A1E-80F1-0148B92404C5}" srcOrd="0" destOrd="0" parTransId="{B015393B-2F22-47F4-8C1F-90727064926E}" sibTransId="{30F1AED4-9062-4D27-96B8-C9A8D01AA52B}"/>
     <dgm:cxn modelId="{9E53DA60-0462-421F-89CD-63D297634F8E}" srcId="{B2396658-AA41-47F2-949F-30F74E743415}" destId="{E702B3D4-3B7B-49CC-8F0B-4AE3EAAB16B9}" srcOrd="1" destOrd="0" parTransId="{19C89BC9-5612-46A5-B381-A7724317D947}" sibTransId="{15A3704A-BB93-4173-88E5-4157DD3C72C5}"/>
+    <dgm:cxn modelId="{9114FB50-DD95-4421-9073-9B56C7B453D1}" type="presOf" srcId="{75CE5685-D60B-4AF9-BE33-B763F45D9977}" destId="{93903E97-D09F-487C-8617-F28DD6BD6250}" srcOrd="0" destOrd="0" presId="urn:microsoft.com/office/officeart/2005/8/layout/hierarchy6"/>
+    <dgm:cxn modelId="{4FCE3FCC-514C-4390-A980-6B1F3842FFF2}" type="presOf" srcId="{9A0346B3-3447-44D1-AE54-774D34FAD2CC}" destId="{D09CD0E6-4F38-4F76-947A-FA38F7454806}" srcOrd="0" destOrd="0" presId="urn:microsoft.com/office/officeart/2005/8/layout/hierarchy6"/>
+    <dgm:cxn modelId="{DE80094E-E3F1-45E5-8E03-04D7E70F8E6C}" type="presOf" srcId="{6F561D9B-AA2D-41C7-B7AB-954C56A0871E}" destId="{6FB6F60C-87F2-4742-8478-C8EA4BA11026}" srcOrd="0" destOrd="0" presId="urn:microsoft.com/office/officeart/2005/8/layout/hierarchy6"/>
+    <dgm:cxn modelId="{00D78159-F284-4378-AC9E-3B7B8F99832E}" type="presOf" srcId="{E702B3D4-3B7B-49CC-8F0B-4AE3EAAB16B9}" destId="{FF4D5B63-92A9-4AED-84F3-80B999B27E64}" srcOrd="0" destOrd="0" presId="urn:microsoft.com/office/officeart/2005/8/layout/hierarchy6"/>
+    <dgm:cxn modelId="{CD67157B-6351-4D13-A757-F57290C3B482}" type="presOf" srcId="{DFA25D06-E52C-4FEC-9482-6CF75FEC2546}" destId="{C1AC3130-AEAA-424F-9060-FA6DA81F38DF}" srcOrd="0" destOrd="0" presId="urn:microsoft.com/office/officeart/2005/8/layout/hierarchy6"/>
+    <dgm:cxn modelId="{2830F153-28E5-4C7D-9E09-AE63812B42A3}" type="presOf" srcId="{96218991-9336-420F-BF44-D0DBE9FF9A45}" destId="{F95E8933-D6A5-45CF-A152-4091E55327DC}" srcOrd="0" destOrd="0" presId="urn:microsoft.com/office/officeart/2005/8/layout/hierarchy6"/>
+    <dgm:cxn modelId="{5120E672-5DAD-490E-A6BC-96E5B6CD050F}" srcId="{1EFA85D2-EB77-4F05-84A0-41D01BEBC74A}" destId="{1B8E94EC-AA97-410E-9CCB-FA48ED92A584}" srcOrd="1" destOrd="0" parTransId="{D56F912C-27F3-4368-9FAA-CDCABD47DA58}" sibTransId="{2D005375-10E8-43F8-B454-7073C91264E6}"/>
+    <dgm:cxn modelId="{6A89ED76-C0D2-4AD0-8BD3-889E99E00E90}" srcId="{CDEA9B89-C599-4680-9C82-417F27C61C8B}" destId="{C2FD08F5-E57F-4690-BBB5-026AAAFD7DA1}" srcOrd="1" destOrd="0" parTransId="{9DC56F9E-14ED-4927-A571-7123A2145292}" sibTransId="{E4999909-0CC5-40FE-AAC0-E2E98DCF5368}"/>
+    <dgm:cxn modelId="{76C06045-44BB-4A3D-B78A-BAC08E81D147}" type="presOf" srcId="{71A99BC8-9602-4220-875D-444EB6BD8319}" destId="{84329A73-76C0-4AA6-A3C0-F22672D6CED2}" srcOrd="0" destOrd="0" presId="urn:microsoft.com/office/officeart/2005/8/layout/hierarchy6"/>
+    <dgm:cxn modelId="{3F01E42E-43AF-419C-B8A4-9C422DCE445C}" srcId="{4B43888C-FFA5-4147-9A7E-B614819566E2}" destId="{E281D1EE-B55C-406E-ADA6-AF467A1AC343}" srcOrd="1" destOrd="0" parTransId="{DC4934EB-56E0-4615-80E1-AF9FE1D99830}" sibTransId="{7CAA5D30-115B-4945-98A5-BC904F0DE0D2}"/>
+    <dgm:cxn modelId="{6C824DF2-9647-4655-A7B4-8EDD9E8502DF}" type="presOf" srcId="{1B8E94EC-AA97-410E-9CCB-FA48ED92A584}" destId="{ACE79EF8-745B-4F52-9FC1-B7324649AF8A}" srcOrd="0" destOrd="0" presId="urn:microsoft.com/office/officeart/2005/8/layout/hierarchy6"/>
+    <dgm:cxn modelId="{23FB0002-7EB9-453E-833A-C0B3548CFD47}" type="presOf" srcId="{DC4934EB-56E0-4615-80E1-AF9FE1D99830}" destId="{75212D1A-1651-4258-BFFD-4D30B761C067}" srcOrd="0" destOrd="0" presId="urn:microsoft.com/office/officeart/2005/8/layout/hierarchy6"/>
+    <dgm:cxn modelId="{785AEC96-EED3-439F-BCB4-E82257C693C7}" type="presOf" srcId="{2A86A1F1-38C3-4F02-A604-0F9D7FC5A7C8}" destId="{78A6F554-D312-468B-BE10-57C154B0D2F8}" srcOrd="0" destOrd="0" presId="urn:microsoft.com/office/officeart/2005/8/layout/hierarchy6"/>
     <dgm:cxn modelId="{65E5FA3E-BF30-4267-B8E2-9DA4D1A77884}" srcId="{96218991-9336-420F-BF44-D0DBE9FF9A45}" destId="{DFA25D06-E52C-4FEC-9482-6CF75FEC2546}" srcOrd="0" destOrd="0" parTransId="{30693FB3-F413-4433-A46E-9C8E2C7F6FA7}" sibTransId="{E644468E-86B4-4BF6-955C-253F3D05A73D}"/>
-    <dgm:cxn modelId="{D98F0E05-814B-475A-891D-47BC7BA25BC3}" type="presOf" srcId="{9A0346B3-3447-44D1-AE54-774D34FAD2CC}" destId="{78302FCD-CE60-429D-ABDB-77AA9BA7F696}" srcOrd="0" destOrd="0" presId="urn:microsoft.com/office/officeart/2005/8/layout/hierarchy1"/>
+    <dgm:cxn modelId="{40670294-3BDB-461D-82B3-B0DF01BCBA60}" type="presOf" srcId="{CDEA9B89-C599-4680-9C82-417F27C61C8B}" destId="{F06B61BC-80BE-4874-AB05-15E620FB0F82}" srcOrd="0" destOrd="0" presId="urn:microsoft.com/office/officeart/2005/8/layout/hierarchy6"/>
+    <dgm:cxn modelId="{8C13A754-49D8-4ACE-BEE3-C3A673373E98}" type="presOf" srcId="{922776D7-DBA0-4A58-9DFB-C6FD267881FC}" destId="{E469686A-4276-4DEC-80BD-460ABA2E2AD0}" srcOrd="0" destOrd="0" presId="urn:microsoft.com/office/officeart/2005/8/layout/hierarchy6"/>
+    <dgm:cxn modelId="{986AE81B-DCE8-4F5E-90D2-2B83D58CF036}" type="presOf" srcId="{19433329-F54A-4D9E-BEAA-373FB36DEDAF}" destId="{CF90276C-7925-4DE9-BD6D-08934C5D6DF9}" srcOrd="0" destOrd="0" presId="urn:microsoft.com/office/officeart/2005/8/layout/hierarchy6"/>
+    <dgm:cxn modelId="{405EC079-AC66-409C-ADE8-89FD6B717EB9}" srcId="{DFA25D06-E52C-4FEC-9482-6CF75FEC2546}" destId="{9475B7BC-3C6E-4F8B-86A2-02330295C367}" srcOrd="2" destOrd="0" parTransId="{B885048D-9053-47AC-909D-D8F89BC11F3B}" sibTransId="{F7C1210D-13CC-45F8-84EB-C5E01B7FC3BD}"/>
+    <dgm:cxn modelId="{A2B0C1CA-B4B4-418D-AB36-0297DE03A6EF}" type="presOf" srcId="{03FF4D50-5BB7-4079-8326-669B8223CB12}" destId="{0A0B9721-61E0-4DCB-A8A5-80C85F8DF7A9}" srcOrd="0" destOrd="0" presId="urn:microsoft.com/office/officeart/2005/8/layout/hierarchy6"/>
+    <dgm:cxn modelId="{FE7E03F3-BEDA-4FED-84BD-83D6F31CDD76}" srcId="{9475B7BC-3C6E-4F8B-86A2-02330295C367}" destId="{30E4A96F-6F51-4F13-B37E-4174F4566204}" srcOrd="1" destOrd="0" parTransId="{E532FFE0-7CB9-4735-8B3E-4CEA66C7C232}" sibTransId="{426844CF-8BB3-4038-B2CD-DD93B69D82C3}"/>
+    <dgm:cxn modelId="{E28A590E-B65F-4B9D-B301-6D8570068A2F}" type="presOf" srcId="{E532FFE0-7CB9-4735-8B3E-4CEA66C7C232}" destId="{23B9C8A6-1954-4CFB-87A9-90CD143204BA}" srcOrd="0" destOrd="0" presId="urn:microsoft.com/office/officeart/2005/8/layout/hierarchy6"/>
+    <dgm:cxn modelId="{BD00A3D3-E5DE-48B0-A2D3-224F433F3C1C}" type="presOf" srcId="{D56F912C-27F3-4368-9FAA-CDCABD47DA58}" destId="{8544089E-6CBD-4D5F-9126-F1A0CAE49D15}" srcOrd="0" destOrd="0" presId="urn:microsoft.com/office/officeart/2005/8/layout/hierarchy6"/>
+    <dgm:cxn modelId="{3EF30B0C-2E36-436A-83BF-ADD8839CF75D}" type="presOf" srcId="{D85F5AB4-99EE-4A1E-80F1-0148B92404C5}" destId="{22A8866C-EE3B-4208-A4A8-E6151251A672}" srcOrd="0" destOrd="0" presId="urn:microsoft.com/office/officeart/2005/8/layout/hierarchy6"/>
+    <dgm:cxn modelId="{14E15DCC-C0D5-4CAF-A194-3A283BFE8663}" type="presOf" srcId="{067A6633-C4CF-492E-A614-377F53BEC2F5}" destId="{4A05A305-7F73-4010-8359-1EA45A773877}" srcOrd="0" destOrd="0" presId="urn:microsoft.com/office/officeart/2005/8/layout/hierarchy6"/>
+    <dgm:cxn modelId="{E5A2F9E3-AE6C-4311-91B7-D217C07DD178}" type="presOf" srcId="{9475B7BC-3C6E-4F8B-86A2-02330295C367}" destId="{5333A29F-E554-46ED-B3EA-FC01FBFFEFCD}" srcOrd="0" destOrd="0" presId="urn:microsoft.com/office/officeart/2005/8/layout/hierarchy6"/>
+    <dgm:cxn modelId="{FFA64483-4161-4DA9-A3C2-D15D4BA5A73E}" type="presOf" srcId="{F76ECD67-F62D-459D-9B9E-1577DD6E8505}" destId="{1024FD66-0E24-4539-820E-267D962F7721}" srcOrd="0" destOrd="0" presId="urn:microsoft.com/office/officeart/2005/8/layout/hierarchy6"/>
+    <dgm:cxn modelId="{4AAB278C-4E20-45C0-AE5F-24603E177B7B}" srcId="{1EFA85D2-EB77-4F05-84A0-41D01BEBC74A}" destId="{858DFAE1-4700-4F42-A27F-14A9DF5D8A62}" srcOrd="0" destOrd="0" parTransId="{748BC84C-5B51-48F6-8A3C-E088D767DB63}" sibTransId="{02924B03-27CB-4789-87C2-5B1CA4731DB5}"/>
+    <dgm:cxn modelId="{4916A095-E4A4-49C5-BE9C-63EDAB1EEB85}" type="presOf" srcId="{B885048D-9053-47AC-909D-D8F89BC11F3B}" destId="{709CFC6A-9772-4509-892B-DA5A935871B7}" srcOrd="0" destOrd="0" presId="urn:microsoft.com/office/officeart/2005/8/layout/hierarchy6"/>
+    <dgm:cxn modelId="{CCEF816D-4959-423F-A76B-711CB342C92F}" type="presOf" srcId="{BAB7B0BA-A581-4D0E-B2EA-447F1B6FCE92}" destId="{78EC2BC2-457F-4A16-A863-0501DD3CDFD4}" srcOrd="0" destOrd="0" presId="urn:microsoft.com/office/officeart/2005/8/layout/hierarchy6"/>
+    <dgm:cxn modelId="{4C0AFD5E-D557-4439-B2F6-A7B4DB88E854}" type="presOf" srcId="{B015393B-2F22-47F4-8C1F-90727064926E}" destId="{F24D4D7A-CD66-4588-B9D4-E9950282E51F}" srcOrd="0" destOrd="0" presId="urn:microsoft.com/office/officeart/2005/8/layout/hierarchy6"/>
+    <dgm:cxn modelId="{BA48459F-E809-43B0-A738-CD9D108E2ADB}" type="presOf" srcId="{858DFAE1-4700-4F42-A27F-14A9DF5D8A62}" destId="{A95D7AC2-5D50-4B2D-B04E-471386875F48}" srcOrd="0" destOrd="0" presId="urn:microsoft.com/office/officeart/2005/8/layout/hierarchy6"/>
+    <dgm:cxn modelId="{192CB6A3-DE98-4739-860D-64B04186B48B}" type="presOf" srcId="{05D47AF2-CAB3-4C0A-9E30-CE1BD10D2C35}" destId="{B6E8D807-4819-4CBC-9B28-DD375A0DC6D5}" srcOrd="0" destOrd="0" presId="urn:microsoft.com/office/officeart/2005/8/layout/hierarchy6"/>
+    <dgm:cxn modelId="{EBA93152-85D4-43C4-AFA1-E74DF21AF19F}" srcId="{DFA25D06-E52C-4FEC-9482-6CF75FEC2546}" destId="{B2396658-AA41-47F2-949F-30F74E743415}" srcOrd="0" destOrd="0" parTransId="{03FF4D50-5BB7-4079-8326-669B8223CB12}" sibTransId="{2DDC019A-5502-48F4-9D6D-88C776FC8AB3}"/>
+    <dgm:cxn modelId="{3F73ED71-E1D0-46E4-87E2-8DED14B950B2}" type="presOf" srcId="{B2396658-AA41-47F2-949F-30F74E743415}" destId="{1EB27D24-91A7-40AC-B1D1-4D3C944BBD3D}" srcOrd="0" destOrd="0" presId="urn:microsoft.com/office/officeart/2005/8/layout/hierarchy6"/>
+    <dgm:cxn modelId="{4A861243-E754-4A29-940D-F267DB02D606}" srcId="{DFA25D06-E52C-4FEC-9482-6CF75FEC2546}" destId="{4B43888C-FFA5-4147-9A7E-B614819566E2}" srcOrd="4" destOrd="0" parTransId="{05D47AF2-CAB3-4C0A-9E30-CE1BD10D2C35}" sibTransId="{3571EACC-83BB-4C7E-B72D-0B61E1E1D02F}"/>
+    <dgm:cxn modelId="{D9132FEE-313E-4ABB-A3D7-A63035F7CD71}" type="presOf" srcId="{280FAE21-5B58-4008-AAA3-FC4AF3830394}" destId="{4D236556-813A-4AE6-BB50-D6FF6C4CD4D0}" srcOrd="0" destOrd="0" presId="urn:microsoft.com/office/officeart/2005/8/layout/hierarchy6"/>
+    <dgm:cxn modelId="{237FD9E8-C345-4890-B10D-C28691A9F6BC}" srcId="{858DFAE1-4700-4F42-A27F-14A9DF5D8A62}" destId="{6674288A-4C5E-4493-B507-B562F54494F1}" srcOrd="0" destOrd="0" parTransId="{0DC7CB2E-D3E7-40A3-84DE-14C8530B6C71}" sibTransId="{C96F70C7-8E28-4A54-B49A-394B0580D470}"/>
+    <dgm:cxn modelId="{C2EAF15D-C64B-44D1-A5D7-36E326CFBEC4}" type="presOf" srcId="{060898BD-A364-4DF8-B079-ED2FBAABF680}" destId="{9CE55E44-E0DF-45F4-89D8-DA8CB95B17C1}" srcOrd="0" destOrd="0" presId="urn:microsoft.com/office/officeart/2005/8/layout/hierarchy6"/>
+    <dgm:cxn modelId="{D85F8F35-6732-458F-9654-6A0C3616B63E}" srcId="{4B43888C-FFA5-4147-9A7E-B614819566E2}" destId="{19433329-F54A-4D9E-BEAA-373FB36DEDAF}" srcOrd="3" destOrd="0" parTransId="{280FAE21-5B58-4008-AAA3-FC4AF3830394}" sibTransId="{B1E233A6-D4CC-4D87-B555-F6F04B0B5C71}"/>
+    <dgm:cxn modelId="{22FDFB7D-432A-48A6-98C5-BAD6D7475C72}" type="presOf" srcId="{748BC84C-5B51-48F6-8A3C-E088D767DB63}" destId="{0029D7A4-00A0-4553-999F-B68D0553B298}" srcOrd="0" destOrd="0" presId="urn:microsoft.com/office/officeart/2005/8/layout/hierarchy6"/>
     <dgm:cxn modelId="{14EF1110-C84A-4AD6-8CE1-03138E2484B4}" srcId="{BAB7B0BA-A581-4D0E-B2EA-447F1B6FCE92}" destId="{35C5DE37-EC7B-4B38-9D4D-35B374EC4B0E}" srcOrd="1" destOrd="0" parTransId="{9A0346B3-3447-44D1-AE54-774D34FAD2CC}" sibTransId="{82D54608-05FE-47E9-9FF8-CBE685E05D34}"/>
-    <dgm:cxn modelId="{237FD9E8-C345-4890-B10D-C28691A9F6BC}" srcId="{858DFAE1-4700-4F42-A27F-14A9DF5D8A62}" destId="{6674288A-4C5E-4493-B507-B562F54494F1}" srcOrd="0" destOrd="0" parTransId="{0DC7CB2E-D3E7-40A3-84DE-14C8530B6C71}" sibTransId="{C96F70C7-8E28-4A54-B49A-394B0580D470}"/>
-    <dgm:cxn modelId="{A7AC336D-580B-4E3D-81B2-7318C1A1BF4E}" type="presOf" srcId="{B2396658-AA41-47F2-949F-30F74E743415}" destId="{7A8F210D-9538-40D0-BC37-94C3D4A55686}" srcOrd="0" destOrd="0" presId="urn:microsoft.com/office/officeart/2005/8/layout/hierarchy1"/>
-    <dgm:cxn modelId="{659A3966-ECAB-4BB3-AB29-E1DFC7608520}" type="presOf" srcId="{9DC56F9E-14ED-4927-A571-7123A2145292}" destId="{AEE714BA-DDBA-4D63-90C9-4F7F4174B35E}" srcOrd="0" destOrd="0" presId="urn:microsoft.com/office/officeart/2005/8/layout/hierarchy1"/>
-    <dgm:cxn modelId="{6D74A35D-7DD3-4A3D-8B43-DDE84A7259DE}" type="presOf" srcId="{94AE0677-33F6-40B9-912C-C13CB330A885}" destId="{0F39A272-D989-4FB1-A1D6-67EB31ED0A19}" srcOrd="0" destOrd="0" presId="urn:microsoft.com/office/officeart/2005/8/layout/hierarchy1"/>
-    <dgm:cxn modelId="{E8693DD4-B998-4F29-8DFE-97224C816F96}" type="presOf" srcId="{19433329-F54A-4D9E-BEAA-373FB36DEDAF}" destId="{549101CE-71B3-40D2-A6D4-57066B01CFF8}" srcOrd="0" destOrd="0" presId="urn:microsoft.com/office/officeart/2005/8/layout/hierarchy1"/>
-    <dgm:cxn modelId="{6B0FA820-67CE-412C-85AD-26CCDD2AF0F9}" srcId="{9475B7BC-3C6E-4F8B-86A2-02330295C367}" destId="{74708E20-C995-40E2-A885-65059E9EFB34}" srcOrd="2" destOrd="0" parTransId="{5985793E-B5C6-478C-AE80-2DA85071DE7C}" sibTransId="{EDA1D36C-5E4D-4158-8658-B0D41D2B1D84}"/>
-    <dgm:cxn modelId="{5C797E73-7DA8-4E95-9DAB-3563F97F7591}" type="presOf" srcId="{75F11DF8-45DB-490C-8ACC-01F0ECE1FC78}" destId="{7B415A85-BF52-47CD-AC84-A104C406C7E5}" srcOrd="0" destOrd="0" presId="urn:microsoft.com/office/officeart/2005/8/layout/hierarchy1"/>
-    <dgm:cxn modelId="{B966D4B1-CA70-4DBD-B18E-EDD1FD76A9E4}" srcId="{B2396658-AA41-47F2-949F-30F74E743415}" destId="{71A99BC8-9602-4220-875D-444EB6BD8319}" srcOrd="0" destOrd="0" parTransId="{47F510FC-8412-4AB2-9E42-0712D3D9B38F}" sibTransId="{9488784E-168A-4405-AF80-4EC4E3DADF3C}"/>
-    <dgm:cxn modelId="{4A861243-E754-4A29-940D-F267DB02D606}" srcId="{DFA25D06-E52C-4FEC-9482-6CF75FEC2546}" destId="{4B43888C-FFA5-4147-9A7E-B614819566E2}" srcOrd="4" destOrd="0" parTransId="{05D47AF2-CAB3-4C0A-9E30-CE1BD10D2C35}" sibTransId="{3571EACC-83BB-4C7E-B72D-0B61E1E1D02F}"/>
-    <dgm:cxn modelId="{0D571A65-92E8-4B29-AD8C-5BD5265A3663}" type="presOf" srcId="{1B8E94EC-AA97-410E-9CCB-FA48ED92A584}" destId="{FDD79ADB-F39C-4067-B6B1-9D60282E29F9}" srcOrd="0" destOrd="0" presId="urn:microsoft.com/office/officeart/2005/8/layout/hierarchy1"/>
-    <dgm:cxn modelId="{9F8D0C62-C6EB-4692-9624-CD1F5685EFB6}" type="presOf" srcId="{5985793E-B5C6-478C-AE80-2DA85071DE7C}" destId="{8546B7BA-C2F4-461E-86B3-48FD83F023F5}" srcOrd="0" destOrd="0" presId="urn:microsoft.com/office/officeart/2005/8/layout/hierarchy1"/>
-    <dgm:cxn modelId="{6BBF7322-4B5B-4EDB-A95C-2956697B9DB6}" type="presOf" srcId="{060898BD-A364-4DF8-B079-ED2FBAABF680}" destId="{95909514-E3D9-4BE3-B25A-542B742DFB0F}" srcOrd="0" destOrd="0" presId="urn:microsoft.com/office/officeart/2005/8/layout/hierarchy1"/>
-    <dgm:cxn modelId="{51EA4DB2-4561-4365-948B-1065F434342A}" type="presOf" srcId="{E702B3D4-3B7B-49CC-8F0B-4AE3EAAB16B9}" destId="{A90011EA-7EFB-4866-8BBD-47BCA30719FB}" srcOrd="0" destOrd="0" presId="urn:microsoft.com/office/officeart/2005/8/layout/hierarchy1"/>
-    <dgm:cxn modelId="{3A1F096D-0D23-42B5-8028-9800B6DACAD4}" type="presOf" srcId="{47F510FC-8412-4AB2-9E42-0712D3D9B38F}" destId="{1CDF7785-F7C6-4A54-BC0D-06D2FE58E0FF}" srcOrd="0" destOrd="0" presId="urn:microsoft.com/office/officeart/2005/8/layout/hierarchy1"/>
-    <dgm:cxn modelId="{6B7F8B48-DBF2-489D-BAE1-3ACB24037BCE}" type="presOf" srcId="{BAB7B0BA-A581-4D0E-B2EA-447F1B6FCE92}" destId="{93851792-4549-48EC-AC4B-6E93EDD8270D}" srcOrd="0" destOrd="0" presId="urn:microsoft.com/office/officeart/2005/8/layout/hierarchy1"/>
-    <dgm:cxn modelId="{BF5E6C3B-806A-44B5-9D7D-D56D748FD04C}" type="presOf" srcId="{6F561D9B-AA2D-41C7-B7AB-954C56A0871E}" destId="{9819C529-2219-41DE-BB5D-BDF1B58D5E18}" srcOrd="0" destOrd="0" presId="urn:microsoft.com/office/officeart/2005/8/layout/hierarchy1"/>
-    <dgm:cxn modelId="{405EC079-AC66-409C-ADE8-89FD6B717EB9}" srcId="{DFA25D06-E52C-4FEC-9482-6CF75FEC2546}" destId="{9475B7BC-3C6E-4F8B-86A2-02330295C367}" srcOrd="2" destOrd="0" parTransId="{B885048D-9053-47AC-909D-D8F89BC11F3B}" sibTransId="{F7C1210D-13CC-45F8-84EB-C5E01B7FC3BD}"/>
-    <dgm:cxn modelId="{AE1CAA94-AF7B-4F3F-94E3-FD8E83D11FC4}" type="presOf" srcId="{30E4A96F-6F51-4F13-B37E-4174F4566204}" destId="{24D23997-4BCE-4C11-B432-4BEA3A5F9410}" srcOrd="0" destOrd="0" presId="urn:microsoft.com/office/officeart/2005/8/layout/hierarchy1"/>
-    <dgm:cxn modelId="{44C86F89-315F-482A-B393-10DEC8D0C7B7}" type="presOf" srcId="{96218991-9336-420F-BF44-D0DBE9FF9A45}" destId="{6B19A7F7-6AD1-4DB9-8FFF-BD38007CD532}" srcOrd="0" destOrd="0" presId="urn:microsoft.com/office/officeart/2005/8/layout/hierarchy1"/>
-    <dgm:cxn modelId="{A3CEF814-3930-48C0-98ED-C8FB0352251F}" type="presOf" srcId="{748BC84C-5B51-48F6-8A3C-E088D767DB63}" destId="{B999CA93-16E1-4893-9E87-62629E737C30}" srcOrd="0" destOrd="0" presId="urn:microsoft.com/office/officeart/2005/8/layout/hierarchy1"/>
-    <dgm:cxn modelId="{D5D61A96-8134-46A9-A9A1-80AB884D349A}" type="presOf" srcId="{067A6633-C4CF-492E-A614-377F53BEC2F5}" destId="{E20139DB-A6E5-4A3F-B73E-464B10F45BB4}" srcOrd="0" destOrd="0" presId="urn:microsoft.com/office/officeart/2005/8/layout/hierarchy1"/>
-    <dgm:cxn modelId="{CB05AF17-E40B-45FB-B0BE-A94F06386A98}" type="presOf" srcId="{DFA25D06-E52C-4FEC-9482-6CF75FEC2546}" destId="{4E413285-3F31-467C-8899-0E0F89A9DA8E}" srcOrd="0" destOrd="0" presId="urn:microsoft.com/office/officeart/2005/8/layout/hierarchy1"/>
-    <dgm:cxn modelId="{C30FB768-822F-4864-A640-8100B0910BC8}" type="presOf" srcId="{19C89BC9-5612-46A5-B381-A7724317D947}" destId="{D531DDB3-DA1D-4704-95CB-F45A38B2C488}" srcOrd="0" destOrd="0" presId="urn:microsoft.com/office/officeart/2005/8/layout/hierarchy1"/>
+    <dgm:cxn modelId="{A1B44047-004E-4949-A061-78057CFC6AE6}" type="presOf" srcId="{19C89BC9-5612-46A5-B381-A7724317D947}" destId="{C694AC81-B733-4129-9E19-0FDA75524BB4}" srcOrd="0" destOrd="0" presId="urn:microsoft.com/office/officeart/2005/8/layout/hierarchy6"/>
+    <dgm:cxn modelId="{9FF13287-5020-41A7-9A96-2DF1576F162B}" type="presOf" srcId="{74708E20-C995-40E2-A885-65059E9EFB34}" destId="{E514CF97-72E2-4BE2-9C1A-24A1C8B6C104}" srcOrd="0" destOrd="0" presId="urn:microsoft.com/office/officeart/2005/8/layout/hierarchy6"/>
+    <dgm:cxn modelId="{29C50558-F03C-416F-8005-DE8C8EBA674B}" type="presOf" srcId="{9DC56F9E-14ED-4927-A571-7123A2145292}" destId="{BAF7DF61-CBD6-4812-BBAE-9D45BF9F122D}" srcOrd="0" destOrd="0" presId="urn:microsoft.com/office/officeart/2005/8/layout/hierarchy6"/>
+    <dgm:cxn modelId="{9FDD8AAF-5D55-47AE-ADA1-70D9C17BF07E}" srcId="{DFA25D06-E52C-4FEC-9482-6CF75FEC2546}" destId="{1EFA85D2-EB77-4F05-84A0-41D01BEBC74A}" srcOrd="3" destOrd="0" parTransId="{922776D7-DBA0-4A58-9DFB-C6FD267881FC}" sibTransId="{73CBC2F8-0889-4FCA-9C30-76A6E68DB1BB}"/>
     <dgm:cxn modelId="{AAACE935-C390-4489-A9C7-2453F116E71F}" srcId="{DFA25D06-E52C-4FEC-9482-6CF75FEC2546}" destId="{BAB7B0BA-A581-4D0E-B2EA-447F1B6FCE92}" srcOrd="1" destOrd="0" parTransId="{067A6633-C4CF-492E-A614-377F53BEC2F5}" sibTransId="{AF580884-33CB-4CC3-BE36-B97B01650A91}"/>
-    <dgm:cxn modelId="{9FDD8AAF-5D55-47AE-ADA1-70D9C17BF07E}" srcId="{DFA25D06-E52C-4FEC-9482-6CF75FEC2546}" destId="{1EFA85D2-EB77-4F05-84A0-41D01BEBC74A}" srcOrd="3" destOrd="0" parTransId="{922776D7-DBA0-4A58-9DFB-C6FD267881FC}" sibTransId="{73CBC2F8-0889-4FCA-9C30-76A6E68DB1BB}"/>
-    <dgm:cxn modelId="{982694E3-B42A-4257-91A8-DA67B53A8F21}" type="presOf" srcId="{2A86A1F1-38C3-4F02-A604-0F9D7FC5A7C8}" destId="{FDBA18E8-2AA5-4EC5-A231-BB5DE1EE775E}" srcOrd="0" destOrd="0" presId="urn:microsoft.com/office/officeart/2005/8/layout/hierarchy1"/>
-    <dgm:cxn modelId="{C94B8CFF-B735-4857-AB49-50FFFCB8F73F}" srcId="{BAB7B0BA-A581-4D0E-B2EA-447F1B6FCE92}" destId="{CDEA9B89-C599-4680-9C82-417F27C61C8B}" srcOrd="0" destOrd="0" parTransId="{75F11DF8-45DB-490C-8ACC-01F0ECE1FC78}" sibTransId="{4564ACC4-2A5A-4B2E-B0FA-F584535BB7A2}"/>
-    <dgm:cxn modelId="{E6CFD5EF-8F42-4691-A4C8-0D0AE2D4D747}" type="presOf" srcId="{75CE5685-D60B-4AF9-BE33-B763F45D9977}" destId="{7FEAEC89-55B2-47C4-9833-5210F598E0A1}" srcOrd="0" destOrd="0" presId="urn:microsoft.com/office/officeart/2005/8/layout/hierarchy1"/>
-    <dgm:cxn modelId="{FE7E03F3-BEDA-4FED-84BD-83D6F31CDD76}" srcId="{9475B7BC-3C6E-4F8B-86A2-02330295C367}" destId="{30E4A96F-6F51-4F13-B37E-4174F4566204}" srcOrd="1" destOrd="0" parTransId="{E532FFE0-7CB9-4735-8B3E-4CEA66C7C232}" sibTransId="{426844CF-8BB3-4038-B2CD-DD93B69D82C3}"/>
-    <dgm:cxn modelId="{F91BBD99-816E-46B8-B6CD-BFCAAFB10E42}" srcId="{9475B7BC-3C6E-4F8B-86A2-02330295C367}" destId="{D85F5AB4-99EE-4A1E-80F1-0148B92404C5}" srcOrd="0" destOrd="0" parTransId="{B015393B-2F22-47F4-8C1F-90727064926E}" sibTransId="{30F1AED4-9062-4D27-96B8-C9A8D01AA52B}"/>
-    <dgm:cxn modelId="{E9DB49E5-3DAD-44FB-8356-1BD1E14425EB}" type="presOf" srcId="{1EFA85D2-EB77-4F05-84A0-41D01BEBC74A}" destId="{C59CEA08-F567-4CD0-A44C-3617FAE36940}" srcOrd="0" destOrd="0" presId="urn:microsoft.com/office/officeart/2005/8/layout/hierarchy1"/>
-    <dgm:cxn modelId="{37A47784-5FF0-4E11-AE93-909DF9C390B5}" type="presOf" srcId="{CDEA9B89-C599-4680-9C82-417F27C61C8B}" destId="{1256F279-1A6C-4F76-B74A-C078AD630D88}" srcOrd="0" destOrd="0" presId="urn:microsoft.com/office/officeart/2005/8/layout/hierarchy1"/>
-    <dgm:cxn modelId="{850E469F-0271-4210-92CC-175DB8CC0ED6}" type="presOf" srcId="{C2FD08F5-E57F-4690-BBB5-026AAAFD7DA1}" destId="{58E8C8B7-6283-40B4-BA71-97BE95AC6F84}" srcOrd="0" destOrd="0" presId="urn:microsoft.com/office/officeart/2005/8/layout/hierarchy1"/>
-    <dgm:cxn modelId="{DB8DECA5-B8E4-4E19-8C02-8A656524AFD8}" type="presOf" srcId="{05D47AF2-CAB3-4C0A-9E30-CE1BD10D2C35}" destId="{CA0EDD79-BD8F-4EA4-BEEA-A8786077B5CB}" srcOrd="0" destOrd="0" presId="urn:microsoft.com/office/officeart/2005/8/layout/hierarchy1"/>
-    <dgm:cxn modelId="{1F243E56-BBA5-430E-AC02-FF3BFE3157A7}" srcId="{4B43888C-FFA5-4147-9A7E-B614819566E2}" destId="{F76ECD67-F62D-459D-9B9E-1577DD6E8505}" srcOrd="0" destOrd="0" parTransId="{6F561D9B-AA2D-41C7-B7AB-954C56A0871E}" sibTransId="{DB3AF7C9-A089-4BAE-A4BC-91D7B40893EC}"/>
-    <dgm:cxn modelId="{B82C7F60-0817-47A2-B2ED-F19A134CC1AC}" type="presOf" srcId="{71A99BC8-9602-4220-875D-444EB6BD8319}" destId="{38580B1E-15FB-4C69-962E-03DC1CFBA672}" srcOrd="0" destOrd="0" presId="urn:microsoft.com/office/officeart/2005/8/layout/hierarchy1"/>
-    <dgm:cxn modelId="{BEE72C77-C593-4FC9-B274-4006B978C3F3}" type="presOf" srcId="{E281D1EE-B55C-406E-ADA6-AF467A1AC343}" destId="{66FCA93E-E0AF-4FE6-A318-040CF82D011A}" srcOrd="0" destOrd="0" presId="urn:microsoft.com/office/officeart/2005/8/layout/hierarchy1"/>
-    <dgm:cxn modelId="{D85F8F35-6732-458F-9654-6A0C3616B63E}" srcId="{4B43888C-FFA5-4147-9A7E-B614819566E2}" destId="{19433329-F54A-4D9E-BEAA-373FB36DEDAF}" srcOrd="3" destOrd="0" parTransId="{280FAE21-5B58-4008-AAA3-FC4AF3830394}" sibTransId="{B1E233A6-D4CC-4D87-B555-F6F04B0B5C71}"/>
-    <dgm:cxn modelId="{1FCE9BEB-271D-40C2-9BD5-BB272CAEA5D7}" type="presOf" srcId="{922776D7-DBA0-4A58-9DFB-C6FD267881FC}" destId="{922FEA96-9506-4FA8-B6C7-D8A26FE1534A}" srcOrd="0" destOrd="0" presId="urn:microsoft.com/office/officeart/2005/8/layout/hierarchy1"/>
-    <dgm:cxn modelId="{EBA93152-85D4-43C4-AFA1-E74DF21AF19F}" srcId="{DFA25D06-E52C-4FEC-9482-6CF75FEC2546}" destId="{B2396658-AA41-47F2-949F-30F74E743415}" srcOrd="0" destOrd="0" parTransId="{03FF4D50-5BB7-4079-8326-669B8223CB12}" sibTransId="{2DDC019A-5502-48F4-9D6D-88C776FC8AB3}"/>
-    <dgm:cxn modelId="{6AF09074-7779-4C31-86C6-DF81B5435178}" type="presOf" srcId="{4B43888C-FFA5-4147-9A7E-B614819566E2}" destId="{AD88C538-117E-4C66-A561-BE48B0C21FF7}" srcOrd="0" destOrd="0" presId="urn:microsoft.com/office/officeart/2005/8/layout/hierarchy1"/>
-    <dgm:cxn modelId="{20977056-06A7-4520-8BC5-516C794FA961}" type="presOf" srcId="{74708E20-C995-40E2-A885-65059E9EFB34}" destId="{EC49095F-AE9D-4FA3-9A16-EF347B829178}" srcOrd="0" destOrd="0" presId="urn:microsoft.com/office/officeart/2005/8/layout/hierarchy1"/>
-    <dgm:cxn modelId="{3DC2B477-DFBE-41BF-8451-5004488C9594}" type="presOf" srcId="{03FF4D50-5BB7-4079-8326-669B8223CB12}" destId="{5327C8D4-D657-41D7-9D0E-DC09DB9D5418}" srcOrd="0" destOrd="0" presId="urn:microsoft.com/office/officeart/2005/8/layout/hierarchy1"/>
-    <dgm:cxn modelId="{6A89ED76-C0D2-4AD0-8BD3-889E99E00E90}" srcId="{CDEA9B89-C599-4680-9C82-417F27C61C8B}" destId="{C2FD08F5-E57F-4690-BBB5-026AAAFD7DA1}" srcOrd="1" destOrd="0" parTransId="{9DC56F9E-14ED-4927-A571-7123A2145292}" sibTransId="{E4999909-0CC5-40FE-AAC0-E2E98DCF5368}"/>
-    <dgm:cxn modelId="{4AAB278C-4E20-45C0-AE5F-24603E177B7B}" srcId="{1EFA85D2-EB77-4F05-84A0-41D01BEBC74A}" destId="{858DFAE1-4700-4F42-A27F-14A9DF5D8A62}" srcOrd="0" destOrd="0" parTransId="{748BC84C-5B51-48F6-8A3C-E088D767DB63}" sibTransId="{02924B03-27CB-4789-87C2-5B1CA4731DB5}"/>
-    <dgm:cxn modelId="{37C88AFA-7E68-499D-8C19-3961CB51B118}" srcId="{4B43888C-FFA5-4147-9A7E-B614819566E2}" destId="{2A86A1F1-38C3-4F02-A604-0F9D7FC5A7C8}" srcOrd="2" destOrd="0" parTransId="{060898BD-A364-4DF8-B079-ED2FBAABF680}" sibTransId="{C267B63A-3BCE-4397-805A-9BA79F9530E9}"/>
-    <dgm:cxn modelId="{0DE864CF-F307-410E-947A-680FF70472EF}" type="presOf" srcId="{D85F5AB4-99EE-4A1E-80F1-0148B92404C5}" destId="{C5496DC2-7525-4FD5-A053-481E05CD258A}" srcOrd="0" destOrd="0" presId="urn:microsoft.com/office/officeart/2005/8/layout/hierarchy1"/>
-    <dgm:cxn modelId="{A971E5F6-630B-4A7A-AD90-29454E551A9C}" type="presOf" srcId="{858DFAE1-4700-4F42-A27F-14A9DF5D8A62}" destId="{D95D8436-AA11-4C54-838E-7AE5A9200664}" srcOrd="0" destOrd="0" presId="urn:microsoft.com/office/officeart/2005/8/layout/hierarchy1"/>
-    <dgm:cxn modelId="{A3D8E1F3-332F-4240-84B0-251649685CFC}" type="presOf" srcId="{E532FFE0-7CB9-4735-8B3E-4CEA66C7C232}" destId="{9C28D996-77B5-4EFC-9F94-A8A01B4CEDD6}" srcOrd="0" destOrd="0" presId="urn:microsoft.com/office/officeart/2005/8/layout/hierarchy1"/>
-    <dgm:cxn modelId="{C3D5F8F2-D220-4F96-B7C9-6DF152745E39}" type="presOf" srcId="{DC4A7EF7-B4AC-4F5D-AAF5-D20918C23581}" destId="{3D79B4A5-8C36-4545-9003-A52EABB3631C}" srcOrd="0" destOrd="0" presId="urn:microsoft.com/office/officeart/2005/8/layout/hierarchy1"/>
-    <dgm:cxn modelId="{5FACEC35-D25E-465F-85EF-F5D5CF5A2219}" srcId="{CDEA9B89-C599-4680-9C82-417F27C61C8B}" destId="{DC4A7EF7-B4AC-4F5D-AAF5-D20918C23581}" srcOrd="0" destOrd="0" parTransId="{75CE5685-D60B-4AF9-BE33-B763F45D9977}" sibTransId="{CCBD8DE6-757F-4A36-A37F-2BA02C8D9902}"/>
-    <dgm:cxn modelId="{8C45BAB2-8860-4FD0-A500-8FF9CC2C7784}" type="presOf" srcId="{DC4934EB-56E0-4615-80E1-AF9FE1D99830}" destId="{5D8315D6-A409-41C1-AC59-C41157902DBC}" srcOrd="0" destOrd="0" presId="urn:microsoft.com/office/officeart/2005/8/layout/hierarchy1"/>
-    <dgm:cxn modelId="{9B0F4FA9-3482-4681-A9CD-A2CA2C937BA9}" type="presOf" srcId="{0DC7CB2E-D3E7-40A3-84DE-14C8530B6C71}" destId="{1BB00B23-3CC6-4508-B3DC-A81AF0FA199B}" srcOrd="0" destOrd="0" presId="urn:microsoft.com/office/officeart/2005/8/layout/hierarchy1"/>
-    <dgm:cxn modelId="{4E9F1299-DA31-48E1-8928-778749772D0F}" type="presOf" srcId="{B885048D-9053-47AC-909D-D8F89BC11F3B}" destId="{8A55D92C-61F7-4B13-9A9F-287DDC59063C}" srcOrd="0" destOrd="0" presId="urn:microsoft.com/office/officeart/2005/8/layout/hierarchy1"/>
-    <dgm:cxn modelId="{3F01E42E-43AF-419C-B8A4-9C422DCE445C}" srcId="{4B43888C-FFA5-4147-9A7E-B614819566E2}" destId="{E281D1EE-B55C-406E-ADA6-AF467A1AC343}" srcOrd="1" destOrd="0" parTransId="{DC4934EB-56E0-4615-80E1-AF9FE1D99830}" sibTransId="{7CAA5D30-115B-4945-98A5-BC904F0DE0D2}"/>
-    <dgm:cxn modelId="{2FCA7E22-BFA1-402C-8B7B-2981E9B272CC}" type="presOf" srcId="{D56F912C-27F3-4368-9FAA-CDCABD47DA58}" destId="{59C8480F-1470-4B16-A94A-F9DF7A41E13B}" srcOrd="0" destOrd="0" presId="urn:microsoft.com/office/officeart/2005/8/layout/hierarchy1"/>
-    <dgm:cxn modelId="{5120E672-5DAD-490E-A6BC-96E5B6CD050F}" srcId="{1EFA85D2-EB77-4F05-84A0-41D01BEBC74A}" destId="{1B8E94EC-AA97-410E-9CCB-FA48ED92A584}" srcOrd="1" destOrd="0" parTransId="{D56F912C-27F3-4368-9FAA-CDCABD47DA58}" sibTransId="{2D005375-10E8-43F8-B454-7073C91264E6}"/>
-    <dgm:cxn modelId="{62BF2D0D-4B54-49FE-B4F9-9A5AB9AD1E4C}" srcId="{E702B3D4-3B7B-49CC-8F0B-4AE3EAAB16B9}" destId="{71C0B651-B1BC-4956-BFB1-07266DFAD327}" srcOrd="0" destOrd="0" parTransId="{94AE0677-33F6-40B9-912C-C13CB330A885}" sibTransId="{DAC37F23-C750-4FEC-A780-B2C7676CF640}"/>
-    <dgm:cxn modelId="{92FD5108-860D-4AEE-BD3F-9DF77F6BEFC0}" type="presOf" srcId="{71C0B651-B1BC-4956-BFB1-07266DFAD327}" destId="{4A7455EC-ACDE-4967-AE95-F407E738DA74}" srcOrd="0" destOrd="0" presId="urn:microsoft.com/office/officeart/2005/8/layout/hierarchy1"/>
-    <dgm:cxn modelId="{4762F40D-6879-4B43-91DA-7D8A2F273CA0}" type="presOf" srcId="{9475B7BC-3C6E-4F8B-86A2-02330295C367}" destId="{04B600F4-4BB9-49ED-ABDE-72597FEC67EB}" srcOrd="0" destOrd="0" presId="urn:microsoft.com/office/officeart/2005/8/layout/hierarchy1"/>
-    <dgm:cxn modelId="{F359AD0A-083A-494B-8A61-DCAD3B092805}" type="presOf" srcId="{6674288A-4C5E-4493-B507-B562F54494F1}" destId="{726B9378-1394-48F7-8A5D-21FE335A353B}" srcOrd="0" destOrd="0" presId="urn:microsoft.com/office/officeart/2005/8/layout/hierarchy1"/>
-    <dgm:cxn modelId="{91B2C42C-D484-4F6F-A94E-B5D1174EB257}" type="presOf" srcId="{B015393B-2F22-47F4-8C1F-90727064926E}" destId="{FF56A3BF-B215-4246-8715-BF750993814D}" srcOrd="0" destOrd="0" presId="urn:microsoft.com/office/officeart/2005/8/layout/hierarchy1"/>
-    <dgm:cxn modelId="{F906FC24-7FD6-4D37-BF01-32AA7779DB62}" type="presOf" srcId="{35C5DE37-EC7B-4B38-9D4D-35B374EC4B0E}" destId="{5CE8C2A1-0004-42B3-8207-5D9872D8A0F5}" srcOrd="0" destOrd="0" presId="urn:microsoft.com/office/officeart/2005/8/layout/hierarchy1"/>
-    <dgm:cxn modelId="{0AD9DDDF-C53F-4999-B0EB-B964AC597B22}" type="presOf" srcId="{F76ECD67-F62D-459D-9B9E-1577DD6E8505}" destId="{73EC0AB6-3775-4D35-968E-D4814D53D0E4}" srcOrd="0" destOrd="0" presId="urn:microsoft.com/office/officeart/2005/8/layout/hierarchy1"/>
-    <dgm:cxn modelId="{C9D25813-4E34-4471-A65B-51EC12070724}" type="presParOf" srcId="{6B19A7F7-6AD1-4DB9-8FFF-BD38007CD532}" destId="{A27594A2-FC40-455A-8169-FF287A92988F}" srcOrd="0" destOrd="0" presId="urn:microsoft.com/office/officeart/2005/8/layout/hierarchy1"/>
-    <dgm:cxn modelId="{C1CB3A13-713B-4752-8DB8-D0DDBA477BE0}" type="presParOf" srcId="{A27594A2-FC40-455A-8169-FF287A92988F}" destId="{B9BF9608-9ED7-4562-BC88-976E5EC95346}" srcOrd="0" destOrd="0" presId="urn:microsoft.com/office/officeart/2005/8/layout/hierarchy1"/>
-    <dgm:cxn modelId="{DD2A2F71-FE68-4F63-B3A7-584A68048BB8}" type="presParOf" srcId="{B9BF9608-9ED7-4562-BC88-976E5EC95346}" destId="{68F7341E-F40D-4164-94D6-05A214FAA96A}" srcOrd="0" destOrd="0" presId="urn:microsoft.com/office/officeart/2005/8/layout/hierarchy1"/>
-    <dgm:cxn modelId="{530AEEF3-3D32-4563-8103-1E4B79F955E9}" type="presParOf" srcId="{B9BF9608-9ED7-4562-BC88-976E5EC95346}" destId="{4E413285-3F31-467C-8899-0E0F89A9DA8E}" srcOrd="1" destOrd="0" presId="urn:microsoft.com/office/officeart/2005/8/layout/hierarchy1"/>
-    <dgm:cxn modelId="{B2285944-4564-47D7-A662-36665E1BCCD1}" type="presParOf" srcId="{A27594A2-FC40-455A-8169-FF287A92988F}" destId="{EF20D13F-2362-4A7B-A635-AEA5C5BA8C5A}" srcOrd="1" destOrd="0" presId="urn:microsoft.com/office/officeart/2005/8/layout/hierarchy1"/>
-    <dgm:cxn modelId="{3C389EF4-25D4-4E55-90EE-F68392ECD499}" type="presParOf" srcId="{EF20D13F-2362-4A7B-A635-AEA5C5BA8C5A}" destId="{5327C8D4-D657-41D7-9D0E-DC09DB9D5418}" srcOrd="0" destOrd="0" presId="urn:microsoft.com/office/officeart/2005/8/layout/hierarchy1"/>
-    <dgm:cxn modelId="{1F558714-B801-439B-855E-08E60C85923A}" type="presParOf" srcId="{EF20D13F-2362-4A7B-A635-AEA5C5BA8C5A}" destId="{0146529F-C6E0-4789-B018-92DC36ED8536}" srcOrd="1" destOrd="0" presId="urn:microsoft.com/office/officeart/2005/8/layout/hierarchy1"/>
-    <dgm:cxn modelId="{10DA067B-58B0-4173-B558-D6161C0AB603}" type="presParOf" srcId="{0146529F-C6E0-4789-B018-92DC36ED8536}" destId="{CBB70BE7-7C2D-477F-9B6B-E47A6A7D49D6}" srcOrd="0" destOrd="0" presId="urn:microsoft.com/office/officeart/2005/8/layout/hierarchy1"/>
-    <dgm:cxn modelId="{386E2A0D-6A19-4A53-8C4B-6EB8D3BA082C}" type="presParOf" srcId="{CBB70BE7-7C2D-477F-9B6B-E47A6A7D49D6}" destId="{59647FD9-A0C9-4730-8A1F-316B6BCF92AA}" srcOrd="0" destOrd="0" presId="urn:microsoft.com/office/officeart/2005/8/layout/hierarchy1"/>
-    <dgm:cxn modelId="{C24C7FF0-B985-4A13-AF2B-BC1761C12993}" type="presParOf" srcId="{CBB70BE7-7C2D-477F-9B6B-E47A6A7D49D6}" destId="{7A8F210D-9538-40D0-BC37-94C3D4A55686}" srcOrd="1" destOrd="0" presId="urn:microsoft.com/office/officeart/2005/8/layout/hierarchy1"/>
-    <dgm:cxn modelId="{D9A5004C-8542-4EA9-8089-9F7959B2EEB4}" type="presParOf" srcId="{0146529F-C6E0-4789-B018-92DC36ED8536}" destId="{A6065ECE-515F-4EAD-9F5F-6D5E00978ED2}" srcOrd="1" destOrd="0" presId="urn:microsoft.com/office/officeart/2005/8/layout/hierarchy1"/>
-    <dgm:cxn modelId="{07A3350C-E0DE-4F4D-A70E-5E51CD1378EE}" type="presParOf" srcId="{A6065ECE-515F-4EAD-9F5F-6D5E00978ED2}" destId="{1CDF7785-F7C6-4A54-BC0D-06D2FE58E0FF}" srcOrd="0" destOrd="0" presId="urn:microsoft.com/office/officeart/2005/8/layout/hierarchy1"/>
-    <dgm:cxn modelId="{E7F91C39-8FAC-4486-98EA-211D387B55E5}" type="presParOf" srcId="{A6065ECE-515F-4EAD-9F5F-6D5E00978ED2}" destId="{C68431BB-C486-4040-B808-CB75DBA9D0B5}" srcOrd="1" destOrd="0" presId="urn:microsoft.com/office/officeart/2005/8/layout/hierarchy1"/>
-    <dgm:cxn modelId="{59E10651-D7EC-4159-81F4-0ADF34C4B338}" type="presParOf" srcId="{C68431BB-C486-4040-B808-CB75DBA9D0B5}" destId="{906A7BA0-FC9A-49D0-96F3-58F207244157}" srcOrd="0" destOrd="0" presId="urn:microsoft.com/office/officeart/2005/8/layout/hierarchy1"/>
-    <dgm:cxn modelId="{04FEF9F0-3CBB-4A9F-A7B1-6CCAA9CCA615}" type="presParOf" srcId="{906A7BA0-FC9A-49D0-96F3-58F207244157}" destId="{9E7604FC-C5A1-4C9C-BA82-444098FC5D8B}" srcOrd="0" destOrd="0" presId="urn:microsoft.com/office/officeart/2005/8/layout/hierarchy1"/>
-    <dgm:cxn modelId="{84F923C5-C8ED-44CD-983F-416B02D5BD21}" type="presParOf" srcId="{906A7BA0-FC9A-49D0-96F3-58F207244157}" destId="{38580B1E-15FB-4C69-962E-03DC1CFBA672}" srcOrd="1" destOrd="0" presId="urn:microsoft.com/office/officeart/2005/8/layout/hierarchy1"/>
-    <dgm:cxn modelId="{72C487FC-34FD-44DB-A767-50B050BDB893}" type="presParOf" srcId="{C68431BB-C486-4040-B808-CB75DBA9D0B5}" destId="{1E7F6E36-8694-4420-AF11-0DC0D1200C60}" srcOrd="1" destOrd="0" presId="urn:microsoft.com/office/officeart/2005/8/layout/hierarchy1"/>
-    <dgm:cxn modelId="{53F31C96-E4F5-4D75-926D-685A4C85BD55}" type="presParOf" srcId="{A6065ECE-515F-4EAD-9F5F-6D5E00978ED2}" destId="{D531DDB3-DA1D-4704-95CB-F45A38B2C488}" srcOrd="2" destOrd="0" presId="urn:microsoft.com/office/officeart/2005/8/layout/hierarchy1"/>
-    <dgm:cxn modelId="{29119A4C-C16F-4B36-B8DF-8B70784ED394}" type="presParOf" srcId="{A6065ECE-515F-4EAD-9F5F-6D5E00978ED2}" destId="{93DF72FB-8698-450D-85FC-8D8B2F164E21}" srcOrd="3" destOrd="0" presId="urn:microsoft.com/office/officeart/2005/8/layout/hierarchy1"/>
-    <dgm:cxn modelId="{D6E9B1AD-78EC-4A24-912F-4C6833ED8970}" type="presParOf" srcId="{93DF72FB-8698-450D-85FC-8D8B2F164E21}" destId="{F6839D78-D519-4037-B133-EE660F147124}" srcOrd="0" destOrd="0" presId="urn:microsoft.com/office/officeart/2005/8/layout/hierarchy1"/>
-    <dgm:cxn modelId="{03248298-7FCB-4445-938A-0F97541B5763}" type="presParOf" srcId="{F6839D78-D519-4037-B133-EE660F147124}" destId="{29746384-5EF8-439F-A31E-ECD3DDFCA18F}" srcOrd="0" destOrd="0" presId="urn:microsoft.com/office/officeart/2005/8/layout/hierarchy1"/>
-    <dgm:cxn modelId="{3CFD13AD-C05F-4B63-9BF2-FBF691C0E3D1}" type="presParOf" srcId="{F6839D78-D519-4037-B133-EE660F147124}" destId="{A90011EA-7EFB-4866-8BBD-47BCA30719FB}" srcOrd="1" destOrd="0" presId="urn:microsoft.com/office/officeart/2005/8/layout/hierarchy1"/>
-    <dgm:cxn modelId="{C7DBDD21-6533-4D01-B8FD-A5928FD1483D}" type="presParOf" srcId="{93DF72FB-8698-450D-85FC-8D8B2F164E21}" destId="{62563239-5E2E-49C9-AA44-0E9EC5230B86}" srcOrd="1" destOrd="0" presId="urn:microsoft.com/office/officeart/2005/8/layout/hierarchy1"/>
-    <dgm:cxn modelId="{9D2B7BE8-AB1A-4F52-881E-18B9F4A7800E}" type="presParOf" srcId="{62563239-5E2E-49C9-AA44-0E9EC5230B86}" destId="{0F39A272-D989-4FB1-A1D6-67EB31ED0A19}" srcOrd="0" destOrd="0" presId="urn:microsoft.com/office/officeart/2005/8/layout/hierarchy1"/>
-    <dgm:cxn modelId="{4818ABDC-C0E9-49FC-97EF-7978080D927E}" type="presParOf" srcId="{62563239-5E2E-49C9-AA44-0E9EC5230B86}" destId="{F1262E82-0C70-498D-8BC5-2B5733D83827}" srcOrd="1" destOrd="0" presId="urn:microsoft.com/office/officeart/2005/8/layout/hierarchy1"/>
-    <dgm:cxn modelId="{06923262-B514-4D7E-8F72-C4385E8D60D5}" type="presParOf" srcId="{F1262E82-0C70-498D-8BC5-2B5733D83827}" destId="{66F71B13-47DD-4F69-B220-3D880FF94D9F}" srcOrd="0" destOrd="0" presId="urn:microsoft.com/office/officeart/2005/8/layout/hierarchy1"/>
-    <dgm:cxn modelId="{43937284-BEEE-4FF0-98E8-169450F8D4A9}" type="presParOf" srcId="{66F71B13-47DD-4F69-B220-3D880FF94D9F}" destId="{E5F4F968-4902-48AE-876D-9E0F4DC49116}" srcOrd="0" destOrd="0" presId="urn:microsoft.com/office/officeart/2005/8/layout/hierarchy1"/>
-    <dgm:cxn modelId="{47AE0D36-CF46-410D-BE48-9432758C5641}" type="presParOf" srcId="{66F71B13-47DD-4F69-B220-3D880FF94D9F}" destId="{4A7455EC-ACDE-4967-AE95-F407E738DA74}" srcOrd="1" destOrd="0" presId="urn:microsoft.com/office/officeart/2005/8/layout/hierarchy1"/>
-    <dgm:cxn modelId="{816BA5B6-9940-45E9-81C7-10B4C758D8D3}" type="presParOf" srcId="{F1262E82-0C70-498D-8BC5-2B5733D83827}" destId="{3043DEDB-3F51-411B-BC02-863CFD56887D}" srcOrd="1" destOrd="0" presId="urn:microsoft.com/office/officeart/2005/8/layout/hierarchy1"/>
-    <dgm:cxn modelId="{ABEA5360-EEC7-40D6-9203-D50E3073A7B9}" type="presParOf" srcId="{EF20D13F-2362-4A7B-A635-AEA5C5BA8C5A}" destId="{E20139DB-A6E5-4A3F-B73E-464B10F45BB4}" srcOrd="2" destOrd="0" presId="urn:microsoft.com/office/officeart/2005/8/layout/hierarchy1"/>
-    <dgm:cxn modelId="{FF6E5CFB-EB17-42D1-B667-FB46825EEF96}" type="presParOf" srcId="{EF20D13F-2362-4A7B-A635-AEA5C5BA8C5A}" destId="{F2D006BB-52E9-4252-A785-7CE5454AEBE3}" srcOrd="3" destOrd="0" presId="urn:microsoft.com/office/officeart/2005/8/layout/hierarchy1"/>
-    <dgm:cxn modelId="{5E799712-8692-4797-8DF4-E162812A9E0C}" type="presParOf" srcId="{F2D006BB-52E9-4252-A785-7CE5454AEBE3}" destId="{C2FFDA47-8F53-4227-9B00-8BA3249C4799}" srcOrd="0" destOrd="0" presId="urn:microsoft.com/office/officeart/2005/8/layout/hierarchy1"/>
-    <dgm:cxn modelId="{6170775A-D872-4ECC-BFB0-A223FB3A1C6A}" type="presParOf" srcId="{C2FFDA47-8F53-4227-9B00-8BA3249C4799}" destId="{E8E4C296-654A-494B-8DC4-98F5C2F49A58}" srcOrd="0" destOrd="0" presId="urn:microsoft.com/office/officeart/2005/8/layout/hierarchy1"/>
-    <dgm:cxn modelId="{A2F6E40F-5784-4035-8684-A7597E5A8289}" type="presParOf" srcId="{C2FFDA47-8F53-4227-9B00-8BA3249C4799}" destId="{93851792-4549-48EC-AC4B-6E93EDD8270D}" srcOrd="1" destOrd="0" presId="urn:microsoft.com/office/officeart/2005/8/layout/hierarchy1"/>
-    <dgm:cxn modelId="{2F721BC8-D024-4F19-BECA-CD3CB3340878}" type="presParOf" srcId="{F2D006BB-52E9-4252-A785-7CE5454AEBE3}" destId="{FE4F0C87-ACF6-47F2-B29C-583C7D52F845}" srcOrd="1" destOrd="0" presId="urn:microsoft.com/office/officeart/2005/8/layout/hierarchy1"/>
-    <dgm:cxn modelId="{280D84AF-F3E9-4BF2-BC1F-508B152FFF42}" type="presParOf" srcId="{FE4F0C87-ACF6-47F2-B29C-583C7D52F845}" destId="{7B415A85-BF52-47CD-AC84-A104C406C7E5}" srcOrd="0" destOrd="0" presId="urn:microsoft.com/office/officeart/2005/8/layout/hierarchy1"/>
-    <dgm:cxn modelId="{905431A1-11AC-43C1-882D-A01814F0193D}" type="presParOf" srcId="{FE4F0C87-ACF6-47F2-B29C-583C7D52F845}" destId="{7FBAF406-73FE-4736-9BB7-9E21AE848A3A}" srcOrd="1" destOrd="0" presId="urn:microsoft.com/office/officeart/2005/8/layout/hierarchy1"/>
-    <dgm:cxn modelId="{4F5D8211-45DA-41E7-8468-A66A5EE3EE5B}" type="presParOf" srcId="{7FBAF406-73FE-4736-9BB7-9E21AE848A3A}" destId="{73905521-3DD8-494F-93E7-DA03CDB9B895}" srcOrd="0" destOrd="0" presId="urn:microsoft.com/office/officeart/2005/8/layout/hierarchy1"/>
-    <dgm:cxn modelId="{33AE6CA6-4F2B-4333-A15E-BAD536C0EDAB}" type="presParOf" srcId="{73905521-3DD8-494F-93E7-DA03CDB9B895}" destId="{52D11D68-CEB4-42C8-BAF9-5136B9491076}" srcOrd="0" destOrd="0" presId="urn:microsoft.com/office/officeart/2005/8/layout/hierarchy1"/>
-    <dgm:cxn modelId="{4F569C6F-5742-4013-95D9-0735B6CE1A1B}" type="presParOf" srcId="{73905521-3DD8-494F-93E7-DA03CDB9B895}" destId="{1256F279-1A6C-4F76-B74A-C078AD630D88}" srcOrd="1" destOrd="0" presId="urn:microsoft.com/office/officeart/2005/8/layout/hierarchy1"/>
-    <dgm:cxn modelId="{E9357A2F-F3D3-4823-A446-AEED7A489E8E}" type="presParOf" srcId="{7FBAF406-73FE-4736-9BB7-9E21AE848A3A}" destId="{9DFD53C9-E5B2-4445-A50F-7ED3605A8594}" srcOrd="1" destOrd="0" presId="urn:microsoft.com/office/officeart/2005/8/layout/hierarchy1"/>
-    <dgm:cxn modelId="{55FF03B0-373D-4044-86BB-71E001187515}" type="presParOf" srcId="{9DFD53C9-E5B2-4445-A50F-7ED3605A8594}" destId="{7FEAEC89-55B2-47C4-9833-5210F598E0A1}" srcOrd="0" destOrd="0" presId="urn:microsoft.com/office/officeart/2005/8/layout/hierarchy1"/>
-    <dgm:cxn modelId="{4D17D215-FA24-4FF2-BA85-0C81E6A15FDE}" type="presParOf" srcId="{9DFD53C9-E5B2-4445-A50F-7ED3605A8594}" destId="{DAE57AA6-6510-460B-9212-DF5EB14305CF}" srcOrd="1" destOrd="0" presId="urn:microsoft.com/office/officeart/2005/8/layout/hierarchy1"/>
-    <dgm:cxn modelId="{AAECE2D0-EBDC-43F5-9465-69B7B64C671B}" type="presParOf" srcId="{DAE57AA6-6510-460B-9212-DF5EB14305CF}" destId="{97BEE893-FE55-4274-8D78-E0DBB014B228}" srcOrd="0" destOrd="0" presId="urn:microsoft.com/office/officeart/2005/8/layout/hierarchy1"/>
-    <dgm:cxn modelId="{DA402F3B-1C36-413E-990C-AF70134F8A52}" type="presParOf" srcId="{97BEE893-FE55-4274-8D78-E0DBB014B228}" destId="{2DE76FE8-C457-4805-97E8-D62109F75306}" srcOrd="0" destOrd="0" presId="urn:microsoft.com/office/officeart/2005/8/layout/hierarchy1"/>
-    <dgm:cxn modelId="{050A6347-55CC-4694-A14E-A4C9DF555571}" type="presParOf" srcId="{97BEE893-FE55-4274-8D78-E0DBB014B228}" destId="{3D79B4A5-8C36-4545-9003-A52EABB3631C}" srcOrd="1" destOrd="0" presId="urn:microsoft.com/office/officeart/2005/8/layout/hierarchy1"/>
-    <dgm:cxn modelId="{BBAE73D5-8A99-4B29-9BA5-07CB8C9CB5E2}" type="presParOf" srcId="{DAE57AA6-6510-460B-9212-DF5EB14305CF}" destId="{0F04B6F3-825B-4EE1-BD95-BADB24CD0031}" srcOrd="1" destOrd="0" presId="urn:microsoft.com/office/officeart/2005/8/layout/hierarchy1"/>
-    <dgm:cxn modelId="{E34D42B0-9E8F-4274-8BF5-6876DB3C18CA}" type="presParOf" srcId="{9DFD53C9-E5B2-4445-A50F-7ED3605A8594}" destId="{AEE714BA-DDBA-4D63-90C9-4F7F4174B35E}" srcOrd="2" destOrd="0" presId="urn:microsoft.com/office/officeart/2005/8/layout/hierarchy1"/>
-    <dgm:cxn modelId="{03306A9D-280F-46E3-B0E4-C19C1495CDC1}" type="presParOf" srcId="{9DFD53C9-E5B2-4445-A50F-7ED3605A8594}" destId="{F363E6C7-2D8E-46B7-A1BD-A6ED5AEBBA5E}" srcOrd="3" destOrd="0" presId="urn:microsoft.com/office/officeart/2005/8/layout/hierarchy1"/>
-    <dgm:cxn modelId="{D5BD931D-1132-4E93-8097-04DD9B3E1A8D}" type="presParOf" srcId="{F363E6C7-2D8E-46B7-A1BD-A6ED5AEBBA5E}" destId="{C15A4CA8-EA5A-40BA-8F93-252366B74DA5}" srcOrd="0" destOrd="0" presId="urn:microsoft.com/office/officeart/2005/8/layout/hierarchy1"/>
-    <dgm:cxn modelId="{11AB7708-DA32-4A75-BCF3-4831E476EA71}" type="presParOf" srcId="{C15A4CA8-EA5A-40BA-8F93-252366B74DA5}" destId="{A6B8837F-C4B4-4921-A953-F95F8928F526}" srcOrd="0" destOrd="0" presId="urn:microsoft.com/office/officeart/2005/8/layout/hierarchy1"/>
-    <dgm:cxn modelId="{D911DC38-C17D-4B27-AFCB-B14FFF14F2BC}" type="presParOf" srcId="{C15A4CA8-EA5A-40BA-8F93-252366B74DA5}" destId="{58E8C8B7-6283-40B4-BA71-97BE95AC6F84}" srcOrd="1" destOrd="0" presId="urn:microsoft.com/office/officeart/2005/8/layout/hierarchy1"/>
-    <dgm:cxn modelId="{68A54534-92D9-4A7B-BB90-3E27FCA3DCAD}" type="presParOf" srcId="{F363E6C7-2D8E-46B7-A1BD-A6ED5AEBBA5E}" destId="{DF8D6DC8-90C4-42F1-A22E-A264C63733EA}" srcOrd="1" destOrd="0" presId="urn:microsoft.com/office/officeart/2005/8/layout/hierarchy1"/>
-    <dgm:cxn modelId="{73CE27C6-944D-48A2-8A1D-3646E1C79951}" type="presParOf" srcId="{FE4F0C87-ACF6-47F2-B29C-583C7D52F845}" destId="{78302FCD-CE60-429D-ABDB-77AA9BA7F696}" srcOrd="2" destOrd="0" presId="urn:microsoft.com/office/officeart/2005/8/layout/hierarchy1"/>
-    <dgm:cxn modelId="{D31E5739-DC25-49DF-A5B5-BAF9975F2339}" type="presParOf" srcId="{FE4F0C87-ACF6-47F2-B29C-583C7D52F845}" destId="{E3BF4557-DC41-448B-BA6B-B814D98B6DCA}" srcOrd="3" destOrd="0" presId="urn:microsoft.com/office/officeart/2005/8/layout/hierarchy1"/>
-    <dgm:cxn modelId="{09E82B0F-9A91-4B69-A661-6A42F4E6B528}" type="presParOf" srcId="{E3BF4557-DC41-448B-BA6B-B814D98B6DCA}" destId="{CB537428-7FF4-4C5F-ABCC-426E4FF4EAC5}" srcOrd="0" destOrd="0" presId="urn:microsoft.com/office/officeart/2005/8/layout/hierarchy1"/>
-    <dgm:cxn modelId="{14D0EC01-E1F7-481D-9DA6-155CE91FC2CC}" type="presParOf" srcId="{CB537428-7FF4-4C5F-ABCC-426E4FF4EAC5}" destId="{63D1BDD9-EC6E-4506-B9D4-37DC1F7962B6}" srcOrd="0" destOrd="0" presId="urn:microsoft.com/office/officeart/2005/8/layout/hierarchy1"/>
-    <dgm:cxn modelId="{F7746F0E-52F6-49A2-9E01-36C9851EB170}" type="presParOf" srcId="{CB537428-7FF4-4C5F-ABCC-426E4FF4EAC5}" destId="{5CE8C2A1-0004-42B3-8207-5D9872D8A0F5}" srcOrd="1" destOrd="0" presId="urn:microsoft.com/office/officeart/2005/8/layout/hierarchy1"/>
-    <dgm:cxn modelId="{435EFB5F-060D-4965-AAC4-54EF61968FC9}" type="presParOf" srcId="{E3BF4557-DC41-448B-BA6B-B814D98B6DCA}" destId="{7025D7AB-60ED-4F1E-AF62-20E09701A6DF}" srcOrd="1" destOrd="0" presId="urn:microsoft.com/office/officeart/2005/8/layout/hierarchy1"/>
-    <dgm:cxn modelId="{8A22E337-7174-44A2-97B5-3C4A6A09F06A}" type="presParOf" srcId="{EF20D13F-2362-4A7B-A635-AEA5C5BA8C5A}" destId="{8A55D92C-61F7-4B13-9A9F-287DDC59063C}" srcOrd="4" destOrd="0" presId="urn:microsoft.com/office/officeart/2005/8/layout/hierarchy1"/>
-    <dgm:cxn modelId="{5D3E5EE4-9DDE-4908-A2BA-497B4271D6F8}" type="presParOf" srcId="{EF20D13F-2362-4A7B-A635-AEA5C5BA8C5A}" destId="{14902029-61DB-40CA-8105-B27C1996C867}" srcOrd="5" destOrd="0" presId="urn:microsoft.com/office/officeart/2005/8/layout/hierarchy1"/>
-    <dgm:cxn modelId="{C5AB0970-3921-4F0F-8F0B-6993901239DF}" type="presParOf" srcId="{14902029-61DB-40CA-8105-B27C1996C867}" destId="{A520310F-B3E5-44BA-887E-A2A865C8B845}" srcOrd="0" destOrd="0" presId="urn:microsoft.com/office/officeart/2005/8/layout/hierarchy1"/>
-    <dgm:cxn modelId="{FE4C4E46-A734-4EB3-89FD-F783A4B68ECD}" type="presParOf" srcId="{A520310F-B3E5-44BA-887E-A2A865C8B845}" destId="{7223664F-BF0F-4D09-A441-B94F0A5BC5C1}" srcOrd="0" destOrd="0" presId="urn:microsoft.com/office/officeart/2005/8/layout/hierarchy1"/>
-    <dgm:cxn modelId="{02B35A14-26D4-4934-9F46-D202AC3D010D}" type="presParOf" srcId="{A520310F-B3E5-44BA-887E-A2A865C8B845}" destId="{04B600F4-4BB9-49ED-ABDE-72597FEC67EB}" srcOrd="1" destOrd="0" presId="urn:microsoft.com/office/officeart/2005/8/layout/hierarchy1"/>
-    <dgm:cxn modelId="{345E4045-C563-485D-9ECB-02F6DF1FF68E}" type="presParOf" srcId="{14902029-61DB-40CA-8105-B27C1996C867}" destId="{43E95788-4887-4EC7-B5AC-59C828BB7204}" srcOrd="1" destOrd="0" presId="urn:microsoft.com/office/officeart/2005/8/layout/hierarchy1"/>
-    <dgm:cxn modelId="{D9B78C1F-9574-4185-B921-27A5C232A48A}" type="presParOf" srcId="{43E95788-4887-4EC7-B5AC-59C828BB7204}" destId="{FF56A3BF-B215-4246-8715-BF750993814D}" srcOrd="0" destOrd="0" presId="urn:microsoft.com/office/officeart/2005/8/layout/hierarchy1"/>
-    <dgm:cxn modelId="{99E479BC-00A9-4AF3-914F-D29B57323341}" type="presParOf" srcId="{43E95788-4887-4EC7-B5AC-59C828BB7204}" destId="{ED3BD473-9805-4DA4-9563-BB8DDB80A0CA}" srcOrd="1" destOrd="0" presId="urn:microsoft.com/office/officeart/2005/8/layout/hierarchy1"/>
-    <dgm:cxn modelId="{299EC6CB-2733-4F9F-A8CC-4D71FF1E2C20}" type="presParOf" srcId="{ED3BD473-9805-4DA4-9563-BB8DDB80A0CA}" destId="{AF5B6B66-02DC-4E52-ABE2-289A208D41A7}" srcOrd="0" destOrd="0" presId="urn:microsoft.com/office/officeart/2005/8/layout/hierarchy1"/>
-    <dgm:cxn modelId="{C8556D08-DD82-4B72-B5DE-091C16BDFBAE}" type="presParOf" srcId="{AF5B6B66-02DC-4E52-ABE2-289A208D41A7}" destId="{5E51479E-71D5-482E-B93B-582856723F6D}" srcOrd="0" destOrd="0" presId="urn:microsoft.com/office/officeart/2005/8/layout/hierarchy1"/>
-    <dgm:cxn modelId="{B1347C90-2E27-4246-884B-35BD85B255BC}" type="presParOf" srcId="{AF5B6B66-02DC-4E52-ABE2-289A208D41A7}" destId="{C5496DC2-7525-4FD5-A053-481E05CD258A}" srcOrd="1" destOrd="0" presId="urn:microsoft.com/office/officeart/2005/8/layout/hierarchy1"/>
-    <dgm:cxn modelId="{DEEA4978-8CA9-42B4-8ACA-4EC8355DE907}" type="presParOf" srcId="{ED3BD473-9805-4DA4-9563-BB8DDB80A0CA}" destId="{C211D248-1C85-47AB-9D4A-538F616869BD}" srcOrd="1" destOrd="0" presId="urn:microsoft.com/office/officeart/2005/8/layout/hierarchy1"/>
-    <dgm:cxn modelId="{7604610E-0343-4F28-B827-2B412C696A59}" type="presParOf" srcId="{43E95788-4887-4EC7-B5AC-59C828BB7204}" destId="{9C28D996-77B5-4EFC-9F94-A8A01B4CEDD6}" srcOrd="2" destOrd="0" presId="urn:microsoft.com/office/officeart/2005/8/layout/hierarchy1"/>
-    <dgm:cxn modelId="{6899342F-6767-49CC-B2A9-7097EB719FEB}" type="presParOf" srcId="{43E95788-4887-4EC7-B5AC-59C828BB7204}" destId="{48018389-C72C-4151-B5D2-D4ACBC0D3A61}" srcOrd="3" destOrd="0" presId="urn:microsoft.com/office/officeart/2005/8/layout/hierarchy1"/>
-    <dgm:cxn modelId="{FB5DBD1C-6B73-4659-953F-1E0D38D1C6AC}" type="presParOf" srcId="{48018389-C72C-4151-B5D2-D4ACBC0D3A61}" destId="{E7D79BDA-DF63-4555-9BAE-264E9D46E14C}" srcOrd="0" destOrd="0" presId="urn:microsoft.com/office/officeart/2005/8/layout/hierarchy1"/>
-    <dgm:cxn modelId="{9F5AA12E-06A1-4F21-BFA1-F431C0DFE502}" type="presParOf" srcId="{E7D79BDA-DF63-4555-9BAE-264E9D46E14C}" destId="{AFFDCF9B-15FB-4BE2-895E-3CEF36C09DE1}" srcOrd="0" destOrd="0" presId="urn:microsoft.com/office/officeart/2005/8/layout/hierarchy1"/>
-    <dgm:cxn modelId="{6A6D2F2E-45B4-4D52-B294-3EC15AB0A14B}" type="presParOf" srcId="{E7D79BDA-DF63-4555-9BAE-264E9D46E14C}" destId="{24D23997-4BCE-4C11-B432-4BEA3A5F9410}" srcOrd="1" destOrd="0" presId="urn:microsoft.com/office/officeart/2005/8/layout/hierarchy1"/>
-    <dgm:cxn modelId="{E1CD78E5-BBC2-4035-A6D0-06773B18AD13}" type="presParOf" srcId="{48018389-C72C-4151-B5D2-D4ACBC0D3A61}" destId="{E68B31A0-075C-4EE1-89ED-6B190B906F77}" srcOrd="1" destOrd="0" presId="urn:microsoft.com/office/officeart/2005/8/layout/hierarchy1"/>
-    <dgm:cxn modelId="{B32342CD-4CAE-4BC9-87F6-28DFDCDFA0CF}" type="presParOf" srcId="{43E95788-4887-4EC7-B5AC-59C828BB7204}" destId="{8546B7BA-C2F4-461E-86B3-48FD83F023F5}" srcOrd="4" destOrd="0" presId="urn:microsoft.com/office/officeart/2005/8/layout/hierarchy1"/>
-    <dgm:cxn modelId="{49F0CC10-6E05-4DE3-AF2D-F49713D1572C}" type="presParOf" srcId="{43E95788-4887-4EC7-B5AC-59C828BB7204}" destId="{F9465A92-9CCD-44B1-B1F8-6697B7F62509}" srcOrd="5" destOrd="0" presId="urn:microsoft.com/office/officeart/2005/8/layout/hierarchy1"/>
-    <dgm:cxn modelId="{2419D3A7-CFAD-4E8A-AEB4-992817A568CF}" type="presParOf" srcId="{F9465A92-9CCD-44B1-B1F8-6697B7F62509}" destId="{61FE5B12-10F8-4456-B5BF-7EF1A17BD637}" srcOrd="0" destOrd="0" presId="urn:microsoft.com/office/officeart/2005/8/layout/hierarchy1"/>
-    <dgm:cxn modelId="{58794F85-577B-4CAD-92F7-E317787B4E52}" type="presParOf" srcId="{61FE5B12-10F8-4456-B5BF-7EF1A17BD637}" destId="{D26ED46C-3BF9-4A2A-95E5-BFC8E5882E3D}" srcOrd="0" destOrd="0" presId="urn:microsoft.com/office/officeart/2005/8/layout/hierarchy1"/>
-    <dgm:cxn modelId="{82CB7CED-1B70-4578-8CCC-77B757BA8883}" type="presParOf" srcId="{61FE5B12-10F8-4456-B5BF-7EF1A17BD637}" destId="{EC49095F-AE9D-4FA3-9A16-EF347B829178}" srcOrd="1" destOrd="0" presId="urn:microsoft.com/office/officeart/2005/8/layout/hierarchy1"/>
-    <dgm:cxn modelId="{CC048846-70F5-48DB-88A6-530F96D9C9C8}" type="presParOf" srcId="{F9465A92-9CCD-44B1-B1F8-6697B7F62509}" destId="{87B8B744-AB35-41C2-95D8-3F268160DFFF}" srcOrd="1" destOrd="0" presId="urn:microsoft.com/office/officeart/2005/8/layout/hierarchy1"/>
-    <dgm:cxn modelId="{CF6579B6-4771-4BA8-80D8-914A87BD04EA}" type="presParOf" srcId="{EF20D13F-2362-4A7B-A635-AEA5C5BA8C5A}" destId="{922FEA96-9506-4FA8-B6C7-D8A26FE1534A}" srcOrd="6" destOrd="0" presId="urn:microsoft.com/office/officeart/2005/8/layout/hierarchy1"/>
-    <dgm:cxn modelId="{2083950B-52F5-4928-AC09-FC3DD11B8C67}" type="presParOf" srcId="{EF20D13F-2362-4A7B-A635-AEA5C5BA8C5A}" destId="{CADE1D80-B06C-4EB0-A3B0-D57500EC3011}" srcOrd="7" destOrd="0" presId="urn:microsoft.com/office/officeart/2005/8/layout/hierarchy1"/>
-    <dgm:cxn modelId="{65AA37CD-529D-4F41-97EC-BCC2BA89B518}" type="presParOf" srcId="{CADE1D80-B06C-4EB0-A3B0-D57500EC3011}" destId="{BAA17A93-BB69-482D-AD24-F6B354CD7D3F}" srcOrd="0" destOrd="0" presId="urn:microsoft.com/office/officeart/2005/8/layout/hierarchy1"/>
-    <dgm:cxn modelId="{82EB93FA-E2D3-4BCD-915F-C0C576F2DAF3}" type="presParOf" srcId="{BAA17A93-BB69-482D-AD24-F6B354CD7D3F}" destId="{100A3676-7238-401E-9438-A79AEACB5651}" srcOrd="0" destOrd="0" presId="urn:microsoft.com/office/officeart/2005/8/layout/hierarchy1"/>
-    <dgm:cxn modelId="{FAD0AAD8-87ED-40E2-9EA1-4B1BA54955FD}" type="presParOf" srcId="{BAA17A93-BB69-482D-AD24-F6B354CD7D3F}" destId="{C59CEA08-F567-4CD0-A44C-3617FAE36940}" srcOrd="1" destOrd="0" presId="urn:microsoft.com/office/officeart/2005/8/layout/hierarchy1"/>
-    <dgm:cxn modelId="{160B8966-1131-432D-A13D-AAD2EAA2E03B}" type="presParOf" srcId="{CADE1D80-B06C-4EB0-A3B0-D57500EC3011}" destId="{4F9CCEE6-3B13-41B6-9FA5-F1A709E9E35C}" srcOrd="1" destOrd="0" presId="urn:microsoft.com/office/officeart/2005/8/layout/hierarchy1"/>
-    <dgm:cxn modelId="{E34A13C4-2222-4248-8642-C2A2389B85F6}" type="presParOf" srcId="{4F9CCEE6-3B13-41B6-9FA5-F1A709E9E35C}" destId="{B999CA93-16E1-4893-9E87-62629E737C30}" srcOrd="0" destOrd="0" presId="urn:microsoft.com/office/officeart/2005/8/layout/hierarchy1"/>
-    <dgm:cxn modelId="{323C59CA-CBAC-465A-8742-A68FB39C0724}" type="presParOf" srcId="{4F9CCEE6-3B13-41B6-9FA5-F1A709E9E35C}" destId="{3313F681-40EB-4EA7-882B-B535F522D715}" srcOrd="1" destOrd="0" presId="urn:microsoft.com/office/officeart/2005/8/layout/hierarchy1"/>
-    <dgm:cxn modelId="{3AF79BBD-9E70-4BFC-8120-589E4F6F555C}" type="presParOf" srcId="{3313F681-40EB-4EA7-882B-B535F522D715}" destId="{11742A65-9366-4BBA-BF15-8ADDDF0FD69D}" srcOrd="0" destOrd="0" presId="urn:microsoft.com/office/officeart/2005/8/layout/hierarchy1"/>
-    <dgm:cxn modelId="{0CE4CDB7-4419-44AA-B4A2-E9AE99E05DE9}" type="presParOf" srcId="{11742A65-9366-4BBA-BF15-8ADDDF0FD69D}" destId="{BD9FC9C9-882E-45A0-8257-93CC0113FC87}" srcOrd="0" destOrd="0" presId="urn:microsoft.com/office/officeart/2005/8/layout/hierarchy1"/>
-    <dgm:cxn modelId="{DD2E57E1-1425-40C4-AF49-576E6CC05F42}" type="presParOf" srcId="{11742A65-9366-4BBA-BF15-8ADDDF0FD69D}" destId="{D95D8436-AA11-4C54-838E-7AE5A9200664}" srcOrd="1" destOrd="0" presId="urn:microsoft.com/office/officeart/2005/8/layout/hierarchy1"/>
-    <dgm:cxn modelId="{F30BAE20-2AFC-4BE4-8460-A0E216673642}" type="presParOf" srcId="{3313F681-40EB-4EA7-882B-B535F522D715}" destId="{D3802E6F-8A00-4FDC-AE3A-57443D2D04F3}" srcOrd="1" destOrd="0" presId="urn:microsoft.com/office/officeart/2005/8/layout/hierarchy1"/>
-    <dgm:cxn modelId="{2F5B113B-8614-49B4-971C-0B6A71876B43}" type="presParOf" srcId="{D3802E6F-8A00-4FDC-AE3A-57443D2D04F3}" destId="{1BB00B23-3CC6-4508-B3DC-A81AF0FA199B}" srcOrd="0" destOrd="0" presId="urn:microsoft.com/office/officeart/2005/8/layout/hierarchy1"/>
-    <dgm:cxn modelId="{42C9FCC8-7252-4958-B8BF-FACD0B6761B3}" type="presParOf" srcId="{D3802E6F-8A00-4FDC-AE3A-57443D2D04F3}" destId="{05B904FB-DB0E-4E97-A687-E0D981B4BEB5}" srcOrd="1" destOrd="0" presId="urn:microsoft.com/office/officeart/2005/8/layout/hierarchy1"/>
-    <dgm:cxn modelId="{97643324-99C4-4600-8DE2-B516C2298A9A}" type="presParOf" srcId="{05B904FB-DB0E-4E97-A687-E0D981B4BEB5}" destId="{7C562C06-50ED-41B7-A183-F15849653FF6}" srcOrd="0" destOrd="0" presId="urn:microsoft.com/office/officeart/2005/8/layout/hierarchy1"/>
-    <dgm:cxn modelId="{49023623-1C41-473A-9AB0-A2AF186FD5FE}" type="presParOf" srcId="{7C562C06-50ED-41B7-A183-F15849653FF6}" destId="{F0ED0A30-7D91-487C-B06B-8CB489C1F4DC}" srcOrd="0" destOrd="0" presId="urn:microsoft.com/office/officeart/2005/8/layout/hierarchy1"/>
-    <dgm:cxn modelId="{153808D4-DD69-459D-BB40-36EF5240D202}" type="presParOf" srcId="{7C562C06-50ED-41B7-A183-F15849653FF6}" destId="{726B9378-1394-48F7-8A5D-21FE335A353B}" srcOrd="1" destOrd="0" presId="urn:microsoft.com/office/officeart/2005/8/layout/hierarchy1"/>
-    <dgm:cxn modelId="{1C34DA39-4A6F-4765-8BC7-FD22F2EBEACF}" type="presParOf" srcId="{05B904FB-DB0E-4E97-A687-E0D981B4BEB5}" destId="{733197BA-9A23-4C9B-85C2-098E17C4244D}" srcOrd="1" destOrd="0" presId="urn:microsoft.com/office/officeart/2005/8/layout/hierarchy1"/>
-    <dgm:cxn modelId="{5E58E52F-834C-4330-A4A7-D674174EDF9B}" type="presParOf" srcId="{4F9CCEE6-3B13-41B6-9FA5-F1A709E9E35C}" destId="{59C8480F-1470-4B16-A94A-F9DF7A41E13B}" srcOrd="2" destOrd="0" presId="urn:microsoft.com/office/officeart/2005/8/layout/hierarchy1"/>
-    <dgm:cxn modelId="{0BAA6BA3-DBD9-45AD-86A0-9D0AEF5B0BC4}" type="presParOf" srcId="{4F9CCEE6-3B13-41B6-9FA5-F1A709E9E35C}" destId="{96A8F564-2F74-4CA1-A5B5-BBF80875E8EB}" srcOrd="3" destOrd="0" presId="urn:microsoft.com/office/officeart/2005/8/layout/hierarchy1"/>
-    <dgm:cxn modelId="{68239FD6-51C6-43B1-A6E0-219FA42516F5}" type="presParOf" srcId="{96A8F564-2F74-4CA1-A5B5-BBF80875E8EB}" destId="{459D033D-D2D1-4F2D-A38B-DACA6BE7AD41}" srcOrd="0" destOrd="0" presId="urn:microsoft.com/office/officeart/2005/8/layout/hierarchy1"/>
-    <dgm:cxn modelId="{32F70E9A-F32D-46FB-AF3C-43F080400625}" type="presParOf" srcId="{459D033D-D2D1-4F2D-A38B-DACA6BE7AD41}" destId="{B690D7E0-5E4D-4CD7-998D-6CC27CE8913F}" srcOrd="0" destOrd="0" presId="urn:microsoft.com/office/officeart/2005/8/layout/hierarchy1"/>
-    <dgm:cxn modelId="{64F5B988-F03D-4BFD-AA3C-7605F9523F46}" type="presParOf" srcId="{459D033D-D2D1-4F2D-A38B-DACA6BE7AD41}" destId="{FDD79ADB-F39C-4067-B6B1-9D60282E29F9}" srcOrd="1" destOrd="0" presId="urn:microsoft.com/office/officeart/2005/8/layout/hierarchy1"/>
-    <dgm:cxn modelId="{79C824E7-A5A3-482F-A828-37379EBB3162}" type="presParOf" srcId="{96A8F564-2F74-4CA1-A5B5-BBF80875E8EB}" destId="{A4AF7D56-7AB8-4D75-9331-AB027ABB8589}" srcOrd="1" destOrd="0" presId="urn:microsoft.com/office/officeart/2005/8/layout/hierarchy1"/>
-    <dgm:cxn modelId="{130BD80B-5443-4D94-B973-01B3517C0876}" type="presParOf" srcId="{EF20D13F-2362-4A7B-A635-AEA5C5BA8C5A}" destId="{CA0EDD79-BD8F-4EA4-BEEA-A8786077B5CB}" srcOrd="8" destOrd="0" presId="urn:microsoft.com/office/officeart/2005/8/layout/hierarchy1"/>
-    <dgm:cxn modelId="{550AFD30-4ED2-4EB8-A6D9-B3D26BF513CB}" type="presParOf" srcId="{EF20D13F-2362-4A7B-A635-AEA5C5BA8C5A}" destId="{BDCBB90F-A923-46A9-BF16-3944D478FF3C}" srcOrd="9" destOrd="0" presId="urn:microsoft.com/office/officeart/2005/8/layout/hierarchy1"/>
-    <dgm:cxn modelId="{28D8A099-1197-4ABC-B419-15B5B9975152}" type="presParOf" srcId="{BDCBB90F-A923-46A9-BF16-3944D478FF3C}" destId="{A5FFA481-92BC-49F1-BE3E-04B451898AB3}" srcOrd="0" destOrd="0" presId="urn:microsoft.com/office/officeart/2005/8/layout/hierarchy1"/>
-    <dgm:cxn modelId="{EA9DE7AA-078D-4CBE-8777-D62571645CE3}" type="presParOf" srcId="{A5FFA481-92BC-49F1-BE3E-04B451898AB3}" destId="{E60F5574-E5EB-4463-9E7B-A8A05C7D28C0}" srcOrd="0" destOrd="0" presId="urn:microsoft.com/office/officeart/2005/8/layout/hierarchy1"/>
-    <dgm:cxn modelId="{11628F34-C592-4B79-B247-E559BA1F0887}" type="presParOf" srcId="{A5FFA481-92BC-49F1-BE3E-04B451898AB3}" destId="{AD88C538-117E-4C66-A561-BE48B0C21FF7}" srcOrd="1" destOrd="0" presId="urn:microsoft.com/office/officeart/2005/8/layout/hierarchy1"/>
-    <dgm:cxn modelId="{71E95454-D821-439C-86C8-496B4802AA3A}" type="presParOf" srcId="{BDCBB90F-A923-46A9-BF16-3944D478FF3C}" destId="{05DDEF8A-BE56-4E73-992E-CB761B01EBF6}" srcOrd="1" destOrd="0" presId="urn:microsoft.com/office/officeart/2005/8/layout/hierarchy1"/>
-    <dgm:cxn modelId="{97EFFA48-3B1D-482C-BE59-02D26746718B}" type="presParOf" srcId="{05DDEF8A-BE56-4E73-992E-CB761B01EBF6}" destId="{9819C529-2219-41DE-BB5D-BDF1B58D5E18}" srcOrd="0" destOrd="0" presId="urn:microsoft.com/office/officeart/2005/8/layout/hierarchy1"/>
-    <dgm:cxn modelId="{C99F58C2-4558-4662-A32E-DC3E0A34F89F}" type="presParOf" srcId="{05DDEF8A-BE56-4E73-992E-CB761B01EBF6}" destId="{F236FCF3-7251-48D8-B22A-82C3D9A77E06}" srcOrd="1" destOrd="0" presId="urn:microsoft.com/office/officeart/2005/8/layout/hierarchy1"/>
-    <dgm:cxn modelId="{75E373D2-8B20-4A67-A999-3F367A988323}" type="presParOf" srcId="{F236FCF3-7251-48D8-B22A-82C3D9A77E06}" destId="{5FBFF2B8-E9F6-474B-926C-290C61864B60}" srcOrd="0" destOrd="0" presId="urn:microsoft.com/office/officeart/2005/8/layout/hierarchy1"/>
-    <dgm:cxn modelId="{4EF53049-3DFF-4A54-B01A-16E1AA70BA06}" type="presParOf" srcId="{5FBFF2B8-E9F6-474B-926C-290C61864B60}" destId="{51B91058-A4A7-4378-9659-7397FFABBF1F}" srcOrd="0" destOrd="0" presId="urn:microsoft.com/office/officeart/2005/8/layout/hierarchy1"/>
-    <dgm:cxn modelId="{2080E7FF-0274-496C-A12D-E5BD4FB1337D}" type="presParOf" srcId="{5FBFF2B8-E9F6-474B-926C-290C61864B60}" destId="{73EC0AB6-3775-4D35-968E-D4814D53D0E4}" srcOrd="1" destOrd="0" presId="urn:microsoft.com/office/officeart/2005/8/layout/hierarchy1"/>
-    <dgm:cxn modelId="{90FBFB26-2BF0-476A-A9A0-2C37F5526DD6}" type="presParOf" srcId="{F236FCF3-7251-48D8-B22A-82C3D9A77E06}" destId="{1324565C-77A5-4C68-90DA-4A93AE877ED1}" srcOrd="1" destOrd="0" presId="urn:microsoft.com/office/officeart/2005/8/layout/hierarchy1"/>
-    <dgm:cxn modelId="{7E256568-180E-4947-BA04-C8ECE3B72874}" type="presParOf" srcId="{05DDEF8A-BE56-4E73-992E-CB761B01EBF6}" destId="{5D8315D6-A409-41C1-AC59-C41157902DBC}" srcOrd="2" destOrd="0" presId="urn:microsoft.com/office/officeart/2005/8/layout/hierarchy1"/>
-    <dgm:cxn modelId="{17B06F50-C612-4BC3-9DDF-CCAC0A501C39}" type="presParOf" srcId="{05DDEF8A-BE56-4E73-992E-CB761B01EBF6}" destId="{0DC8EB62-53B7-4DAF-9C64-B26F66A238AD}" srcOrd="3" destOrd="0" presId="urn:microsoft.com/office/officeart/2005/8/layout/hierarchy1"/>
-    <dgm:cxn modelId="{591F7A33-CA17-4ED6-A792-5FD7027CA1B2}" type="presParOf" srcId="{0DC8EB62-53B7-4DAF-9C64-B26F66A238AD}" destId="{B363F5E7-2491-4368-B89F-04AC28142378}" srcOrd="0" destOrd="0" presId="urn:microsoft.com/office/officeart/2005/8/layout/hierarchy1"/>
-    <dgm:cxn modelId="{23504C02-35B5-4004-B72E-8E4D5F64785C}" type="presParOf" srcId="{B363F5E7-2491-4368-B89F-04AC28142378}" destId="{59D71376-6484-4501-9B84-95709E1F8352}" srcOrd="0" destOrd="0" presId="urn:microsoft.com/office/officeart/2005/8/layout/hierarchy1"/>
-    <dgm:cxn modelId="{50C2853C-6B88-4AC8-9B53-B0B5390D9FBE}" type="presParOf" srcId="{B363F5E7-2491-4368-B89F-04AC28142378}" destId="{66FCA93E-E0AF-4FE6-A318-040CF82D011A}" srcOrd="1" destOrd="0" presId="urn:microsoft.com/office/officeart/2005/8/layout/hierarchy1"/>
-    <dgm:cxn modelId="{40E88872-C5E9-4422-8226-01AEABDEC5C8}" type="presParOf" srcId="{0DC8EB62-53B7-4DAF-9C64-B26F66A238AD}" destId="{354A20DD-AD99-4577-8249-0E4C0795DA78}" srcOrd="1" destOrd="0" presId="urn:microsoft.com/office/officeart/2005/8/layout/hierarchy1"/>
-    <dgm:cxn modelId="{6F869E69-A8D6-4781-B939-A5D947934E09}" type="presParOf" srcId="{05DDEF8A-BE56-4E73-992E-CB761B01EBF6}" destId="{95909514-E3D9-4BE3-B25A-542B742DFB0F}" srcOrd="4" destOrd="0" presId="urn:microsoft.com/office/officeart/2005/8/layout/hierarchy1"/>
-    <dgm:cxn modelId="{75950F84-A27A-4D08-B2A2-D582F0CFAA65}" type="presParOf" srcId="{05DDEF8A-BE56-4E73-992E-CB761B01EBF6}" destId="{71AF24FC-E260-4170-AF52-C7A502DEBBB7}" srcOrd="5" destOrd="0" presId="urn:microsoft.com/office/officeart/2005/8/layout/hierarchy1"/>
-    <dgm:cxn modelId="{5E41FF56-63D3-4943-BEBC-39F7E3873A66}" type="presParOf" srcId="{71AF24FC-E260-4170-AF52-C7A502DEBBB7}" destId="{3CF5DAB9-998C-4180-984C-1B8581140F9C}" srcOrd="0" destOrd="0" presId="urn:microsoft.com/office/officeart/2005/8/layout/hierarchy1"/>
-    <dgm:cxn modelId="{54FF59FC-B997-4AC4-8DBF-60A9E31891BE}" type="presParOf" srcId="{3CF5DAB9-998C-4180-984C-1B8581140F9C}" destId="{E16A5EFB-BF2D-4890-BF79-1DB46A4060E2}" srcOrd="0" destOrd="0" presId="urn:microsoft.com/office/officeart/2005/8/layout/hierarchy1"/>
-    <dgm:cxn modelId="{6D8D2D3F-E8C7-4EEB-B809-FD2633B28E0E}" type="presParOf" srcId="{3CF5DAB9-998C-4180-984C-1B8581140F9C}" destId="{FDBA18E8-2AA5-4EC5-A231-BB5DE1EE775E}" srcOrd="1" destOrd="0" presId="urn:microsoft.com/office/officeart/2005/8/layout/hierarchy1"/>
-    <dgm:cxn modelId="{38C4C4EB-8F1A-485A-B0A3-53E1DC743665}" type="presParOf" srcId="{71AF24FC-E260-4170-AF52-C7A502DEBBB7}" destId="{28A3B0EA-B7F8-4385-BF4E-DA6B6A87F9A2}" srcOrd="1" destOrd="0" presId="urn:microsoft.com/office/officeart/2005/8/layout/hierarchy1"/>
-    <dgm:cxn modelId="{9BA1F214-D63B-4653-9A7B-6FC8878DA4C1}" type="presParOf" srcId="{05DDEF8A-BE56-4E73-992E-CB761B01EBF6}" destId="{3A08C79B-149D-4751-901C-0C65D73ECB5F}" srcOrd="6" destOrd="0" presId="urn:microsoft.com/office/officeart/2005/8/layout/hierarchy1"/>
-    <dgm:cxn modelId="{39719AFC-2D33-403D-80C7-96E90D9402D9}" type="presParOf" srcId="{05DDEF8A-BE56-4E73-992E-CB761B01EBF6}" destId="{EFBC70AF-4D35-4EBF-86AA-52B6D4015507}" srcOrd="7" destOrd="0" presId="urn:microsoft.com/office/officeart/2005/8/layout/hierarchy1"/>
-    <dgm:cxn modelId="{E464A179-0745-4F26-9960-AC80612DC218}" type="presParOf" srcId="{EFBC70AF-4D35-4EBF-86AA-52B6D4015507}" destId="{F1E4065B-0200-4CAB-B18B-D317099C338E}" srcOrd="0" destOrd="0" presId="urn:microsoft.com/office/officeart/2005/8/layout/hierarchy1"/>
-    <dgm:cxn modelId="{B3B3E0F9-2669-4685-89F1-C19841D31926}" type="presParOf" srcId="{F1E4065B-0200-4CAB-B18B-D317099C338E}" destId="{F30B47A4-A6EA-488F-88EF-04797CEB4580}" srcOrd="0" destOrd="0" presId="urn:microsoft.com/office/officeart/2005/8/layout/hierarchy1"/>
-    <dgm:cxn modelId="{25193073-4A07-4CB7-AF68-780D8B1422DC}" type="presParOf" srcId="{F1E4065B-0200-4CAB-B18B-D317099C338E}" destId="{549101CE-71B3-40D2-A6D4-57066B01CFF8}" srcOrd="1" destOrd="0" presId="urn:microsoft.com/office/officeart/2005/8/layout/hierarchy1"/>
-    <dgm:cxn modelId="{9258C48E-4A31-4B61-8014-7330737554EC}" type="presParOf" srcId="{EFBC70AF-4D35-4EBF-86AA-52B6D4015507}" destId="{26CA7508-D928-4F45-96A2-C214DE503ECB}" srcOrd="1" destOrd="0" presId="urn:microsoft.com/office/officeart/2005/8/layout/hierarchy1"/>
+    <dgm:cxn modelId="{C4D29192-BC18-42F3-8A1B-16969CDA647D}" type="presOf" srcId="{94AE0677-33F6-40B9-912C-C13CB330A885}" destId="{A1EA0B67-E795-4897-81C3-84B2BA8F22C3}" srcOrd="0" destOrd="0" presId="urn:microsoft.com/office/officeart/2005/8/layout/hierarchy6"/>
+    <dgm:cxn modelId="{681F6D6C-442D-4EC7-9987-6F0B622F0365}" type="presOf" srcId="{C2FD08F5-E57F-4690-BBB5-026AAAFD7DA1}" destId="{E2A9597E-D1C3-4382-AC91-3040ADEF2195}" srcOrd="0" destOrd="0" presId="urn:microsoft.com/office/officeart/2005/8/layout/hierarchy6"/>
+    <dgm:cxn modelId="{FF8E78D3-11D2-438D-A995-B48CE85B5EEE}" type="presParOf" srcId="{F95E8933-D6A5-45CF-A152-4091E55327DC}" destId="{2B417778-7F42-4200-8692-4EAEDA029D97}" srcOrd="0" destOrd="0" presId="urn:microsoft.com/office/officeart/2005/8/layout/hierarchy6"/>
+    <dgm:cxn modelId="{1D9D45CE-1500-479C-8148-E89114D39080}" type="presParOf" srcId="{2B417778-7F42-4200-8692-4EAEDA029D97}" destId="{2F195E47-1893-4256-8821-76D0C4EA2359}" srcOrd="0" destOrd="0" presId="urn:microsoft.com/office/officeart/2005/8/layout/hierarchy6"/>
+    <dgm:cxn modelId="{2DD51CA3-9DB3-480D-8E56-0604C176734D}" type="presParOf" srcId="{2F195E47-1893-4256-8821-76D0C4EA2359}" destId="{5531728A-5947-4978-9C9A-ACE39B9A2D8C}" srcOrd="0" destOrd="0" presId="urn:microsoft.com/office/officeart/2005/8/layout/hierarchy6"/>
+    <dgm:cxn modelId="{F3A0D338-B4EC-4273-A638-B80ED7D7684A}" type="presParOf" srcId="{5531728A-5947-4978-9C9A-ACE39B9A2D8C}" destId="{C1AC3130-AEAA-424F-9060-FA6DA81F38DF}" srcOrd="0" destOrd="0" presId="urn:microsoft.com/office/officeart/2005/8/layout/hierarchy6"/>
+    <dgm:cxn modelId="{75E6D666-1EFA-45D9-9A1F-FFC0EB608A3F}" type="presParOf" srcId="{5531728A-5947-4978-9C9A-ACE39B9A2D8C}" destId="{CEC20D0E-8050-4395-8C17-2826ACC09D7C}" srcOrd="1" destOrd="0" presId="urn:microsoft.com/office/officeart/2005/8/layout/hierarchy6"/>
+    <dgm:cxn modelId="{F8AF1121-7E0C-4895-9374-50FB9969B5B7}" type="presParOf" srcId="{CEC20D0E-8050-4395-8C17-2826ACC09D7C}" destId="{0A0B9721-61E0-4DCB-A8A5-80C85F8DF7A9}" srcOrd="0" destOrd="0" presId="urn:microsoft.com/office/officeart/2005/8/layout/hierarchy6"/>
+    <dgm:cxn modelId="{C7FE7F67-E21C-430A-BAD1-184FCBB71493}" type="presParOf" srcId="{CEC20D0E-8050-4395-8C17-2826ACC09D7C}" destId="{5DA5CEFA-3C03-499B-891D-DB469CD14D21}" srcOrd="1" destOrd="0" presId="urn:microsoft.com/office/officeart/2005/8/layout/hierarchy6"/>
+    <dgm:cxn modelId="{F4A8480E-FEDA-4448-83E2-95137D8507A5}" type="presParOf" srcId="{5DA5CEFA-3C03-499B-891D-DB469CD14D21}" destId="{1EB27D24-91A7-40AC-B1D1-4D3C944BBD3D}" srcOrd="0" destOrd="0" presId="urn:microsoft.com/office/officeart/2005/8/layout/hierarchy6"/>
+    <dgm:cxn modelId="{921B6939-6948-4549-98FF-A1E05770C5C2}" type="presParOf" srcId="{5DA5CEFA-3C03-499B-891D-DB469CD14D21}" destId="{22F99C12-1ADC-4217-8821-817DC779C73E}" srcOrd="1" destOrd="0" presId="urn:microsoft.com/office/officeart/2005/8/layout/hierarchy6"/>
+    <dgm:cxn modelId="{C1E800BB-8380-4ABC-9D23-E564A87343E3}" type="presParOf" srcId="{22F99C12-1ADC-4217-8821-817DC779C73E}" destId="{03457F5B-1CD9-437C-8E33-3CA3EE1B6B90}" srcOrd="0" destOrd="0" presId="urn:microsoft.com/office/officeart/2005/8/layout/hierarchy6"/>
+    <dgm:cxn modelId="{C4DDD12A-F7E9-4848-BD68-E00695181CCC}" type="presParOf" srcId="{22F99C12-1ADC-4217-8821-817DC779C73E}" destId="{C16C612B-36AC-4B5E-A0B7-52159D059282}" srcOrd="1" destOrd="0" presId="urn:microsoft.com/office/officeart/2005/8/layout/hierarchy6"/>
+    <dgm:cxn modelId="{37005A9A-7A80-475B-BFC5-619EAC72F694}" type="presParOf" srcId="{C16C612B-36AC-4B5E-A0B7-52159D059282}" destId="{84329A73-76C0-4AA6-A3C0-F22672D6CED2}" srcOrd="0" destOrd="0" presId="urn:microsoft.com/office/officeart/2005/8/layout/hierarchy6"/>
+    <dgm:cxn modelId="{8CDC514E-E219-4C05-9546-3AAEB742089D}" type="presParOf" srcId="{C16C612B-36AC-4B5E-A0B7-52159D059282}" destId="{E0606F0A-9B3C-4600-B05B-79D80CE466CB}" srcOrd="1" destOrd="0" presId="urn:microsoft.com/office/officeart/2005/8/layout/hierarchy6"/>
+    <dgm:cxn modelId="{D87EF3D0-505C-4926-BCDA-7F90F9A9FAA1}" type="presParOf" srcId="{22F99C12-1ADC-4217-8821-817DC779C73E}" destId="{C694AC81-B733-4129-9E19-0FDA75524BB4}" srcOrd="2" destOrd="0" presId="urn:microsoft.com/office/officeart/2005/8/layout/hierarchy6"/>
+    <dgm:cxn modelId="{473DDF2A-4470-4502-AC28-DFB083948610}" type="presParOf" srcId="{22F99C12-1ADC-4217-8821-817DC779C73E}" destId="{A6DC599B-BE51-4EE1-99C9-D03DB77F0045}" srcOrd="3" destOrd="0" presId="urn:microsoft.com/office/officeart/2005/8/layout/hierarchy6"/>
+    <dgm:cxn modelId="{41BE532F-E7D0-46CF-9288-62908429663A}" type="presParOf" srcId="{A6DC599B-BE51-4EE1-99C9-D03DB77F0045}" destId="{FF4D5B63-92A9-4AED-84F3-80B999B27E64}" srcOrd="0" destOrd="0" presId="urn:microsoft.com/office/officeart/2005/8/layout/hierarchy6"/>
+    <dgm:cxn modelId="{16216FF3-53FE-4C6D-941A-5BEA0CB00684}" type="presParOf" srcId="{A6DC599B-BE51-4EE1-99C9-D03DB77F0045}" destId="{075D34AD-8858-4BC8-B92A-96757B76CB7C}" srcOrd="1" destOrd="0" presId="urn:microsoft.com/office/officeart/2005/8/layout/hierarchy6"/>
+    <dgm:cxn modelId="{06B6F3CE-D26B-4215-A942-18C482DC3529}" type="presParOf" srcId="{075D34AD-8858-4BC8-B92A-96757B76CB7C}" destId="{A1EA0B67-E795-4897-81C3-84B2BA8F22C3}" srcOrd="0" destOrd="0" presId="urn:microsoft.com/office/officeart/2005/8/layout/hierarchy6"/>
+    <dgm:cxn modelId="{8C06F2F3-DB25-424A-8B3B-F4D391921210}" type="presParOf" srcId="{075D34AD-8858-4BC8-B92A-96757B76CB7C}" destId="{D2C9C563-8493-4EB4-91D0-35E62682178F}" srcOrd="1" destOrd="0" presId="urn:microsoft.com/office/officeart/2005/8/layout/hierarchy6"/>
+    <dgm:cxn modelId="{7757A823-B48A-445E-8634-4DD2AFC95206}" type="presParOf" srcId="{D2C9C563-8493-4EB4-91D0-35E62682178F}" destId="{FC561924-EA86-4711-99AB-F7D489E68226}" srcOrd="0" destOrd="0" presId="urn:microsoft.com/office/officeart/2005/8/layout/hierarchy6"/>
+    <dgm:cxn modelId="{EA65A4E2-DD41-487D-BB1B-03B892889822}" type="presParOf" srcId="{D2C9C563-8493-4EB4-91D0-35E62682178F}" destId="{F557DCF8-5B3C-45C1-866E-E77B677186C2}" srcOrd="1" destOrd="0" presId="urn:microsoft.com/office/officeart/2005/8/layout/hierarchy6"/>
+    <dgm:cxn modelId="{E0353F66-8135-44B9-B09D-394C032DABE0}" type="presParOf" srcId="{CEC20D0E-8050-4395-8C17-2826ACC09D7C}" destId="{4A05A305-7F73-4010-8359-1EA45A773877}" srcOrd="2" destOrd="0" presId="urn:microsoft.com/office/officeart/2005/8/layout/hierarchy6"/>
+    <dgm:cxn modelId="{14C3BA4C-12AD-4684-9665-68C92E4744C0}" type="presParOf" srcId="{CEC20D0E-8050-4395-8C17-2826ACC09D7C}" destId="{FE81708A-6591-414B-8B22-BE622D4B843D}" srcOrd="3" destOrd="0" presId="urn:microsoft.com/office/officeart/2005/8/layout/hierarchy6"/>
+    <dgm:cxn modelId="{0686F4CE-4039-4EFD-9798-BD0A5DE470E5}" type="presParOf" srcId="{FE81708A-6591-414B-8B22-BE622D4B843D}" destId="{78EC2BC2-457F-4A16-A863-0501DD3CDFD4}" srcOrd="0" destOrd="0" presId="urn:microsoft.com/office/officeart/2005/8/layout/hierarchy6"/>
+    <dgm:cxn modelId="{7F68AF65-359F-4AE3-A179-53FEB90A00C0}" type="presParOf" srcId="{FE81708A-6591-414B-8B22-BE622D4B843D}" destId="{1E15153E-F0D1-4397-9104-01972CCE5024}" srcOrd="1" destOrd="0" presId="urn:microsoft.com/office/officeart/2005/8/layout/hierarchy6"/>
+    <dgm:cxn modelId="{46B4F455-AD22-44EE-94D0-B07CD99338FB}" type="presParOf" srcId="{1E15153E-F0D1-4397-9104-01972CCE5024}" destId="{0B52FC43-F757-45E8-949B-0EAD8D7C2096}" srcOrd="0" destOrd="0" presId="urn:microsoft.com/office/officeart/2005/8/layout/hierarchy6"/>
+    <dgm:cxn modelId="{FEE6930E-1DF9-4681-8F9C-5EEF59195864}" type="presParOf" srcId="{1E15153E-F0D1-4397-9104-01972CCE5024}" destId="{3B65B1D5-7A8D-477E-9F0E-BC1371FF1AD4}" srcOrd="1" destOrd="0" presId="urn:microsoft.com/office/officeart/2005/8/layout/hierarchy6"/>
+    <dgm:cxn modelId="{037C1A61-AA2D-421C-BE9D-447460551C23}" type="presParOf" srcId="{3B65B1D5-7A8D-477E-9F0E-BC1371FF1AD4}" destId="{F06B61BC-80BE-4874-AB05-15E620FB0F82}" srcOrd="0" destOrd="0" presId="urn:microsoft.com/office/officeart/2005/8/layout/hierarchy6"/>
+    <dgm:cxn modelId="{60A3DE71-098A-4623-AA5C-30BDD1E44455}" type="presParOf" srcId="{3B65B1D5-7A8D-477E-9F0E-BC1371FF1AD4}" destId="{054ABBEE-5200-47D9-9B81-E165122BE994}" srcOrd="1" destOrd="0" presId="urn:microsoft.com/office/officeart/2005/8/layout/hierarchy6"/>
+    <dgm:cxn modelId="{EBFB2280-95C7-4A42-B873-A5A16469DED2}" type="presParOf" srcId="{054ABBEE-5200-47D9-9B81-E165122BE994}" destId="{93903E97-D09F-487C-8617-F28DD6BD6250}" srcOrd="0" destOrd="0" presId="urn:microsoft.com/office/officeart/2005/8/layout/hierarchy6"/>
+    <dgm:cxn modelId="{ACEFA516-7CC5-4731-B406-EAAAD5BE6E1A}" type="presParOf" srcId="{054ABBEE-5200-47D9-9B81-E165122BE994}" destId="{D8256505-6E45-4797-BEA0-9210B5653FB3}" srcOrd="1" destOrd="0" presId="urn:microsoft.com/office/officeart/2005/8/layout/hierarchy6"/>
+    <dgm:cxn modelId="{F07F099E-350B-4C02-9ABE-BEBD54D8DD57}" type="presParOf" srcId="{D8256505-6E45-4797-BEA0-9210B5653FB3}" destId="{2D4FBE79-A3EF-4463-90C5-7A73403F0B55}" srcOrd="0" destOrd="0" presId="urn:microsoft.com/office/officeart/2005/8/layout/hierarchy6"/>
+    <dgm:cxn modelId="{6812A3E1-AF2B-4635-8A5A-FA63E6E1E73B}" type="presParOf" srcId="{D8256505-6E45-4797-BEA0-9210B5653FB3}" destId="{06DFEBE5-B5B2-4792-8023-702762C27AD1}" srcOrd="1" destOrd="0" presId="urn:microsoft.com/office/officeart/2005/8/layout/hierarchy6"/>
+    <dgm:cxn modelId="{F18DDD50-97EC-44B6-A5E4-3C55C134F537}" type="presParOf" srcId="{054ABBEE-5200-47D9-9B81-E165122BE994}" destId="{BAF7DF61-CBD6-4812-BBAE-9D45BF9F122D}" srcOrd="2" destOrd="0" presId="urn:microsoft.com/office/officeart/2005/8/layout/hierarchy6"/>
+    <dgm:cxn modelId="{9C79A432-8DE4-4A8B-85F1-F0C3E19A3D8E}" type="presParOf" srcId="{054ABBEE-5200-47D9-9B81-E165122BE994}" destId="{777AAB68-C65B-4CDE-BAE8-EE1FAF21B373}" srcOrd="3" destOrd="0" presId="urn:microsoft.com/office/officeart/2005/8/layout/hierarchy6"/>
+    <dgm:cxn modelId="{FBF1DA39-7C2D-4C8A-9153-5A0E164DF952}" type="presParOf" srcId="{777AAB68-C65B-4CDE-BAE8-EE1FAF21B373}" destId="{E2A9597E-D1C3-4382-AC91-3040ADEF2195}" srcOrd="0" destOrd="0" presId="urn:microsoft.com/office/officeart/2005/8/layout/hierarchy6"/>
+    <dgm:cxn modelId="{1BE72FC5-C23C-4E5C-B731-AAFA0058F775}" type="presParOf" srcId="{777AAB68-C65B-4CDE-BAE8-EE1FAF21B373}" destId="{DD53337F-312D-4581-8912-83E16DFB2A47}" srcOrd="1" destOrd="0" presId="urn:microsoft.com/office/officeart/2005/8/layout/hierarchy6"/>
+    <dgm:cxn modelId="{ED1B21F0-E5C8-49EA-95C1-7024C53AC776}" type="presParOf" srcId="{1E15153E-F0D1-4397-9104-01972CCE5024}" destId="{D09CD0E6-4F38-4F76-947A-FA38F7454806}" srcOrd="2" destOrd="0" presId="urn:microsoft.com/office/officeart/2005/8/layout/hierarchy6"/>
+    <dgm:cxn modelId="{A37BE50B-85E2-4F91-857E-9FA3D58FCE45}" type="presParOf" srcId="{1E15153E-F0D1-4397-9104-01972CCE5024}" destId="{31571CD2-304F-45C8-BD26-D32C4B976DF4}" srcOrd="3" destOrd="0" presId="urn:microsoft.com/office/officeart/2005/8/layout/hierarchy6"/>
+    <dgm:cxn modelId="{618BE90E-C4A1-4404-B988-88B495031637}" type="presParOf" srcId="{31571CD2-304F-45C8-BD26-D32C4B976DF4}" destId="{4A54B0A5-28F7-426A-A644-4DD17AE359FD}" srcOrd="0" destOrd="0" presId="urn:microsoft.com/office/officeart/2005/8/layout/hierarchy6"/>
+    <dgm:cxn modelId="{24124136-F7BB-4BE2-8815-7942D2680D02}" type="presParOf" srcId="{31571CD2-304F-45C8-BD26-D32C4B976DF4}" destId="{EF95C4DB-52A6-49BA-9246-FBF8B87E680D}" srcOrd="1" destOrd="0" presId="urn:microsoft.com/office/officeart/2005/8/layout/hierarchy6"/>
+    <dgm:cxn modelId="{7836D3D7-A6AC-4EAC-8DDE-75A38F2F39B5}" type="presParOf" srcId="{CEC20D0E-8050-4395-8C17-2826ACC09D7C}" destId="{709CFC6A-9772-4509-892B-DA5A935871B7}" srcOrd="4" destOrd="0" presId="urn:microsoft.com/office/officeart/2005/8/layout/hierarchy6"/>
+    <dgm:cxn modelId="{12554116-66E1-444F-ACF8-BC8659B98008}" type="presParOf" srcId="{CEC20D0E-8050-4395-8C17-2826ACC09D7C}" destId="{434204FE-28BA-4CA1-80B2-EF68C0DC39C9}" srcOrd="5" destOrd="0" presId="urn:microsoft.com/office/officeart/2005/8/layout/hierarchy6"/>
+    <dgm:cxn modelId="{47EF895A-FC33-453A-84FE-8AB4C7EEAC36}" type="presParOf" srcId="{434204FE-28BA-4CA1-80B2-EF68C0DC39C9}" destId="{5333A29F-E554-46ED-B3EA-FC01FBFFEFCD}" srcOrd="0" destOrd="0" presId="urn:microsoft.com/office/officeart/2005/8/layout/hierarchy6"/>
+    <dgm:cxn modelId="{0BBF2087-BBDE-4B9E-B959-0E86433174C5}" type="presParOf" srcId="{434204FE-28BA-4CA1-80B2-EF68C0DC39C9}" destId="{614AF847-6705-48D4-82F6-D8B511E6273E}" srcOrd="1" destOrd="0" presId="urn:microsoft.com/office/officeart/2005/8/layout/hierarchy6"/>
+    <dgm:cxn modelId="{084331F1-FF0C-43AB-875F-142E000F9506}" type="presParOf" srcId="{614AF847-6705-48D4-82F6-D8B511E6273E}" destId="{F24D4D7A-CD66-4588-B9D4-E9950282E51F}" srcOrd="0" destOrd="0" presId="urn:microsoft.com/office/officeart/2005/8/layout/hierarchy6"/>
+    <dgm:cxn modelId="{43755F3E-AA26-41DB-A24A-1BF0EF208FA0}" type="presParOf" srcId="{614AF847-6705-48D4-82F6-D8B511E6273E}" destId="{40C9AA87-0AB2-465B-B4DC-73EB026521A8}" srcOrd="1" destOrd="0" presId="urn:microsoft.com/office/officeart/2005/8/layout/hierarchy6"/>
+    <dgm:cxn modelId="{152C27B2-7357-4320-B356-AA11585125BD}" type="presParOf" srcId="{40C9AA87-0AB2-465B-B4DC-73EB026521A8}" destId="{22A8866C-EE3B-4208-A4A8-E6151251A672}" srcOrd="0" destOrd="0" presId="urn:microsoft.com/office/officeart/2005/8/layout/hierarchy6"/>
+    <dgm:cxn modelId="{7660B3F2-42B7-41F3-ADBC-1D907AFA1D66}" type="presParOf" srcId="{40C9AA87-0AB2-465B-B4DC-73EB026521A8}" destId="{E8D865F3-AFA6-4892-95BD-ECAB0151F0B9}" srcOrd="1" destOrd="0" presId="urn:microsoft.com/office/officeart/2005/8/layout/hierarchy6"/>
+    <dgm:cxn modelId="{915D49B0-38D3-45E5-9E6C-B08B0402C65B}" type="presParOf" srcId="{614AF847-6705-48D4-82F6-D8B511E6273E}" destId="{23B9C8A6-1954-4CFB-87A9-90CD143204BA}" srcOrd="2" destOrd="0" presId="urn:microsoft.com/office/officeart/2005/8/layout/hierarchy6"/>
+    <dgm:cxn modelId="{6DAAB634-F9DE-4570-88E0-D6BDC9779FBD}" type="presParOf" srcId="{614AF847-6705-48D4-82F6-D8B511E6273E}" destId="{599068CB-DF50-4C24-A388-ADD669A2BE31}" srcOrd="3" destOrd="0" presId="urn:microsoft.com/office/officeart/2005/8/layout/hierarchy6"/>
+    <dgm:cxn modelId="{1ADEE5AA-FCEE-43A1-AE2C-67D1D00D5303}" type="presParOf" srcId="{599068CB-DF50-4C24-A388-ADD669A2BE31}" destId="{1A4BC70B-B4EC-452C-BBE5-57C944F520B7}" srcOrd="0" destOrd="0" presId="urn:microsoft.com/office/officeart/2005/8/layout/hierarchy6"/>
+    <dgm:cxn modelId="{56214AFD-8103-497F-A30B-F96E4ECBE82F}" type="presParOf" srcId="{599068CB-DF50-4C24-A388-ADD669A2BE31}" destId="{209D6ACA-8605-43FE-9DF6-FA0D2166299A}" srcOrd="1" destOrd="0" presId="urn:microsoft.com/office/officeart/2005/8/layout/hierarchy6"/>
+    <dgm:cxn modelId="{8B8BA943-5B70-46E5-A958-2A3698960197}" type="presParOf" srcId="{614AF847-6705-48D4-82F6-D8B511E6273E}" destId="{FCF008A5-A1F9-4CD7-B3F0-A0607DF77C98}" srcOrd="4" destOrd="0" presId="urn:microsoft.com/office/officeart/2005/8/layout/hierarchy6"/>
+    <dgm:cxn modelId="{6B6B8964-C8B8-4B3A-8A15-4A40ACAEF809}" type="presParOf" srcId="{614AF847-6705-48D4-82F6-D8B511E6273E}" destId="{F808D83C-5963-4168-9223-99E3902C8CFB}" srcOrd="5" destOrd="0" presId="urn:microsoft.com/office/officeart/2005/8/layout/hierarchy6"/>
+    <dgm:cxn modelId="{A6CE0B2C-D33A-4B38-B98D-9387755646D2}" type="presParOf" srcId="{F808D83C-5963-4168-9223-99E3902C8CFB}" destId="{E514CF97-72E2-4BE2-9C1A-24A1C8B6C104}" srcOrd="0" destOrd="0" presId="urn:microsoft.com/office/officeart/2005/8/layout/hierarchy6"/>
+    <dgm:cxn modelId="{8E101EF8-001C-413B-AC53-B132F8E3F73F}" type="presParOf" srcId="{F808D83C-5963-4168-9223-99E3902C8CFB}" destId="{A6A44A45-9252-447C-AFBA-DEBAD04AAC8B}" srcOrd="1" destOrd="0" presId="urn:microsoft.com/office/officeart/2005/8/layout/hierarchy6"/>
+    <dgm:cxn modelId="{216DB598-13A1-4C23-ACCB-969525FBE1C6}" type="presParOf" srcId="{CEC20D0E-8050-4395-8C17-2826ACC09D7C}" destId="{E469686A-4276-4DEC-80BD-460ABA2E2AD0}" srcOrd="6" destOrd="0" presId="urn:microsoft.com/office/officeart/2005/8/layout/hierarchy6"/>
+    <dgm:cxn modelId="{54204DA3-DDFF-4943-A3FC-71A1786CFB12}" type="presParOf" srcId="{CEC20D0E-8050-4395-8C17-2826ACC09D7C}" destId="{738C873F-5C82-4CCE-AF5C-2338465ED4D5}" srcOrd="7" destOrd="0" presId="urn:microsoft.com/office/officeart/2005/8/layout/hierarchy6"/>
+    <dgm:cxn modelId="{F3E03457-8235-4AAC-888F-B43205974B5A}" type="presParOf" srcId="{738C873F-5C82-4CCE-AF5C-2338465ED4D5}" destId="{E24C99A8-E950-4165-B069-3821B376EB37}" srcOrd="0" destOrd="0" presId="urn:microsoft.com/office/officeart/2005/8/layout/hierarchy6"/>
+    <dgm:cxn modelId="{AC1E768F-1503-4145-A1D4-B61EE127909F}" type="presParOf" srcId="{738C873F-5C82-4CCE-AF5C-2338465ED4D5}" destId="{D8BD1A50-E06C-499B-BCDC-88C6CC660E46}" srcOrd="1" destOrd="0" presId="urn:microsoft.com/office/officeart/2005/8/layout/hierarchy6"/>
+    <dgm:cxn modelId="{E3CB714A-7A8F-4D3D-863A-6074CF12C2E1}" type="presParOf" srcId="{D8BD1A50-E06C-499B-BCDC-88C6CC660E46}" destId="{0029D7A4-00A0-4553-999F-B68D0553B298}" srcOrd="0" destOrd="0" presId="urn:microsoft.com/office/officeart/2005/8/layout/hierarchy6"/>
+    <dgm:cxn modelId="{1FDB9328-4878-4A46-9547-5CF18854384F}" type="presParOf" srcId="{D8BD1A50-E06C-499B-BCDC-88C6CC660E46}" destId="{995C283F-BC64-45E1-9997-C13009E64634}" srcOrd="1" destOrd="0" presId="urn:microsoft.com/office/officeart/2005/8/layout/hierarchy6"/>
+    <dgm:cxn modelId="{E16EC465-E270-4C07-9695-887D61A84C61}" type="presParOf" srcId="{995C283F-BC64-45E1-9997-C13009E64634}" destId="{A95D7AC2-5D50-4B2D-B04E-471386875F48}" srcOrd="0" destOrd="0" presId="urn:microsoft.com/office/officeart/2005/8/layout/hierarchy6"/>
+    <dgm:cxn modelId="{4A4F1F60-91CC-4BF8-B740-B4D71BBE3D1F}" type="presParOf" srcId="{995C283F-BC64-45E1-9997-C13009E64634}" destId="{74A90BC2-8DAD-4CE1-AD6A-6FCBF5057A33}" srcOrd="1" destOrd="0" presId="urn:microsoft.com/office/officeart/2005/8/layout/hierarchy6"/>
+    <dgm:cxn modelId="{3780F372-4AF5-4D88-B1F9-0AA9AB736D53}" type="presParOf" srcId="{74A90BC2-8DAD-4CE1-AD6A-6FCBF5057A33}" destId="{76A29399-B109-40F4-80C1-22C590F7EC68}" srcOrd="0" destOrd="0" presId="urn:microsoft.com/office/officeart/2005/8/layout/hierarchy6"/>
+    <dgm:cxn modelId="{899C4315-8B48-4813-8D51-FAF01DB4FBE1}" type="presParOf" srcId="{74A90BC2-8DAD-4CE1-AD6A-6FCBF5057A33}" destId="{A560C5F1-C8AC-476C-A5DE-D0B88F236313}" srcOrd="1" destOrd="0" presId="urn:microsoft.com/office/officeart/2005/8/layout/hierarchy6"/>
+    <dgm:cxn modelId="{CBF10498-5240-470E-A4CC-6312149D782C}" type="presParOf" srcId="{A560C5F1-C8AC-476C-A5DE-D0B88F236313}" destId="{DCB3515B-1284-4681-97DA-63199487B1C5}" srcOrd="0" destOrd="0" presId="urn:microsoft.com/office/officeart/2005/8/layout/hierarchy6"/>
+    <dgm:cxn modelId="{489959E5-8943-40DA-B8A7-088156B936DB}" type="presParOf" srcId="{A560C5F1-C8AC-476C-A5DE-D0B88F236313}" destId="{C6341CCC-26B7-46A5-AF32-83072EFA7357}" srcOrd="1" destOrd="0" presId="urn:microsoft.com/office/officeart/2005/8/layout/hierarchy6"/>
+    <dgm:cxn modelId="{5D4D4F51-CC7C-4BCD-BAC9-E0A21333B1B2}" type="presParOf" srcId="{D8BD1A50-E06C-499B-BCDC-88C6CC660E46}" destId="{8544089E-6CBD-4D5F-9126-F1A0CAE49D15}" srcOrd="2" destOrd="0" presId="urn:microsoft.com/office/officeart/2005/8/layout/hierarchy6"/>
+    <dgm:cxn modelId="{AEC9C77C-2571-4D79-A1E8-87F150B5294F}" type="presParOf" srcId="{D8BD1A50-E06C-499B-BCDC-88C6CC660E46}" destId="{1F7DE02C-35B5-4EC1-B426-2726A50AC1D6}" srcOrd="3" destOrd="0" presId="urn:microsoft.com/office/officeart/2005/8/layout/hierarchy6"/>
+    <dgm:cxn modelId="{A4C3BFF4-1FDA-4D93-8C8A-79BB4FBBD6CA}" type="presParOf" srcId="{1F7DE02C-35B5-4EC1-B426-2726A50AC1D6}" destId="{ACE79EF8-745B-4F52-9FC1-B7324649AF8A}" srcOrd="0" destOrd="0" presId="urn:microsoft.com/office/officeart/2005/8/layout/hierarchy6"/>
+    <dgm:cxn modelId="{DF0AD1BE-844B-4883-844E-02AC13A96CCF}" type="presParOf" srcId="{1F7DE02C-35B5-4EC1-B426-2726A50AC1D6}" destId="{FE6636D6-46BA-4E2F-BD99-50FF668A96AD}" srcOrd="1" destOrd="0" presId="urn:microsoft.com/office/officeart/2005/8/layout/hierarchy6"/>
+    <dgm:cxn modelId="{33F13335-16DC-4AB8-AB7C-2316E611584D}" type="presParOf" srcId="{CEC20D0E-8050-4395-8C17-2826ACC09D7C}" destId="{B6E8D807-4819-4CBC-9B28-DD375A0DC6D5}" srcOrd="8" destOrd="0" presId="urn:microsoft.com/office/officeart/2005/8/layout/hierarchy6"/>
+    <dgm:cxn modelId="{921DCA87-2B5A-48AB-BD4A-6DDA823DCA74}" type="presParOf" srcId="{CEC20D0E-8050-4395-8C17-2826ACC09D7C}" destId="{179B1FD6-C3D9-42FF-9743-289FD216C1EE}" srcOrd="9" destOrd="0" presId="urn:microsoft.com/office/officeart/2005/8/layout/hierarchy6"/>
+    <dgm:cxn modelId="{6498AA38-8FC3-4CEC-86D1-8859DBC551F7}" type="presParOf" srcId="{179B1FD6-C3D9-42FF-9743-289FD216C1EE}" destId="{16A2E4C6-F84D-47BD-9EEF-F49218FF8FC8}" srcOrd="0" destOrd="0" presId="urn:microsoft.com/office/officeart/2005/8/layout/hierarchy6"/>
+    <dgm:cxn modelId="{3FCC8E59-C88D-4775-8C00-20E86A1DB1D7}" type="presParOf" srcId="{179B1FD6-C3D9-42FF-9743-289FD216C1EE}" destId="{A127675A-925A-49A6-9D4F-9C8BCF2E3EE7}" srcOrd="1" destOrd="0" presId="urn:microsoft.com/office/officeart/2005/8/layout/hierarchy6"/>
+    <dgm:cxn modelId="{374A1E83-BAC6-48BA-857D-900229EC3FF8}" type="presParOf" srcId="{A127675A-925A-49A6-9D4F-9C8BCF2E3EE7}" destId="{6FB6F60C-87F2-4742-8478-C8EA4BA11026}" srcOrd="0" destOrd="0" presId="urn:microsoft.com/office/officeart/2005/8/layout/hierarchy6"/>
+    <dgm:cxn modelId="{EC237FD3-9B8B-45F4-A7E1-32474727B7AA}" type="presParOf" srcId="{A127675A-925A-49A6-9D4F-9C8BCF2E3EE7}" destId="{5954F513-5A14-4C31-9096-3DDBD598AE10}" srcOrd="1" destOrd="0" presId="urn:microsoft.com/office/officeart/2005/8/layout/hierarchy6"/>
+    <dgm:cxn modelId="{A23324E4-3F50-4BB4-B395-449AE800B278}" type="presParOf" srcId="{5954F513-5A14-4C31-9096-3DDBD598AE10}" destId="{1024FD66-0E24-4539-820E-267D962F7721}" srcOrd="0" destOrd="0" presId="urn:microsoft.com/office/officeart/2005/8/layout/hierarchy6"/>
+    <dgm:cxn modelId="{25ED3A76-C616-4B2E-997C-6173609C08E3}" type="presParOf" srcId="{5954F513-5A14-4C31-9096-3DDBD598AE10}" destId="{94F690FB-C20D-41C3-9A9C-BBDB00577969}" srcOrd="1" destOrd="0" presId="urn:microsoft.com/office/officeart/2005/8/layout/hierarchy6"/>
+    <dgm:cxn modelId="{F3EBE141-7C0A-4A59-A8D2-2D949EB7AD7A}" type="presParOf" srcId="{A127675A-925A-49A6-9D4F-9C8BCF2E3EE7}" destId="{75212D1A-1651-4258-BFFD-4D30B761C067}" srcOrd="2" destOrd="0" presId="urn:microsoft.com/office/officeart/2005/8/layout/hierarchy6"/>
+    <dgm:cxn modelId="{5FB71B7B-8A4A-47B6-B9F8-1FCE617A6BAF}" type="presParOf" srcId="{A127675A-925A-49A6-9D4F-9C8BCF2E3EE7}" destId="{B8FB0790-3580-421C-B7CF-000AD379F802}" srcOrd="3" destOrd="0" presId="urn:microsoft.com/office/officeart/2005/8/layout/hierarchy6"/>
+    <dgm:cxn modelId="{89438729-37DF-49FE-9976-1CA5A615F76C}" type="presParOf" srcId="{B8FB0790-3580-421C-B7CF-000AD379F802}" destId="{A3A11ACA-966C-49A7-9866-9AF97E73FEC0}" srcOrd="0" destOrd="0" presId="urn:microsoft.com/office/officeart/2005/8/layout/hierarchy6"/>
+    <dgm:cxn modelId="{DD0D3643-6491-4193-AD29-C86164F9024E}" type="presParOf" srcId="{B8FB0790-3580-421C-B7CF-000AD379F802}" destId="{F6A70479-55FE-4C55-A8B1-963EDE6AA5B8}" srcOrd="1" destOrd="0" presId="urn:microsoft.com/office/officeart/2005/8/layout/hierarchy6"/>
+    <dgm:cxn modelId="{F3871DFE-5638-49E2-A2FF-E83915A1E199}" type="presParOf" srcId="{A127675A-925A-49A6-9D4F-9C8BCF2E3EE7}" destId="{9CE55E44-E0DF-45F4-89D8-DA8CB95B17C1}" srcOrd="4" destOrd="0" presId="urn:microsoft.com/office/officeart/2005/8/layout/hierarchy6"/>
+    <dgm:cxn modelId="{B6870D58-41A8-47E2-9BA0-DC9920C8B2E6}" type="presParOf" srcId="{A127675A-925A-49A6-9D4F-9C8BCF2E3EE7}" destId="{25350145-F21B-4321-BCB5-D7E2AC0B13A4}" srcOrd="5" destOrd="0" presId="urn:microsoft.com/office/officeart/2005/8/layout/hierarchy6"/>
+    <dgm:cxn modelId="{5BFCB631-F015-4F8E-9ED4-BB922F479BE6}" type="presParOf" srcId="{25350145-F21B-4321-BCB5-D7E2AC0B13A4}" destId="{78A6F554-D312-468B-BE10-57C154B0D2F8}" srcOrd="0" destOrd="0" presId="urn:microsoft.com/office/officeart/2005/8/layout/hierarchy6"/>
+    <dgm:cxn modelId="{C3A164EA-3AA6-4E79-AF9E-82DCBAD8E797}" type="presParOf" srcId="{25350145-F21B-4321-BCB5-D7E2AC0B13A4}" destId="{8F0A04CD-6F8A-4CC4-B1BF-CBC043E82E6E}" srcOrd="1" destOrd="0" presId="urn:microsoft.com/office/officeart/2005/8/layout/hierarchy6"/>
+    <dgm:cxn modelId="{436588FB-6215-4016-B609-8E3130CD1302}" type="presParOf" srcId="{A127675A-925A-49A6-9D4F-9C8BCF2E3EE7}" destId="{4D236556-813A-4AE6-BB50-D6FF6C4CD4D0}" srcOrd="6" destOrd="0" presId="urn:microsoft.com/office/officeart/2005/8/layout/hierarchy6"/>
+    <dgm:cxn modelId="{1F30B4D9-E1FB-4704-BF94-78B23D22BF37}" type="presParOf" srcId="{A127675A-925A-49A6-9D4F-9C8BCF2E3EE7}" destId="{A83979EF-724D-48AA-8D78-661EA105357D}" srcOrd="7" destOrd="0" presId="urn:microsoft.com/office/officeart/2005/8/layout/hierarchy6"/>
+    <dgm:cxn modelId="{32FBA7F8-C9D2-474B-B8FD-C623F447E5FF}" type="presParOf" srcId="{A83979EF-724D-48AA-8D78-661EA105357D}" destId="{CF90276C-7925-4DE9-BD6D-08934C5D6DF9}" srcOrd="0" destOrd="0" presId="urn:microsoft.com/office/officeart/2005/8/layout/hierarchy6"/>
+    <dgm:cxn modelId="{809C42B2-EC12-4397-AE39-4D11DCAF7D66}" type="presParOf" srcId="{A83979EF-724D-48AA-8D78-661EA105357D}" destId="{4D313483-E9DB-43F8-9AA0-29B05FB35913}" srcOrd="1" destOrd="0" presId="urn:microsoft.com/office/officeart/2005/8/layout/hierarchy6"/>
+    <dgm:cxn modelId="{D32A99C7-C413-4CB9-9D41-C62D05BB117B}" type="presParOf" srcId="{F95E8933-D6A5-45CF-A152-4091E55327DC}" destId="{42A945C4-7AF9-4776-944F-8382BD72D931}" srcOrd="1" destOrd="0" presId="urn:microsoft.com/office/officeart/2005/8/layout/hierarchy6"/>
   </dgm:cxnLst>
   <dgm:bg/>
   <dgm:whole/>
@@ -8317,9 +8022,10 @@
             <a:buChar char="••"/>
           </a:pPr>
           <a:r>
-            <a:rPr lang="en-IN" sz="2000" kern="1200"/>
-            <a:t>1 GB or above</a:t>
+            <a:rPr lang="en-IN" sz="2000" kern="1200" dirty="0" smtClean="0"/>
+            <a:t>100-150 MB</a:t>
           </a:r>
+          <a:endParaRPr lang="en-IN" sz="2000" kern="1200" dirty="0"/>
         </a:p>
       </dsp:txBody>
       <dsp:txXfrm>
@@ -9259,1361 +8965,15 @@
       <dsp:cNvGrpSpPr/>
     </dsp:nvGrpSpPr>
     <dsp:grpSpPr/>
-    <dsp:sp modelId="{3A08C79B-149D-4751-901C-0C65D73ECB5F}">
+    <dsp:sp modelId="{C1AC3130-AEAA-424F-9060-FA6DA81F38DF}">
       <dsp:nvSpPr>
         <dsp:cNvPr id="0" name=""/>
         <dsp:cNvSpPr/>
       </dsp:nvSpPr>
       <dsp:spPr>
         <a:xfrm>
-          <a:off x="8944581" y="2048590"/>
-          <a:ext cx="1175495" cy="186476"/>
-        </a:xfrm>
-        <a:custGeom>
-          <a:avLst/>
-          <a:gdLst/>
-          <a:ahLst/>
-          <a:cxnLst/>
-          <a:rect l="0" t="0" r="0" b="0"/>
-          <a:pathLst>
-            <a:path>
-              <a:moveTo>
-                <a:pt x="0" y="0"/>
-              </a:moveTo>
-              <a:lnTo>
-                <a:pt x="0" y="127078"/>
-              </a:lnTo>
-              <a:lnTo>
-                <a:pt x="1175495" y="127078"/>
-              </a:lnTo>
-              <a:lnTo>
-                <a:pt x="1175495" y="186476"/>
-              </a:lnTo>
-            </a:path>
-          </a:pathLst>
-        </a:custGeom>
-        <a:noFill/>
-        <a:ln w="12700" cap="flat" cmpd="sng" algn="ctr">
-          <a:solidFill>
-            <a:schemeClr val="accent1">
-              <a:shade val="80000"/>
-              <a:hueOff val="0"/>
-              <a:satOff val="0"/>
-              <a:lumOff val="0"/>
-              <a:alphaOff val="0"/>
-            </a:schemeClr>
-          </a:solidFill>
-          <a:prstDash val="solid"/>
-          <a:miter lim="800000"/>
-        </a:ln>
-        <a:effectLst/>
-      </dsp:spPr>
-      <dsp:style>
-        <a:lnRef idx="2">
-          <a:scrgbClr r="0" g="0" b="0"/>
-        </a:lnRef>
-        <a:fillRef idx="0">
-          <a:scrgbClr r="0" g="0" b="0"/>
-        </a:fillRef>
-        <a:effectRef idx="0">
-          <a:scrgbClr r="0" g="0" b="0"/>
-        </a:effectRef>
-        <a:fontRef idx="minor"/>
-      </dsp:style>
-    </dsp:sp>
-    <dsp:sp modelId="{95909514-E3D9-4BE3-B25A-542B742DFB0F}">
-      <dsp:nvSpPr>
-        <dsp:cNvPr id="0" name=""/>
-        <dsp:cNvSpPr/>
-      </dsp:nvSpPr>
-      <dsp:spPr>
-        <a:xfrm>
-          <a:off x="8944581" y="2048590"/>
-          <a:ext cx="391831" cy="186476"/>
-        </a:xfrm>
-        <a:custGeom>
-          <a:avLst/>
-          <a:gdLst/>
-          <a:ahLst/>
-          <a:cxnLst/>
-          <a:rect l="0" t="0" r="0" b="0"/>
-          <a:pathLst>
-            <a:path>
-              <a:moveTo>
-                <a:pt x="0" y="0"/>
-              </a:moveTo>
-              <a:lnTo>
-                <a:pt x="0" y="127078"/>
-              </a:lnTo>
-              <a:lnTo>
-                <a:pt x="391831" y="127078"/>
-              </a:lnTo>
-              <a:lnTo>
-                <a:pt x="391831" y="186476"/>
-              </a:lnTo>
-            </a:path>
-          </a:pathLst>
-        </a:custGeom>
-        <a:noFill/>
-        <a:ln w="12700" cap="flat" cmpd="sng" algn="ctr">
-          <a:solidFill>
-            <a:schemeClr val="accent1">
-              <a:shade val="80000"/>
-              <a:hueOff val="0"/>
-              <a:satOff val="0"/>
-              <a:lumOff val="0"/>
-              <a:alphaOff val="0"/>
-            </a:schemeClr>
-          </a:solidFill>
-          <a:prstDash val="solid"/>
-          <a:miter lim="800000"/>
-        </a:ln>
-        <a:effectLst/>
-      </dsp:spPr>
-      <dsp:style>
-        <a:lnRef idx="2">
-          <a:scrgbClr r="0" g="0" b="0"/>
-        </a:lnRef>
-        <a:fillRef idx="0">
-          <a:scrgbClr r="0" g="0" b="0"/>
-        </a:fillRef>
-        <a:effectRef idx="0">
-          <a:scrgbClr r="0" g="0" b="0"/>
-        </a:effectRef>
-        <a:fontRef idx="minor"/>
-      </dsp:style>
-    </dsp:sp>
-    <dsp:sp modelId="{5D8315D6-A409-41C1-AC59-C41157902DBC}">
-      <dsp:nvSpPr>
-        <dsp:cNvPr id="0" name=""/>
-        <dsp:cNvSpPr/>
-      </dsp:nvSpPr>
-      <dsp:spPr>
-        <a:xfrm>
-          <a:off x="8552750" y="2048590"/>
-          <a:ext cx="391831" cy="186476"/>
-        </a:xfrm>
-        <a:custGeom>
-          <a:avLst/>
-          <a:gdLst/>
-          <a:ahLst/>
-          <a:cxnLst/>
-          <a:rect l="0" t="0" r="0" b="0"/>
-          <a:pathLst>
-            <a:path>
-              <a:moveTo>
-                <a:pt x="391831" y="0"/>
-              </a:moveTo>
-              <a:lnTo>
-                <a:pt x="391831" y="127078"/>
-              </a:lnTo>
-              <a:lnTo>
-                <a:pt x="0" y="127078"/>
-              </a:lnTo>
-              <a:lnTo>
-                <a:pt x="0" y="186476"/>
-              </a:lnTo>
-            </a:path>
-          </a:pathLst>
-        </a:custGeom>
-        <a:noFill/>
-        <a:ln w="12700" cap="flat" cmpd="sng" algn="ctr">
-          <a:solidFill>
-            <a:schemeClr val="accent1">
-              <a:shade val="80000"/>
-              <a:hueOff val="0"/>
-              <a:satOff val="0"/>
-              <a:lumOff val="0"/>
-              <a:alphaOff val="0"/>
-            </a:schemeClr>
-          </a:solidFill>
-          <a:prstDash val="solid"/>
-          <a:miter lim="800000"/>
-        </a:ln>
-        <a:effectLst/>
-      </dsp:spPr>
-      <dsp:style>
-        <a:lnRef idx="2">
-          <a:scrgbClr r="0" g="0" b="0"/>
-        </a:lnRef>
-        <a:fillRef idx="0">
-          <a:scrgbClr r="0" g="0" b="0"/>
-        </a:fillRef>
-        <a:effectRef idx="0">
-          <a:scrgbClr r="0" g="0" b="0"/>
-        </a:effectRef>
-        <a:fontRef idx="minor"/>
-      </dsp:style>
-    </dsp:sp>
-    <dsp:sp modelId="{9819C529-2219-41DE-BB5D-BDF1B58D5E18}">
-      <dsp:nvSpPr>
-        <dsp:cNvPr id="0" name=""/>
-        <dsp:cNvSpPr/>
-      </dsp:nvSpPr>
-      <dsp:spPr>
-        <a:xfrm>
-          <a:off x="7769086" y="2048590"/>
-          <a:ext cx="1175495" cy="186476"/>
-        </a:xfrm>
-        <a:custGeom>
-          <a:avLst/>
-          <a:gdLst/>
-          <a:ahLst/>
-          <a:cxnLst/>
-          <a:rect l="0" t="0" r="0" b="0"/>
-          <a:pathLst>
-            <a:path>
-              <a:moveTo>
-                <a:pt x="1175495" y="0"/>
-              </a:moveTo>
-              <a:lnTo>
-                <a:pt x="1175495" y="127078"/>
-              </a:lnTo>
-              <a:lnTo>
-                <a:pt x="0" y="127078"/>
-              </a:lnTo>
-              <a:lnTo>
-                <a:pt x="0" y="186476"/>
-              </a:lnTo>
-            </a:path>
-          </a:pathLst>
-        </a:custGeom>
-        <a:noFill/>
-        <a:ln w="12700" cap="flat" cmpd="sng" algn="ctr">
-          <a:solidFill>
-            <a:schemeClr val="accent1">
-              <a:shade val="80000"/>
-              <a:hueOff val="0"/>
-              <a:satOff val="0"/>
-              <a:lumOff val="0"/>
-              <a:alphaOff val="0"/>
-            </a:schemeClr>
-          </a:solidFill>
-          <a:prstDash val="solid"/>
-          <a:miter lim="800000"/>
-        </a:ln>
-        <a:effectLst/>
-      </dsp:spPr>
-      <dsp:style>
-        <a:lnRef idx="2">
-          <a:scrgbClr r="0" g="0" b="0"/>
-        </a:lnRef>
-        <a:fillRef idx="0">
-          <a:scrgbClr r="0" g="0" b="0"/>
-        </a:fillRef>
-        <a:effectRef idx="0">
-          <a:scrgbClr r="0" g="0" b="0"/>
-        </a:effectRef>
-        <a:fontRef idx="minor"/>
-      </dsp:style>
-    </dsp:sp>
-    <dsp:sp modelId="{CA0EDD79-BD8F-4EA4-BEEA-A8786077B5CB}">
-      <dsp:nvSpPr>
-        <dsp:cNvPr id="0" name=""/>
-        <dsp:cNvSpPr/>
-      </dsp:nvSpPr>
-      <dsp:spPr>
-        <a:xfrm>
-          <a:off x="4830347" y="1454965"/>
-          <a:ext cx="4114234" cy="186476"/>
-        </a:xfrm>
-        <a:custGeom>
-          <a:avLst/>
-          <a:gdLst/>
-          <a:ahLst/>
-          <a:cxnLst/>
-          <a:rect l="0" t="0" r="0" b="0"/>
-          <a:pathLst>
-            <a:path>
-              <a:moveTo>
-                <a:pt x="0" y="0"/>
-              </a:moveTo>
-              <a:lnTo>
-                <a:pt x="0" y="127078"/>
-              </a:lnTo>
-              <a:lnTo>
-                <a:pt x="4114234" y="127078"/>
-              </a:lnTo>
-              <a:lnTo>
-                <a:pt x="4114234" y="186476"/>
-              </a:lnTo>
-            </a:path>
-          </a:pathLst>
-        </a:custGeom>
-        <a:noFill/>
-        <a:ln w="12700" cap="flat" cmpd="sng" algn="ctr">
-          <a:solidFill>
-            <a:schemeClr val="accent1">
-              <a:shade val="60000"/>
-              <a:hueOff val="0"/>
-              <a:satOff val="0"/>
-              <a:lumOff val="0"/>
-              <a:alphaOff val="0"/>
-            </a:schemeClr>
-          </a:solidFill>
-          <a:prstDash val="solid"/>
-          <a:miter lim="800000"/>
-        </a:ln>
-        <a:effectLst/>
-      </dsp:spPr>
-      <dsp:style>
-        <a:lnRef idx="2">
-          <a:scrgbClr r="0" g="0" b="0"/>
-        </a:lnRef>
-        <a:fillRef idx="0">
-          <a:scrgbClr r="0" g="0" b="0"/>
-        </a:fillRef>
-        <a:effectRef idx="0">
-          <a:scrgbClr r="0" g="0" b="0"/>
-        </a:effectRef>
-        <a:fontRef idx="minor"/>
-      </dsp:style>
-    </dsp:sp>
-    <dsp:sp modelId="{59C8480F-1470-4B16-A94A-F9DF7A41E13B}">
-      <dsp:nvSpPr>
-        <dsp:cNvPr id="0" name=""/>
-        <dsp:cNvSpPr/>
-      </dsp:nvSpPr>
-      <dsp:spPr>
-        <a:xfrm>
-          <a:off x="6593590" y="2048590"/>
-          <a:ext cx="391831" cy="186476"/>
-        </a:xfrm>
-        <a:custGeom>
-          <a:avLst/>
-          <a:gdLst/>
-          <a:ahLst/>
-          <a:cxnLst/>
-          <a:rect l="0" t="0" r="0" b="0"/>
-          <a:pathLst>
-            <a:path>
-              <a:moveTo>
-                <a:pt x="0" y="0"/>
-              </a:moveTo>
-              <a:lnTo>
-                <a:pt x="0" y="127078"/>
-              </a:lnTo>
-              <a:lnTo>
-                <a:pt x="391831" y="127078"/>
-              </a:lnTo>
-              <a:lnTo>
-                <a:pt x="391831" y="186476"/>
-              </a:lnTo>
-            </a:path>
-          </a:pathLst>
-        </a:custGeom>
-        <a:noFill/>
-        <a:ln w="12700" cap="flat" cmpd="sng" algn="ctr">
-          <a:solidFill>
-            <a:schemeClr val="accent1">
-              <a:shade val="80000"/>
-              <a:hueOff val="0"/>
-              <a:satOff val="0"/>
-              <a:lumOff val="0"/>
-              <a:alphaOff val="0"/>
-            </a:schemeClr>
-          </a:solidFill>
-          <a:prstDash val="solid"/>
-          <a:miter lim="800000"/>
-        </a:ln>
-        <a:effectLst/>
-      </dsp:spPr>
-      <dsp:style>
-        <a:lnRef idx="2">
-          <a:scrgbClr r="0" g="0" b="0"/>
-        </a:lnRef>
-        <a:fillRef idx="0">
-          <a:scrgbClr r="0" g="0" b="0"/>
-        </a:fillRef>
-        <a:effectRef idx="0">
-          <a:scrgbClr r="0" g="0" b="0"/>
-        </a:effectRef>
-        <a:fontRef idx="minor"/>
-      </dsp:style>
-    </dsp:sp>
-    <dsp:sp modelId="{1BB00B23-3CC6-4508-B3DC-A81AF0FA199B}">
-      <dsp:nvSpPr>
-        <dsp:cNvPr id="0" name=""/>
-        <dsp:cNvSpPr/>
-      </dsp:nvSpPr>
-      <dsp:spPr>
-        <a:xfrm>
-          <a:off x="6156038" y="2642216"/>
-          <a:ext cx="91440" cy="186476"/>
-        </a:xfrm>
-        <a:custGeom>
-          <a:avLst/>
-          <a:gdLst/>
-          <a:ahLst/>
-          <a:cxnLst/>
-          <a:rect l="0" t="0" r="0" b="0"/>
-          <a:pathLst>
-            <a:path>
-              <a:moveTo>
-                <a:pt x="45720" y="0"/>
-              </a:moveTo>
-              <a:lnTo>
-                <a:pt x="45720" y="186476"/>
-              </a:lnTo>
-            </a:path>
-          </a:pathLst>
-        </a:custGeom>
-        <a:noFill/>
-        <a:ln w="12700" cap="flat" cmpd="sng" algn="ctr">
-          <a:solidFill>
-            <a:schemeClr val="accent1">
-              <a:shade val="80000"/>
-              <a:hueOff val="0"/>
-              <a:satOff val="0"/>
-              <a:lumOff val="0"/>
-              <a:alphaOff val="0"/>
-            </a:schemeClr>
-          </a:solidFill>
-          <a:prstDash val="solid"/>
-          <a:miter lim="800000"/>
-        </a:ln>
-        <a:effectLst/>
-      </dsp:spPr>
-      <dsp:style>
-        <a:lnRef idx="2">
-          <a:scrgbClr r="0" g="0" b="0"/>
-        </a:lnRef>
-        <a:fillRef idx="0">
-          <a:scrgbClr r="0" g="0" b="0"/>
-        </a:fillRef>
-        <a:effectRef idx="0">
-          <a:scrgbClr r="0" g="0" b="0"/>
-        </a:effectRef>
-        <a:fontRef idx="minor"/>
-      </dsp:style>
-    </dsp:sp>
-    <dsp:sp modelId="{B999CA93-16E1-4893-9E87-62629E737C30}">
-      <dsp:nvSpPr>
-        <dsp:cNvPr id="0" name=""/>
-        <dsp:cNvSpPr/>
-      </dsp:nvSpPr>
-      <dsp:spPr>
-        <a:xfrm>
-          <a:off x="6201758" y="2048590"/>
-          <a:ext cx="391831" cy="186476"/>
-        </a:xfrm>
-        <a:custGeom>
-          <a:avLst/>
-          <a:gdLst/>
-          <a:ahLst/>
-          <a:cxnLst/>
-          <a:rect l="0" t="0" r="0" b="0"/>
-          <a:pathLst>
-            <a:path>
-              <a:moveTo>
-                <a:pt x="391831" y="0"/>
-              </a:moveTo>
-              <a:lnTo>
-                <a:pt x="391831" y="127078"/>
-              </a:lnTo>
-              <a:lnTo>
-                <a:pt x="0" y="127078"/>
-              </a:lnTo>
-              <a:lnTo>
-                <a:pt x="0" y="186476"/>
-              </a:lnTo>
-            </a:path>
-          </a:pathLst>
-        </a:custGeom>
-        <a:noFill/>
-        <a:ln w="12700" cap="flat" cmpd="sng" algn="ctr">
-          <a:solidFill>
-            <a:schemeClr val="accent1">
-              <a:shade val="80000"/>
-              <a:hueOff val="0"/>
-              <a:satOff val="0"/>
-              <a:lumOff val="0"/>
-              <a:alphaOff val="0"/>
-            </a:schemeClr>
-          </a:solidFill>
-          <a:prstDash val="solid"/>
-          <a:miter lim="800000"/>
-        </a:ln>
-        <a:effectLst/>
-      </dsp:spPr>
-      <dsp:style>
-        <a:lnRef idx="2">
-          <a:scrgbClr r="0" g="0" b="0"/>
-        </a:lnRef>
-        <a:fillRef idx="0">
-          <a:scrgbClr r="0" g="0" b="0"/>
-        </a:fillRef>
-        <a:effectRef idx="0">
-          <a:scrgbClr r="0" g="0" b="0"/>
-        </a:effectRef>
-        <a:fontRef idx="minor"/>
-      </dsp:style>
-    </dsp:sp>
-    <dsp:sp modelId="{922FEA96-9506-4FA8-B6C7-D8A26FE1534A}">
-      <dsp:nvSpPr>
-        <dsp:cNvPr id="0" name=""/>
-        <dsp:cNvSpPr/>
-      </dsp:nvSpPr>
-      <dsp:spPr>
-        <a:xfrm>
-          <a:off x="4830347" y="1454965"/>
-          <a:ext cx="1763243" cy="186476"/>
-        </a:xfrm>
-        <a:custGeom>
-          <a:avLst/>
-          <a:gdLst/>
-          <a:ahLst/>
-          <a:cxnLst/>
-          <a:rect l="0" t="0" r="0" b="0"/>
-          <a:pathLst>
-            <a:path>
-              <a:moveTo>
-                <a:pt x="0" y="0"/>
-              </a:moveTo>
-              <a:lnTo>
-                <a:pt x="0" y="127078"/>
-              </a:lnTo>
-              <a:lnTo>
-                <a:pt x="1763243" y="127078"/>
-              </a:lnTo>
-              <a:lnTo>
-                <a:pt x="1763243" y="186476"/>
-              </a:lnTo>
-            </a:path>
-          </a:pathLst>
-        </a:custGeom>
-        <a:noFill/>
-        <a:ln w="12700" cap="flat" cmpd="sng" algn="ctr">
-          <a:solidFill>
-            <a:schemeClr val="accent1">
-              <a:shade val="60000"/>
-              <a:hueOff val="0"/>
-              <a:satOff val="0"/>
-              <a:lumOff val="0"/>
-              <a:alphaOff val="0"/>
-            </a:schemeClr>
-          </a:solidFill>
-          <a:prstDash val="solid"/>
-          <a:miter lim="800000"/>
-        </a:ln>
-        <a:effectLst/>
-      </dsp:spPr>
-      <dsp:style>
-        <a:lnRef idx="2">
-          <a:scrgbClr r="0" g="0" b="0"/>
-        </a:lnRef>
-        <a:fillRef idx="0">
-          <a:scrgbClr r="0" g="0" b="0"/>
-        </a:fillRef>
-        <a:effectRef idx="0">
-          <a:scrgbClr r="0" g="0" b="0"/>
-        </a:effectRef>
-        <a:fontRef idx="minor"/>
-      </dsp:style>
-    </dsp:sp>
-    <dsp:sp modelId="{8546B7BA-C2F4-461E-86B3-48FD83F023F5}">
-      <dsp:nvSpPr>
-        <dsp:cNvPr id="0" name=""/>
-        <dsp:cNvSpPr/>
-      </dsp:nvSpPr>
-      <dsp:spPr>
-        <a:xfrm>
-          <a:off x="4634431" y="2048590"/>
-          <a:ext cx="783663" cy="186476"/>
-        </a:xfrm>
-        <a:custGeom>
-          <a:avLst/>
-          <a:gdLst/>
-          <a:ahLst/>
-          <a:cxnLst/>
-          <a:rect l="0" t="0" r="0" b="0"/>
-          <a:pathLst>
-            <a:path>
-              <a:moveTo>
-                <a:pt x="0" y="0"/>
-              </a:moveTo>
-              <a:lnTo>
-                <a:pt x="0" y="127078"/>
-              </a:lnTo>
-              <a:lnTo>
-                <a:pt x="783663" y="127078"/>
-              </a:lnTo>
-              <a:lnTo>
-                <a:pt x="783663" y="186476"/>
-              </a:lnTo>
-            </a:path>
-          </a:pathLst>
-        </a:custGeom>
-        <a:noFill/>
-        <a:ln w="12700" cap="flat" cmpd="sng" algn="ctr">
-          <a:solidFill>
-            <a:schemeClr val="accent1">
-              <a:shade val="80000"/>
-              <a:hueOff val="0"/>
-              <a:satOff val="0"/>
-              <a:lumOff val="0"/>
-              <a:alphaOff val="0"/>
-            </a:schemeClr>
-          </a:solidFill>
-          <a:prstDash val="solid"/>
-          <a:miter lim="800000"/>
-        </a:ln>
-        <a:effectLst/>
-      </dsp:spPr>
-      <dsp:style>
-        <a:lnRef idx="2">
-          <a:scrgbClr r="0" g="0" b="0"/>
-        </a:lnRef>
-        <a:fillRef idx="0">
-          <a:scrgbClr r="0" g="0" b="0"/>
-        </a:fillRef>
-        <a:effectRef idx="0">
-          <a:scrgbClr r="0" g="0" b="0"/>
-        </a:effectRef>
-        <a:fontRef idx="minor"/>
-      </dsp:style>
-    </dsp:sp>
-    <dsp:sp modelId="{9C28D996-77B5-4EFC-9F94-A8A01B4CEDD6}">
-      <dsp:nvSpPr>
-        <dsp:cNvPr id="0" name=""/>
-        <dsp:cNvSpPr/>
-      </dsp:nvSpPr>
-      <dsp:spPr>
-        <a:xfrm>
-          <a:off x="4588711" y="2048590"/>
-          <a:ext cx="91440" cy="186476"/>
-        </a:xfrm>
-        <a:custGeom>
-          <a:avLst/>
-          <a:gdLst/>
-          <a:ahLst/>
-          <a:cxnLst/>
-          <a:rect l="0" t="0" r="0" b="0"/>
-          <a:pathLst>
-            <a:path>
-              <a:moveTo>
-                <a:pt x="45720" y="0"/>
-              </a:moveTo>
-              <a:lnTo>
-                <a:pt x="45720" y="186476"/>
-              </a:lnTo>
-            </a:path>
-          </a:pathLst>
-        </a:custGeom>
-        <a:noFill/>
-        <a:ln w="12700" cap="flat" cmpd="sng" algn="ctr">
-          <a:solidFill>
-            <a:schemeClr val="accent1">
-              <a:shade val="80000"/>
-              <a:hueOff val="0"/>
-              <a:satOff val="0"/>
-              <a:lumOff val="0"/>
-              <a:alphaOff val="0"/>
-            </a:schemeClr>
-          </a:solidFill>
-          <a:prstDash val="solid"/>
-          <a:miter lim="800000"/>
-        </a:ln>
-        <a:effectLst/>
-      </dsp:spPr>
-      <dsp:style>
-        <a:lnRef idx="2">
-          <a:scrgbClr r="0" g="0" b="0"/>
-        </a:lnRef>
-        <a:fillRef idx="0">
-          <a:scrgbClr r="0" g="0" b="0"/>
-        </a:fillRef>
-        <a:effectRef idx="0">
-          <a:scrgbClr r="0" g="0" b="0"/>
-        </a:effectRef>
-        <a:fontRef idx="minor"/>
-      </dsp:style>
-    </dsp:sp>
-    <dsp:sp modelId="{FF56A3BF-B215-4246-8715-BF750993814D}">
-      <dsp:nvSpPr>
-        <dsp:cNvPr id="0" name=""/>
-        <dsp:cNvSpPr/>
-      </dsp:nvSpPr>
-      <dsp:spPr>
-        <a:xfrm>
-          <a:off x="3850767" y="2048590"/>
-          <a:ext cx="783663" cy="186476"/>
-        </a:xfrm>
-        <a:custGeom>
-          <a:avLst/>
-          <a:gdLst/>
-          <a:ahLst/>
-          <a:cxnLst/>
-          <a:rect l="0" t="0" r="0" b="0"/>
-          <a:pathLst>
-            <a:path>
-              <a:moveTo>
-                <a:pt x="783663" y="0"/>
-              </a:moveTo>
-              <a:lnTo>
-                <a:pt x="783663" y="127078"/>
-              </a:lnTo>
-              <a:lnTo>
-                <a:pt x="0" y="127078"/>
-              </a:lnTo>
-              <a:lnTo>
-                <a:pt x="0" y="186476"/>
-              </a:lnTo>
-            </a:path>
-          </a:pathLst>
-        </a:custGeom>
-        <a:noFill/>
-        <a:ln w="12700" cap="flat" cmpd="sng" algn="ctr">
-          <a:solidFill>
-            <a:schemeClr val="accent1">
-              <a:shade val="80000"/>
-              <a:hueOff val="0"/>
-              <a:satOff val="0"/>
-              <a:lumOff val="0"/>
-              <a:alphaOff val="0"/>
-            </a:schemeClr>
-          </a:solidFill>
-          <a:prstDash val="solid"/>
-          <a:miter lim="800000"/>
-        </a:ln>
-        <a:effectLst/>
-      </dsp:spPr>
-      <dsp:style>
-        <a:lnRef idx="2">
-          <a:scrgbClr r="0" g="0" b="0"/>
-        </a:lnRef>
-        <a:fillRef idx="0">
-          <a:scrgbClr r="0" g="0" b="0"/>
-        </a:fillRef>
-        <a:effectRef idx="0">
-          <a:scrgbClr r="0" g="0" b="0"/>
-        </a:effectRef>
-        <a:fontRef idx="minor"/>
-      </dsp:style>
-    </dsp:sp>
-    <dsp:sp modelId="{8A55D92C-61F7-4B13-9A9F-287DDC59063C}">
-      <dsp:nvSpPr>
-        <dsp:cNvPr id="0" name=""/>
-        <dsp:cNvSpPr/>
-      </dsp:nvSpPr>
-      <dsp:spPr>
-        <a:xfrm>
-          <a:off x="4634431" y="1454965"/>
-          <a:ext cx="195915" cy="186476"/>
-        </a:xfrm>
-        <a:custGeom>
-          <a:avLst/>
-          <a:gdLst/>
-          <a:ahLst/>
-          <a:cxnLst/>
-          <a:rect l="0" t="0" r="0" b="0"/>
-          <a:pathLst>
-            <a:path>
-              <a:moveTo>
-                <a:pt x="195915" y="0"/>
-              </a:moveTo>
-              <a:lnTo>
-                <a:pt x="195915" y="127078"/>
-              </a:lnTo>
-              <a:lnTo>
-                <a:pt x="0" y="127078"/>
-              </a:lnTo>
-              <a:lnTo>
-                <a:pt x="0" y="186476"/>
-              </a:lnTo>
-            </a:path>
-          </a:pathLst>
-        </a:custGeom>
-        <a:noFill/>
-        <a:ln w="12700" cap="flat" cmpd="sng" algn="ctr">
-          <a:solidFill>
-            <a:schemeClr val="accent1">
-              <a:shade val="60000"/>
-              <a:hueOff val="0"/>
-              <a:satOff val="0"/>
-              <a:lumOff val="0"/>
-              <a:alphaOff val="0"/>
-            </a:schemeClr>
-          </a:solidFill>
-          <a:prstDash val="solid"/>
-          <a:miter lim="800000"/>
-        </a:ln>
-        <a:effectLst/>
-      </dsp:spPr>
-      <dsp:style>
-        <a:lnRef idx="2">
-          <a:scrgbClr r="0" g="0" b="0"/>
-        </a:lnRef>
-        <a:fillRef idx="0">
-          <a:scrgbClr r="0" g="0" b="0"/>
-        </a:fillRef>
-        <a:effectRef idx="0">
-          <a:scrgbClr r="0" g="0" b="0"/>
-        </a:effectRef>
-        <a:fontRef idx="minor"/>
-      </dsp:style>
-    </dsp:sp>
-    <dsp:sp modelId="{78302FCD-CE60-429D-ABDB-77AA9BA7F696}">
-      <dsp:nvSpPr>
-        <dsp:cNvPr id="0" name=""/>
-        <dsp:cNvSpPr/>
-      </dsp:nvSpPr>
-      <dsp:spPr>
-        <a:xfrm>
-          <a:off x="2675271" y="2048590"/>
-          <a:ext cx="391831" cy="186476"/>
-        </a:xfrm>
-        <a:custGeom>
-          <a:avLst/>
-          <a:gdLst/>
-          <a:ahLst/>
-          <a:cxnLst/>
-          <a:rect l="0" t="0" r="0" b="0"/>
-          <a:pathLst>
-            <a:path>
-              <a:moveTo>
-                <a:pt x="0" y="0"/>
-              </a:moveTo>
-              <a:lnTo>
-                <a:pt x="0" y="127078"/>
-              </a:lnTo>
-              <a:lnTo>
-                <a:pt x="391831" y="127078"/>
-              </a:lnTo>
-              <a:lnTo>
-                <a:pt x="391831" y="186476"/>
-              </a:lnTo>
-            </a:path>
-          </a:pathLst>
-        </a:custGeom>
-        <a:noFill/>
-        <a:ln w="12700" cap="flat" cmpd="sng" algn="ctr">
-          <a:solidFill>
-            <a:schemeClr val="accent1">
-              <a:shade val="80000"/>
-              <a:hueOff val="0"/>
-              <a:satOff val="0"/>
-              <a:lumOff val="0"/>
-              <a:alphaOff val="0"/>
-            </a:schemeClr>
-          </a:solidFill>
-          <a:prstDash val="solid"/>
-          <a:miter lim="800000"/>
-        </a:ln>
-        <a:effectLst/>
-      </dsp:spPr>
-      <dsp:style>
-        <a:lnRef idx="2">
-          <a:scrgbClr r="0" g="0" b="0"/>
-        </a:lnRef>
-        <a:fillRef idx="0">
-          <a:scrgbClr r="0" g="0" b="0"/>
-        </a:fillRef>
-        <a:effectRef idx="0">
-          <a:scrgbClr r="0" g="0" b="0"/>
-        </a:effectRef>
-        <a:fontRef idx="minor"/>
-      </dsp:style>
-    </dsp:sp>
-    <dsp:sp modelId="{AEE714BA-DDBA-4D63-90C9-4F7F4174B35E}">
-      <dsp:nvSpPr>
-        <dsp:cNvPr id="0" name=""/>
-        <dsp:cNvSpPr/>
-      </dsp:nvSpPr>
-      <dsp:spPr>
-        <a:xfrm>
-          <a:off x="2283439" y="2642216"/>
-          <a:ext cx="391831" cy="186476"/>
-        </a:xfrm>
-        <a:custGeom>
-          <a:avLst/>
-          <a:gdLst/>
-          <a:ahLst/>
-          <a:cxnLst/>
-          <a:rect l="0" t="0" r="0" b="0"/>
-          <a:pathLst>
-            <a:path>
-              <a:moveTo>
-                <a:pt x="0" y="0"/>
-              </a:moveTo>
-              <a:lnTo>
-                <a:pt x="0" y="127078"/>
-              </a:lnTo>
-              <a:lnTo>
-                <a:pt x="391831" y="127078"/>
-              </a:lnTo>
-              <a:lnTo>
-                <a:pt x="391831" y="186476"/>
-              </a:lnTo>
-            </a:path>
-          </a:pathLst>
-        </a:custGeom>
-        <a:noFill/>
-        <a:ln w="12700" cap="flat" cmpd="sng" algn="ctr">
-          <a:solidFill>
-            <a:schemeClr val="accent1">
-              <a:shade val="80000"/>
-              <a:hueOff val="0"/>
-              <a:satOff val="0"/>
-              <a:lumOff val="0"/>
-              <a:alphaOff val="0"/>
-            </a:schemeClr>
-          </a:solidFill>
-          <a:prstDash val="solid"/>
-          <a:miter lim="800000"/>
-        </a:ln>
-        <a:effectLst/>
-      </dsp:spPr>
-      <dsp:style>
-        <a:lnRef idx="2">
-          <a:scrgbClr r="0" g="0" b="0"/>
-        </a:lnRef>
-        <a:fillRef idx="0">
-          <a:scrgbClr r="0" g="0" b="0"/>
-        </a:fillRef>
-        <a:effectRef idx="0">
-          <a:scrgbClr r="0" g="0" b="0"/>
-        </a:effectRef>
-        <a:fontRef idx="minor"/>
-      </dsp:style>
-    </dsp:sp>
-    <dsp:sp modelId="{7FEAEC89-55B2-47C4-9833-5210F598E0A1}">
-      <dsp:nvSpPr>
-        <dsp:cNvPr id="0" name=""/>
-        <dsp:cNvSpPr/>
-      </dsp:nvSpPr>
-      <dsp:spPr>
-        <a:xfrm>
-          <a:off x="1891607" y="2642216"/>
-          <a:ext cx="391831" cy="186476"/>
-        </a:xfrm>
-        <a:custGeom>
-          <a:avLst/>
-          <a:gdLst/>
-          <a:ahLst/>
-          <a:cxnLst/>
-          <a:rect l="0" t="0" r="0" b="0"/>
-          <a:pathLst>
-            <a:path>
-              <a:moveTo>
-                <a:pt x="391831" y="0"/>
-              </a:moveTo>
-              <a:lnTo>
-                <a:pt x="391831" y="127078"/>
-              </a:lnTo>
-              <a:lnTo>
-                <a:pt x="0" y="127078"/>
-              </a:lnTo>
-              <a:lnTo>
-                <a:pt x="0" y="186476"/>
-              </a:lnTo>
-            </a:path>
-          </a:pathLst>
-        </a:custGeom>
-        <a:noFill/>
-        <a:ln w="12700" cap="flat" cmpd="sng" algn="ctr">
-          <a:solidFill>
-            <a:schemeClr val="accent1">
-              <a:shade val="80000"/>
-              <a:hueOff val="0"/>
-              <a:satOff val="0"/>
-              <a:lumOff val="0"/>
-              <a:alphaOff val="0"/>
-            </a:schemeClr>
-          </a:solidFill>
-          <a:prstDash val="solid"/>
-          <a:miter lim="800000"/>
-        </a:ln>
-        <a:effectLst/>
-      </dsp:spPr>
-      <dsp:style>
-        <a:lnRef idx="2">
-          <a:scrgbClr r="0" g="0" b="0"/>
-        </a:lnRef>
-        <a:fillRef idx="0">
-          <a:scrgbClr r="0" g="0" b="0"/>
-        </a:fillRef>
-        <a:effectRef idx="0">
-          <a:scrgbClr r="0" g="0" b="0"/>
-        </a:effectRef>
-        <a:fontRef idx="minor"/>
-      </dsp:style>
-    </dsp:sp>
-    <dsp:sp modelId="{7B415A85-BF52-47CD-AC84-A104C406C7E5}">
-      <dsp:nvSpPr>
-        <dsp:cNvPr id="0" name=""/>
-        <dsp:cNvSpPr/>
-      </dsp:nvSpPr>
-      <dsp:spPr>
-        <a:xfrm>
-          <a:off x="2283439" y="2048590"/>
-          <a:ext cx="391831" cy="186476"/>
-        </a:xfrm>
-        <a:custGeom>
-          <a:avLst/>
-          <a:gdLst/>
-          <a:ahLst/>
-          <a:cxnLst/>
-          <a:rect l="0" t="0" r="0" b="0"/>
-          <a:pathLst>
-            <a:path>
-              <a:moveTo>
-                <a:pt x="391831" y="0"/>
-              </a:moveTo>
-              <a:lnTo>
-                <a:pt x="391831" y="127078"/>
-              </a:lnTo>
-              <a:lnTo>
-                <a:pt x="0" y="127078"/>
-              </a:lnTo>
-              <a:lnTo>
-                <a:pt x="0" y="186476"/>
-              </a:lnTo>
-            </a:path>
-          </a:pathLst>
-        </a:custGeom>
-        <a:noFill/>
-        <a:ln w="12700" cap="flat" cmpd="sng" algn="ctr">
-          <a:solidFill>
-            <a:schemeClr val="accent1">
-              <a:shade val="80000"/>
-              <a:hueOff val="0"/>
-              <a:satOff val="0"/>
-              <a:lumOff val="0"/>
-              <a:alphaOff val="0"/>
-            </a:schemeClr>
-          </a:solidFill>
-          <a:prstDash val="solid"/>
-          <a:miter lim="800000"/>
-        </a:ln>
-        <a:effectLst/>
-      </dsp:spPr>
-      <dsp:style>
-        <a:lnRef idx="2">
-          <a:scrgbClr r="0" g="0" b="0"/>
-        </a:lnRef>
-        <a:fillRef idx="0">
-          <a:scrgbClr r="0" g="0" b="0"/>
-        </a:fillRef>
-        <a:effectRef idx="0">
-          <a:scrgbClr r="0" g="0" b="0"/>
-        </a:effectRef>
-        <a:fontRef idx="minor"/>
-      </dsp:style>
-    </dsp:sp>
-    <dsp:sp modelId="{E20139DB-A6E5-4A3F-B73E-464B10F45BB4}">
-      <dsp:nvSpPr>
-        <dsp:cNvPr id="0" name=""/>
-        <dsp:cNvSpPr/>
-      </dsp:nvSpPr>
-      <dsp:spPr>
-        <a:xfrm>
-          <a:off x="2675271" y="1454965"/>
-          <a:ext cx="2155075" cy="186476"/>
-        </a:xfrm>
-        <a:custGeom>
-          <a:avLst/>
-          <a:gdLst/>
-          <a:ahLst/>
-          <a:cxnLst/>
-          <a:rect l="0" t="0" r="0" b="0"/>
-          <a:pathLst>
-            <a:path>
-              <a:moveTo>
-                <a:pt x="2155075" y="0"/>
-              </a:moveTo>
-              <a:lnTo>
-                <a:pt x="2155075" y="127078"/>
-              </a:lnTo>
-              <a:lnTo>
-                <a:pt x="0" y="127078"/>
-              </a:lnTo>
-              <a:lnTo>
-                <a:pt x="0" y="186476"/>
-              </a:lnTo>
-            </a:path>
-          </a:pathLst>
-        </a:custGeom>
-        <a:noFill/>
-        <a:ln w="12700" cap="flat" cmpd="sng" algn="ctr">
-          <a:solidFill>
-            <a:schemeClr val="accent1">
-              <a:shade val="60000"/>
-              <a:hueOff val="0"/>
-              <a:satOff val="0"/>
-              <a:lumOff val="0"/>
-              <a:alphaOff val="0"/>
-            </a:schemeClr>
-          </a:solidFill>
-          <a:prstDash val="solid"/>
-          <a:miter lim="800000"/>
-        </a:ln>
-        <a:effectLst/>
-      </dsp:spPr>
-      <dsp:style>
-        <a:lnRef idx="2">
-          <a:scrgbClr r="0" g="0" b="0"/>
-        </a:lnRef>
-        <a:fillRef idx="0">
-          <a:scrgbClr r="0" g="0" b="0"/>
-        </a:fillRef>
-        <a:effectRef idx="0">
-          <a:scrgbClr r="0" g="0" b="0"/>
-        </a:effectRef>
-        <a:fontRef idx="minor"/>
-      </dsp:style>
-    </dsp:sp>
-    <dsp:sp modelId="{0F39A272-D989-4FB1-A1D6-67EB31ED0A19}">
-      <dsp:nvSpPr>
-        <dsp:cNvPr id="0" name=""/>
-        <dsp:cNvSpPr/>
-      </dsp:nvSpPr>
-      <dsp:spPr>
-        <a:xfrm>
-          <a:off x="1062224" y="2642216"/>
-          <a:ext cx="91440" cy="186476"/>
-        </a:xfrm>
-        <a:custGeom>
-          <a:avLst/>
-          <a:gdLst/>
-          <a:ahLst/>
-          <a:cxnLst/>
-          <a:rect l="0" t="0" r="0" b="0"/>
-          <a:pathLst>
-            <a:path>
-              <a:moveTo>
-                <a:pt x="45720" y="0"/>
-              </a:moveTo>
-              <a:lnTo>
-                <a:pt x="45720" y="186476"/>
-              </a:lnTo>
-            </a:path>
-          </a:pathLst>
-        </a:custGeom>
-        <a:noFill/>
-        <a:ln w="12700" cap="flat" cmpd="sng" algn="ctr">
-          <a:solidFill>
-            <a:schemeClr val="accent1">
-              <a:shade val="80000"/>
-              <a:hueOff val="0"/>
-              <a:satOff val="0"/>
-              <a:lumOff val="0"/>
-              <a:alphaOff val="0"/>
-            </a:schemeClr>
-          </a:solidFill>
-          <a:prstDash val="solid"/>
-          <a:miter lim="800000"/>
-        </a:ln>
-        <a:effectLst/>
-      </dsp:spPr>
-      <dsp:style>
-        <a:lnRef idx="2">
-          <a:scrgbClr r="0" g="0" b="0"/>
-        </a:lnRef>
-        <a:fillRef idx="0">
-          <a:scrgbClr r="0" g="0" b="0"/>
-        </a:fillRef>
-        <a:effectRef idx="0">
-          <a:scrgbClr r="0" g="0" b="0"/>
-        </a:effectRef>
-        <a:fontRef idx="minor"/>
-      </dsp:style>
-    </dsp:sp>
-    <dsp:sp modelId="{D531DDB3-DA1D-4704-95CB-F45A38B2C488}">
-      <dsp:nvSpPr>
-        <dsp:cNvPr id="0" name=""/>
-        <dsp:cNvSpPr/>
-      </dsp:nvSpPr>
-      <dsp:spPr>
-        <a:xfrm>
-          <a:off x="716112" y="2048590"/>
-          <a:ext cx="391831" cy="186476"/>
-        </a:xfrm>
-        <a:custGeom>
-          <a:avLst/>
-          <a:gdLst/>
-          <a:ahLst/>
-          <a:cxnLst/>
-          <a:rect l="0" t="0" r="0" b="0"/>
-          <a:pathLst>
-            <a:path>
-              <a:moveTo>
-                <a:pt x="0" y="0"/>
-              </a:moveTo>
-              <a:lnTo>
-                <a:pt x="0" y="127078"/>
-              </a:lnTo>
-              <a:lnTo>
-                <a:pt x="391831" y="127078"/>
-              </a:lnTo>
-              <a:lnTo>
-                <a:pt x="391831" y="186476"/>
-              </a:lnTo>
-            </a:path>
-          </a:pathLst>
-        </a:custGeom>
-        <a:noFill/>
-        <a:ln w="12700" cap="flat" cmpd="sng" algn="ctr">
-          <a:solidFill>
-            <a:schemeClr val="accent1">
-              <a:shade val="80000"/>
-              <a:hueOff val="0"/>
-              <a:satOff val="0"/>
-              <a:lumOff val="0"/>
-              <a:alphaOff val="0"/>
-            </a:schemeClr>
-          </a:solidFill>
-          <a:prstDash val="solid"/>
-          <a:miter lim="800000"/>
-        </a:ln>
-        <a:effectLst/>
-      </dsp:spPr>
-      <dsp:style>
-        <a:lnRef idx="2">
-          <a:scrgbClr r="0" g="0" b="0"/>
-        </a:lnRef>
-        <a:fillRef idx="0">
-          <a:scrgbClr r="0" g="0" b="0"/>
-        </a:fillRef>
-        <a:effectRef idx="0">
-          <a:scrgbClr r="0" g="0" b="0"/>
-        </a:effectRef>
-        <a:fontRef idx="minor"/>
-      </dsp:style>
-    </dsp:sp>
-    <dsp:sp modelId="{1CDF7785-F7C6-4A54-BC0D-06D2FE58E0FF}">
-      <dsp:nvSpPr>
-        <dsp:cNvPr id="0" name=""/>
-        <dsp:cNvSpPr/>
-      </dsp:nvSpPr>
-      <dsp:spPr>
-        <a:xfrm>
-          <a:off x="324280" y="2048590"/>
-          <a:ext cx="391831" cy="186476"/>
-        </a:xfrm>
-        <a:custGeom>
-          <a:avLst/>
-          <a:gdLst/>
-          <a:ahLst/>
-          <a:cxnLst/>
-          <a:rect l="0" t="0" r="0" b="0"/>
-          <a:pathLst>
-            <a:path>
-              <a:moveTo>
-                <a:pt x="391831" y="0"/>
-              </a:moveTo>
-              <a:lnTo>
-                <a:pt x="391831" y="127078"/>
-              </a:lnTo>
-              <a:lnTo>
-                <a:pt x="0" y="127078"/>
-              </a:lnTo>
-              <a:lnTo>
-                <a:pt x="0" y="186476"/>
-              </a:lnTo>
-            </a:path>
-          </a:pathLst>
-        </a:custGeom>
-        <a:noFill/>
-        <a:ln w="12700" cap="flat" cmpd="sng" algn="ctr">
-          <a:solidFill>
-            <a:schemeClr val="accent1">
-              <a:shade val="80000"/>
-              <a:hueOff val="0"/>
-              <a:satOff val="0"/>
-              <a:lumOff val="0"/>
-              <a:alphaOff val="0"/>
-            </a:schemeClr>
-          </a:solidFill>
-          <a:prstDash val="solid"/>
-          <a:miter lim="800000"/>
-        </a:ln>
-        <a:effectLst/>
-      </dsp:spPr>
-      <dsp:style>
-        <a:lnRef idx="2">
-          <a:scrgbClr r="0" g="0" b="0"/>
-        </a:lnRef>
-        <a:fillRef idx="0">
-          <a:scrgbClr r="0" g="0" b="0"/>
-        </a:fillRef>
-        <a:effectRef idx="0">
-          <a:scrgbClr r="0" g="0" b="0"/>
-        </a:effectRef>
-        <a:fontRef idx="minor"/>
-      </dsp:style>
-    </dsp:sp>
-    <dsp:sp modelId="{5327C8D4-D657-41D7-9D0E-DC09DB9D5418}">
-      <dsp:nvSpPr>
-        <dsp:cNvPr id="0" name=""/>
-        <dsp:cNvSpPr/>
-      </dsp:nvSpPr>
-      <dsp:spPr>
-        <a:xfrm>
-          <a:off x="716112" y="1454965"/>
-          <a:ext cx="4114234" cy="186476"/>
-        </a:xfrm>
-        <a:custGeom>
-          <a:avLst/>
-          <a:gdLst/>
-          <a:ahLst/>
-          <a:cxnLst/>
-          <a:rect l="0" t="0" r="0" b="0"/>
-          <a:pathLst>
-            <a:path>
-              <a:moveTo>
-                <a:pt x="4114234" y="0"/>
-              </a:moveTo>
-              <a:lnTo>
-                <a:pt x="4114234" y="127078"/>
-              </a:lnTo>
-              <a:lnTo>
-                <a:pt x="0" y="127078"/>
-              </a:lnTo>
-              <a:lnTo>
-                <a:pt x="0" y="186476"/>
-              </a:lnTo>
-            </a:path>
-          </a:pathLst>
-        </a:custGeom>
-        <a:noFill/>
-        <a:ln w="12700" cap="flat" cmpd="sng" algn="ctr">
-          <a:solidFill>
-            <a:schemeClr val="accent1">
-              <a:shade val="60000"/>
-              <a:hueOff val="0"/>
-              <a:satOff val="0"/>
-              <a:lumOff val="0"/>
-              <a:alphaOff val="0"/>
-            </a:schemeClr>
-          </a:solidFill>
-          <a:prstDash val="solid"/>
-          <a:miter lim="800000"/>
-        </a:ln>
-        <a:effectLst/>
-      </dsp:spPr>
-      <dsp:style>
-        <a:lnRef idx="2">
-          <a:scrgbClr r="0" g="0" b="0"/>
-        </a:lnRef>
-        <a:fillRef idx="0">
-          <a:scrgbClr r="0" g="0" b="0"/>
-        </a:fillRef>
-        <a:effectRef idx="0">
-          <a:scrgbClr r="0" g="0" b="0"/>
-        </a:effectRef>
-        <a:fontRef idx="minor"/>
-      </dsp:style>
-    </dsp:sp>
-    <dsp:sp modelId="{68F7341E-F40D-4164-94D6-05A214FAA96A}">
-      <dsp:nvSpPr>
-        <dsp:cNvPr id="0" name=""/>
-        <dsp:cNvSpPr/>
-      </dsp:nvSpPr>
-      <dsp:spPr>
-        <a:xfrm>
-          <a:off x="4509757" y="1047816"/>
-          <a:ext cx="641179" cy="407148"/>
+          <a:off x="4557348" y="1119915"/>
+          <a:ext cx="609088" cy="406058"/>
         </a:xfrm>
         <a:prstGeom prst="roundRect">
           <a:avLst>
@@ -10656,57 +9016,6 @@
           <a:schemeClr val="lt1"/>
         </a:fontRef>
       </dsp:style>
-    </dsp:sp>
-    <dsp:sp modelId="{4E413285-3F31-467C-8899-0E0F89A9DA8E}">
-      <dsp:nvSpPr>
-        <dsp:cNvPr id="0" name=""/>
-        <dsp:cNvSpPr/>
-      </dsp:nvSpPr>
-      <dsp:spPr>
-        <a:xfrm>
-          <a:off x="4580999" y="1115496"/>
-          <a:ext cx="641179" cy="407148"/>
-        </a:xfrm>
-        <a:prstGeom prst="roundRect">
-          <a:avLst>
-            <a:gd name="adj" fmla="val 10000"/>
-          </a:avLst>
-        </a:prstGeom>
-        <a:solidFill>
-          <a:schemeClr val="lt1">
-            <a:alpha val="90000"/>
-            <a:hueOff val="0"/>
-            <a:satOff val="0"/>
-            <a:lumOff val="0"/>
-            <a:alphaOff val="0"/>
-          </a:schemeClr>
-        </a:solidFill>
-        <a:ln w="12700" cap="flat" cmpd="sng" algn="ctr">
-          <a:solidFill>
-            <a:schemeClr val="accent1">
-              <a:hueOff val="0"/>
-              <a:satOff val="0"/>
-              <a:lumOff val="0"/>
-              <a:alphaOff val="0"/>
-            </a:schemeClr>
-          </a:solidFill>
-          <a:prstDash val="solid"/>
-          <a:miter lim="800000"/>
-        </a:ln>
-        <a:effectLst/>
-      </dsp:spPr>
-      <dsp:style>
-        <a:lnRef idx="2">
-          <a:scrgbClr r="0" g="0" b="0"/>
-        </a:lnRef>
-        <a:fillRef idx="1">
-          <a:scrgbClr r="0" g="0" b="0"/>
-        </a:fillRef>
-        <a:effectRef idx="0">
-          <a:scrgbClr r="0" g="0" b="0"/>
-        </a:effectRef>
-        <a:fontRef idx="minor"/>
-      </dsp:style>
       <dsp:txBody>
         <a:bodyPr spcFirstLastPara="0" vert="horz" wrap="square" lIns="22860" tIns="22860" rIns="22860" bIns="22860" numCol="1" spcCol="1270" anchor="ctr" anchorCtr="0">
           <a:noAutofit/>
@@ -10731,19 +9040,81 @@
         </a:p>
       </dsp:txBody>
       <dsp:txXfrm>
-        <a:off x="4592924" y="1127421"/>
-        <a:ext cx="617329" cy="383298"/>
+        <a:off x="4569241" y="1131808"/>
+        <a:ext cx="585302" cy="382272"/>
       </dsp:txXfrm>
     </dsp:sp>
-    <dsp:sp modelId="{59647FD9-A0C9-4730-8A1F-316B6BCF92AA}">
+    <dsp:sp modelId="{0A0B9721-61E0-4DCB-A8A5-80C85F8DF7A9}">
       <dsp:nvSpPr>
         <dsp:cNvPr id="0" name=""/>
         <dsp:cNvSpPr/>
       </dsp:nvSpPr>
       <dsp:spPr>
         <a:xfrm>
-          <a:off x="395522" y="1641441"/>
-          <a:ext cx="641179" cy="407148"/>
+          <a:off x="704864" y="1525974"/>
+          <a:ext cx="4157028" cy="162423"/>
+        </a:xfrm>
+        <a:custGeom>
+          <a:avLst/>
+          <a:gdLst/>
+          <a:ahLst/>
+          <a:cxnLst/>
+          <a:rect l="0" t="0" r="0" b="0"/>
+          <a:pathLst>
+            <a:path>
+              <a:moveTo>
+                <a:pt x="4157028" y="0"/>
+              </a:moveTo>
+              <a:lnTo>
+                <a:pt x="4157028" y="81211"/>
+              </a:lnTo>
+              <a:lnTo>
+                <a:pt x="0" y="81211"/>
+              </a:lnTo>
+              <a:lnTo>
+                <a:pt x="0" y="162423"/>
+              </a:lnTo>
+            </a:path>
+          </a:pathLst>
+        </a:custGeom>
+        <a:noFill/>
+        <a:ln w="12700" cap="flat" cmpd="sng" algn="ctr">
+          <a:solidFill>
+            <a:schemeClr val="accent1">
+              <a:shade val="60000"/>
+              <a:hueOff val="0"/>
+              <a:satOff val="0"/>
+              <a:lumOff val="0"/>
+              <a:alphaOff val="0"/>
+            </a:schemeClr>
+          </a:solidFill>
+          <a:prstDash val="solid"/>
+          <a:miter lim="800000"/>
+        </a:ln>
+        <a:effectLst/>
+      </dsp:spPr>
+      <dsp:style>
+        <a:lnRef idx="2">
+          <a:scrgbClr r="0" g="0" b="0"/>
+        </a:lnRef>
+        <a:fillRef idx="0">
+          <a:scrgbClr r="0" g="0" b="0"/>
+        </a:fillRef>
+        <a:effectRef idx="0">
+          <a:scrgbClr r="0" g="0" b="0"/>
+        </a:effectRef>
+        <a:fontRef idx="minor"/>
+      </dsp:style>
+    </dsp:sp>
+    <dsp:sp modelId="{1EB27D24-91A7-40AC-B1D1-4D3C944BBD3D}">
+      <dsp:nvSpPr>
+        <dsp:cNvPr id="0" name=""/>
+        <dsp:cNvSpPr/>
+      </dsp:nvSpPr>
+      <dsp:spPr>
+        <a:xfrm>
+          <a:off x="400319" y="1688398"/>
+          <a:ext cx="609088" cy="406058"/>
         </a:xfrm>
         <a:prstGeom prst="roundRect">
           <a:avLst>
@@ -10786,57 +9157,6 @@
           <a:schemeClr val="lt1"/>
         </a:fontRef>
       </dsp:style>
-    </dsp:sp>
-    <dsp:sp modelId="{7A8F210D-9538-40D0-BC37-94C3D4A55686}">
-      <dsp:nvSpPr>
-        <dsp:cNvPr id="0" name=""/>
-        <dsp:cNvSpPr/>
-      </dsp:nvSpPr>
-      <dsp:spPr>
-        <a:xfrm>
-          <a:off x="466764" y="1709121"/>
-          <a:ext cx="641179" cy="407148"/>
-        </a:xfrm>
-        <a:prstGeom prst="roundRect">
-          <a:avLst>
-            <a:gd name="adj" fmla="val 10000"/>
-          </a:avLst>
-        </a:prstGeom>
-        <a:solidFill>
-          <a:schemeClr val="lt1">
-            <a:alpha val="90000"/>
-            <a:hueOff val="0"/>
-            <a:satOff val="0"/>
-            <a:lumOff val="0"/>
-            <a:alphaOff val="0"/>
-          </a:schemeClr>
-        </a:solidFill>
-        <a:ln w="12700" cap="flat" cmpd="sng" algn="ctr">
-          <a:solidFill>
-            <a:schemeClr val="accent1">
-              <a:hueOff val="0"/>
-              <a:satOff val="0"/>
-              <a:lumOff val="0"/>
-              <a:alphaOff val="0"/>
-            </a:schemeClr>
-          </a:solidFill>
-          <a:prstDash val="solid"/>
-          <a:miter lim="800000"/>
-        </a:ln>
-        <a:effectLst/>
-      </dsp:spPr>
-      <dsp:style>
-        <a:lnRef idx="2">
-          <a:scrgbClr r="0" g="0" b="0"/>
-        </a:lnRef>
-        <a:fillRef idx="1">
-          <a:scrgbClr r="0" g="0" b="0"/>
-        </a:fillRef>
-        <a:effectRef idx="0">
-          <a:scrgbClr r="0" g="0" b="0"/>
-        </a:effectRef>
-        <a:fontRef idx="minor"/>
-      </dsp:style>
       <dsp:txBody>
         <a:bodyPr spcFirstLastPara="0" vert="horz" wrap="square" lIns="22860" tIns="22860" rIns="22860" bIns="22860" numCol="1" spcCol="1270" anchor="ctr" anchorCtr="0">
           <a:noAutofit/>
@@ -10861,19 +9181,81 @@
         </a:p>
       </dsp:txBody>
       <dsp:txXfrm>
-        <a:off x="478689" y="1721046"/>
-        <a:ext cx="617329" cy="383298"/>
+        <a:off x="412212" y="1700291"/>
+        <a:ext cx="585302" cy="382272"/>
       </dsp:txXfrm>
     </dsp:sp>
-    <dsp:sp modelId="{9E7604FC-C5A1-4C9C-BA82-444098FC5D8B}">
+    <dsp:sp modelId="{03457F5B-1CD9-437C-8E33-3CA3EE1B6B90}">
       <dsp:nvSpPr>
         <dsp:cNvPr id="0" name=""/>
         <dsp:cNvSpPr/>
       </dsp:nvSpPr>
       <dsp:spPr>
         <a:xfrm>
-          <a:off x="3690" y="2235067"/>
-          <a:ext cx="641179" cy="407148"/>
+          <a:off x="308956" y="2094457"/>
+          <a:ext cx="395907" cy="162423"/>
+        </a:xfrm>
+        <a:custGeom>
+          <a:avLst/>
+          <a:gdLst/>
+          <a:ahLst/>
+          <a:cxnLst/>
+          <a:rect l="0" t="0" r="0" b="0"/>
+          <a:pathLst>
+            <a:path>
+              <a:moveTo>
+                <a:pt x="395907" y="0"/>
+              </a:moveTo>
+              <a:lnTo>
+                <a:pt x="395907" y="81211"/>
+              </a:lnTo>
+              <a:lnTo>
+                <a:pt x="0" y="81211"/>
+              </a:lnTo>
+              <a:lnTo>
+                <a:pt x="0" y="162423"/>
+              </a:lnTo>
+            </a:path>
+          </a:pathLst>
+        </a:custGeom>
+        <a:noFill/>
+        <a:ln w="12700" cap="flat" cmpd="sng" algn="ctr">
+          <a:solidFill>
+            <a:schemeClr val="accent1">
+              <a:shade val="80000"/>
+              <a:hueOff val="0"/>
+              <a:satOff val="0"/>
+              <a:lumOff val="0"/>
+              <a:alphaOff val="0"/>
+            </a:schemeClr>
+          </a:solidFill>
+          <a:prstDash val="solid"/>
+          <a:miter lim="800000"/>
+        </a:ln>
+        <a:effectLst/>
+      </dsp:spPr>
+      <dsp:style>
+        <a:lnRef idx="2">
+          <a:scrgbClr r="0" g="0" b="0"/>
+        </a:lnRef>
+        <a:fillRef idx="0">
+          <a:scrgbClr r="0" g="0" b="0"/>
+        </a:fillRef>
+        <a:effectRef idx="0">
+          <a:scrgbClr r="0" g="0" b="0"/>
+        </a:effectRef>
+        <a:fontRef idx="minor"/>
+      </dsp:style>
+    </dsp:sp>
+    <dsp:sp modelId="{84329A73-76C0-4AA6-A3C0-F22672D6CED2}">
+      <dsp:nvSpPr>
+        <dsp:cNvPr id="0" name=""/>
+        <dsp:cNvSpPr/>
+      </dsp:nvSpPr>
+      <dsp:spPr>
+        <a:xfrm>
+          <a:off x="4412" y="2256880"/>
+          <a:ext cx="609088" cy="406058"/>
         </a:xfrm>
         <a:prstGeom prst="roundRect">
           <a:avLst>
@@ -10916,57 +9298,6 @@
           <a:schemeClr val="lt1"/>
         </a:fontRef>
       </dsp:style>
-    </dsp:sp>
-    <dsp:sp modelId="{38580B1E-15FB-4C69-962E-03DC1CFBA672}">
-      <dsp:nvSpPr>
-        <dsp:cNvPr id="0" name=""/>
-        <dsp:cNvSpPr/>
-      </dsp:nvSpPr>
-      <dsp:spPr>
-        <a:xfrm>
-          <a:off x="74932" y="2302747"/>
-          <a:ext cx="641179" cy="407148"/>
-        </a:xfrm>
-        <a:prstGeom prst="roundRect">
-          <a:avLst>
-            <a:gd name="adj" fmla="val 10000"/>
-          </a:avLst>
-        </a:prstGeom>
-        <a:solidFill>
-          <a:schemeClr val="lt1">
-            <a:alpha val="90000"/>
-            <a:hueOff val="0"/>
-            <a:satOff val="0"/>
-            <a:lumOff val="0"/>
-            <a:alphaOff val="0"/>
-          </a:schemeClr>
-        </a:solidFill>
-        <a:ln w="12700" cap="flat" cmpd="sng" algn="ctr">
-          <a:solidFill>
-            <a:schemeClr val="accent1">
-              <a:hueOff val="0"/>
-              <a:satOff val="0"/>
-              <a:lumOff val="0"/>
-              <a:alphaOff val="0"/>
-            </a:schemeClr>
-          </a:solidFill>
-          <a:prstDash val="solid"/>
-          <a:miter lim="800000"/>
-        </a:ln>
-        <a:effectLst/>
-      </dsp:spPr>
-      <dsp:style>
-        <a:lnRef idx="2">
-          <a:scrgbClr r="0" g="0" b="0"/>
-        </a:lnRef>
-        <a:fillRef idx="1">
-          <a:scrgbClr r="0" g="0" b="0"/>
-        </a:fillRef>
-        <a:effectRef idx="0">
-          <a:scrgbClr r="0" g="0" b="0"/>
-        </a:effectRef>
-        <a:fontRef idx="minor"/>
-      </dsp:style>
       <dsp:txBody>
         <a:bodyPr spcFirstLastPara="0" vert="horz" wrap="square" lIns="22860" tIns="22860" rIns="22860" bIns="22860" numCol="1" spcCol="1270" anchor="ctr" anchorCtr="0">
           <a:noAutofit/>
@@ -10991,19 +9322,81 @@
         </a:p>
       </dsp:txBody>
       <dsp:txXfrm>
-        <a:off x="86857" y="2314672"/>
-        <a:ext cx="617329" cy="383298"/>
+        <a:off x="16305" y="2268773"/>
+        <a:ext cx="585302" cy="382272"/>
       </dsp:txXfrm>
     </dsp:sp>
-    <dsp:sp modelId="{29746384-5EF8-439F-A31E-ECD3DDFCA18F}">
+    <dsp:sp modelId="{C694AC81-B733-4129-9E19-0FDA75524BB4}">
       <dsp:nvSpPr>
         <dsp:cNvPr id="0" name=""/>
         <dsp:cNvSpPr/>
       </dsp:nvSpPr>
       <dsp:spPr>
         <a:xfrm>
-          <a:off x="787354" y="2235067"/>
-          <a:ext cx="641179" cy="407148"/>
+          <a:off x="704864" y="2094457"/>
+          <a:ext cx="395907" cy="162423"/>
+        </a:xfrm>
+        <a:custGeom>
+          <a:avLst/>
+          <a:gdLst/>
+          <a:ahLst/>
+          <a:cxnLst/>
+          <a:rect l="0" t="0" r="0" b="0"/>
+          <a:pathLst>
+            <a:path>
+              <a:moveTo>
+                <a:pt x="0" y="0"/>
+              </a:moveTo>
+              <a:lnTo>
+                <a:pt x="0" y="81211"/>
+              </a:lnTo>
+              <a:lnTo>
+                <a:pt x="395907" y="81211"/>
+              </a:lnTo>
+              <a:lnTo>
+                <a:pt x="395907" y="162423"/>
+              </a:lnTo>
+            </a:path>
+          </a:pathLst>
+        </a:custGeom>
+        <a:noFill/>
+        <a:ln w="12700" cap="flat" cmpd="sng" algn="ctr">
+          <a:solidFill>
+            <a:schemeClr val="accent1">
+              <a:shade val="80000"/>
+              <a:hueOff val="0"/>
+              <a:satOff val="0"/>
+              <a:lumOff val="0"/>
+              <a:alphaOff val="0"/>
+            </a:schemeClr>
+          </a:solidFill>
+          <a:prstDash val="solid"/>
+          <a:miter lim="800000"/>
+        </a:ln>
+        <a:effectLst/>
+      </dsp:spPr>
+      <dsp:style>
+        <a:lnRef idx="2">
+          <a:scrgbClr r="0" g="0" b="0"/>
+        </a:lnRef>
+        <a:fillRef idx="0">
+          <a:scrgbClr r="0" g="0" b="0"/>
+        </a:fillRef>
+        <a:effectRef idx="0">
+          <a:scrgbClr r="0" g="0" b="0"/>
+        </a:effectRef>
+        <a:fontRef idx="minor"/>
+      </dsp:style>
+    </dsp:sp>
+    <dsp:sp modelId="{FF4D5B63-92A9-4AED-84F3-80B999B27E64}">
+      <dsp:nvSpPr>
+        <dsp:cNvPr id="0" name=""/>
+        <dsp:cNvSpPr/>
+      </dsp:nvSpPr>
+      <dsp:spPr>
+        <a:xfrm>
+          <a:off x="796227" y="2256880"/>
+          <a:ext cx="609088" cy="406058"/>
         </a:xfrm>
         <a:prstGeom prst="roundRect">
           <a:avLst>
@@ -11046,57 +9439,6 @@
           <a:schemeClr val="lt1"/>
         </a:fontRef>
       </dsp:style>
-    </dsp:sp>
-    <dsp:sp modelId="{A90011EA-7EFB-4866-8BBD-47BCA30719FB}">
-      <dsp:nvSpPr>
-        <dsp:cNvPr id="0" name=""/>
-        <dsp:cNvSpPr/>
-      </dsp:nvSpPr>
-      <dsp:spPr>
-        <a:xfrm>
-          <a:off x="858596" y="2302747"/>
-          <a:ext cx="641179" cy="407148"/>
-        </a:xfrm>
-        <a:prstGeom prst="roundRect">
-          <a:avLst>
-            <a:gd name="adj" fmla="val 10000"/>
-          </a:avLst>
-        </a:prstGeom>
-        <a:solidFill>
-          <a:schemeClr val="lt1">
-            <a:alpha val="90000"/>
-            <a:hueOff val="0"/>
-            <a:satOff val="0"/>
-            <a:lumOff val="0"/>
-            <a:alphaOff val="0"/>
-          </a:schemeClr>
-        </a:solidFill>
-        <a:ln w="12700" cap="flat" cmpd="sng" algn="ctr">
-          <a:solidFill>
-            <a:schemeClr val="accent1">
-              <a:hueOff val="0"/>
-              <a:satOff val="0"/>
-              <a:lumOff val="0"/>
-              <a:alphaOff val="0"/>
-            </a:schemeClr>
-          </a:solidFill>
-          <a:prstDash val="solid"/>
-          <a:miter lim="800000"/>
-        </a:ln>
-        <a:effectLst/>
-      </dsp:spPr>
-      <dsp:style>
-        <a:lnRef idx="2">
-          <a:scrgbClr r="0" g="0" b="0"/>
-        </a:lnRef>
-        <a:fillRef idx="1">
-          <a:scrgbClr r="0" g="0" b="0"/>
-        </a:fillRef>
-        <a:effectRef idx="0">
-          <a:scrgbClr r="0" g="0" b="0"/>
-        </a:effectRef>
-        <a:fontRef idx="minor"/>
-      </dsp:style>
       <dsp:txBody>
         <a:bodyPr spcFirstLastPara="0" vert="horz" wrap="square" lIns="22860" tIns="22860" rIns="22860" bIns="22860" numCol="1" spcCol="1270" anchor="ctr" anchorCtr="0">
           <a:noAutofit/>
@@ -11121,19 +9463,75 @@
         </a:p>
       </dsp:txBody>
       <dsp:txXfrm>
-        <a:off x="870521" y="2314672"/>
-        <a:ext cx="617329" cy="383298"/>
+        <a:off x="808120" y="2268773"/>
+        <a:ext cx="585302" cy="382272"/>
       </dsp:txXfrm>
     </dsp:sp>
-    <dsp:sp modelId="{E5F4F968-4902-48AE-876D-9E0F4DC49116}">
+    <dsp:sp modelId="{A1EA0B67-E795-4897-81C3-84B2BA8F22C3}">
       <dsp:nvSpPr>
         <dsp:cNvPr id="0" name=""/>
         <dsp:cNvSpPr/>
       </dsp:nvSpPr>
       <dsp:spPr>
         <a:xfrm>
-          <a:off x="787354" y="2828692"/>
-          <a:ext cx="641179" cy="407148"/>
+          <a:off x="1055051" y="2662939"/>
+          <a:ext cx="91440" cy="162423"/>
+        </a:xfrm>
+        <a:custGeom>
+          <a:avLst/>
+          <a:gdLst/>
+          <a:ahLst/>
+          <a:cxnLst/>
+          <a:rect l="0" t="0" r="0" b="0"/>
+          <a:pathLst>
+            <a:path>
+              <a:moveTo>
+                <a:pt x="45720" y="0"/>
+              </a:moveTo>
+              <a:lnTo>
+                <a:pt x="45720" y="162423"/>
+              </a:lnTo>
+            </a:path>
+          </a:pathLst>
+        </a:custGeom>
+        <a:noFill/>
+        <a:ln w="12700" cap="flat" cmpd="sng" algn="ctr">
+          <a:solidFill>
+            <a:schemeClr val="accent1">
+              <a:shade val="80000"/>
+              <a:hueOff val="0"/>
+              <a:satOff val="0"/>
+              <a:lumOff val="0"/>
+              <a:alphaOff val="0"/>
+            </a:schemeClr>
+          </a:solidFill>
+          <a:prstDash val="solid"/>
+          <a:miter lim="800000"/>
+        </a:ln>
+        <a:effectLst/>
+      </dsp:spPr>
+      <dsp:style>
+        <a:lnRef idx="2">
+          <a:scrgbClr r="0" g="0" b="0"/>
+        </a:lnRef>
+        <a:fillRef idx="0">
+          <a:scrgbClr r="0" g="0" b="0"/>
+        </a:fillRef>
+        <a:effectRef idx="0">
+          <a:scrgbClr r="0" g="0" b="0"/>
+        </a:effectRef>
+        <a:fontRef idx="minor"/>
+      </dsp:style>
+    </dsp:sp>
+    <dsp:sp modelId="{FC561924-EA86-4711-99AB-F7D489E68226}">
+      <dsp:nvSpPr>
+        <dsp:cNvPr id="0" name=""/>
+        <dsp:cNvSpPr/>
+      </dsp:nvSpPr>
+      <dsp:spPr>
+        <a:xfrm>
+          <a:off x="796227" y="2825363"/>
+          <a:ext cx="609088" cy="406058"/>
         </a:xfrm>
         <a:prstGeom prst="roundRect">
           <a:avLst>
@@ -11176,57 +9574,6 @@
           <a:schemeClr val="lt1"/>
         </a:fontRef>
       </dsp:style>
-    </dsp:sp>
-    <dsp:sp modelId="{4A7455EC-ACDE-4967-AE95-F407E738DA74}">
-      <dsp:nvSpPr>
-        <dsp:cNvPr id="0" name=""/>
-        <dsp:cNvSpPr/>
-      </dsp:nvSpPr>
-      <dsp:spPr>
-        <a:xfrm>
-          <a:off x="858596" y="2896372"/>
-          <a:ext cx="641179" cy="407148"/>
-        </a:xfrm>
-        <a:prstGeom prst="roundRect">
-          <a:avLst>
-            <a:gd name="adj" fmla="val 10000"/>
-          </a:avLst>
-        </a:prstGeom>
-        <a:solidFill>
-          <a:schemeClr val="lt1">
-            <a:alpha val="90000"/>
-            <a:hueOff val="0"/>
-            <a:satOff val="0"/>
-            <a:lumOff val="0"/>
-            <a:alphaOff val="0"/>
-          </a:schemeClr>
-        </a:solidFill>
-        <a:ln w="12700" cap="flat" cmpd="sng" algn="ctr">
-          <a:solidFill>
-            <a:schemeClr val="accent1">
-              <a:hueOff val="0"/>
-              <a:satOff val="0"/>
-              <a:lumOff val="0"/>
-              <a:alphaOff val="0"/>
-            </a:schemeClr>
-          </a:solidFill>
-          <a:prstDash val="solid"/>
-          <a:miter lim="800000"/>
-        </a:ln>
-        <a:effectLst/>
-      </dsp:spPr>
-      <dsp:style>
-        <a:lnRef idx="2">
-          <a:scrgbClr r="0" g="0" b="0"/>
-        </a:lnRef>
-        <a:fillRef idx="1">
-          <a:scrgbClr r="0" g="0" b="0"/>
-        </a:fillRef>
-        <a:effectRef idx="0">
-          <a:scrgbClr r="0" g="0" b="0"/>
-        </a:effectRef>
-        <a:fontRef idx="minor"/>
-      </dsp:style>
       <dsp:txBody>
         <a:bodyPr spcFirstLastPara="0" vert="horz" wrap="square" lIns="22860" tIns="22860" rIns="22860" bIns="22860" numCol="1" spcCol="1270" anchor="ctr" anchorCtr="0">
           <a:noAutofit/>
@@ -11251,19 +9598,81 @@
         </a:p>
       </dsp:txBody>
       <dsp:txXfrm>
-        <a:off x="870521" y="2908297"/>
-        <a:ext cx="617329" cy="383298"/>
+        <a:off x="808120" y="2837256"/>
+        <a:ext cx="585302" cy="382272"/>
       </dsp:txXfrm>
     </dsp:sp>
-    <dsp:sp modelId="{E8E4C296-654A-494B-8DC4-98F5C2F49A58}">
+    <dsp:sp modelId="{4A05A305-7F73-4010-8359-1EA45A773877}">
       <dsp:nvSpPr>
         <dsp:cNvPr id="0" name=""/>
         <dsp:cNvSpPr/>
       </dsp:nvSpPr>
       <dsp:spPr>
         <a:xfrm>
-          <a:off x="2354681" y="1641441"/>
-          <a:ext cx="641179" cy="407148"/>
+          <a:off x="2684401" y="1525974"/>
+          <a:ext cx="2177491" cy="162423"/>
+        </a:xfrm>
+        <a:custGeom>
+          <a:avLst/>
+          <a:gdLst/>
+          <a:ahLst/>
+          <a:cxnLst/>
+          <a:rect l="0" t="0" r="0" b="0"/>
+          <a:pathLst>
+            <a:path>
+              <a:moveTo>
+                <a:pt x="2177491" y="0"/>
+              </a:moveTo>
+              <a:lnTo>
+                <a:pt x="2177491" y="81211"/>
+              </a:lnTo>
+              <a:lnTo>
+                <a:pt x="0" y="81211"/>
+              </a:lnTo>
+              <a:lnTo>
+                <a:pt x="0" y="162423"/>
+              </a:lnTo>
+            </a:path>
+          </a:pathLst>
+        </a:custGeom>
+        <a:noFill/>
+        <a:ln w="12700" cap="flat" cmpd="sng" algn="ctr">
+          <a:solidFill>
+            <a:schemeClr val="accent1">
+              <a:shade val="60000"/>
+              <a:hueOff val="0"/>
+              <a:satOff val="0"/>
+              <a:lumOff val="0"/>
+              <a:alphaOff val="0"/>
+            </a:schemeClr>
+          </a:solidFill>
+          <a:prstDash val="solid"/>
+          <a:miter lim="800000"/>
+        </a:ln>
+        <a:effectLst/>
+      </dsp:spPr>
+      <dsp:style>
+        <a:lnRef idx="2">
+          <a:scrgbClr r="0" g="0" b="0"/>
+        </a:lnRef>
+        <a:fillRef idx="0">
+          <a:scrgbClr r="0" g="0" b="0"/>
+        </a:fillRef>
+        <a:effectRef idx="0">
+          <a:scrgbClr r="0" g="0" b="0"/>
+        </a:effectRef>
+        <a:fontRef idx="minor"/>
+      </dsp:style>
+    </dsp:sp>
+    <dsp:sp modelId="{78EC2BC2-457F-4A16-A863-0501DD3CDFD4}">
+      <dsp:nvSpPr>
+        <dsp:cNvPr id="0" name=""/>
+        <dsp:cNvSpPr/>
+      </dsp:nvSpPr>
+      <dsp:spPr>
+        <a:xfrm>
+          <a:off x="2379857" y="1688398"/>
+          <a:ext cx="609088" cy="406058"/>
         </a:xfrm>
         <a:prstGeom prst="roundRect">
           <a:avLst>
@@ -11306,57 +9715,6 @@
           <a:schemeClr val="lt1"/>
         </a:fontRef>
       </dsp:style>
-    </dsp:sp>
-    <dsp:sp modelId="{93851792-4549-48EC-AC4B-6E93EDD8270D}">
-      <dsp:nvSpPr>
-        <dsp:cNvPr id="0" name=""/>
-        <dsp:cNvSpPr/>
-      </dsp:nvSpPr>
-      <dsp:spPr>
-        <a:xfrm>
-          <a:off x="2425924" y="1709121"/>
-          <a:ext cx="641179" cy="407148"/>
-        </a:xfrm>
-        <a:prstGeom prst="roundRect">
-          <a:avLst>
-            <a:gd name="adj" fmla="val 10000"/>
-          </a:avLst>
-        </a:prstGeom>
-        <a:solidFill>
-          <a:schemeClr val="lt1">
-            <a:alpha val="90000"/>
-            <a:hueOff val="0"/>
-            <a:satOff val="0"/>
-            <a:lumOff val="0"/>
-            <a:alphaOff val="0"/>
-          </a:schemeClr>
-        </a:solidFill>
-        <a:ln w="12700" cap="flat" cmpd="sng" algn="ctr">
-          <a:solidFill>
-            <a:schemeClr val="accent1">
-              <a:hueOff val="0"/>
-              <a:satOff val="0"/>
-              <a:lumOff val="0"/>
-              <a:alphaOff val="0"/>
-            </a:schemeClr>
-          </a:solidFill>
-          <a:prstDash val="solid"/>
-          <a:miter lim="800000"/>
-        </a:ln>
-        <a:effectLst/>
-      </dsp:spPr>
-      <dsp:style>
-        <a:lnRef idx="2">
-          <a:scrgbClr r="0" g="0" b="0"/>
-        </a:lnRef>
-        <a:fillRef idx="1">
-          <a:scrgbClr r="0" g="0" b="0"/>
-        </a:fillRef>
-        <a:effectRef idx="0">
-          <a:scrgbClr r="0" g="0" b="0"/>
-        </a:effectRef>
-        <a:fontRef idx="minor"/>
-      </dsp:style>
       <dsp:txBody>
         <a:bodyPr spcFirstLastPara="0" vert="horz" wrap="square" lIns="22860" tIns="22860" rIns="22860" bIns="22860" numCol="1" spcCol="1270" anchor="ctr" anchorCtr="0">
           <a:noAutofit/>
@@ -11381,19 +9739,81 @@
         </a:p>
       </dsp:txBody>
       <dsp:txXfrm>
-        <a:off x="2437849" y="1721046"/>
-        <a:ext cx="617329" cy="383298"/>
+        <a:off x="2391750" y="1700291"/>
+        <a:ext cx="585302" cy="382272"/>
       </dsp:txXfrm>
     </dsp:sp>
-    <dsp:sp modelId="{52D11D68-CEB4-42C8-BAF9-5136B9491076}">
+    <dsp:sp modelId="{0B52FC43-F757-45E8-949B-0EAD8D7C2096}">
       <dsp:nvSpPr>
         <dsp:cNvPr id="0" name=""/>
         <dsp:cNvSpPr/>
       </dsp:nvSpPr>
       <dsp:spPr>
         <a:xfrm>
-          <a:off x="1962849" y="2235067"/>
-          <a:ext cx="641179" cy="407148"/>
+          <a:off x="2288494" y="2094457"/>
+          <a:ext cx="395907" cy="162423"/>
+        </a:xfrm>
+        <a:custGeom>
+          <a:avLst/>
+          <a:gdLst/>
+          <a:ahLst/>
+          <a:cxnLst/>
+          <a:rect l="0" t="0" r="0" b="0"/>
+          <a:pathLst>
+            <a:path>
+              <a:moveTo>
+                <a:pt x="395907" y="0"/>
+              </a:moveTo>
+              <a:lnTo>
+                <a:pt x="395907" y="81211"/>
+              </a:lnTo>
+              <a:lnTo>
+                <a:pt x="0" y="81211"/>
+              </a:lnTo>
+              <a:lnTo>
+                <a:pt x="0" y="162423"/>
+              </a:lnTo>
+            </a:path>
+          </a:pathLst>
+        </a:custGeom>
+        <a:noFill/>
+        <a:ln w="12700" cap="flat" cmpd="sng" algn="ctr">
+          <a:solidFill>
+            <a:schemeClr val="accent1">
+              <a:shade val="80000"/>
+              <a:hueOff val="0"/>
+              <a:satOff val="0"/>
+              <a:lumOff val="0"/>
+              <a:alphaOff val="0"/>
+            </a:schemeClr>
+          </a:solidFill>
+          <a:prstDash val="solid"/>
+          <a:miter lim="800000"/>
+        </a:ln>
+        <a:effectLst/>
+      </dsp:spPr>
+      <dsp:style>
+        <a:lnRef idx="2">
+          <a:scrgbClr r="0" g="0" b="0"/>
+        </a:lnRef>
+        <a:fillRef idx="0">
+          <a:scrgbClr r="0" g="0" b="0"/>
+        </a:fillRef>
+        <a:effectRef idx="0">
+          <a:scrgbClr r="0" g="0" b="0"/>
+        </a:effectRef>
+        <a:fontRef idx="minor"/>
+      </dsp:style>
+    </dsp:sp>
+    <dsp:sp modelId="{F06B61BC-80BE-4874-AB05-15E620FB0F82}">
+      <dsp:nvSpPr>
+        <dsp:cNvPr id="0" name=""/>
+        <dsp:cNvSpPr/>
+      </dsp:nvSpPr>
+      <dsp:spPr>
+        <a:xfrm>
+          <a:off x="1983949" y="2256880"/>
+          <a:ext cx="609088" cy="406058"/>
         </a:xfrm>
         <a:prstGeom prst="roundRect">
           <a:avLst>
@@ -11436,57 +9856,6 @@
           <a:schemeClr val="lt1"/>
         </a:fontRef>
       </dsp:style>
-    </dsp:sp>
-    <dsp:sp modelId="{1256F279-1A6C-4F76-B74A-C078AD630D88}">
-      <dsp:nvSpPr>
-        <dsp:cNvPr id="0" name=""/>
-        <dsp:cNvSpPr/>
-      </dsp:nvSpPr>
-      <dsp:spPr>
-        <a:xfrm>
-          <a:off x="2034092" y="2302747"/>
-          <a:ext cx="641179" cy="407148"/>
-        </a:xfrm>
-        <a:prstGeom prst="roundRect">
-          <a:avLst>
-            <a:gd name="adj" fmla="val 10000"/>
-          </a:avLst>
-        </a:prstGeom>
-        <a:solidFill>
-          <a:schemeClr val="lt1">
-            <a:alpha val="90000"/>
-            <a:hueOff val="0"/>
-            <a:satOff val="0"/>
-            <a:lumOff val="0"/>
-            <a:alphaOff val="0"/>
-          </a:schemeClr>
-        </a:solidFill>
-        <a:ln w="12700" cap="flat" cmpd="sng" algn="ctr">
-          <a:solidFill>
-            <a:schemeClr val="accent1">
-              <a:hueOff val="0"/>
-              <a:satOff val="0"/>
-              <a:lumOff val="0"/>
-              <a:alphaOff val="0"/>
-            </a:schemeClr>
-          </a:solidFill>
-          <a:prstDash val="solid"/>
-          <a:miter lim="800000"/>
-        </a:ln>
-        <a:effectLst/>
-      </dsp:spPr>
-      <dsp:style>
-        <a:lnRef idx="2">
-          <a:scrgbClr r="0" g="0" b="0"/>
-        </a:lnRef>
-        <a:fillRef idx="1">
-          <a:scrgbClr r="0" g="0" b="0"/>
-        </a:fillRef>
-        <a:effectRef idx="0">
-          <a:scrgbClr r="0" g="0" b="0"/>
-        </a:effectRef>
-        <a:fontRef idx="minor"/>
-      </dsp:style>
       <dsp:txBody>
         <a:bodyPr spcFirstLastPara="0" vert="horz" wrap="square" lIns="22860" tIns="22860" rIns="22860" bIns="22860" numCol="1" spcCol="1270" anchor="ctr" anchorCtr="0">
           <a:noAutofit/>
@@ -11511,19 +9880,81 @@
         </a:p>
       </dsp:txBody>
       <dsp:txXfrm>
-        <a:off x="2046017" y="2314672"/>
-        <a:ext cx="617329" cy="383298"/>
+        <a:off x="1995842" y="2268773"/>
+        <a:ext cx="585302" cy="382272"/>
       </dsp:txXfrm>
     </dsp:sp>
-    <dsp:sp modelId="{2DE76FE8-C457-4805-97E8-D62109F75306}">
+    <dsp:sp modelId="{93903E97-D09F-487C-8617-F28DD6BD6250}">
       <dsp:nvSpPr>
         <dsp:cNvPr id="0" name=""/>
         <dsp:cNvSpPr/>
       </dsp:nvSpPr>
       <dsp:spPr>
         <a:xfrm>
-          <a:off x="1571018" y="2828692"/>
-          <a:ext cx="641179" cy="407148"/>
+          <a:off x="1892586" y="2662939"/>
+          <a:ext cx="395907" cy="162423"/>
+        </a:xfrm>
+        <a:custGeom>
+          <a:avLst/>
+          <a:gdLst/>
+          <a:ahLst/>
+          <a:cxnLst/>
+          <a:rect l="0" t="0" r="0" b="0"/>
+          <a:pathLst>
+            <a:path>
+              <a:moveTo>
+                <a:pt x="395907" y="0"/>
+              </a:moveTo>
+              <a:lnTo>
+                <a:pt x="395907" y="81211"/>
+              </a:lnTo>
+              <a:lnTo>
+                <a:pt x="0" y="81211"/>
+              </a:lnTo>
+              <a:lnTo>
+                <a:pt x="0" y="162423"/>
+              </a:lnTo>
+            </a:path>
+          </a:pathLst>
+        </a:custGeom>
+        <a:noFill/>
+        <a:ln w="12700" cap="flat" cmpd="sng" algn="ctr">
+          <a:solidFill>
+            <a:schemeClr val="accent1">
+              <a:shade val="80000"/>
+              <a:hueOff val="0"/>
+              <a:satOff val="0"/>
+              <a:lumOff val="0"/>
+              <a:alphaOff val="0"/>
+            </a:schemeClr>
+          </a:solidFill>
+          <a:prstDash val="solid"/>
+          <a:miter lim="800000"/>
+        </a:ln>
+        <a:effectLst/>
+      </dsp:spPr>
+      <dsp:style>
+        <a:lnRef idx="2">
+          <a:scrgbClr r="0" g="0" b="0"/>
+        </a:lnRef>
+        <a:fillRef idx="0">
+          <a:scrgbClr r="0" g="0" b="0"/>
+        </a:fillRef>
+        <a:effectRef idx="0">
+          <a:scrgbClr r="0" g="0" b="0"/>
+        </a:effectRef>
+        <a:fontRef idx="minor"/>
+      </dsp:style>
+    </dsp:sp>
+    <dsp:sp modelId="{2D4FBE79-A3EF-4463-90C5-7A73403F0B55}">
+      <dsp:nvSpPr>
+        <dsp:cNvPr id="0" name=""/>
+        <dsp:cNvSpPr/>
+      </dsp:nvSpPr>
+      <dsp:spPr>
+        <a:xfrm>
+          <a:off x="1588042" y="2825363"/>
+          <a:ext cx="609088" cy="406058"/>
         </a:xfrm>
         <a:prstGeom prst="roundRect">
           <a:avLst>
@@ -11566,57 +9997,6 @@
           <a:schemeClr val="lt1"/>
         </a:fontRef>
       </dsp:style>
-    </dsp:sp>
-    <dsp:sp modelId="{3D79B4A5-8C36-4545-9003-A52EABB3631C}">
-      <dsp:nvSpPr>
-        <dsp:cNvPr id="0" name=""/>
-        <dsp:cNvSpPr/>
-      </dsp:nvSpPr>
-      <dsp:spPr>
-        <a:xfrm>
-          <a:off x="1642260" y="2896372"/>
-          <a:ext cx="641179" cy="407148"/>
-        </a:xfrm>
-        <a:prstGeom prst="roundRect">
-          <a:avLst>
-            <a:gd name="adj" fmla="val 10000"/>
-          </a:avLst>
-        </a:prstGeom>
-        <a:solidFill>
-          <a:schemeClr val="lt1">
-            <a:alpha val="90000"/>
-            <a:hueOff val="0"/>
-            <a:satOff val="0"/>
-            <a:lumOff val="0"/>
-            <a:alphaOff val="0"/>
-          </a:schemeClr>
-        </a:solidFill>
-        <a:ln w="12700" cap="flat" cmpd="sng" algn="ctr">
-          <a:solidFill>
-            <a:schemeClr val="accent1">
-              <a:hueOff val="0"/>
-              <a:satOff val="0"/>
-              <a:lumOff val="0"/>
-              <a:alphaOff val="0"/>
-            </a:schemeClr>
-          </a:solidFill>
-          <a:prstDash val="solid"/>
-          <a:miter lim="800000"/>
-        </a:ln>
-        <a:effectLst/>
-      </dsp:spPr>
-      <dsp:style>
-        <a:lnRef idx="2">
-          <a:scrgbClr r="0" g="0" b="0"/>
-        </a:lnRef>
-        <a:fillRef idx="1">
-          <a:scrgbClr r="0" g="0" b="0"/>
-        </a:fillRef>
-        <a:effectRef idx="0">
-          <a:scrgbClr r="0" g="0" b="0"/>
-        </a:effectRef>
-        <a:fontRef idx="minor"/>
-      </dsp:style>
       <dsp:txBody>
         <a:bodyPr spcFirstLastPara="0" vert="horz" wrap="square" lIns="22860" tIns="22860" rIns="22860" bIns="22860" numCol="1" spcCol="1270" anchor="ctr" anchorCtr="0">
           <a:noAutofit/>
@@ -11641,19 +10021,81 @@
         </a:p>
       </dsp:txBody>
       <dsp:txXfrm>
-        <a:off x="1654185" y="2908297"/>
-        <a:ext cx="617329" cy="383298"/>
+        <a:off x="1599935" y="2837256"/>
+        <a:ext cx="585302" cy="382272"/>
       </dsp:txXfrm>
     </dsp:sp>
-    <dsp:sp modelId="{A6B8837F-C4B4-4921-A953-F95F8928F526}">
+    <dsp:sp modelId="{BAF7DF61-CBD6-4812-BBAE-9D45BF9F122D}">
       <dsp:nvSpPr>
         <dsp:cNvPr id="0" name=""/>
         <dsp:cNvSpPr/>
       </dsp:nvSpPr>
       <dsp:spPr>
         <a:xfrm>
-          <a:off x="2354681" y="2828692"/>
-          <a:ext cx="641179" cy="407148"/>
+          <a:off x="2288494" y="2662939"/>
+          <a:ext cx="395907" cy="162423"/>
+        </a:xfrm>
+        <a:custGeom>
+          <a:avLst/>
+          <a:gdLst/>
+          <a:ahLst/>
+          <a:cxnLst/>
+          <a:rect l="0" t="0" r="0" b="0"/>
+          <a:pathLst>
+            <a:path>
+              <a:moveTo>
+                <a:pt x="0" y="0"/>
+              </a:moveTo>
+              <a:lnTo>
+                <a:pt x="0" y="81211"/>
+              </a:lnTo>
+              <a:lnTo>
+                <a:pt x="395907" y="81211"/>
+              </a:lnTo>
+              <a:lnTo>
+                <a:pt x="395907" y="162423"/>
+              </a:lnTo>
+            </a:path>
+          </a:pathLst>
+        </a:custGeom>
+        <a:noFill/>
+        <a:ln w="12700" cap="flat" cmpd="sng" algn="ctr">
+          <a:solidFill>
+            <a:schemeClr val="accent1">
+              <a:shade val="80000"/>
+              <a:hueOff val="0"/>
+              <a:satOff val="0"/>
+              <a:lumOff val="0"/>
+              <a:alphaOff val="0"/>
+            </a:schemeClr>
+          </a:solidFill>
+          <a:prstDash val="solid"/>
+          <a:miter lim="800000"/>
+        </a:ln>
+        <a:effectLst/>
+      </dsp:spPr>
+      <dsp:style>
+        <a:lnRef idx="2">
+          <a:scrgbClr r="0" g="0" b="0"/>
+        </a:lnRef>
+        <a:fillRef idx="0">
+          <a:scrgbClr r="0" g="0" b="0"/>
+        </a:fillRef>
+        <a:effectRef idx="0">
+          <a:scrgbClr r="0" g="0" b="0"/>
+        </a:effectRef>
+        <a:fontRef idx="minor"/>
+      </dsp:style>
+    </dsp:sp>
+    <dsp:sp modelId="{E2A9597E-D1C3-4382-AC91-3040ADEF2195}">
+      <dsp:nvSpPr>
+        <dsp:cNvPr id="0" name=""/>
+        <dsp:cNvSpPr/>
+      </dsp:nvSpPr>
+      <dsp:spPr>
+        <a:xfrm>
+          <a:off x="2379857" y="2825363"/>
+          <a:ext cx="609088" cy="406058"/>
         </a:xfrm>
         <a:prstGeom prst="roundRect">
           <a:avLst>
@@ -11696,57 +10138,6 @@
           <a:schemeClr val="lt1"/>
         </a:fontRef>
       </dsp:style>
-    </dsp:sp>
-    <dsp:sp modelId="{58E8C8B7-6283-40B4-BA71-97BE95AC6F84}">
-      <dsp:nvSpPr>
-        <dsp:cNvPr id="0" name=""/>
-        <dsp:cNvSpPr/>
-      </dsp:nvSpPr>
-      <dsp:spPr>
-        <a:xfrm>
-          <a:off x="2425924" y="2896372"/>
-          <a:ext cx="641179" cy="407148"/>
-        </a:xfrm>
-        <a:prstGeom prst="roundRect">
-          <a:avLst>
-            <a:gd name="adj" fmla="val 10000"/>
-          </a:avLst>
-        </a:prstGeom>
-        <a:solidFill>
-          <a:schemeClr val="lt1">
-            <a:alpha val="90000"/>
-            <a:hueOff val="0"/>
-            <a:satOff val="0"/>
-            <a:lumOff val="0"/>
-            <a:alphaOff val="0"/>
-          </a:schemeClr>
-        </a:solidFill>
-        <a:ln w="12700" cap="flat" cmpd="sng" algn="ctr">
-          <a:solidFill>
-            <a:schemeClr val="accent1">
-              <a:hueOff val="0"/>
-              <a:satOff val="0"/>
-              <a:lumOff val="0"/>
-              <a:alphaOff val="0"/>
-            </a:schemeClr>
-          </a:solidFill>
-          <a:prstDash val="solid"/>
-          <a:miter lim="800000"/>
-        </a:ln>
-        <a:effectLst/>
-      </dsp:spPr>
-      <dsp:style>
-        <a:lnRef idx="2">
-          <a:scrgbClr r="0" g="0" b="0"/>
-        </a:lnRef>
-        <a:fillRef idx="1">
-          <a:scrgbClr r="0" g="0" b="0"/>
-        </a:fillRef>
-        <a:effectRef idx="0">
-          <a:scrgbClr r="0" g="0" b="0"/>
-        </a:effectRef>
-        <a:fontRef idx="minor"/>
-      </dsp:style>
       <dsp:txBody>
         <a:bodyPr spcFirstLastPara="0" vert="horz" wrap="square" lIns="22860" tIns="22860" rIns="22860" bIns="22860" numCol="1" spcCol="1270" anchor="ctr" anchorCtr="0">
           <a:noAutofit/>
@@ -11771,19 +10162,81 @@
         </a:p>
       </dsp:txBody>
       <dsp:txXfrm>
-        <a:off x="2437849" y="2908297"/>
-        <a:ext cx="617329" cy="383298"/>
+        <a:off x="2391750" y="2837256"/>
+        <a:ext cx="585302" cy="382272"/>
       </dsp:txXfrm>
     </dsp:sp>
-    <dsp:sp modelId="{63D1BDD9-EC6E-4506-B9D4-37DC1F7962B6}">
+    <dsp:sp modelId="{D09CD0E6-4F38-4F76-947A-FA38F7454806}">
       <dsp:nvSpPr>
         <dsp:cNvPr id="0" name=""/>
         <dsp:cNvSpPr/>
       </dsp:nvSpPr>
       <dsp:spPr>
         <a:xfrm>
-          <a:off x="2746513" y="2235067"/>
-          <a:ext cx="641179" cy="407148"/>
+          <a:off x="2684401" y="2094457"/>
+          <a:ext cx="395907" cy="162423"/>
+        </a:xfrm>
+        <a:custGeom>
+          <a:avLst/>
+          <a:gdLst/>
+          <a:ahLst/>
+          <a:cxnLst/>
+          <a:rect l="0" t="0" r="0" b="0"/>
+          <a:pathLst>
+            <a:path>
+              <a:moveTo>
+                <a:pt x="0" y="0"/>
+              </a:moveTo>
+              <a:lnTo>
+                <a:pt x="0" y="81211"/>
+              </a:lnTo>
+              <a:lnTo>
+                <a:pt x="395907" y="81211"/>
+              </a:lnTo>
+              <a:lnTo>
+                <a:pt x="395907" y="162423"/>
+              </a:lnTo>
+            </a:path>
+          </a:pathLst>
+        </a:custGeom>
+        <a:noFill/>
+        <a:ln w="12700" cap="flat" cmpd="sng" algn="ctr">
+          <a:solidFill>
+            <a:schemeClr val="accent1">
+              <a:shade val="80000"/>
+              <a:hueOff val="0"/>
+              <a:satOff val="0"/>
+              <a:lumOff val="0"/>
+              <a:alphaOff val="0"/>
+            </a:schemeClr>
+          </a:solidFill>
+          <a:prstDash val="solid"/>
+          <a:miter lim="800000"/>
+        </a:ln>
+        <a:effectLst/>
+      </dsp:spPr>
+      <dsp:style>
+        <a:lnRef idx="2">
+          <a:scrgbClr r="0" g="0" b="0"/>
+        </a:lnRef>
+        <a:fillRef idx="0">
+          <a:scrgbClr r="0" g="0" b="0"/>
+        </a:fillRef>
+        <a:effectRef idx="0">
+          <a:scrgbClr r="0" g="0" b="0"/>
+        </a:effectRef>
+        <a:fontRef idx="minor"/>
+      </dsp:style>
+    </dsp:sp>
+    <dsp:sp modelId="{4A54B0A5-28F7-426A-A644-4DD17AE359FD}">
+      <dsp:nvSpPr>
+        <dsp:cNvPr id="0" name=""/>
+        <dsp:cNvSpPr/>
+      </dsp:nvSpPr>
+      <dsp:spPr>
+        <a:xfrm>
+          <a:off x="2775764" y="2256880"/>
+          <a:ext cx="609088" cy="406058"/>
         </a:xfrm>
         <a:prstGeom prst="roundRect">
           <a:avLst>
@@ -11826,57 +10279,6 @@
           <a:schemeClr val="lt1"/>
         </a:fontRef>
       </dsp:style>
-    </dsp:sp>
-    <dsp:sp modelId="{5CE8C2A1-0004-42B3-8207-5D9872D8A0F5}">
-      <dsp:nvSpPr>
-        <dsp:cNvPr id="0" name=""/>
-        <dsp:cNvSpPr/>
-      </dsp:nvSpPr>
-      <dsp:spPr>
-        <a:xfrm>
-          <a:off x="2817755" y="2302747"/>
-          <a:ext cx="641179" cy="407148"/>
-        </a:xfrm>
-        <a:prstGeom prst="roundRect">
-          <a:avLst>
-            <a:gd name="adj" fmla="val 10000"/>
-          </a:avLst>
-        </a:prstGeom>
-        <a:solidFill>
-          <a:schemeClr val="lt1">
-            <a:alpha val="90000"/>
-            <a:hueOff val="0"/>
-            <a:satOff val="0"/>
-            <a:lumOff val="0"/>
-            <a:alphaOff val="0"/>
-          </a:schemeClr>
-        </a:solidFill>
-        <a:ln w="12700" cap="flat" cmpd="sng" algn="ctr">
-          <a:solidFill>
-            <a:schemeClr val="accent1">
-              <a:hueOff val="0"/>
-              <a:satOff val="0"/>
-              <a:lumOff val="0"/>
-              <a:alphaOff val="0"/>
-            </a:schemeClr>
-          </a:solidFill>
-          <a:prstDash val="solid"/>
-          <a:miter lim="800000"/>
-        </a:ln>
-        <a:effectLst/>
-      </dsp:spPr>
-      <dsp:style>
-        <a:lnRef idx="2">
-          <a:scrgbClr r="0" g="0" b="0"/>
-        </a:lnRef>
-        <a:fillRef idx="1">
-          <a:scrgbClr r="0" g="0" b="0"/>
-        </a:fillRef>
-        <a:effectRef idx="0">
-          <a:scrgbClr r="0" g="0" b="0"/>
-        </a:effectRef>
-        <a:fontRef idx="minor"/>
-      </dsp:style>
       <dsp:txBody>
         <a:bodyPr spcFirstLastPara="0" vert="horz" wrap="square" lIns="22860" tIns="22860" rIns="22860" bIns="22860" numCol="1" spcCol="1270" anchor="ctr" anchorCtr="0">
           <a:noAutofit/>
@@ -11901,19 +10303,81 @@
         </a:p>
       </dsp:txBody>
       <dsp:txXfrm>
-        <a:off x="2829680" y="2314672"/>
-        <a:ext cx="617329" cy="383298"/>
+        <a:off x="2787657" y="2268773"/>
+        <a:ext cx="585302" cy="382272"/>
       </dsp:txXfrm>
     </dsp:sp>
-    <dsp:sp modelId="{7223664F-BF0F-4D09-A441-B94F0A5BC5C1}">
+    <dsp:sp modelId="{709CFC6A-9772-4509-892B-DA5A935871B7}">
       <dsp:nvSpPr>
         <dsp:cNvPr id="0" name=""/>
         <dsp:cNvSpPr/>
       </dsp:nvSpPr>
       <dsp:spPr>
         <a:xfrm>
-          <a:off x="4313841" y="1641441"/>
-          <a:ext cx="641179" cy="407148"/>
+          <a:off x="4663938" y="1525974"/>
+          <a:ext cx="197953" cy="162423"/>
+        </a:xfrm>
+        <a:custGeom>
+          <a:avLst/>
+          <a:gdLst/>
+          <a:ahLst/>
+          <a:cxnLst/>
+          <a:rect l="0" t="0" r="0" b="0"/>
+          <a:pathLst>
+            <a:path>
+              <a:moveTo>
+                <a:pt x="197953" y="0"/>
+              </a:moveTo>
+              <a:lnTo>
+                <a:pt x="197953" y="81211"/>
+              </a:lnTo>
+              <a:lnTo>
+                <a:pt x="0" y="81211"/>
+              </a:lnTo>
+              <a:lnTo>
+                <a:pt x="0" y="162423"/>
+              </a:lnTo>
+            </a:path>
+          </a:pathLst>
+        </a:custGeom>
+        <a:noFill/>
+        <a:ln w="12700" cap="flat" cmpd="sng" algn="ctr">
+          <a:solidFill>
+            <a:schemeClr val="accent1">
+              <a:shade val="60000"/>
+              <a:hueOff val="0"/>
+              <a:satOff val="0"/>
+              <a:lumOff val="0"/>
+              <a:alphaOff val="0"/>
+            </a:schemeClr>
+          </a:solidFill>
+          <a:prstDash val="solid"/>
+          <a:miter lim="800000"/>
+        </a:ln>
+        <a:effectLst/>
+      </dsp:spPr>
+      <dsp:style>
+        <a:lnRef idx="2">
+          <a:scrgbClr r="0" g="0" b="0"/>
+        </a:lnRef>
+        <a:fillRef idx="0">
+          <a:scrgbClr r="0" g="0" b="0"/>
+        </a:fillRef>
+        <a:effectRef idx="0">
+          <a:scrgbClr r="0" g="0" b="0"/>
+        </a:effectRef>
+        <a:fontRef idx="minor"/>
+      </dsp:style>
+    </dsp:sp>
+    <dsp:sp modelId="{5333A29F-E554-46ED-B3EA-FC01FBFFEFCD}">
+      <dsp:nvSpPr>
+        <dsp:cNvPr id="0" name=""/>
+        <dsp:cNvSpPr/>
+      </dsp:nvSpPr>
+      <dsp:spPr>
+        <a:xfrm>
+          <a:off x="4359394" y="1688398"/>
+          <a:ext cx="609088" cy="406058"/>
         </a:xfrm>
         <a:prstGeom prst="roundRect">
           <a:avLst>
@@ -11956,57 +10420,6 @@
           <a:schemeClr val="lt1"/>
         </a:fontRef>
       </dsp:style>
-    </dsp:sp>
-    <dsp:sp modelId="{04B600F4-4BB9-49ED-ABDE-72597FEC67EB}">
-      <dsp:nvSpPr>
-        <dsp:cNvPr id="0" name=""/>
-        <dsp:cNvSpPr/>
-      </dsp:nvSpPr>
-      <dsp:spPr>
-        <a:xfrm>
-          <a:off x="4385083" y="1709121"/>
-          <a:ext cx="641179" cy="407148"/>
-        </a:xfrm>
-        <a:prstGeom prst="roundRect">
-          <a:avLst>
-            <a:gd name="adj" fmla="val 10000"/>
-          </a:avLst>
-        </a:prstGeom>
-        <a:solidFill>
-          <a:schemeClr val="lt1">
-            <a:alpha val="90000"/>
-            <a:hueOff val="0"/>
-            <a:satOff val="0"/>
-            <a:lumOff val="0"/>
-            <a:alphaOff val="0"/>
-          </a:schemeClr>
-        </a:solidFill>
-        <a:ln w="12700" cap="flat" cmpd="sng" algn="ctr">
-          <a:solidFill>
-            <a:schemeClr val="accent1">
-              <a:hueOff val="0"/>
-              <a:satOff val="0"/>
-              <a:lumOff val="0"/>
-              <a:alphaOff val="0"/>
-            </a:schemeClr>
-          </a:solidFill>
-          <a:prstDash val="solid"/>
-          <a:miter lim="800000"/>
-        </a:ln>
-        <a:effectLst/>
-      </dsp:spPr>
-      <dsp:style>
-        <a:lnRef idx="2">
-          <a:scrgbClr r="0" g="0" b="0"/>
-        </a:lnRef>
-        <a:fillRef idx="1">
-          <a:scrgbClr r="0" g="0" b="0"/>
-        </a:fillRef>
-        <a:effectRef idx="0">
-          <a:scrgbClr r="0" g="0" b="0"/>
-        </a:effectRef>
-        <a:fontRef idx="minor"/>
-      </dsp:style>
       <dsp:txBody>
         <a:bodyPr spcFirstLastPara="0" vert="horz" wrap="square" lIns="22860" tIns="22860" rIns="22860" bIns="22860" numCol="1" spcCol="1270" anchor="ctr" anchorCtr="0">
           <a:noAutofit/>
@@ -12031,19 +10444,81 @@
         </a:p>
       </dsp:txBody>
       <dsp:txXfrm>
-        <a:off x="4397008" y="1721046"/>
-        <a:ext cx="617329" cy="383298"/>
+        <a:off x="4371287" y="1700291"/>
+        <a:ext cx="585302" cy="382272"/>
       </dsp:txXfrm>
     </dsp:sp>
-    <dsp:sp modelId="{5E51479E-71D5-482E-B93B-582856723F6D}">
+    <dsp:sp modelId="{F24D4D7A-CD66-4588-B9D4-E9950282E51F}">
       <dsp:nvSpPr>
         <dsp:cNvPr id="0" name=""/>
         <dsp:cNvSpPr/>
       </dsp:nvSpPr>
       <dsp:spPr>
         <a:xfrm>
-          <a:off x="3530177" y="2235067"/>
-          <a:ext cx="641179" cy="407148"/>
+          <a:off x="3872123" y="2094457"/>
+          <a:ext cx="791814" cy="162423"/>
+        </a:xfrm>
+        <a:custGeom>
+          <a:avLst/>
+          <a:gdLst/>
+          <a:ahLst/>
+          <a:cxnLst/>
+          <a:rect l="0" t="0" r="0" b="0"/>
+          <a:pathLst>
+            <a:path>
+              <a:moveTo>
+                <a:pt x="791814" y="0"/>
+              </a:moveTo>
+              <a:lnTo>
+                <a:pt x="791814" y="81211"/>
+              </a:lnTo>
+              <a:lnTo>
+                <a:pt x="0" y="81211"/>
+              </a:lnTo>
+              <a:lnTo>
+                <a:pt x="0" y="162423"/>
+              </a:lnTo>
+            </a:path>
+          </a:pathLst>
+        </a:custGeom>
+        <a:noFill/>
+        <a:ln w="12700" cap="flat" cmpd="sng" algn="ctr">
+          <a:solidFill>
+            <a:schemeClr val="accent1">
+              <a:shade val="80000"/>
+              <a:hueOff val="0"/>
+              <a:satOff val="0"/>
+              <a:lumOff val="0"/>
+              <a:alphaOff val="0"/>
+            </a:schemeClr>
+          </a:solidFill>
+          <a:prstDash val="solid"/>
+          <a:miter lim="800000"/>
+        </a:ln>
+        <a:effectLst/>
+      </dsp:spPr>
+      <dsp:style>
+        <a:lnRef idx="2">
+          <a:scrgbClr r="0" g="0" b="0"/>
+        </a:lnRef>
+        <a:fillRef idx="0">
+          <a:scrgbClr r="0" g="0" b="0"/>
+        </a:fillRef>
+        <a:effectRef idx="0">
+          <a:scrgbClr r="0" g="0" b="0"/>
+        </a:effectRef>
+        <a:fontRef idx="minor"/>
+      </dsp:style>
+    </dsp:sp>
+    <dsp:sp modelId="{22A8866C-EE3B-4208-A4A8-E6151251A672}">
+      <dsp:nvSpPr>
+        <dsp:cNvPr id="0" name=""/>
+        <dsp:cNvSpPr/>
+      </dsp:nvSpPr>
+      <dsp:spPr>
+        <a:xfrm>
+          <a:off x="3567579" y="2256880"/>
+          <a:ext cx="609088" cy="406058"/>
         </a:xfrm>
         <a:prstGeom prst="roundRect">
           <a:avLst>
@@ -12086,57 +10561,6 @@
           <a:schemeClr val="lt1"/>
         </a:fontRef>
       </dsp:style>
-    </dsp:sp>
-    <dsp:sp modelId="{C5496DC2-7525-4FD5-A053-481E05CD258A}">
-      <dsp:nvSpPr>
-        <dsp:cNvPr id="0" name=""/>
-        <dsp:cNvSpPr/>
-      </dsp:nvSpPr>
-      <dsp:spPr>
-        <a:xfrm>
-          <a:off x="3601419" y="2302747"/>
-          <a:ext cx="641179" cy="407148"/>
-        </a:xfrm>
-        <a:prstGeom prst="roundRect">
-          <a:avLst>
-            <a:gd name="adj" fmla="val 10000"/>
-          </a:avLst>
-        </a:prstGeom>
-        <a:solidFill>
-          <a:schemeClr val="lt1">
-            <a:alpha val="90000"/>
-            <a:hueOff val="0"/>
-            <a:satOff val="0"/>
-            <a:lumOff val="0"/>
-            <a:alphaOff val="0"/>
-          </a:schemeClr>
-        </a:solidFill>
-        <a:ln w="12700" cap="flat" cmpd="sng" algn="ctr">
-          <a:solidFill>
-            <a:schemeClr val="accent1">
-              <a:hueOff val="0"/>
-              <a:satOff val="0"/>
-              <a:lumOff val="0"/>
-              <a:alphaOff val="0"/>
-            </a:schemeClr>
-          </a:solidFill>
-          <a:prstDash val="solid"/>
-          <a:miter lim="800000"/>
-        </a:ln>
-        <a:effectLst/>
-      </dsp:spPr>
-      <dsp:style>
-        <a:lnRef idx="2">
-          <a:scrgbClr r="0" g="0" b="0"/>
-        </a:lnRef>
-        <a:fillRef idx="1">
-          <a:scrgbClr r="0" g="0" b="0"/>
-        </a:fillRef>
-        <a:effectRef idx="0">
-          <a:scrgbClr r="0" g="0" b="0"/>
-        </a:effectRef>
-        <a:fontRef idx="minor"/>
-      </dsp:style>
       <dsp:txBody>
         <a:bodyPr spcFirstLastPara="0" vert="horz" wrap="square" lIns="22860" tIns="22860" rIns="22860" bIns="22860" numCol="1" spcCol="1270" anchor="ctr" anchorCtr="0">
           <a:noAutofit/>
@@ -12155,25 +10579,81 @@
             </a:spcAft>
           </a:pPr>
           <a:r>
-            <a:rPr lang="en-IN" sz="600" kern="1200"/>
+            <a:rPr lang="en-IN" sz="600" kern="1200" dirty="0"/>
             <a:t>GUI Design</a:t>
           </a:r>
         </a:p>
       </dsp:txBody>
       <dsp:txXfrm>
-        <a:off x="3613344" y="2314672"/>
-        <a:ext cx="617329" cy="383298"/>
+        <a:off x="3579472" y="2268773"/>
+        <a:ext cx="585302" cy="382272"/>
       </dsp:txXfrm>
     </dsp:sp>
-    <dsp:sp modelId="{AFFDCF9B-15FB-4BE2-895E-3CEF36C09DE1}">
+    <dsp:sp modelId="{23B9C8A6-1954-4CFB-87A9-90CD143204BA}">
       <dsp:nvSpPr>
         <dsp:cNvPr id="0" name=""/>
         <dsp:cNvSpPr/>
       </dsp:nvSpPr>
       <dsp:spPr>
         <a:xfrm>
-          <a:off x="4313841" y="2235067"/>
-          <a:ext cx="641179" cy="407148"/>
+          <a:off x="4618218" y="2094457"/>
+          <a:ext cx="91440" cy="162423"/>
+        </a:xfrm>
+        <a:custGeom>
+          <a:avLst/>
+          <a:gdLst/>
+          <a:ahLst/>
+          <a:cxnLst/>
+          <a:rect l="0" t="0" r="0" b="0"/>
+          <a:pathLst>
+            <a:path>
+              <a:moveTo>
+                <a:pt x="45720" y="0"/>
+              </a:moveTo>
+              <a:lnTo>
+                <a:pt x="45720" y="162423"/>
+              </a:lnTo>
+            </a:path>
+          </a:pathLst>
+        </a:custGeom>
+        <a:noFill/>
+        <a:ln w="12700" cap="flat" cmpd="sng" algn="ctr">
+          <a:solidFill>
+            <a:schemeClr val="accent1">
+              <a:shade val="80000"/>
+              <a:hueOff val="0"/>
+              <a:satOff val="0"/>
+              <a:lumOff val="0"/>
+              <a:alphaOff val="0"/>
+            </a:schemeClr>
+          </a:solidFill>
+          <a:prstDash val="solid"/>
+          <a:miter lim="800000"/>
+        </a:ln>
+        <a:effectLst/>
+      </dsp:spPr>
+      <dsp:style>
+        <a:lnRef idx="2">
+          <a:scrgbClr r="0" g="0" b="0"/>
+        </a:lnRef>
+        <a:fillRef idx="0">
+          <a:scrgbClr r="0" g="0" b="0"/>
+        </a:fillRef>
+        <a:effectRef idx="0">
+          <a:scrgbClr r="0" g="0" b="0"/>
+        </a:effectRef>
+        <a:fontRef idx="minor"/>
+      </dsp:style>
+    </dsp:sp>
+    <dsp:sp modelId="{1A4BC70B-B4EC-452C-BBE5-57C944F520B7}">
+      <dsp:nvSpPr>
+        <dsp:cNvPr id="0" name=""/>
+        <dsp:cNvSpPr/>
+      </dsp:nvSpPr>
+      <dsp:spPr>
+        <a:xfrm>
+          <a:off x="4359394" y="2256880"/>
+          <a:ext cx="609088" cy="406058"/>
         </a:xfrm>
         <a:prstGeom prst="roundRect">
           <a:avLst>
@@ -12216,57 +10696,6 @@
           <a:schemeClr val="lt1"/>
         </a:fontRef>
       </dsp:style>
-    </dsp:sp>
-    <dsp:sp modelId="{24D23997-4BCE-4C11-B432-4BEA3A5F9410}">
-      <dsp:nvSpPr>
-        <dsp:cNvPr id="0" name=""/>
-        <dsp:cNvSpPr/>
-      </dsp:nvSpPr>
-      <dsp:spPr>
-        <a:xfrm>
-          <a:off x="4385083" y="2302747"/>
-          <a:ext cx="641179" cy="407148"/>
-        </a:xfrm>
-        <a:prstGeom prst="roundRect">
-          <a:avLst>
-            <a:gd name="adj" fmla="val 10000"/>
-          </a:avLst>
-        </a:prstGeom>
-        <a:solidFill>
-          <a:schemeClr val="lt1">
-            <a:alpha val="90000"/>
-            <a:hueOff val="0"/>
-            <a:satOff val="0"/>
-            <a:lumOff val="0"/>
-            <a:alphaOff val="0"/>
-          </a:schemeClr>
-        </a:solidFill>
-        <a:ln w="12700" cap="flat" cmpd="sng" algn="ctr">
-          <a:solidFill>
-            <a:schemeClr val="accent1">
-              <a:hueOff val="0"/>
-              <a:satOff val="0"/>
-              <a:lumOff val="0"/>
-              <a:alphaOff val="0"/>
-            </a:schemeClr>
-          </a:solidFill>
-          <a:prstDash val="solid"/>
-          <a:miter lim="800000"/>
-        </a:ln>
-        <a:effectLst/>
-      </dsp:spPr>
-      <dsp:style>
-        <a:lnRef idx="2">
-          <a:scrgbClr r="0" g="0" b="0"/>
-        </a:lnRef>
-        <a:fillRef idx="1">
-          <a:scrgbClr r="0" g="0" b="0"/>
-        </a:fillRef>
-        <a:effectRef idx="0">
-          <a:scrgbClr r="0" g="0" b="0"/>
-        </a:effectRef>
-        <a:fontRef idx="minor"/>
-      </dsp:style>
       <dsp:txBody>
         <a:bodyPr spcFirstLastPara="0" vert="horz" wrap="square" lIns="22860" tIns="22860" rIns="22860" bIns="22860" numCol="1" spcCol="1270" anchor="ctr" anchorCtr="0">
           <a:noAutofit/>
@@ -12291,19 +10720,81 @@
         </a:p>
       </dsp:txBody>
       <dsp:txXfrm>
-        <a:off x="4397008" y="2314672"/>
-        <a:ext cx="617329" cy="383298"/>
+        <a:off x="4371287" y="2268773"/>
+        <a:ext cx="585302" cy="382272"/>
       </dsp:txXfrm>
     </dsp:sp>
-    <dsp:sp modelId="{D26ED46C-3BF9-4A2A-95E5-BFC8E5882E3D}">
+    <dsp:sp modelId="{FCF008A5-A1F9-4CD7-B3F0-A0607DF77C98}">
       <dsp:nvSpPr>
         <dsp:cNvPr id="0" name=""/>
         <dsp:cNvSpPr/>
       </dsp:nvSpPr>
       <dsp:spPr>
         <a:xfrm>
-          <a:off x="5097505" y="2235067"/>
-          <a:ext cx="641179" cy="407148"/>
+          <a:off x="4663938" y="2094457"/>
+          <a:ext cx="791814" cy="162423"/>
+        </a:xfrm>
+        <a:custGeom>
+          <a:avLst/>
+          <a:gdLst/>
+          <a:ahLst/>
+          <a:cxnLst/>
+          <a:rect l="0" t="0" r="0" b="0"/>
+          <a:pathLst>
+            <a:path>
+              <a:moveTo>
+                <a:pt x="0" y="0"/>
+              </a:moveTo>
+              <a:lnTo>
+                <a:pt x="0" y="81211"/>
+              </a:lnTo>
+              <a:lnTo>
+                <a:pt x="791814" y="81211"/>
+              </a:lnTo>
+              <a:lnTo>
+                <a:pt x="791814" y="162423"/>
+              </a:lnTo>
+            </a:path>
+          </a:pathLst>
+        </a:custGeom>
+        <a:noFill/>
+        <a:ln w="12700" cap="flat" cmpd="sng" algn="ctr">
+          <a:solidFill>
+            <a:schemeClr val="accent1">
+              <a:shade val="80000"/>
+              <a:hueOff val="0"/>
+              <a:satOff val="0"/>
+              <a:lumOff val="0"/>
+              <a:alphaOff val="0"/>
+            </a:schemeClr>
+          </a:solidFill>
+          <a:prstDash val="solid"/>
+          <a:miter lim="800000"/>
+        </a:ln>
+        <a:effectLst/>
+      </dsp:spPr>
+      <dsp:style>
+        <a:lnRef idx="2">
+          <a:scrgbClr r="0" g="0" b="0"/>
+        </a:lnRef>
+        <a:fillRef idx="0">
+          <a:scrgbClr r="0" g="0" b="0"/>
+        </a:fillRef>
+        <a:effectRef idx="0">
+          <a:scrgbClr r="0" g="0" b="0"/>
+        </a:effectRef>
+        <a:fontRef idx="minor"/>
+      </dsp:style>
+    </dsp:sp>
+    <dsp:sp modelId="{E514CF97-72E2-4BE2-9C1A-24A1C8B6C104}">
+      <dsp:nvSpPr>
+        <dsp:cNvPr id="0" name=""/>
+        <dsp:cNvSpPr/>
+      </dsp:nvSpPr>
+      <dsp:spPr>
+        <a:xfrm>
+          <a:off x="5151209" y="2256880"/>
+          <a:ext cx="609088" cy="406058"/>
         </a:xfrm>
         <a:prstGeom prst="roundRect">
           <a:avLst>
@@ -12346,57 +10837,6 @@
           <a:schemeClr val="lt1"/>
         </a:fontRef>
       </dsp:style>
-    </dsp:sp>
-    <dsp:sp modelId="{EC49095F-AE9D-4FA3-9A16-EF347B829178}">
-      <dsp:nvSpPr>
-        <dsp:cNvPr id="0" name=""/>
-        <dsp:cNvSpPr/>
-      </dsp:nvSpPr>
-      <dsp:spPr>
-        <a:xfrm>
-          <a:off x="5168747" y="2302747"/>
-          <a:ext cx="641179" cy="407148"/>
-        </a:xfrm>
-        <a:prstGeom prst="roundRect">
-          <a:avLst>
-            <a:gd name="adj" fmla="val 10000"/>
-          </a:avLst>
-        </a:prstGeom>
-        <a:solidFill>
-          <a:schemeClr val="lt1">
-            <a:alpha val="90000"/>
-            <a:hueOff val="0"/>
-            <a:satOff val="0"/>
-            <a:lumOff val="0"/>
-            <a:alphaOff val="0"/>
-          </a:schemeClr>
-        </a:solidFill>
-        <a:ln w="12700" cap="flat" cmpd="sng" algn="ctr">
-          <a:solidFill>
-            <a:schemeClr val="accent1">
-              <a:hueOff val="0"/>
-              <a:satOff val="0"/>
-              <a:lumOff val="0"/>
-              <a:alphaOff val="0"/>
-            </a:schemeClr>
-          </a:solidFill>
-          <a:prstDash val="solid"/>
-          <a:miter lim="800000"/>
-        </a:ln>
-        <a:effectLst/>
-      </dsp:spPr>
-      <dsp:style>
-        <a:lnRef idx="2">
-          <a:scrgbClr r="0" g="0" b="0"/>
-        </a:lnRef>
-        <a:fillRef idx="1">
-          <a:scrgbClr r="0" g="0" b="0"/>
-        </a:fillRef>
-        <a:effectRef idx="0">
-          <a:scrgbClr r="0" g="0" b="0"/>
-        </a:effectRef>
-        <a:fontRef idx="minor"/>
-      </dsp:style>
       <dsp:txBody>
         <a:bodyPr spcFirstLastPara="0" vert="horz" wrap="square" lIns="22860" tIns="22860" rIns="22860" bIns="22860" numCol="1" spcCol="1270" anchor="ctr" anchorCtr="0">
           <a:noAutofit/>
@@ -12421,19 +10861,81 @@
         </a:p>
       </dsp:txBody>
       <dsp:txXfrm>
-        <a:off x="5180672" y="2314672"/>
-        <a:ext cx="617329" cy="383298"/>
+        <a:off x="5163102" y="2268773"/>
+        <a:ext cx="585302" cy="382272"/>
       </dsp:txXfrm>
     </dsp:sp>
-    <dsp:sp modelId="{100A3676-7238-401E-9438-A79AEACB5651}">
+    <dsp:sp modelId="{E469686A-4276-4DEC-80BD-460ABA2E2AD0}">
       <dsp:nvSpPr>
         <dsp:cNvPr id="0" name=""/>
         <dsp:cNvSpPr/>
       </dsp:nvSpPr>
       <dsp:spPr>
         <a:xfrm>
-          <a:off x="6273000" y="1641441"/>
-          <a:ext cx="641179" cy="407148"/>
+          <a:off x="4861892" y="1525974"/>
+          <a:ext cx="1781583" cy="162423"/>
+        </a:xfrm>
+        <a:custGeom>
+          <a:avLst/>
+          <a:gdLst/>
+          <a:ahLst/>
+          <a:cxnLst/>
+          <a:rect l="0" t="0" r="0" b="0"/>
+          <a:pathLst>
+            <a:path>
+              <a:moveTo>
+                <a:pt x="0" y="0"/>
+              </a:moveTo>
+              <a:lnTo>
+                <a:pt x="0" y="81211"/>
+              </a:lnTo>
+              <a:lnTo>
+                <a:pt x="1781583" y="81211"/>
+              </a:lnTo>
+              <a:lnTo>
+                <a:pt x="1781583" y="162423"/>
+              </a:lnTo>
+            </a:path>
+          </a:pathLst>
+        </a:custGeom>
+        <a:noFill/>
+        <a:ln w="12700" cap="flat" cmpd="sng" algn="ctr">
+          <a:solidFill>
+            <a:schemeClr val="accent1">
+              <a:shade val="60000"/>
+              <a:hueOff val="0"/>
+              <a:satOff val="0"/>
+              <a:lumOff val="0"/>
+              <a:alphaOff val="0"/>
+            </a:schemeClr>
+          </a:solidFill>
+          <a:prstDash val="solid"/>
+          <a:miter lim="800000"/>
+        </a:ln>
+        <a:effectLst/>
+      </dsp:spPr>
+      <dsp:style>
+        <a:lnRef idx="2">
+          <a:scrgbClr r="0" g="0" b="0"/>
+        </a:lnRef>
+        <a:fillRef idx="0">
+          <a:scrgbClr r="0" g="0" b="0"/>
+        </a:fillRef>
+        <a:effectRef idx="0">
+          <a:scrgbClr r="0" g="0" b="0"/>
+        </a:effectRef>
+        <a:fontRef idx="minor"/>
+      </dsp:style>
+    </dsp:sp>
+    <dsp:sp modelId="{E24C99A8-E950-4165-B069-3821B376EB37}">
+      <dsp:nvSpPr>
+        <dsp:cNvPr id="0" name=""/>
+        <dsp:cNvSpPr/>
+      </dsp:nvSpPr>
+      <dsp:spPr>
+        <a:xfrm>
+          <a:off x="6338931" y="1688398"/>
+          <a:ext cx="609088" cy="406058"/>
         </a:xfrm>
         <a:prstGeom prst="roundRect">
           <a:avLst>
@@ -12476,57 +10978,6 @@
           <a:schemeClr val="lt1"/>
         </a:fontRef>
       </dsp:style>
-    </dsp:sp>
-    <dsp:sp modelId="{C59CEA08-F567-4CD0-A44C-3617FAE36940}">
-      <dsp:nvSpPr>
-        <dsp:cNvPr id="0" name=""/>
-        <dsp:cNvSpPr/>
-      </dsp:nvSpPr>
-      <dsp:spPr>
-        <a:xfrm>
-          <a:off x="6344242" y="1709121"/>
-          <a:ext cx="641179" cy="407148"/>
-        </a:xfrm>
-        <a:prstGeom prst="roundRect">
-          <a:avLst>
-            <a:gd name="adj" fmla="val 10000"/>
-          </a:avLst>
-        </a:prstGeom>
-        <a:solidFill>
-          <a:schemeClr val="lt1">
-            <a:alpha val="90000"/>
-            <a:hueOff val="0"/>
-            <a:satOff val="0"/>
-            <a:lumOff val="0"/>
-            <a:alphaOff val="0"/>
-          </a:schemeClr>
-        </a:solidFill>
-        <a:ln w="12700" cap="flat" cmpd="sng" algn="ctr">
-          <a:solidFill>
-            <a:schemeClr val="accent1">
-              <a:hueOff val="0"/>
-              <a:satOff val="0"/>
-              <a:lumOff val="0"/>
-              <a:alphaOff val="0"/>
-            </a:schemeClr>
-          </a:solidFill>
-          <a:prstDash val="solid"/>
-          <a:miter lim="800000"/>
-        </a:ln>
-        <a:effectLst/>
-      </dsp:spPr>
-      <dsp:style>
-        <a:lnRef idx="2">
-          <a:scrgbClr r="0" g="0" b="0"/>
-        </a:lnRef>
-        <a:fillRef idx="1">
-          <a:scrgbClr r="0" g="0" b="0"/>
-        </a:fillRef>
-        <a:effectRef idx="0">
-          <a:scrgbClr r="0" g="0" b="0"/>
-        </a:effectRef>
-        <a:fontRef idx="minor"/>
-      </dsp:style>
       <dsp:txBody>
         <a:bodyPr spcFirstLastPara="0" vert="horz" wrap="square" lIns="22860" tIns="22860" rIns="22860" bIns="22860" numCol="1" spcCol="1270" anchor="ctr" anchorCtr="0">
           <a:noAutofit/>
@@ -12551,19 +11002,81 @@
         </a:p>
       </dsp:txBody>
       <dsp:txXfrm>
-        <a:off x="6356167" y="1721046"/>
-        <a:ext cx="617329" cy="383298"/>
+        <a:off x="6350824" y="1700291"/>
+        <a:ext cx="585302" cy="382272"/>
       </dsp:txXfrm>
     </dsp:sp>
-    <dsp:sp modelId="{BD9FC9C9-882E-45A0-8257-93CC0113FC87}">
+    <dsp:sp modelId="{0029D7A4-00A0-4553-999F-B68D0553B298}">
       <dsp:nvSpPr>
         <dsp:cNvPr id="0" name=""/>
         <dsp:cNvSpPr/>
       </dsp:nvSpPr>
       <dsp:spPr>
         <a:xfrm>
-          <a:off x="5881168" y="2235067"/>
-          <a:ext cx="641179" cy="407148"/>
+          <a:off x="6247568" y="2094457"/>
+          <a:ext cx="395907" cy="162423"/>
+        </a:xfrm>
+        <a:custGeom>
+          <a:avLst/>
+          <a:gdLst/>
+          <a:ahLst/>
+          <a:cxnLst/>
+          <a:rect l="0" t="0" r="0" b="0"/>
+          <a:pathLst>
+            <a:path>
+              <a:moveTo>
+                <a:pt x="395907" y="0"/>
+              </a:moveTo>
+              <a:lnTo>
+                <a:pt x="395907" y="81211"/>
+              </a:lnTo>
+              <a:lnTo>
+                <a:pt x="0" y="81211"/>
+              </a:lnTo>
+              <a:lnTo>
+                <a:pt x="0" y="162423"/>
+              </a:lnTo>
+            </a:path>
+          </a:pathLst>
+        </a:custGeom>
+        <a:noFill/>
+        <a:ln w="12700" cap="flat" cmpd="sng" algn="ctr">
+          <a:solidFill>
+            <a:schemeClr val="accent1">
+              <a:shade val="80000"/>
+              <a:hueOff val="0"/>
+              <a:satOff val="0"/>
+              <a:lumOff val="0"/>
+              <a:alphaOff val="0"/>
+            </a:schemeClr>
+          </a:solidFill>
+          <a:prstDash val="solid"/>
+          <a:miter lim="800000"/>
+        </a:ln>
+        <a:effectLst/>
+      </dsp:spPr>
+      <dsp:style>
+        <a:lnRef idx="2">
+          <a:scrgbClr r="0" g="0" b="0"/>
+        </a:lnRef>
+        <a:fillRef idx="0">
+          <a:scrgbClr r="0" g="0" b="0"/>
+        </a:fillRef>
+        <a:effectRef idx="0">
+          <a:scrgbClr r="0" g="0" b="0"/>
+        </a:effectRef>
+        <a:fontRef idx="minor"/>
+      </dsp:style>
+    </dsp:sp>
+    <dsp:sp modelId="{A95D7AC2-5D50-4B2D-B04E-471386875F48}">
+      <dsp:nvSpPr>
+        <dsp:cNvPr id="0" name=""/>
+        <dsp:cNvSpPr/>
+      </dsp:nvSpPr>
+      <dsp:spPr>
+        <a:xfrm>
+          <a:off x="5943024" y="2256880"/>
+          <a:ext cx="609088" cy="406058"/>
         </a:xfrm>
         <a:prstGeom prst="roundRect">
           <a:avLst>
@@ -12606,57 +11119,6 @@
           <a:schemeClr val="lt1"/>
         </a:fontRef>
       </dsp:style>
-    </dsp:sp>
-    <dsp:sp modelId="{D95D8436-AA11-4C54-838E-7AE5A9200664}">
-      <dsp:nvSpPr>
-        <dsp:cNvPr id="0" name=""/>
-        <dsp:cNvSpPr/>
-      </dsp:nvSpPr>
-      <dsp:spPr>
-        <a:xfrm>
-          <a:off x="5952411" y="2302747"/>
-          <a:ext cx="641179" cy="407148"/>
-        </a:xfrm>
-        <a:prstGeom prst="roundRect">
-          <a:avLst>
-            <a:gd name="adj" fmla="val 10000"/>
-          </a:avLst>
-        </a:prstGeom>
-        <a:solidFill>
-          <a:schemeClr val="lt1">
-            <a:alpha val="90000"/>
-            <a:hueOff val="0"/>
-            <a:satOff val="0"/>
-            <a:lumOff val="0"/>
-            <a:alphaOff val="0"/>
-          </a:schemeClr>
-        </a:solidFill>
-        <a:ln w="12700" cap="flat" cmpd="sng" algn="ctr">
-          <a:solidFill>
-            <a:schemeClr val="accent1">
-              <a:hueOff val="0"/>
-              <a:satOff val="0"/>
-              <a:lumOff val="0"/>
-              <a:alphaOff val="0"/>
-            </a:schemeClr>
-          </a:solidFill>
-          <a:prstDash val="solid"/>
-          <a:miter lim="800000"/>
-        </a:ln>
-        <a:effectLst/>
-      </dsp:spPr>
-      <dsp:style>
-        <a:lnRef idx="2">
-          <a:scrgbClr r="0" g="0" b="0"/>
-        </a:lnRef>
-        <a:fillRef idx="1">
-          <a:scrgbClr r="0" g="0" b="0"/>
-        </a:fillRef>
-        <a:effectRef idx="0">
-          <a:scrgbClr r="0" g="0" b="0"/>
-        </a:effectRef>
-        <a:fontRef idx="minor"/>
-      </dsp:style>
       <dsp:txBody>
         <a:bodyPr spcFirstLastPara="0" vert="horz" wrap="square" lIns="22860" tIns="22860" rIns="22860" bIns="22860" numCol="1" spcCol="1270" anchor="ctr" anchorCtr="0">
           <a:noAutofit/>
@@ -12681,19 +11143,75 @@
         </a:p>
       </dsp:txBody>
       <dsp:txXfrm>
-        <a:off x="5964336" y="2314672"/>
-        <a:ext cx="617329" cy="383298"/>
+        <a:off x="5954917" y="2268773"/>
+        <a:ext cx="585302" cy="382272"/>
       </dsp:txXfrm>
     </dsp:sp>
-    <dsp:sp modelId="{F0ED0A30-7D91-487C-B06B-8CB489C1F4DC}">
+    <dsp:sp modelId="{76A29399-B109-40F4-80C1-22C590F7EC68}">
       <dsp:nvSpPr>
         <dsp:cNvPr id="0" name=""/>
         <dsp:cNvSpPr/>
       </dsp:nvSpPr>
       <dsp:spPr>
         <a:xfrm>
-          <a:off x="5881168" y="2828692"/>
-          <a:ext cx="641179" cy="407148"/>
+          <a:off x="6201848" y="2662939"/>
+          <a:ext cx="91440" cy="162423"/>
+        </a:xfrm>
+        <a:custGeom>
+          <a:avLst/>
+          <a:gdLst/>
+          <a:ahLst/>
+          <a:cxnLst/>
+          <a:rect l="0" t="0" r="0" b="0"/>
+          <a:pathLst>
+            <a:path>
+              <a:moveTo>
+                <a:pt x="45720" y="0"/>
+              </a:moveTo>
+              <a:lnTo>
+                <a:pt x="45720" y="162423"/>
+              </a:lnTo>
+            </a:path>
+          </a:pathLst>
+        </a:custGeom>
+        <a:noFill/>
+        <a:ln w="12700" cap="flat" cmpd="sng" algn="ctr">
+          <a:solidFill>
+            <a:schemeClr val="accent1">
+              <a:shade val="80000"/>
+              <a:hueOff val="0"/>
+              <a:satOff val="0"/>
+              <a:lumOff val="0"/>
+              <a:alphaOff val="0"/>
+            </a:schemeClr>
+          </a:solidFill>
+          <a:prstDash val="solid"/>
+          <a:miter lim="800000"/>
+        </a:ln>
+        <a:effectLst/>
+      </dsp:spPr>
+      <dsp:style>
+        <a:lnRef idx="2">
+          <a:scrgbClr r="0" g="0" b="0"/>
+        </a:lnRef>
+        <a:fillRef idx="0">
+          <a:scrgbClr r="0" g="0" b="0"/>
+        </a:fillRef>
+        <a:effectRef idx="0">
+          <a:scrgbClr r="0" g="0" b="0"/>
+        </a:effectRef>
+        <a:fontRef idx="minor"/>
+      </dsp:style>
+    </dsp:sp>
+    <dsp:sp modelId="{DCB3515B-1284-4681-97DA-63199487B1C5}">
+      <dsp:nvSpPr>
+        <dsp:cNvPr id="0" name=""/>
+        <dsp:cNvSpPr/>
+      </dsp:nvSpPr>
+      <dsp:spPr>
+        <a:xfrm>
+          <a:off x="5943024" y="2825363"/>
+          <a:ext cx="609088" cy="406058"/>
         </a:xfrm>
         <a:prstGeom prst="roundRect">
           <a:avLst>
@@ -12736,57 +11254,6 @@
           <a:schemeClr val="lt1"/>
         </a:fontRef>
       </dsp:style>
-    </dsp:sp>
-    <dsp:sp modelId="{726B9378-1394-48F7-8A5D-21FE335A353B}">
-      <dsp:nvSpPr>
-        <dsp:cNvPr id="0" name=""/>
-        <dsp:cNvSpPr/>
-      </dsp:nvSpPr>
-      <dsp:spPr>
-        <a:xfrm>
-          <a:off x="5952411" y="2896372"/>
-          <a:ext cx="641179" cy="407148"/>
-        </a:xfrm>
-        <a:prstGeom prst="roundRect">
-          <a:avLst>
-            <a:gd name="adj" fmla="val 10000"/>
-          </a:avLst>
-        </a:prstGeom>
-        <a:solidFill>
-          <a:schemeClr val="lt1">
-            <a:alpha val="90000"/>
-            <a:hueOff val="0"/>
-            <a:satOff val="0"/>
-            <a:lumOff val="0"/>
-            <a:alphaOff val="0"/>
-          </a:schemeClr>
-        </a:solidFill>
-        <a:ln w="12700" cap="flat" cmpd="sng" algn="ctr">
-          <a:solidFill>
-            <a:schemeClr val="accent1">
-              <a:hueOff val="0"/>
-              <a:satOff val="0"/>
-              <a:lumOff val="0"/>
-              <a:alphaOff val="0"/>
-            </a:schemeClr>
-          </a:solidFill>
-          <a:prstDash val="solid"/>
-          <a:miter lim="800000"/>
-        </a:ln>
-        <a:effectLst/>
-      </dsp:spPr>
-      <dsp:style>
-        <a:lnRef idx="2">
-          <a:scrgbClr r="0" g="0" b="0"/>
-        </a:lnRef>
-        <a:fillRef idx="1">
-          <a:scrgbClr r="0" g="0" b="0"/>
-        </a:fillRef>
-        <a:effectRef idx="0">
-          <a:scrgbClr r="0" g="0" b="0"/>
-        </a:effectRef>
-        <a:fontRef idx="minor"/>
-      </dsp:style>
       <dsp:txBody>
         <a:bodyPr spcFirstLastPara="0" vert="horz" wrap="square" lIns="22860" tIns="22860" rIns="22860" bIns="22860" numCol="1" spcCol="1270" anchor="ctr" anchorCtr="0">
           <a:noAutofit/>
@@ -12811,19 +11278,81 @@
         </a:p>
       </dsp:txBody>
       <dsp:txXfrm>
-        <a:off x="5964336" y="2908297"/>
-        <a:ext cx="617329" cy="383298"/>
+        <a:off x="5954917" y="2837256"/>
+        <a:ext cx="585302" cy="382272"/>
       </dsp:txXfrm>
     </dsp:sp>
-    <dsp:sp modelId="{B690D7E0-5E4D-4CD7-998D-6CC27CE8913F}">
+    <dsp:sp modelId="{8544089E-6CBD-4D5F-9126-F1A0CAE49D15}">
       <dsp:nvSpPr>
         <dsp:cNvPr id="0" name=""/>
         <dsp:cNvSpPr/>
       </dsp:nvSpPr>
       <dsp:spPr>
         <a:xfrm>
-          <a:off x="6664832" y="2235067"/>
-          <a:ext cx="641179" cy="407148"/>
+          <a:off x="6643476" y="2094457"/>
+          <a:ext cx="395907" cy="162423"/>
+        </a:xfrm>
+        <a:custGeom>
+          <a:avLst/>
+          <a:gdLst/>
+          <a:ahLst/>
+          <a:cxnLst/>
+          <a:rect l="0" t="0" r="0" b="0"/>
+          <a:pathLst>
+            <a:path>
+              <a:moveTo>
+                <a:pt x="0" y="0"/>
+              </a:moveTo>
+              <a:lnTo>
+                <a:pt x="0" y="81211"/>
+              </a:lnTo>
+              <a:lnTo>
+                <a:pt x="395907" y="81211"/>
+              </a:lnTo>
+              <a:lnTo>
+                <a:pt x="395907" y="162423"/>
+              </a:lnTo>
+            </a:path>
+          </a:pathLst>
+        </a:custGeom>
+        <a:noFill/>
+        <a:ln w="12700" cap="flat" cmpd="sng" algn="ctr">
+          <a:solidFill>
+            <a:schemeClr val="accent1">
+              <a:shade val="80000"/>
+              <a:hueOff val="0"/>
+              <a:satOff val="0"/>
+              <a:lumOff val="0"/>
+              <a:alphaOff val="0"/>
+            </a:schemeClr>
+          </a:solidFill>
+          <a:prstDash val="solid"/>
+          <a:miter lim="800000"/>
+        </a:ln>
+        <a:effectLst/>
+      </dsp:spPr>
+      <dsp:style>
+        <a:lnRef idx="2">
+          <a:scrgbClr r="0" g="0" b="0"/>
+        </a:lnRef>
+        <a:fillRef idx="0">
+          <a:scrgbClr r="0" g="0" b="0"/>
+        </a:fillRef>
+        <a:effectRef idx="0">
+          <a:scrgbClr r="0" g="0" b="0"/>
+        </a:effectRef>
+        <a:fontRef idx="minor"/>
+      </dsp:style>
+    </dsp:sp>
+    <dsp:sp modelId="{ACE79EF8-745B-4F52-9FC1-B7324649AF8A}">
+      <dsp:nvSpPr>
+        <dsp:cNvPr id="0" name=""/>
+        <dsp:cNvSpPr/>
+      </dsp:nvSpPr>
+      <dsp:spPr>
+        <a:xfrm>
+          <a:off x="6734839" y="2256880"/>
+          <a:ext cx="609088" cy="406058"/>
         </a:xfrm>
         <a:prstGeom prst="roundRect">
           <a:avLst>
@@ -12866,57 +11395,6 @@
           <a:schemeClr val="lt1"/>
         </a:fontRef>
       </dsp:style>
-    </dsp:sp>
-    <dsp:sp modelId="{FDD79ADB-F39C-4067-B6B1-9D60282E29F9}">
-      <dsp:nvSpPr>
-        <dsp:cNvPr id="0" name=""/>
-        <dsp:cNvSpPr/>
-      </dsp:nvSpPr>
-      <dsp:spPr>
-        <a:xfrm>
-          <a:off x="6736074" y="2302747"/>
-          <a:ext cx="641179" cy="407148"/>
-        </a:xfrm>
-        <a:prstGeom prst="roundRect">
-          <a:avLst>
-            <a:gd name="adj" fmla="val 10000"/>
-          </a:avLst>
-        </a:prstGeom>
-        <a:solidFill>
-          <a:schemeClr val="lt1">
-            <a:alpha val="90000"/>
-            <a:hueOff val="0"/>
-            <a:satOff val="0"/>
-            <a:lumOff val="0"/>
-            <a:alphaOff val="0"/>
-          </a:schemeClr>
-        </a:solidFill>
-        <a:ln w="12700" cap="flat" cmpd="sng" algn="ctr">
-          <a:solidFill>
-            <a:schemeClr val="accent1">
-              <a:hueOff val="0"/>
-              <a:satOff val="0"/>
-              <a:lumOff val="0"/>
-              <a:alphaOff val="0"/>
-            </a:schemeClr>
-          </a:solidFill>
-          <a:prstDash val="solid"/>
-          <a:miter lim="800000"/>
-        </a:ln>
-        <a:effectLst/>
-      </dsp:spPr>
-      <dsp:style>
-        <a:lnRef idx="2">
-          <a:scrgbClr r="0" g="0" b="0"/>
-        </a:lnRef>
-        <a:fillRef idx="1">
-          <a:scrgbClr r="0" g="0" b="0"/>
-        </a:fillRef>
-        <a:effectRef idx="0">
-          <a:scrgbClr r="0" g="0" b="0"/>
-        </a:effectRef>
-        <a:fontRef idx="minor"/>
-      </dsp:style>
       <dsp:txBody>
         <a:bodyPr spcFirstLastPara="0" vert="horz" wrap="square" lIns="22860" tIns="22860" rIns="22860" bIns="22860" numCol="1" spcCol="1270" anchor="ctr" anchorCtr="0">
           <a:noAutofit/>
@@ -12941,19 +11419,81 @@
         </a:p>
       </dsp:txBody>
       <dsp:txXfrm>
-        <a:off x="6747999" y="2314672"/>
-        <a:ext cx="617329" cy="383298"/>
+        <a:off x="6746732" y="2268773"/>
+        <a:ext cx="585302" cy="382272"/>
       </dsp:txXfrm>
     </dsp:sp>
-    <dsp:sp modelId="{E60F5574-E5EB-4463-9E7B-A8A05C7D28C0}">
+    <dsp:sp modelId="{B6E8D807-4819-4CBC-9B28-DD375A0DC6D5}">
       <dsp:nvSpPr>
         <dsp:cNvPr id="0" name=""/>
         <dsp:cNvSpPr/>
       </dsp:nvSpPr>
       <dsp:spPr>
         <a:xfrm>
-          <a:off x="8623992" y="1641441"/>
-          <a:ext cx="641179" cy="407148"/>
+          <a:off x="4861892" y="1525974"/>
+          <a:ext cx="4157028" cy="162423"/>
+        </a:xfrm>
+        <a:custGeom>
+          <a:avLst/>
+          <a:gdLst/>
+          <a:ahLst/>
+          <a:cxnLst/>
+          <a:rect l="0" t="0" r="0" b="0"/>
+          <a:pathLst>
+            <a:path>
+              <a:moveTo>
+                <a:pt x="0" y="0"/>
+              </a:moveTo>
+              <a:lnTo>
+                <a:pt x="0" y="81211"/>
+              </a:lnTo>
+              <a:lnTo>
+                <a:pt x="4157028" y="81211"/>
+              </a:lnTo>
+              <a:lnTo>
+                <a:pt x="4157028" y="162423"/>
+              </a:lnTo>
+            </a:path>
+          </a:pathLst>
+        </a:custGeom>
+        <a:noFill/>
+        <a:ln w="12700" cap="flat" cmpd="sng" algn="ctr">
+          <a:solidFill>
+            <a:schemeClr val="accent1">
+              <a:shade val="60000"/>
+              <a:hueOff val="0"/>
+              <a:satOff val="0"/>
+              <a:lumOff val="0"/>
+              <a:alphaOff val="0"/>
+            </a:schemeClr>
+          </a:solidFill>
+          <a:prstDash val="solid"/>
+          <a:miter lim="800000"/>
+        </a:ln>
+        <a:effectLst/>
+      </dsp:spPr>
+      <dsp:style>
+        <a:lnRef idx="2">
+          <a:scrgbClr r="0" g="0" b="0"/>
+        </a:lnRef>
+        <a:fillRef idx="0">
+          <a:scrgbClr r="0" g="0" b="0"/>
+        </a:fillRef>
+        <a:effectRef idx="0">
+          <a:scrgbClr r="0" g="0" b="0"/>
+        </a:effectRef>
+        <a:fontRef idx="minor"/>
+      </dsp:style>
+    </dsp:sp>
+    <dsp:sp modelId="{16A2E4C6-F84D-47BD-9EEF-F49218FF8FC8}">
+      <dsp:nvSpPr>
+        <dsp:cNvPr id="0" name=""/>
+        <dsp:cNvSpPr/>
+      </dsp:nvSpPr>
+      <dsp:spPr>
+        <a:xfrm>
+          <a:off x="8714376" y="1688398"/>
+          <a:ext cx="609088" cy="406058"/>
         </a:xfrm>
         <a:prstGeom prst="roundRect">
           <a:avLst>
@@ -12996,57 +11536,6 @@
           <a:schemeClr val="lt1"/>
         </a:fontRef>
       </dsp:style>
-    </dsp:sp>
-    <dsp:sp modelId="{AD88C538-117E-4C66-A561-BE48B0C21FF7}">
-      <dsp:nvSpPr>
-        <dsp:cNvPr id="0" name=""/>
-        <dsp:cNvSpPr/>
-      </dsp:nvSpPr>
-      <dsp:spPr>
-        <a:xfrm>
-          <a:off x="8695234" y="1709121"/>
-          <a:ext cx="641179" cy="407148"/>
-        </a:xfrm>
-        <a:prstGeom prst="roundRect">
-          <a:avLst>
-            <a:gd name="adj" fmla="val 10000"/>
-          </a:avLst>
-        </a:prstGeom>
-        <a:solidFill>
-          <a:schemeClr val="lt1">
-            <a:alpha val="90000"/>
-            <a:hueOff val="0"/>
-            <a:satOff val="0"/>
-            <a:lumOff val="0"/>
-            <a:alphaOff val="0"/>
-          </a:schemeClr>
-        </a:solidFill>
-        <a:ln w="12700" cap="flat" cmpd="sng" algn="ctr">
-          <a:solidFill>
-            <a:schemeClr val="accent1">
-              <a:hueOff val="0"/>
-              <a:satOff val="0"/>
-              <a:lumOff val="0"/>
-              <a:alphaOff val="0"/>
-            </a:schemeClr>
-          </a:solidFill>
-          <a:prstDash val="solid"/>
-          <a:miter lim="800000"/>
-        </a:ln>
-        <a:effectLst/>
-      </dsp:spPr>
-      <dsp:style>
-        <a:lnRef idx="2">
-          <a:scrgbClr r="0" g="0" b="0"/>
-        </a:lnRef>
-        <a:fillRef idx="1">
-          <a:scrgbClr r="0" g="0" b="0"/>
-        </a:fillRef>
-        <a:effectRef idx="0">
-          <a:scrgbClr r="0" g="0" b="0"/>
-        </a:effectRef>
-        <a:fontRef idx="minor"/>
-      </dsp:style>
       <dsp:txBody>
         <a:bodyPr spcFirstLastPara="0" vert="horz" wrap="square" lIns="22860" tIns="22860" rIns="22860" bIns="22860" numCol="1" spcCol="1270" anchor="ctr" anchorCtr="0">
           <a:noAutofit/>
@@ -13071,19 +11560,81 @@
         </a:p>
       </dsp:txBody>
       <dsp:txXfrm>
-        <a:off x="8707159" y="1721046"/>
-        <a:ext cx="617329" cy="383298"/>
+        <a:off x="8726269" y="1700291"/>
+        <a:ext cx="585302" cy="382272"/>
       </dsp:txXfrm>
     </dsp:sp>
-    <dsp:sp modelId="{51B91058-A4A7-4378-9659-7397FFABBF1F}">
+    <dsp:sp modelId="{6FB6F60C-87F2-4742-8478-C8EA4BA11026}">
       <dsp:nvSpPr>
         <dsp:cNvPr id="0" name=""/>
         <dsp:cNvSpPr/>
       </dsp:nvSpPr>
       <dsp:spPr>
         <a:xfrm>
-          <a:off x="7448496" y="2235067"/>
-          <a:ext cx="641179" cy="407148"/>
+          <a:off x="7831198" y="2094457"/>
+          <a:ext cx="1187722" cy="162423"/>
+        </a:xfrm>
+        <a:custGeom>
+          <a:avLst/>
+          <a:gdLst/>
+          <a:ahLst/>
+          <a:cxnLst/>
+          <a:rect l="0" t="0" r="0" b="0"/>
+          <a:pathLst>
+            <a:path>
+              <a:moveTo>
+                <a:pt x="1187722" y="0"/>
+              </a:moveTo>
+              <a:lnTo>
+                <a:pt x="1187722" y="81211"/>
+              </a:lnTo>
+              <a:lnTo>
+                <a:pt x="0" y="81211"/>
+              </a:lnTo>
+              <a:lnTo>
+                <a:pt x="0" y="162423"/>
+              </a:lnTo>
+            </a:path>
+          </a:pathLst>
+        </a:custGeom>
+        <a:noFill/>
+        <a:ln w="12700" cap="flat" cmpd="sng" algn="ctr">
+          <a:solidFill>
+            <a:schemeClr val="accent1">
+              <a:shade val="80000"/>
+              <a:hueOff val="0"/>
+              <a:satOff val="0"/>
+              <a:lumOff val="0"/>
+              <a:alphaOff val="0"/>
+            </a:schemeClr>
+          </a:solidFill>
+          <a:prstDash val="solid"/>
+          <a:miter lim="800000"/>
+        </a:ln>
+        <a:effectLst/>
+      </dsp:spPr>
+      <dsp:style>
+        <a:lnRef idx="2">
+          <a:scrgbClr r="0" g="0" b="0"/>
+        </a:lnRef>
+        <a:fillRef idx="0">
+          <a:scrgbClr r="0" g="0" b="0"/>
+        </a:fillRef>
+        <a:effectRef idx="0">
+          <a:scrgbClr r="0" g="0" b="0"/>
+        </a:effectRef>
+        <a:fontRef idx="minor"/>
+      </dsp:style>
+    </dsp:sp>
+    <dsp:sp modelId="{1024FD66-0E24-4539-820E-267D962F7721}">
+      <dsp:nvSpPr>
+        <dsp:cNvPr id="0" name=""/>
+        <dsp:cNvSpPr/>
+      </dsp:nvSpPr>
+      <dsp:spPr>
+        <a:xfrm>
+          <a:off x="7526654" y="2256880"/>
+          <a:ext cx="609088" cy="406058"/>
         </a:xfrm>
         <a:prstGeom prst="roundRect">
           <a:avLst>
@@ -13126,57 +11677,6 @@
           <a:schemeClr val="lt1"/>
         </a:fontRef>
       </dsp:style>
-    </dsp:sp>
-    <dsp:sp modelId="{73EC0AB6-3775-4D35-968E-D4814D53D0E4}">
-      <dsp:nvSpPr>
-        <dsp:cNvPr id="0" name=""/>
-        <dsp:cNvSpPr/>
-      </dsp:nvSpPr>
-      <dsp:spPr>
-        <a:xfrm>
-          <a:off x="7519738" y="2302747"/>
-          <a:ext cx="641179" cy="407148"/>
-        </a:xfrm>
-        <a:prstGeom prst="roundRect">
-          <a:avLst>
-            <a:gd name="adj" fmla="val 10000"/>
-          </a:avLst>
-        </a:prstGeom>
-        <a:solidFill>
-          <a:schemeClr val="lt1">
-            <a:alpha val="90000"/>
-            <a:hueOff val="0"/>
-            <a:satOff val="0"/>
-            <a:lumOff val="0"/>
-            <a:alphaOff val="0"/>
-          </a:schemeClr>
-        </a:solidFill>
-        <a:ln w="12700" cap="flat" cmpd="sng" algn="ctr">
-          <a:solidFill>
-            <a:schemeClr val="accent1">
-              <a:hueOff val="0"/>
-              <a:satOff val="0"/>
-              <a:lumOff val="0"/>
-              <a:alphaOff val="0"/>
-            </a:schemeClr>
-          </a:solidFill>
-          <a:prstDash val="solid"/>
-          <a:miter lim="800000"/>
-        </a:ln>
-        <a:effectLst/>
-      </dsp:spPr>
-      <dsp:style>
-        <a:lnRef idx="2">
-          <a:scrgbClr r="0" g="0" b="0"/>
-        </a:lnRef>
-        <a:fillRef idx="1">
-          <a:scrgbClr r="0" g="0" b="0"/>
-        </a:fillRef>
-        <a:effectRef idx="0">
-          <a:scrgbClr r="0" g="0" b="0"/>
-        </a:effectRef>
-        <a:fontRef idx="minor"/>
-      </dsp:style>
       <dsp:txBody>
         <a:bodyPr spcFirstLastPara="0" vert="horz" wrap="square" lIns="22860" tIns="22860" rIns="22860" bIns="22860" numCol="1" spcCol="1270" anchor="ctr" anchorCtr="0">
           <a:noAutofit/>
@@ -13201,19 +11701,81 @@
         </a:p>
       </dsp:txBody>
       <dsp:txXfrm>
-        <a:off x="7531663" y="2314672"/>
-        <a:ext cx="617329" cy="383298"/>
+        <a:off x="7538547" y="2268773"/>
+        <a:ext cx="585302" cy="382272"/>
       </dsp:txXfrm>
     </dsp:sp>
-    <dsp:sp modelId="{59D71376-6484-4501-9B84-95709E1F8352}">
+    <dsp:sp modelId="{75212D1A-1651-4258-BFFD-4D30B761C067}">
       <dsp:nvSpPr>
         <dsp:cNvPr id="0" name=""/>
         <dsp:cNvSpPr/>
       </dsp:nvSpPr>
       <dsp:spPr>
         <a:xfrm>
-          <a:off x="8232160" y="2235067"/>
-          <a:ext cx="641179" cy="407148"/>
+          <a:off x="8623013" y="2094457"/>
+          <a:ext cx="395907" cy="162423"/>
+        </a:xfrm>
+        <a:custGeom>
+          <a:avLst/>
+          <a:gdLst/>
+          <a:ahLst/>
+          <a:cxnLst/>
+          <a:rect l="0" t="0" r="0" b="0"/>
+          <a:pathLst>
+            <a:path>
+              <a:moveTo>
+                <a:pt x="395907" y="0"/>
+              </a:moveTo>
+              <a:lnTo>
+                <a:pt x="395907" y="81211"/>
+              </a:lnTo>
+              <a:lnTo>
+                <a:pt x="0" y="81211"/>
+              </a:lnTo>
+              <a:lnTo>
+                <a:pt x="0" y="162423"/>
+              </a:lnTo>
+            </a:path>
+          </a:pathLst>
+        </a:custGeom>
+        <a:noFill/>
+        <a:ln w="12700" cap="flat" cmpd="sng" algn="ctr">
+          <a:solidFill>
+            <a:schemeClr val="accent1">
+              <a:shade val="80000"/>
+              <a:hueOff val="0"/>
+              <a:satOff val="0"/>
+              <a:lumOff val="0"/>
+              <a:alphaOff val="0"/>
+            </a:schemeClr>
+          </a:solidFill>
+          <a:prstDash val="solid"/>
+          <a:miter lim="800000"/>
+        </a:ln>
+        <a:effectLst/>
+      </dsp:spPr>
+      <dsp:style>
+        <a:lnRef idx="2">
+          <a:scrgbClr r="0" g="0" b="0"/>
+        </a:lnRef>
+        <a:fillRef idx="0">
+          <a:scrgbClr r="0" g="0" b="0"/>
+        </a:fillRef>
+        <a:effectRef idx="0">
+          <a:scrgbClr r="0" g="0" b="0"/>
+        </a:effectRef>
+        <a:fontRef idx="minor"/>
+      </dsp:style>
+    </dsp:sp>
+    <dsp:sp modelId="{A3A11ACA-966C-49A7-9866-9AF97E73FEC0}">
+      <dsp:nvSpPr>
+        <dsp:cNvPr id="0" name=""/>
+        <dsp:cNvSpPr/>
+      </dsp:nvSpPr>
+      <dsp:spPr>
+        <a:xfrm>
+          <a:off x="8318469" y="2256880"/>
+          <a:ext cx="609088" cy="406058"/>
         </a:xfrm>
         <a:prstGeom prst="roundRect">
           <a:avLst>
@@ -13256,57 +11818,6 @@
           <a:schemeClr val="lt1"/>
         </a:fontRef>
       </dsp:style>
-    </dsp:sp>
-    <dsp:sp modelId="{66FCA93E-E0AF-4FE6-A318-040CF82D011A}">
-      <dsp:nvSpPr>
-        <dsp:cNvPr id="0" name=""/>
-        <dsp:cNvSpPr/>
-      </dsp:nvSpPr>
-      <dsp:spPr>
-        <a:xfrm>
-          <a:off x="8303402" y="2302747"/>
-          <a:ext cx="641179" cy="407148"/>
-        </a:xfrm>
-        <a:prstGeom prst="roundRect">
-          <a:avLst>
-            <a:gd name="adj" fmla="val 10000"/>
-          </a:avLst>
-        </a:prstGeom>
-        <a:solidFill>
-          <a:schemeClr val="lt1">
-            <a:alpha val="90000"/>
-            <a:hueOff val="0"/>
-            <a:satOff val="0"/>
-            <a:lumOff val="0"/>
-            <a:alphaOff val="0"/>
-          </a:schemeClr>
-        </a:solidFill>
-        <a:ln w="12700" cap="flat" cmpd="sng" algn="ctr">
-          <a:solidFill>
-            <a:schemeClr val="accent1">
-              <a:hueOff val="0"/>
-              <a:satOff val="0"/>
-              <a:lumOff val="0"/>
-              <a:alphaOff val="0"/>
-            </a:schemeClr>
-          </a:solidFill>
-          <a:prstDash val="solid"/>
-          <a:miter lim="800000"/>
-        </a:ln>
-        <a:effectLst/>
-      </dsp:spPr>
-      <dsp:style>
-        <a:lnRef idx="2">
-          <a:scrgbClr r="0" g="0" b="0"/>
-        </a:lnRef>
-        <a:fillRef idx="1">
-          <a:scrgbClr r="0" g="0" b="0"/>
-        </a:fillRef>
-        <a:effectRef idx="0">
-          <a:scrgbClr r="0" g="0" b="0"/>
-        </a:effectRef>
-        <a:fontRef idx="minor"/>
-      </dsp:style>
       <dsp:txBody>
         <a:bodyPr spcFirstLastPara="0" vert="horz" wrap="square" lIns="22860" tIns="22860" rIns="22860" bIns="22860" numCol="1" spcCol="1270" anchor="ctr" anchorCtr="0">
           <a:noAutofit/>
@@ -13331,19 +11842,81 @@
         </a:p>
       </dsp:txBody>
       <dsp:txXfrm>
-        <a:off x="8315327" y="2314672"/>
-        <a:ext cx="617329" cy="383298"/>
+        <a:off x="8330362" y="2268773"/>
+        <a:ext cx="585302" cy="382272"/>
       </dsp:txXfrm>
     </dsp:sp>
-    <dsp:sp modelId="{E16A5EFB-BF2D-4890-BF79-1DB46A4060E2}">
+    <dsp:sp modelId="{9CE55E44-E0DF-45F4-89D8-DA8CB95B17C1}">
       <dsp:nvSpPr>
         <dsp:cNvPr id="0" name=""/>
         <dsp:cNvSpPr/>
       </dsp:nvSpPr>
       <dsp:spPr>
         <a:xfrm>
-          <a:off x="9015824" y="2235067"/>
-          <a:ext cx="641179" cy="407148"/>
+          <a:off x="9018920" y="2094457"/>
+          <a:ext cx="395907" cy="162423"/>
+        </a:xfrm>
+        <a:custGeom>
+          <a:avLst/>
+          <a:gdLst/>
+          <a:ahLst/>
+          <a:cxnLst/>
+          <a:rect l="0" t="0" r="0" b="0"/>
+          <a:pathLst>
+            <a:path>
+              <a:moveTo>
+                <a:pt x="0" y="0"/>
+              </a:moveTo>
+              <a:lnTo>
+                <a:pt x="0" y="81211"/>
+              </a:lnTo>
+              <a:lnTo>
+                <a:pt x="395907" y="81211"/>
+              </a:lnTo>
+              <a:lnTo>
+                <a:pt x="395907" y="162423"/>
+              </a:lnTo>
+            </a:path>
+          </a:pathLst>
+        </a:custGeom>
+        <a:noFill/>
+        <a:ln w="12700" cap="flat" cmpd="sng" algn="ctr">
+          <a:solidFill>
+            <a:schemeClr val="accent1">
+              <a:shade val="80000"/>
+              <a:hueOff val="0"/>
+              <a:satOff val="0"/>
+              <a:lumOff val="0"/>
+              <a:alphaOff val="0"/>
+            </a:schemeClr>
+          </a:solidFill>
+          <a:prstDash val="solid"/>
+          <a:miter lim="800000"/>
+        </a:ln>
+        <a:effectLst/>
+      </dsp:spPr>
+      <dsp:style>
+        <a:lnRef idx="2">
+          <a:scrgbClr r="0" g="0" b="0"/>
+        </a:lnRef>
+        <a:fillRef idx="0">
+          <a:scrgbClr r="0" g="0" b="0"/>
+        </a:fillRef>
+        <a:effectRef idx="0">
+          <a:scrgbClr r="0" g="0" b="0"/>
+        </a:effectRef>
+        <a:fontRef idx="minor"/>
+      </dsp:style>
+    </dsp:sp>
+    <dsp:sp modelId="{78A6F554-D312-468B-BE10-57C154B0D2F8}">
+      <dsp:nvSpPr>
+        <dsp:cNvPr id="0" name=""/>
+        <dsp:cNvSpPr/>
+      </dsp:nvSpPr>
+      <dsp:spPr>
+        <a:xfrm>
+          <a:off x="9110284" y="2256880"/>
+          <a:ext cx="609088" cy="406058"/>
         </a:xfrm>
         <a:prstGeom prst="roundRect">
           <a:avLst>
@@ -13386,57 +11959,6 @@
           <a:schemeClr val="lt1"/>
         </a:fontRef>
       </dsp:style>
-    </dsp:sp>
-    <dsp:sp modelId="{FDBA18E8-2AA5-4EC5-A231-BB5DE1EE775E}">
-      <dsp:nvSpPr>
-        <dsp:cNvPr id="0" name=""/>
-        <dsp:cNvSpPr/>
-      </dsp:nvSpPr>
-      <dsp:spPr>
-        <a:xfrm>
-          <a:off x="9087066" y="2302747"/>
-          <a:ext cx="641179" cy="407148"/>
-        </a:xfrm>
-        <a:prstGeom prst="roundRect">
-          <a:avLst>
-            <a:gd name="adj" fmla="val 10000"/>
-          </a:avLst>
-        </a:prstGeom>
-        <a:solidFill>
-          <a:schemeClr val="lt1">
-            <a:alpha val="90000"/>
-            <a:hueOff val="0"/>
-            <a:satOff val="0"/>
-            <a:lumOff val="0"/>
-            <a:alphaOff val="0"/>
-          </a:schemeClr>
-        </a:solidFill>
-        <a:ln w="12700" cap="flat" cmpd="sng" algn="ctr">
-          <a:solidFill>
-            <a:schemeClr val="accent1">
-              <a:hueOff val="0"/>
-              <a:satOff val="0"/>
-              <a:lumOff val="0"/>
-              <a:alphaOff val="0"/>
-            </a:schemeClr>
-          </a:solidFill>
-          <a:prstDash val="solid"/>
-          <a:miter lim="800000"/>
-        </a:ln>
-        <a:effectLst/>
-      </dsp:spPr>
-      <dsp:style>
-        <a:lnRef idx="2">
-          <a:scrgbClr r="0" g="0" b="0"/>
-        </a:lnRef>
-        <a:fillRef idx="1">
-          <a:scrgbClr r="0" g="0" b="0"/>
-        </a:fillRef>
-        <a:effectRef idx="0">
-          <a:scrgbClr r="0" g="0" b="0"/>
-        </a:effectRef>
-        <a:fontRef idx="minor"/>
-      </dsp:style>
       <dsp:txBody>
         <a:bodyPr spcFirstLastPara="0" vert="horz" wrap="square" lIns="22860" tIns="22860" rIns="22860" bIns="22860" numCol="1" spcCol="1270" anchor="ctr" anchorCtr="0">
           <a:noAutofit/>
@@ -13461,19 +11983,81 @@
         </a:p>
       </dsp:txBody>
       <dsp:txXfrm>
-        <a:off x="9098991" y="2314672"/>
-        <a:ext cx="617329" cy="383298"/>
+        <a:off x="9122177" y="2268773"/>
+        <a:ext cx="585302" cy="382272"/>
       </dsp:txXfrm>
     </dsp:sp>
-    <dsp:sp modelId="{F30B47A4-A6EA-488F-88EF-04797CEB4580}">
+    <dsp:sp modelId="{4D236556-813A-4AE6-BB50-D6FF6C4CD4D0}">
       <dsp:nvSpPr>
         <dsp:cNvPr id="0" name=""/>
         <dsp:cNvSpPr/>
       </dsp:nvSpPr>
       <dsp:spPr>
         <a:xfrm>
-          <a:off x="9799487" y="2235067"/>
-          <a:ext cx="641179" cy="407148"/>
+          <a:off x="9018920" y="2094457"/>
+          <a:ext cx="1187722" cy="162423"/>
+        </a:xfrm>
+        <a:custGeom>
+          <a:avLst/>
+          <a:gdLst/>
+          <a:ahLst/>
+          <a:cxnLst/>
+          <a:rect l="0" t="0" r="0" b="0"/>
+          <a:pathLst>
+            <a:path>
+              <a:moveTo>
+                <a:pt x="0" y="0"/>
+              </a:moveTo>
+              <a:lnTo>
+                <a:pt x="0" y="81211"/>
+              </a:lnTo>
+              <a:lnTo>
+                <a:pt x="1187722" y="81211"/>
+              </a:lnTo>
+              <a:lnTo>
+                <a:pt x="1187722" y="162423"/>
+              </a:lnTo>
+            </a:path>
+          </a:pathLst>
+        </a:custGeom>
+        <a:noFill/>
+        <a:ln w="12700" cap="flat" cmpd="sng" algn="ctr">
+          <a:solidFill>
+            <a:schemeClr val="accent1">
+              <a:shade val="80000"/>
+              <a:hueOff val="0"/>
+              <a:satOff val="0"/>
+              <a:lumOff val="0"/>
+              <a:alphaOff val="0"/>
+            </a:schemeClr>
+          </a:solidFill>
+          <a:prstDash val="solid"/>
+          <a:miter lim="800000"/>
+        </a:ln>
+        <a:effectLst/>
+      </dsp:spPr>
+      <dsp:style>
+        <a:lnRef idx="2">
+          <a:scrgbClr r="0" g="0" b="0"/>
+        </a:lnRef>
+        <a:fillRef idx="0">
+          <a:scrgbClr r="0" g="0" b="0"/>
+        </a:fillRef>
+        <a:effectRef idx="0">
+          <a:scrgbClr r="0" g="0" b="0"/>
+        </a:effectRef>
+        <a:fontRef idx="minor"/>
+      </dsp:style>
+    </dsp:sp>
+    <dsp:sp modelId="{CF90276C-7925-4DE9-BD6D-08934C5D6DF9}">
+      <dsp:nvSpPr>
+        <dsp:cNvPr id="0" name=""/>
+        <dsp:cNvSpPr/>
+      </dsp:nvSpPr>
+      <dsp:spPr>
+        <a:xfrm>
+          <a:off x="9902099" y="2256880"/>
+          <a:ext cx="609088" cy="406058"/>
         </a:xfrm>
         <a:prstGeom prst="roundRect">
           <a:avLst>
@@ -13516,57 +12100,6 @@
           <a:schemeClr val="lt1"/>
         </a:fontRef>
       </dsp:style>
-    </dsp:sp>
-    <dsp:sp modelId="{549101CE-71B3-40D2-A6D4-57066B01CFF8}">
-      <dsp:nvSpPr>
-        <dsp:cNvPr id="0" name=""/>
-        <dsp:cNvSpPr/>
-      </dsp:nvSpPr>
-      <dsp:spPr>
-        <a:xfrm>
-          <a:off x="9870730" y="2302747"/>
-          <a:ext cx="641179" cy="407148"/>
-        </a:xfrm>
-        <a:prstGeom prst="roundRect">
-          <a:avLst>
-            <a:gd name="adj" fmla="val 10000"/>
-          </a:avLst>
-        </a:prstGeom>
-        <a:solidFill>
-          <a:schemeClr val="lt1">
-            <a:alpha val="90000"/>
-            <a:hueOff val="0"/>
-            <a:satOff val="0"/>
-            <a:lumOff val="0"/>
-            <a:alphaOff val="0"/>
-          </a:schemeClr>
-        </a:solidFill>
-        <a:ln w="12700" cap="flat" cmpd="sng" algn="ctr">
-          <a:solidFill>
-            <a:schemeClr val="accent1">
-              <a:hueOff val="0"/>
-              <a:satOff val="0"/>
-              <a:lumOff val="0"/>
-              <a:alphaOff val="0"/>
-            </a:schemeClr>
-          </a:solidFill>
-          <a:prstDash val="solid"/>
-          <a:miter lim="800000"/>
-        </a:ln>
-        <a:effectLst/>
-      </dsp:spPr>
-      <dsp:style>
-        <a:lnRef idx="2">
-          <a:scrgbClr r="0" g="0" b="0"/>
-        </a:lnRef>
-        <a:fillRef idx="1">
-          <a:scrgbClr r="0" g="0" b="0"/>
-        </a:fillRef>
-        <a:effectRef idx="0">
-          <a:scrgbClr r="0" g="0" b="0"/>
-        </a:effectRef>
-        <a:fontRef idx="minor"/>
-      </dsp:style>
       <dsp:txBody>
         <a:bodyPr spcFirstLastPara="0" vert="horz" wrap="square" lIns="22860" tIns="22860" rIns="22860" bIns="22860" numCol="1" spcCol="1270" anchor="ctr" anchorCtr="0">
           <a:noAutofit/>
@@ -13591,8 +12124,8 @@
         </a:p>
       </dsp:txBody>
       <dsp:txXfrm>
-        <a:off x="9882655" y="2314672"/>
-        <a:ext cx="617329" cy="383298"/>
+        <a:off x="9913992" y="2268773"/>
+        <a:ext cx="585302" cy="382272"/>
       </dsp:txXfrm>
     </dsp:sp>
   </dsp:spTree>
@@ -17067,11 +15600,11 @@
 </file>
 
 <file path=ppt/diagrams/layout3.xml><?xml version="1.0" encoding="utf-8"?>
-<dgm:layoutDef xmlns:dgm="http://schemas.openxmlformats.org/drawingml/2006/diagram" xmlns:a="http://schemas.openxmlformats.org/drawingml/2006/main" uniqueId="urn:microsoft.com/office/officeart/2005/8/layout/hierarchy1">
+<dgm:layoutDef xmlns:dgm="http://schemas.openxmlformats.org/drawingml/2006/diagram" xmlns:a="http://schemas.openxmlformats.org/drawingml/2006/main" uniqueId="urn:microsoft.com/office/officeart/2005/8/layout/hierarchy6">
   <dgm:title val=""/>
   <dgm:desc val=""/>
   <dgm:catLst>
-    <dgm:cat type="hierarchy" pri="2000"/>
+    <dgm:cat type="hierarchy" pri="3000"/>
   </dgm:catLst>
   <dgm:sampData>
     <dgm:dataModel>
@@ -17095,14 +15628,26 @@
         <dgm:pt modelId="31">
           <dgm:prSet phldr="1"/>
         </dgm:pt>
+        <dgm:pt modelId="4">
+          <dgm:prSet phldr="1"/>
+        </dgm:pt>
+        <dgm:pt modelId="5">
+          <dgm:prSet phldr="1"/>
+        </dgm:pt>
+        <dgm:pt modelId="6">
+          <dgm:prSet phldr="1"/>
+        </dgm:pt>
       </dgm:ptLst>
       <dgm:cxnLst>
-        <dgm:cxn modelId="4" srcId="0" destId="1" srcOrd="0" destOrd="0"/>
-        <dgm:cxn modelId="5" srcId="1" destId="2" srcOrd="0" destOrd="0"/>
-        <dgm:cxn modelId="6" srcId="1" destId="3" srcOrd="1" destOrd="0"/>
+        <dgm:cxn modelId="7" srcId="0" destId="1" srcOrd="0" destOrd="0"/>
+        <dgm:cxn modelId="8" srcId="1" destId="2" srcOrd="0" destOrd="0"/>
+        <dgm:cxn modelId="9" srcId="1" destId="3" srcOrd="1" destOrd="0"/>
         <dgm:cxn modelId="23" srcId="2" destId="21" srcOrd="0" destOrd="0"/>
         <dgm:cxn modelId="24" srcId="2" destId="22" srcOrd="1" destOrd="0"/>
         <dgm:cxn modelId="33" srcId="3" destId="31" srcOrd="0" destOrd="0"/>
+        <dgm:cxn modelId="10" srcId="0" destId="4" srcOrd="1" destOrd="0"/>
+        <dgm:cxn modelId="11" srcId="0" destId="5" srcOrd="2" destOrd="0"/>
+        <dgm:cxn modelId="12" srcId="0" destId="6" srcOrd="3" destOrd="0"/>
       </dgm:cxnLst>
       <dgm:bg/>
       <dgm:whole/>
@@ -17115,11 +15660,15 @@
         <dgm:pt modelId="1"/>
         <dgm:pt modelId="11"/>
         <dgm:pt modelId="12"/>
+        <dgm:pt modelId="2"/>
+        <dgm:pt modelId="3"/>
       </dgm:ptLst>
       <dgm:cxnLst>
-        <dgm:cxn modelId="2" srcId="0" destId="1" srcOrd="0" destOrd="0"/>
+        <dgm:cxn modelId="4" srcId="0" destId="1" srcOrd="0" destOrd="0"/>
         <dgm:cxn modelId="13" srcId="1" destId="11" srcOrd="0" destOrd="0"/>
         <dgm:cxn modelId="14" srcId="1" destId="12" srcOrd="1" destOrd="0"/>
+        <dgm:cxn modelId="5" srcId="0" destId="2" srcOrd="1" destOrd="0"/>
+        <dgm:cxn modelId="6" srcId="0" destId="3" srcOrd="2" destOrd="0"/>
       </dgm:cxnLst>
       <dgm:bg/>
       <dgm:whole/>
@@ -17136,495 +15685,427 @@
         <dgm:pt modelId="3"/>
         <dgm:pt modelId="31"/>
         <dgm:pt modelId="311"/>
+        <dgm:pt modelId="4"/>
+        <dgm:pt modelId="5"/>
+        <dgm:pt modelId="6"/>
+        <dgm:pt modelId="7"/>
       </dgm:ptLst>
       <dgm:cxnLst>
-        <dgm:cxn modelId="4" srcId="0" destId="1" srcOrd="0" destOrd="0"/>
-        <dgm:cxn modelId="5" srcId="1" destId="2" srcOrd="0" destOrd="0"/>
-        <dgm:cxn modelId="6" srcId="1" destId="3" srcOrd="1" destOrd="0"/>
+        <dgm:cxn modelId="8" srcId="0" destId="1" srcOrd="0" destOrd="0"/>
+        <dgm:cxn modelId="9" srcId="1" destId="2" srcOrd="0" destOrd="0"/>
+        <dgm:cxn modelId="10" srcId="1" destId="3" srcOrd="1" destOrd="0"/>
         <dgm:cxn modelId="23" srcId="2" destId="21" srcOrd="0" destOrd="0"/>
         <dgm:cxn modelId="24" srcId="21" destId="211" srcOrd="0" destOrd="0"/>
         <dgm:cxn modelId="33" srcId="3" destId="31" srcOrd="0" destOrd="0"/>
         <dgm:cxn modelId="34" srcId="31" destId="311" srcOrd="0" destOrd="0"/>
+        <dgm:cxn modelId="11" srcId="0" destId="4" srcOrd="1" destOrd="0"/>
+        <dgm:cxn modelId="12" srcId="0" destId="5" srcOrd="2" destOrd="0"/>
+        <dgm:cxn modelId="13" srcId="0" destId="6" srcOrd="3" destOrd="0"/>
+        <dgm:cxn modelId="14" srcId="0" destId="7" srcOrd="4" destOrd="0"/>
       </dgm:cxnLst>
       <dgm:bg/>
       <dgm:whole/>
     </dgm:dataModel>
   </dgm:clrData>
-  <dgm:layoutNode name="hierChild1">
+  <dgm:layoutNode name="mainComposite">
     <dgm:varLst>
       <dgm:chPref val="1"/>
       <dgm:dir/>
       <dgm:animOne val="branch"/>
       <dgm:animLvl val="lvl"/>
-      <dgm:resizeHandles/>
+      <dgm:resizeHandles val="exact"/>
     </dgm:varLst>
-    <dgm:choose name="Name0">
-      <dgm:if name="Name1" func="var" arg="dir" op="equ" val="norm">
-        <dgm:alg type="hierChild">
-          <dgm:param type="linDir" val="fromL"/>
-        </dgm:alg>
-      </dgm:if>
-      <dgm:else name="Name2">
-        <dgm:alg type="hierChild">
-          <dgm:param type="linDir" val="fromR"/>
-        </dgm:alg>
-      </dgm:else>
-    </dgm:choose>
+    <dgm:alg type="composite">
+      <dgm:param type="vertAlign" val="mid"/>
+      <dgm:param type="horzAlign" val="ctr"/>
+    </dgm:alg>
     <dgm:shape xmlns:r="http://schemas.openxmlformats.org/officeDocument/2006/relationships" r:blip="">
       <dgm:adjLst/>
     </dgm:shape>
     <dgm:presOf/>
-    <dgm:constrLst>
-      <dgm:constr type="primFontSz" for="des" ptType="node" op="equ" val="65"/>
-      <dgm:constr type="w" for="des" forName="composite" refType="w"/>
-      <dgm:constr type="h" for="des" forName="composite" refType="w" refFor="des" refForName="composite" fact="0.667"/>
-      <dgm:constr type="w" for="des" forName="composite2" refType="w" refFor="des" refForName="composite"/>
-      <dgm:constr type="h" for="des" forName="composite2" refType="h" refFor="des" refForName="composite"/>
-      <dgm:constr type="w" for="des" forName="composite3" refType="w" refFor="des" refForName="composite"/>
-      <dgm:constr type="h" for="des" forName="composite3" refType="h" refFor="des" refForName="composite"/>
-      <dgm:constr type="w" for="des" forName="composite4" refType="w" refFor="des" refForName="composite"/>
-      <dgm:constr type="h" for="des" forName="composite4" refType="h" refFor="des" refForName="composite"/>
-      <dgm:constr type="w" for="des" forName="composite5" refType="w" refFor="des" refForName="composite"/>
-      <dgm:constr type="h" for="des" forName="composite5" refType="h" refFor="des" refForName="composite"/>
-      <dgm:constr type="sibSp" refType="w" refFor="des" refForName="composite" fact="0.1"/>
-      <dgm:constr type="sibSp" for="des" forName="hierChild2" refType="sibSp"/>
-      <dgm:constr type="sibSp" for="des" forName="hierChild3" refType="sibSp"/>
-      <dgm:constr type="sibSp" for="des" forName="hierChild4" refType="sibSp"/>
-      <dgm:constr type="sibSp" for="des" forName="hierChild5" refType="sibSp"/>
-      <dgm:constr type="sibSp" for="des" forName="hierChild6" refType="sibSp"/>
-      <dgm:constr type="sp" for="des" forName="hierRoot1" refType="h" refFor="des" refForName="composite" fact="0.25"/>
-      <dgm:constr type="sp" for="des" forName="hierRoot2" refType="sp" refFor="des" refForName="hierRoot1"/>
-      <dgm:constr type="sp" for="des" forName="hierRoot3" refType="sp" refFor="des" refForName="hierRoot1"/>
-      <dgm:constr type="sp" for="des" forName="hierRoot4" refType="sp" refFor="des" refForName="hierRoot1"/>
-      <dgm:constr type="sp" for="des" forName="hierRoot5" refType="sp" refFor="des" refForName="hierRoot1"/>
-    </dgm:constrLst>
+    <dgm:choose name="Name0">
+      <dgm:if name="Name1" axis="ch" ptType="node" func="cnt" op="gte" val="2">
+        <dgm:choose name="Name2">
+          <dgm:if name="Name3" func="var" arg="dir" op="equ" val="norm">
+            <dgm:constrLst>
+              <dgm:constr type="l" for="ch" forName="hierFlow" refType="w" fact="0.3"/>
+              <dgm:constr type="t" for="ch" forName="hierFlow"/>
+              <dgm:constr type="r" for="ch" forName="hierFlow" refType="w" fact="0.98"/>
+              <dgm:constr type="b" for="ch" forName="hierFlow" refType="h" fact="0.98"/>
+              <dgm:constr type="l" for="ch" forName="bgShapesFlow"/>
+              <dgm:constr type="t" for="ch" forName="bgShapesFlow"/>
+              <dgm:constr type="r" for="ch" forName="bgShapesFlow" refType="w"/>
+              <dgm:constr type="b" for="ch" forName="bgShapesFlow" refType="h"/>
+              <dgm:constr type="w" for="des" forName="level1Shape" refType="w"/>
+              <dgm:constr type="h" for="des" forName="level1Shape" refType="w" refFor="des" refForName="level1Shape" fact="0.66667"/>
+              <dgm:constr type="w" for="des" forName="level2Shape" refType="w" refFor="des" refForName="level1Shape" op="equ"/>
+              <dgm:constr type="h" for="des" forName="level2Shape" refType="h" refFor="des" refForName="level1Shape" op="equ"/>
+              <dgm:constr type="sp" for="des" refType="h" refFor="des" refForName="level1Shape" op="equ" fact="0.4"/>
+              <dgm:constr type="sibSp" for="des" forName="hierChild1" refType="w" refFor="des" refForName="level1Shape" op="equ" fact="0.3"/>
+              <dgm:constr type="sibSp" for="des" forName="hierChild2" refType="sibSp" refFor="des" refForName="hierChild1" op="equ"/>
+              <dgm:constr type="sibSp" for="des" forName="hierChild3" refType="sibSp" refFor="des" refForName="hierChild1" op="equ"/>
+              <dgm:constr type="userA" for="des" refType="h" refFor="des" refForName="level1Shape" op="equ"/>
+              <dgm:constr type="userB" for="des" refType="sp" refFor="des" op="equ"/>
+              <dgm:constr type="h" for="des" forName="firstBuf" refType="h" refFor="des" refForName="level1Shape" fact="0.1"/>
+            </dgm:constrLst>
+          </dgm:if>
+          <dgm:else name="Name4">
+            <dgm:constrLst>
+              <dgm:constr type="l" for="ch" forName="hierFlow" refType="w" fact="0.02"/>
+              <dgm:constr type="t" for="ch" forName="hierFlow"/>
+              <dgm:constr type="r" for="ch" forName="hierFlow" refType="w" fact="0.7"/>
+              <dgm:constr type="b" for="ch" forName="hierFlow" refType="h" fact="0.98"/>
+              <dgm:constr type="l" for="ch" forName="bgShapesFlow"/>
+              <dgm:constr type="t" for="ch" forName="bgShapesFlow"/>
+              <dgm:constr type="r" for="ch" forName="bgShapesFlow" refType="w"/>
+              <dgm:constr type="b" for="ch" forName="bgShapesFlow" refType="h"/>
+              <dgm:constr type="w" for="des" forName="level1Shape" refType="w"/>
+              <dgm:constr type="h" for="des" forName="level1Shape" refType="w" refFor="des" refForName="level1Shape" fact="0.66667"/>
+              <dgm:constr type="w" for="des" forName="level2Shape" refType="w" refFor="des" refForName="level1Shape" op="equ"/>
+              <dgm:constr type="h" for="des" forName="level2Shape" refType="h" refFor="des" refForName="level1Shape" op="equ"/>
+              <dgm:constr type="sp" for="des" refType="h" refFor="des" refForName="level1Shape" op="equ" fact="0.4"/>
+              <dgm:constr type="sibSp" for="des" forName="hierChild1" refType="w" refFor="des" refForName="level1Shape" op="equ" fact="0.3"/>
+              <dgm:constr type="sibSp" for="des" forName="hierChild2" refType="sibSp" refFor="des" refForName="hierChild1" op="equ"/>
+              <dgm:constr type="sibSp" for="des" forName="hierChild3" refType="sibSp" refFor="des" refForName="hierChild1" op="equ"/>
+              <dgm:constr type="userA" for="des" refType="h" refFor="des" refForName="level1Shape" op="equ"/>
+              <dgm:constr type="userB" for="des" refType="sp" refFor="des" op="equ"/>
+              <dgm:constr type="h" for="des" forName="firstBuf" refType="h" refFor="des" refForName="level1Shape" fact="0.1"/>
+            </dgm:constrLst>
+          </dgm:else>
+        </dgm:choose>
+      </dgm:if>
+      <dgm:else name="Name5">
+        <dgm:constrLst>
+          <dgm:constr type="l" for="ch" forName="hierFlow"/>
+          <dgm:constr type="t" for="ch" forName="hierFlow"/>
+          <dgm:constr type="r" for="ch" forName="hierFlow" refType="w"/>
+          <dgm:constr type="b" for="ch" forName="hierFlow" refType="h"/>
+          <dgm:constr type="l" for="ch" forName="bgShapesFlow"/>
+          <dgm:constr type="t" for="ch" forName="bgShapesFlow"/>
+          <dgm:constr type="r" for="ch" forName="bgShapesFlow" refType="w"/>
+          <dgm:constr type="b" for="ch" forName="bgShapesFlow" refType="h"/>
+          <dgm:constr type="w" for="des" forName="level1Shape" refType="w"/>
+          <dgm:constr type="h" for="des" forName="level1Shape" refType="w" refFor="des" refForName="level1Shape" fact="0.66667"/>
+          <dgm:constr type="w" for="des" forName="level2Shape" refType="w" refFor="des" refForName="level1Shape" op="equ"/>
+          <dgm:constr type="h" for="des" forName="level2Shape" refType="h" refFor="des" refForName="level1Shape" op="equ"/>
+          <dgm:constr type="sp" for="des" refType="h" refFor="des" refForName="level1Shape" op="equ" fact="0.4"/>
+          <dgm:constr type="sibSp" for="des" forName="hierChild1" refType="w" refFor="des" refForName="level1Shape" op="equ" fact="0.3"/>
+          <dgm:constr type="sibSp" for="des" forName="hierChild2" refType="sibSp" refFor="des" refForName="hierChild1" op="equ"/>
+          <dgm:constr type="sibSp" for="des" forName="hierChild3" refType="sibSp" refFor="des" refForName="hierChild1" op="equ"/>
+          <dgm:constr type="userA" for="des" refType="h" refFor="des" refForName="level1Shape" op="equ"/>
+          <dgm:constr type="userB" for="des" refType="sp" refFor="des" op="equ"/>
+          <dgm:constr type="h" for="des" forName="firstBuf" refType="h" refFor="des" refForName="level1Shape" fact="0.1"/>
+        </dgm:constrLst>
+      </dgm:else>
+    </dgm:choose>
     <dgm:ruleLst/>
-    <dgm:forEach name="Name3" axis="ch">
-      <dgm:forEach name="Name4" axis="self" ptType="node">
-        <dgm:layoutNode name="hierRoot1">
-          <dgm:alg type="hierRoot"/>
-          <dgm:shape xmlns:r="http://schemas.openxmlformats.org/officeDocument/2006/relationships" r:blip="">
-            <dgm:adjLst/>
-          </dgm:shape>
-          <dgm:presOf/>
-          <dgm:constrLst>
-            <dgm:constr type="bendDist" for="des" ptType="parTrans" refType="sp" fact="0.5"/>
-          </dgm:constrLst>
-          <dgm:ruleLst/>
-          <dgm:layoutNode name="composite">
-            <dgm:alg type="composite"/>
-            <dgm:shape xmlns:r="http://schemas.openxmlformats.org/officeDocument/2006/relationships" r:blip="">
-              <dgm:adjLst/>
-            </dgm:shape>
-            <dgm:presOf/>
-            <dgm:constrLst>
-              <dgm:constr type="w" for="ch" forName="background" refType="w" fact="0.9"/>
-              <dgm:constr type="h" for="ch" forName="background" refType="w" refFor="ch" refForName="background" fact="0.635"/>
-              <dgm:constr type="t" for="ch" forName="background"/>
-              <dgm:constr type="l" for="ch" forName="background"/>
-              <dgm:constr type="w" for="ch" forName="text" refType="w" fact="0.9"/>
-              <dgm:constr type="h" for="ch" forName="text" refType="w" refFor="ch" refForName="text" fact="0.635"/>
-              <dgm:constr type="t" for="ch" forName="text" refType="w" fact="0.095"/>
-              <dgm:constr type="l" for="ch" forName="text" refType="w" fact="0.1"/>
-            </dgm:constrLst>
-            <dgm:ruleLst/>
-            <dgm:layoutNode name="background" styleLbl="node0" moveWith="text">
-              <dgm:alg type="sp"/>
-              <dgm:shape xmlns:r="http://schemas.openxmlformats.org/officeDocument/2006/relationships" type="roundRect" r:blip="">
-                <dgm:adjLst>
-                  <dgm:adj idx="1" val="0.1"/>
-                </dgm:adjLst>
-              </dgm:shape>
-              <dgm:presOf/>
-              <dgm:constrLst/>
-              <dgm:ruleLst/>
-            </dgm:layoutNode>
-            <dgm:layoutNode name="text" styleLbl="fgAcc0">
-              <dgm:varLst>
-                <dgm:chPref val="3"/>
-              </dgm:varLst>
-              <dgm:alg type="tx"/>
-              <dgm:shape xmlns:r="http://schemas.openxmlformats.org/officeDocument/2006/relationships" type="roundRect" r:blip="">
-                <dgm:adjLst>
-                  <dgm:adj idx="1" val="0.1"/>
-                </dgm:adjLst>
-              </dgm:shape>
-              <dgm:presOf axis="self"/>
-              <dgm:constrLst>
-                <dgm:constr type="tMarg" refType="primFontSz" fact="0.3"/>
-                <dgm:constr type="bMarg" refType="primFontSz" fact="0.3"/>
-                <dgm:constr type="lMarg" refType="primFontSz" fact="0.3"/>
-                <dgm:constr type="rMarg" refType="primFontSz" fact="0.3"/>
-              </dgm:constrLst>
-              <dgm:ruleLst>
-                <dgm:rule type="primFontSz" val="5" fact="NaN" max="NaN"/>
-              </dgm:ruleLst>
-            </dgm:layoutNode>
-          </dgm:layoutNode>
-          <dgm:layoutNode name="hierChild2">
-            <dgm:choose name="Name5">
-              <dgm:if name="Name6" func="var" arg="dir" op="equ" val="norm">
-                <dgm:alg type="hierChild">
-                  <dgm:param type="linDir" val="fromL"/>
-                </dgm:alg>
-              </dgm:if>
-              <dgm:else name="Name7">
-                <dgm:alg type="hierChild">
-                  <dgm:param type="linDir" val="fromR"/>
-                </dgm:alg>
-              </dgm:else>
-            </dgm:choose>
+    <dgm:layoutNode name="hierFlow">
+      <dgm:alg type="lin">
+        <dgm:param type="linDir" val="fromT"/>
+        <dgm:param type="nodeVertAlign" val="t"/>
+        <dgm:param type="vertAlign" val="t"/>
+        <dgm:param type="nodeHorzAlign" val="ctr"/>
+        <dgm:param type="fallback" val="2D"/>
+      </dgm:alg>
+      <dgm:shape xmlns:r="http://schemas.openxmlformats.org/officeDocument/2006/relationships" r:blip="">
+        <dgm:adjLst/>
+      </dgm:shape>
+      <dgm:presOf/>
+      <dgm:constrLst/>
+      <dgm:ruleLst/>
+      <dgm:choose name="Name6">
+        <dgm:if name="Name7" axis="ch" ptType="node" func="cnt" op="gte" val="2">
+          <dgm:layoutNode name="firstBuf">
+            <dgm:alg type="sp"/>
             <dgm:shape xmlns:r="http://schemas.openxmlformats.org/officeDocument/2006/relationships" r:blip="">
               <dgm:adjLst/>
             </dgm:shape>
             <dgm:presOf/>
             <dgm:constrLst/>
             <dgm:ruleLst/>
-            <dgm:forEach name="Name8" axis="ch">
-              <dgm:forEach name="Name9" axis="self" ptType="parTrans" cnt="1">
-                <dgm:layoutNode name="Name10">
-                  <dgm:alg type="conn">
-                    <dgm:param type="dim" val="1D"/>
-                    <dgm:param type="endSty" val="noArr"/>
-                    <dgm:param type="connRout" val="bend"/>
-                    <dgm:param type="bendPt" val="end"/>
-                    <dgm:param type="begPts" val="bCtr"/>
-                    <dgm:param type="endPts" val="tCtr"/>
-                    <dgm:param type="srcNode" val="background"/>
-                    <dgm:param type="dstNode" val="background2"/>
-                  </dgm:alg>
-                  <dgm:shape xmlns:r="http://schemas.openxmlformats.org/officeDocument/2006/relationships" type="conn" r:blip="" zOrderOff="-999">
-                    <dgm:adjLst/>
-                  </dgm:shape>
-                  <dgm:presOf axis="self"/>
-                  <dgm:constrLst>
-                    <dgm:constr type="begPad"/>
-                    <dgm:constr type="endPad"/>
-                  </dgm:constrLst>
-                  <dgm:ruleLst/>
-                </dgm:layoutNode>
-              </dgm:forEach>
-              <dgm:forEach name="Name11" axis="self" ptType="node">
-                <dgm:layoutNode name="hierRoot2">
-                  <dgm:alg type="hierRoot"/>
-                  <dgm:shape xmlns:r="http://schemas.openxmlformats.org/officeDocument/2006/relationships" r:blip="">
-                    <dgm:adjLst/>
-                  </dgm:shape>
-                  <dgm:presOf/>
-                  <dgm:constrLst>
-                    <dgm:constr type="bendDist" for="des" ptType="parTrans" refType="sp" fact="0.5"/>
-                  </dgm:constrLst>
-                  <dgm:ruleLst/>
-                  <dgm:layoutNode name="composite2">
-                    <dgm:alg type="composite"/>
-                    <dgm:shape xmlns:r="http://schemas.openxmlformats.org/officeDocument/2006/relationships" r:blip="">
-                      <dgm:adjLst/>
-                    </dgm:shape>
-                    <dgm:presOf/>
-                    <dgm:constrLst>
-                      <dgm:constr type="w" for="ch" forName="background2" refType="w" fact="0.9"/>
-                      <dgm:constr type="h" for="ch" forName="background2" refType="w" refFor="ch" refForName="background2" fact="0.635"/>
-                      <dgm:constr type="t" for="ch" forName="background2"/>
-                      <dgm:constr type="l" for="ch" forName="background2"/>
-                      <dgm:constr type="w" for="ch" forName="text2" refType="w" fact="0.9"/>
-                      <dgm:constr type="h" for="ch" forName="text2" refType="w" refFor="ch" refForName="text2" fact="0.635"/>
-                      <dgm:constr type="t" for="ch" forName="text2" refType="w" fact="0.095"/>
-                      <dgm:constr type="l" for="ch" forName="text2" refType="w" fact="0.1"/>
-                    </dgm:constrLst>
-                    <dgm:ruleLst/>
-                    <dgm:layoutNode name="background2" moveWith="text2">
-                      <dgm:alg type="sp"/>
-                      <dgm:shape xmlns:r="http://schemas.openxmlformats.org/officeDocument/2006/relationships" type="roundRect" r:blip="">
-                        <dgm:adjLst>
-                          <dgm:adj idx="1" val="0.1"/>
-                        </dgm:adjLst>
+          </dgm:layoutNode>
+        </dgm:if>
+        <dgm:else name="Name8"/>
+      </dgm:choose>
+      <dgm:layoutNode name="hierChild1">
+        <dgm:varLst>
+          <dgm:chPref val="1"/>
+          <dgm:animOne val="branch"/>
+          <dgm:animLvl val="lvl"/>
+        </dgm:varLst>
+        <dgm:choose name="Name9">
+          <dgm:if name="Name10" func="var" arg="dir" op="equ" val="norm">
+            <dgm:alg type="hierChild">
+              <dgm:param type="linDir" val="fromL"/>
+              <dgm:param type="vertAlign" val="t"/>
+            </dgm:alg>
+          </dgm:if>
+          <dgm:else name="Name11">
+            <dgm:alg type="hierChild">
+              <dgm:param type="linDir" val="fromR"/>
+              <dgm:param type="vertAlign" val="t"/>
+            </dgm:alg>
+          </dgm:else>
+        </dgm:choose>
+        <dgm:shape xmlns:r="http://schemas.openxmlformats.org/officeDocument/2006/relationships" r:blip="">
+          <dgm:adjLst/>
+        </dgm:shape>
+        <dgm:presOf/>
+        <dgm:constrLst>
+          <dgm:constr type="primFontSz" for="des" ptType="node" op="equ"/>
+        </dgm:constrLst>
+        <dgm:ruleLst/>
+        <dgm:forEach name="Name12" axis="ch" cnt="3">
+          <dgm:forEach name="Name13" axis="self" ptType="node">
+            <dgm:layoutNode name="Name14">
+              <dgm:alg type="hierRoot"/>
+              <dgm:shape xmlns:r="http://schemas.openxmlformats.org/officeDocument/2006/relationships" r:blip="">
+                <dgm:adjLst/>
+              </dgm:shape>
+              <dgm:presOf/>
+              <dgm:constrLst/>
+              <dgm:ruleLst/>
+              <dgm:layoutNode name="level1Shape" styleLbl="node0">
+                <dgm:varLst>
+                  <dgm:chPref val="3"/>
+                </dgm:varLst>
+                <dgm:alg type="tx"/>
+                <dgm:shape xmlns:r="http://schemas.openxmlformats.org/officeDocument/2006/relationships" type="roundRect" r:blip="">
+                  <dgm:adjLst>
+                    <dgm:adj idx="1" val="0.1"/>
+                  </dgm:adjLst>
+                </dgm:shape>
+                <dgm:presOf axis="self"/>
+                <dgm:constrLst>
+                  <dgm:constr type="primFontSz" val="65"/>
+                  <dgm:constr type="tMarg" refType="primFontSz" fact="0.3"/>
+                  <dgm:constr type="bMarg" refType="primFontSz" fact="0.3"/>
+                  <dgm:constr type="lMarg" refType="primFontSz" fact="0.3"/>
+                  <dgm:constr type="rMarg" refType="primFontSz" fact="0.3"/>
+                </dgm:constrLst>
+                <dgm:ruleLst>
+                  <dgm:rule type="primFontSz" val="5" fact="NaN" max="NaN"/>
+                </dgm:ruleLst>
+              </dgm:layoutNode>
+              <dgm:layoutNode name="hierChild2">
+                <dgm:choose name="Name15">
+                  <dgm:if name="Name16" func="var" arg="dir" op="equ" val="norm">
+                    <dgm:alg type="hierChild">
+                      <dgm:param type="linDir" val="fromL"/>
+                    </dgm:alg>
+                  </dgm:if>
+                  <dgm:else name="Name17">
+                    <dgm:alg type="hierChild">
+                      <dgm:param type="linDir" val="fromR"/>
+                    </dgm:alg>
+                  </dgm:else>
+                </dgm:choose>
+                <dgm:shape xmlns:r="http://schemas.openxmlformats.org/officeDocument/2006/relationships" r:blip="">
+                  <dgm:adjLst/>
+                </dgm:shape>
+                <dgm:presOf/>
+                <dgm:constrLst/>
+                <dgm:ruleLst/>
+                <dgm:forEach name="repeat" axis="ch">
+                  <dgm:forEach name="Name18" axis="self" ptType="parTrans" cnt="1">
+                    <dgm:layoutNode name="Name19">
+                      <dgm:alg type="conn">
+                        <dgm:param type="dim" val="1D"/>
+                        <dgm:param type="endSty" val="noArr"/>
+                        <dgm:param type="connRout" val="bend"/>
+                        <dgm:param type="begPts" val="bCtr"/>
+                        <dgm:param type="endPts" val="tCtr"/>
+                      </dgm:alg>
+                      <dgm:shape xmlns:r="http://schemas.openxmlformats.org/officeDocument/2006/relationships" type="conn" r:blip="">
+                        <dgm:adjLst/>
+                      </dgm:shape>
+                      <dgm:presOf axis="self"/>
+                      <dgm:constrLst>
+                        <dgm:constr type="w" val="1"/>
+                        <dgm:constr type="h" val="1"/>
+                        <dgm:constr type="begPad"/>
+                        <dgm:constr type="endPad"/>
+                      </dgm:constrLst>
+                      <dgm:ruleLst/>
+                    </dgm:layoutNode>
+                  </dgm:forEach>
+                  <dgm:forEach name="Name20" axis="self" ptType="node">
+                    <dgm:layoutNode name="Name21">
+                      <dgm:alg type="hierRoot"/>
+                      <dgm:shape xmlns:r="http://schemas.openxmlformats.org/officeDocument/2006/relationships" r:blip="">
+                        <dgm:adjLst/>
                       </dgm:shape>
                       <dgm:presOf/>
                       <dgm:constrLst/>
                       <dgm:ruleLst/>
+                      <dgm:layoutNode name="level2Shape">
+                        <dgm:alg type="tx"/>
+                        <dgm:shape xmlns:r="http://schemas.openxmlformats.org/officeDocument/2006/relationships" type="roundRect" r:blip="">
+                          <dgm:adjLst>
+                            <dgm:adj idx="1" val="0.1"/>
+                          </dgm:adjLst>
+                        </dgm:shape>
+                        <dgm:presOf axis="self"/>
+                        <dgm:constrLst>
+                          <dgm:constr type="primFontSz" val="65"/>
+                          <dgm:constr type="tMarg" refType="primFontSz" fact="0.3"/>
+                          <dgm:constr type="bMarg" refType="primFontSz" fact="0.3"/>
+                          <dgm:constr type="lMarg" refType="primFontSz" fact="0.3"/>
+                          <dgm:constr type="rMarg" refType="primFontSz" fact="0.3"/>
+                        </dgm:constrLst>
+                        <dgm:ruleLst>
+                          <dgm:rule type="primFontSz" val="5" fact="NaN" max="NaN"/>
+                        </dgm:ruleLst>
+                      </dgm:layoutNode>
+                      <dgm:layoutNode name="hierChild3">
+                        <dgm:choose name="Name22">
+                          <dgm:if name="Name23" func="var" arg="dir" op="equ" val="norm">
+                            <dgm:alg type="hierChild">
+                              <dgm:param type="linDir" val="fromL"/>
+                            </dgm:alg>
+                          </dgm:if>
+                          <dgm:else name="Name24">
+                            <dgm:alg type="hierChild">
+                              <dgm:param type="linDir" val="fromR"/>
+                            </dgm:alg>
+                          </dgm:else>
+                        </dgm:choose>
+                        <dgm:shape xmlns:r="http://schemas.openxmlformats.org/officeDocument/2006/relationships" r:blip="">
+                          <dgm:adjLst/>
+                        </dgm:shape>
+                        <dgm:presOf/>
+                        <dgm:constrLst/>
+                        <dgm:ruleLst/>
+                        <dgm:forEach name="Name25" ref="repeat"/>
+                      </dgm:layoutNode>
                     </dgm:layoutNode>
-                    <dgm:layoutNode name="text2" styleLbl="fgAcc2">
-                      <dgm:varLst>
-                        <dgm:chPref val="3"/>
-                      </dgm:varLst>
-                      <dgm:alg type="tx"/>
-                      <dgm:shape xmlns:r="http://schemas.openxmlformats.org/officeDocument/2006/relationships" type="roundRect" r:blip="">
-                        <dgm:adjLst>
-                          <dgm:adj idx="1" val="0.1"/>
-                        </dgm:adjLst>
-                      </dgm:shape>
-                      <dgm:presOf axis="self"/>
-                      <dgm:constrLst>
-                        <dgm:constr type="tMarg" refType="primFontSz" fact="0.3"/>
-                        <dgm:constr type="bMarg" refType="primFontSz" fact="0.3"/>
-                        <dgm:constr type="lMarg" refType="primFontSz" fact="0.3"/>
-                        <dgm:constr type="rMarg" refType="primFontSz" fact="0.3"/>
-                      </dgm:constrLst>
-                      <dgm:ruleLst>
-                        <dgm:rule type="primFontSz" val="5" fact="NaN" max="NaN"/>
-                      </dgm:ruleLst>
-                    </dgm:layoutNode>
-                  </dgm:layoutNode>
-                  <dgm:layoutNode name="hierChild3">
-                    <dgm:choose name="Name12">
-                      <dgm:if name="Name13" func="var" arg="dir" op="equ" val="norm">
-                        <dgm:alg type="hierChild">
-                          <dgm:param type="linDir" val="fromL"/>
-                        </dgm:alg>
-                      </dgm:if>
-                      <dgm:else name="Name14">
-                        <dgm:alg type="hierChild">
-                          <dgm:param type="linDir" val="fromR"/>
-                        </dgm:alg>
-                      </dgm:else>
-                    </dgm:choose>
-                    <dgm:shape xmlns:r="http://schemas.openxmlformats.org/officeDocument/2006/relationships" r:blip="">
-                      <dgm:adjLst/>
-                    </dgm:shape>
-                    <dgm:presOf/>
-                    <dgm:constrLst/>
-                    <dgm:ruleLst/>
-                    <dgm:forEach name="Name15" axis="ch">
-                      <dgm:forEach name="Name16" axis="self" ptType="parTrans" cnt="1">
-                        <dgm:layoutNode name="Name17">
-                          <dgm:alg type="conn">
-                            <dgm:param type="dim" val="1D"/>
-                            <dgm:param type="endSty" val="noArr"/>
-                            <dgm:param type="connRout" val="bend"/>
-                            <dgm:param type="bendPt" val="end"/>
-                            <dgm:param type="begPts" val="bCtr"/>
-                            <dgm:param type="endPts" val="tCtr"/>
-                            <dgm:param type="srcNode" val="background2"/>
-                            <dgm:param type="dstNode" val="background3"/>
-                          </dgm:alg>
-                          <dgm:shape xmlns:r="http://schemas.openxmlformats.org/officeDocument/2006/relationships" type="conn" r:blip="" zOrderOff="-999">
-                            <dgm:adjLst/>
-                          </dgm:shape>
-                          <dgm:presOf axis="self"/>
-                          <dgm:constrLst>
-                            <dgm:constr type="begPad"/>
-                            <dgm:constr type="endPad"/>
-                          </dgm:constrLst>
-                          <dgm:ruleLst/>
-                        </dgm:layoutNode>
-                      </dgm:forEach>
-                      <dgm:forEach name="Name18" axis="self" ptType="node">
-                        <dgm:layoutNode name="hierRoot3">
-                          <dgm:alg type="hierRoot"/>
-                          <dgm:shape xmlns:r="http://schemas.openxmlformats.org/officeDocument/2006/relationships" r:blip="">
-                            <dgm:adjLst/>
-                          </dgm:shape>
-                          <dgm:presOf/>
-                          <dgm:constrLst>
-                            <dgm:constr type="bendDist" for="des" ptType="parTrans" refType="sp" fact="0.5"/>
-                          </dgm:constrLst>
-                          <dgm:ruleLst/>
-                          <dgm:layoutNode name="composite3">
-                            <dgm:alg type="composite"/>
-                            <dgm:shape xmlns:r="http://schemas.openxmlformats.org/officeDocument/2006/relationships" r:blip="">
-                              <dgm:adjLst/>
-                            </dgm:shape>
-                            <dgm:presOf/>
-                            <dgm:constrLst>
-                              <dgm:constr type="w" for="ch" forName="background3" refType="w" fact="0.9"/>
-                              <dgm:constr type="h" for="ch" forName="background3" refType="w" refFor="ch" refForName="background3" fact="0.635"/>
-                              <dgm:constr type="t" for="ch" forName="background3"/>
-                              <dgm:constr type="l" for="ch" forName="background3"/>
-                              <dgm:constr type="w" for="ch" forName="text3" refType="w" fact="0.9"/>
-                              <dgm:constr type="h" for="ch" forName="text3" refType="w" refFor="ch" refForName="text3" fact="0.635"/>
-                              <dgm:constr type="t" for="ch" forName="text3" refType="w" fact="0.095"/>
-                              <dgm:constr type="l" for="ch" forName="text3" refType="w" fact="0.1"/>
-                            </dgm:constrLst>
-                            <dgm:ruleLst/>
-                            <dgm:layoutNode name="background3" moveWith="text3">
-                              <dgm:alg type="sp"/>
-                              <dgm:shape xmlns:r="http://schemas.openxmlformats.org/officeDocument/2006/relationships" type="roundRect" r:blip="">
-                                <dgm:adjLst>
-                                  <dgm:adj idx="1" val="0.1"/>
-                                </dgm:adjLst>
-                              </dgm:shape>
-                              <dgm:presOf/>
-                              <dgm:constrLst/>
-                              <dgm:ruleLst/>
-                            </dgm:layoutNode>
-                            <dgm:layoutNode name="text3" styleLbl="fgAcc3">
-                              <dgm:varLst>
-                                <dgm:chPref val="3"/>
-                              </dgm:varLst>
-                              <dgm:alg type="tx"/>
-                              <dgm:shape xmlns:r="http://schemas.openxmlformats.org/officeDocument/2006/relationships" type="roundRect" r:blip="">
-                                <dgm:adjLst>
-                                  <dgm:adj idx="1" val="0.1"/>
-                                </dgm:adjLst>
-                              </dgm:shape>
-                              <dgm:presOf axis="self"/>
-                              <dgm:constrLst>
-                                <dgm:constr type="tMarg" refType="primFontSz" fact="0.3"/>
-                                <dgm:constr type="bMarg" refType="primFontSz" fact="0.3"/>
-                                <dgm:constr type="lMarg" refType="primFontSz" fact="0.3"/>
-                                <dgm:constr type="rMarg" refType="primFontSz" fact="0.3"/>
-                              </dgm:constrLst>
-                              <dgm:ruleLst>
-                                <dgm:rule type="primFontSz" val="5" fact="NaN" max="NaN"/>
-                              </dgm:ruleLst>
-                            </dgm:layoutNode>
-                          </dgm:layoutNode>
-                          <dgm:layoutNode name="hierChild4">
-                            <dgm:choose name="Name19">
-                              <dgm:if name="Name20" func="var" arg="dir" op="equ" val="norm">
-                                <dgm:alg type="hierChild">
-                                  <dgm:param type="linDir" val="fromL"/>
-                                </dgm:alg>
-                              </dgm:if>
-                              <dgm:else name="Name21">
-                                <dgm:alg type="hierChild">
-                                  <dgm:param type="linDir" val="fromR"/>
-                                </dgm:alg>
-                              </dgm:else>
-                            </dgm:choose>
-                            <dgm:shape xmlns:r="http://schemas.openxmlformats.org/officeDocument/2006/relationships" r:blip="">
-                              <dgm:adjLst/>
-                            </dgm:shape>
-                            <dgm:presOf/>
-                            <dgm:constrLst/>
-                            <dgm:ruleLst/>
-                            <dgm:forEach name="repeat" axis="ch">
-                              <dgm:forEach name="Name22" axis="self" ptType="parTrans" cnt="1">
-                                <dgm:layoutNode name="Name23">
-                                  <dgm:choose name="Name24">
-                                    <dgm:if name="Name25" axis="self" func="depth" op="lte" val="4">
-                                      <dgm:alg type="conn">
-                                        <dgm:param type="dim" val="1D"/>
-                                        <dgm:param type="endSty" val="noArr"/>
-                                        <dgm:param type="connRout" val="bend"/>
-                                        <dgm:param type="bendPt" val="end"/>
-                                        <dgm:param type="begPts" val="bCtr"/>
-                                        <dgm:param type="endPts" val="tCtr"/>
-                                        <dgm:param type="srcNode" val="background3"/>
-                                        <dgm:param type="dstNode" val="background4"/>
-                                      </dgm:alg>
-                                    </dgm:if>
-                                    <dgm:else name="Name26">
-                                      <dgm:alg type="conn">
-                                        <dgm:param type="dim" val="1D"/>
-                                        <dgm:param type="endSty" val="noArr"/>
-                                        <dgm:param type="connRout" val="bend"/>
-                                        <dgm:param type="bendPt" val="end"/>
-                                        <dgm:param type="begPts" val="bCtr"/>
-                                        <dgm:param type="endPts" val="tCtr"/>
-                                        <dgm:param type="srcNode" val="background4"/>
-                                        <dgm:param type="dstNode" val="background4"/>
-                                      </dgm:alg>
-                                    </dgm:else>
-                                  </dgm:choose>
-                                  <dgm:shape xmlns:r="http://schemas.openxmlformats.org/officeDocument/2006/relationships" type="conn" r:blip="" zOrderOff="-999">
-                                    <dgm:adjLst/>
-                                  </dgm:shape>
-                                  <dgm:presOf axis="self"/>
-                                  <dgm:constrLst>
-                                    <dgm:constr type="begPad"/>
-                                    <dgm:constr type="endPad"/>
-                                  </dgm:constrLst>
-                                  <dgm:ruleLst/>
-                                </dgm:layoutNode>
-                              </dgm:forEach>
-                              <dgm:forEach name="Name27" axis="self" ptType="node">
-                                <dgm:layoutNode name="hierRoot4">
-                                  <dgm:alg type="hierRoot"/>
-                                  <dgm:shape xmlns:r="http://schemas.openxmlformats.org/officeDocument/2006/relationships" r:blip="">
-                                    <dgm:adjLst/>
-                                  </dgm:shape>
-                                  <dgm:presOf/>
-                                  <dgm:constrLst>
-                                    <dgm:constr type="bendDist" for="des" ptType="parTrans" refType="sp" fact="0.5"/>
-                                  </dgm:constrLst>
-                                  <dgm:ruleLst/>
-                                  <dgm:layoutNode name="composite4">
-                                    <dgm:alg type="composite"/>
-                                    <dgm:shape xmlns:r="http://schemas.openxmlformats.org/officeDocument/2006/relationships" r:blip="">
-                                      <dgm:adjLst/>
-                                    </dgm:shape>
-                                    <dgm:presOf/>
-                                    <dgm:constrLst>
-                                      <dgm:constr type="w" for="ch" forName="background4" refType="w" fact="0.9"/>
-                                      <dgm:constr type="h" for="ch" forName="background4" refType="w" refFor="ch" refForName="background4" fact="0.635"/>
-                                      <dgm:constr type="t" for="ch" forName="background4"/>
-                                      <dgm:constr type="l" for="ch" forName="background4"/>
-                                      <dgm:constr type="w" for="ch" forName="text4" refType="w" fact="0.9"/>
-                                      <dgm:constr type="h" for="ch" forName="text4" refType="w" refFor="ch" refForName="text4" fact="0.635"/>
-                                      <dgm:constr type="t" for="ch" forName="text4" refType="w" fact="0.095"/>
-                                      <dgm:constr type="l" for="ch" forName="text4" refType="w" fact="0.1"/>
-                                    </dgm:constrLst>
-                                    <dgm:ruleLst/>
-                                    <dgm:layoutNode name="background4" moveWith="text4">
-                                      <dgm:alg type="sp"/>
-                                      <dgm:shape xmlns:r="http://schemas.openxmlformats.org/officeDocument/2006/relationships" type="roundRect" r:blip="">
-                                        <dgm:adjLst>
-                                          <dgm:adj idx="1" val="0.1"/>
-                                        </dgm:adjLst>
-                                      </dgm:shape>
-                                      <dgm:presOf/>
-                                      <dgm:constrLst/>
-                                      <dgm:ruleLst/>
-                                    </dgm:layoutNode>
-                                    <dgm:layoutNode name="text4" styleLbl="fgAcc4">
-                                      <dgm:varLst>
-                                        <dgm:chPref val="3"/>
-                                      </dgm:varLst>
-                                      <dgm:alg type="tx"/>
-                                      <dgm:shape xmlns:r="http://schemas.openxmlformats.org/officeDocument/2006/relationships" type="roundRect" r:blip="">
-                                        <dgm:adjLst>
-                                          <dgm:adj idx="1" val="0.1"/>
-                                        </dgm:adjLst>
-                                      </dgm:shape>
-                                      <dgm:presOf axis="self"/>
-                                      <dgm:constrLst>
-                                        <dgm:constr type="tMarg" refType="primFontSz" fact="0.3"/>
-                                        <dgm:constr type="bMarg" refType="primFontSz" fact="0.3"/>
-                                        <dgm:constr type="lMarg" refType="primFontSz" fact="0.3"/>
-                                        <dgm:constr type="rMarg" refType="primFontSz" fact="0.3"/>
-                                      </dgm:constrLst>
-                                      <dgm:ruleLst>
-                                        <dgm:rule type="primFontSz" val="5" fact="NaN" max="NaN"/>
-                                      </dgm:ruleLst>
-                                    </dgm:layoutNode>
-                                  </dgm:layoutNode>
-                                  <dgm:layoutNode name="hierChild5">
-                                    <dgm:choose name="Name28">
-                                      <dgm:if name="Name29" func="var" arg="dir" op="equ" val="norm">
-                                        <dgm:alg type="hierChild">
-                                          <dgm:param type="linDir" val="fromL"/>
-                                        </dgm:alg>
-                                      </dgm:if>
-                                      <dgm:else name="Name30">
-                                        <dgm:alg type="hierChild">
-                                          <dgm:param type="linDir" val="fromR"/>
-                                        </dgm:alg>
-                                      </dgm:else>
-                                    </dgm:choose>
-                                    <dgm:shape xmlns:r="http://schemas.openxmlformats.org/officeDocument/2006/relationships" r:blip="">
-                                      <dgm:adjLst/>
-                                    </dgm:shape>
-                                    <dgm:presOf/>
-                                    <dgm:constrLst/>
-                                    <dgm:ruleLst/>
-                                    <dgm:forEach name="Name31" ref="repeat"/>
-                                  </dgm:layoutNode>
-                                </dgm:layoutNode>
-                              </dgm:forEach>
-                            </dgm:forEach>
-                          </dgm:layoutNode>
-                        </dgm:layoutNode>
-                      </dgm:forEach>
-                    </dgm:forEach>
-                  </dgm:layoutNode>
-                </dgm:layoutNode>
-              </dgm:forEach>
-            </dgm:forEach>
+                  </dgm:forEach>
+                </dgm:forEach>
+              </dgm:layoutNode>
+            </dgm:layoutNode>
+          </dgm:forEach>
+        </dgm:forEach>
+      </dgm:layoutNode>
+    </dgm:layoutNode>
+    <dgm:layoutNode name="bgShapesFlow">
+      <dgm:alg type="lin">
+        <dgm:param type="linDir" val="fromT"/>
+        <dgm:param type="nodeVertAlign" val="t"/>
+        <dgm:param type="vertAlign" val="t"/>
+        <dgm:param type="nodeHorzAlign" val="ctr"/>
+      </dgm:alg>
+      <dgm:shape xmlns:r="http://schemas.openxmlformats.org/officeDocument/2006/relationships" r:blip="">
+        <dgm:adjLst/>
+      </dgm:shape>
+      <dgm:presOf/>
+      <dgm:constrLst>
+        <dgm:constr type="userB"/>
+        <dgm:constr type="w" for="ch" forName="rectComp" refType="w"/>
+        <dgm:constr type="h" for="ch" forName="rectComp" refType="h"/>
+        <dgm:constr type="w" for="des" forName="bgRect" refType="w"/>
+        <dgm:constr type="primFontSz" for="des" forName="bgRectTx" op="equ"/>
+      </dgm:constrLst>
+      <dgm:ruleLst/>
+      <dgm:forEach name="Name26" axis="ch" ptType="node" st="2">
+        <dgm:layoutNode name="rectComp">
+          <dgm:alg type="composite">
+            <dgm:param type="vertAlign" val="t"/>
+            <dgm:param type="horzAlign" val="ctr"/>
+          </dgm:alg>
+          <dgm:shape xmlns:r="http://schemas.openxmlformats.org/officeDocument/2006/relationships" r:blip="">
+            <dgm:adjLst/>
+          </dgm:shape>
+          <dgm:presOf/>
+          <dgm:choose name="Name27">
+            <dgm:if name="Name28" func="var" arg="dir" op="equ" val="norm">
+              <dgm:constrLst>
+                <dgm:constr type="userA"/>
+                <dgm:constr type="l" for="ch" forName="bgRect"/>
+                <dgm:constr type="t" for="ch" forName="bgRect"/>
+                <dgm:constr type="h" for="ch" forName="bgRect" refType="userA" fact="1.2"/>
+                <dgm:constr type="l" for="ch" forName="bgRectTx"/>
+                <dgm:constr type="t" for="ch" forName="bgRectTx"/>
+                <dgm:constr type="w" for="ch" forName="bgRectTx" refType="w" refFor="ch" refForName="bgRect" fact="0.3"/>
+                <dgm:constr type="h" for="ch" forName="bgRectTx" refType="h" refFor="ch" refForName="bgRect" op="equ"/>
+              </dgm:constrLst>
+            </dgm:if>
+            <dgm:else name="Name29">
+              <dgm:constrLst>
+                <dgm:constr type="userA"/>
+                <dgm:constr type="l" for="ch" forName="bgRect"/>
+                <dgm:constr type="t" for="ch" forName="bgRect"/>
+                <dgm:constr type="h" for="ch" forName="bgRect" refType="userA" fact="1.2"/>
+                <dgm:constr type="r" for="ch" forName="bgRectTx" refType="w"/>
+                <dgm:constr type="t" for="ch" forName="bgRectTx"/>
+                <dgm:constr type="w" for="ch" forName="bgRectTx" refType="w" refFor="ch" refForName="bgRect" fact="0.3"/>
+                <dgm:constr type="h" for="ch" forName="bgRectTx" refType="h" refFor="ch" refForName="bgRect" op="equ"/>
+              </dgm:constrLst>
+            </dgm:else>
+          </dgm:choose>
+          <dgm:ruleLst/>
+          <dgm:layoutNode name="bgRect" styleLbl="bgShp">
+            <dgm:alg type="sp"/>
+            <dgm:shape xmlns:r="http://schemas.openxmlformats.org/officeDocument/2006/relationships" type="roundRect" r:blip="" zOrderOff="-999">
+              <dgm:adjLst>
+                <dgm:adj idx="1" val="0.1"/>
+              </dgm:adjLst>
+            </dgm:shape>
+            <dgm:presOf axis="desOrSelf" ptType="node"/>
+            <dgm:constrLst/>
+            <dgm:ruleLst/>
+          </dgm:layoutNode>
+          <dgm:layoutNode name="bgRectTx" styleLbl="bgShp">
+            <dgm:varLst>
+              <dgm:bulletEnabled val="1"/>
+            </dgm:varLst>
+            <dgm:alg type="tx"/>
+            <dgm:presOf axis="desOrSelf" ptType="node"/>
+            <dgm:shape xmlns:r="http://schemas.openxmlformats.org/officeDocument/2006/relationships" type="rect" r:blip="" zOrderOff="-999" hideGeom="1">
+              <dgm:adjLst/>
+            </dgm:shape>
+            <dgm:constrLst>
+              <dgm:constr type="primFontSz" val="65"/>
+            </dgm:constrLst>
+            <dgm:ruleLst>
+              <dgm:rule type="primFontSz" val="5" fact="NaN" max="NaN"/>
+            </dgm:ruleLst>
           </dgm:layoutNode>
         </dgm:layoutNode>
+        <dgm:choose name="Name30">
+          <dgm:if name="Name31" axis="self" ptType="node" func="revPos" op="gte" val="2">
+            <dgm:layoutNode name="spComp">
+              <dgm:alg type="composite">
+                <dgm:param type="vertAlign" val="t"/>
+                <dgm:param type="horzAlign" val="ctr"/>
+              </dgm:alg>
+              <dgm:shape xmlns:r="http://schemas.openxmlformats.org/officeDocument/2006/relationships" r:blip="">
+                <dgm:adjLst/>
+              </dgm:shape>
+              <dgm:presOf/>
+              <dgm:constrLst>
+                <dgm:constr type="userA"/>
+                <dgm:constr type="userB"/>
+                <dgm:constr type="l" for="ch" forName="vSp"/>
+                <dgm:constr type="t" for="ch" forName="vSp"/>
+                <dgm:constr type="h" for="ch" forName="vSp" refType="userB"/>
+                <dgm:constr type="hOff" for="ch" forName="vSp" refType="userA" fact="-0.2"/>
+              </dgm:constrLst>
+              <dgm:ruleLst/>
+              <dgm:layoutNode name="vSp">
+                <dgm:alg type="sp"/>
+                <dgm:shape xmlns:r="http://schemas.openxmlformats.org/officeDocument/2006/relationships" r:blip="">
+                  <dgm:adjLst/>
+                </dgm:shape>
+                <dgm:presOf/>
+                <dgm:constrLst/>
+                <dgm:ruleLst/>
+              </dgm:layoutNode>
+            </dgm:layoutNode>
+          </dgm:if>
+          <dgm:else name="Name32"/>
+        </dgm:choose>
       </dgm:forEach>
-    </dgm:forEach>
+    </dgm:layoutNode>
   </dgm:layoutNode>
 </dgm:layoutDef>
 </file>
@@ -22219,7 +20700,7 @@
           <a:p>
             <a:fld id="{C3E5FADB-0241-420F-A856-135E9D8F4D6E}" type="datetimeFigureOut">
               <a:rPr lang="en-IN" smtClean="0"/>
-              <a:t>18-12-2017</a:t>
+              <a:t>19-12-2017</a:t>
             </a:fld>
             <a:endParaRPr lang="en-IN"/>
           </a:p>
@@ -22392,7 +20873,7 @@
           <a:p>
             <a:fld id="{C3E5FADB-0241-420F-A856-135E9D8F4D6E}" type="datetimeFigureOut">
               <a:rPr lang="en-IN" smtClean="0"/>
-              <a:t>18-12-2017</a:t>
+              <a:t>19-12-2017</a:t>
             </a:fld>
             <a:endParaRPr lang="en-IN"/>
           </a:p>
@@ -22575,7 +21056,7 @@
           <a:p>
             <a:fld id="{C3E5FADB-0241-420F-A856-135E9D8F4D6E}" type="datetimeFigureOut">
               <a:rPr lang="en-IN" smtClean="0"/>
-              <a:t>18-12-2017</a:t>
+              <a:t>19-12-2017</a:t>
             </a:fld>
             <a:endParaRPr lang="en-IN"/>
           </a:p>
@@ -22748,7 +21229,7 @@
           <a:p>
             <a:fld id="{C3E5FADB-0241-420F-A856-135E9D8F4D6E}" type="datetimeFigureOut">
               <a:rPr lang="en-IN" smtClean="0"/>
-              <a:t>18-12-2017</a:t>
+              <a:t>19-12-2017</a:t>
             </a:fld>
             <a:endParaRPr lang="en-IN"/>
           </a:p>
@@ -22997,7 +21478,7 @@
           <a:p>
             <a:fld id="{C3E5FADB-0241-420F-A856-135E9D8F4D6E}" type="datetimeFigureOut">
               <a:rPr lang="en-IN" smtClean="0"/>
-              <a:t>18-12-2017</a:t>
+              <a:t>19-12-2017</a:t>
             </a:fld>
             <a:endParaRPr lang="en-IN"/>
           </a:p>
@@ -23232,7 +21713,7 @@
           <a:p>
             <a:fld id="{C3E5FADB-0241-420F-A856-135E9D8F4D6E}" type="datetimeFigureOut">
               <a:rPr lang="en-IN" smtClean="0"/>
-              <a:t>18-12-2017</a:t>
+              <a:t>19-12-2017</a:t>
             </a:fld>
             <a:endParaRPr lang="en-IN"/>
           </a:p>
@@ -23602,7 +22083,7 @@
           <a:p>
             <a:fld id="{C3E5FADB-0241-420F-A856-135E9D8F4D6E}" type="datetimeFigureOut">
               <a:rPr lang="en-IN" smtClean="0"/>
-              <a:t>18-12-2017</a:t>
+              <a:t>19-12-2017</a:t>
             </a:fld>
             <a:endParaRPr lang="en-IN"/>
           </a:p>
@@ -23723,7 +22204,7 @@
           <a:p>
             <a:fld id="{C3E5FADB-0241-420F-A856-135E9D8F4D6E}" type="datetimeFigureOut">
               <a:rPr lang="en-IN" smtClean="0"/>
-              <a:t>18-12-2017</a:t>
+              <a:t>19-12-2017</a:t>
             </a:fld>
             <a:endParaRPr lang="en-IN"/>
           </a:p>
@@ -23821,7 +22302,7 @@
           <a:p>
             <a:fld id="{C3E5FADB-0241-420F-A856-135E9D8F4D6E}" type="datetimeFigureOut">
               <a:rPr lang="en-IN" smtClean="0"/>
-              <a:t>18-12-2017</a:t>
+              <a:t>19-12-2017</a:t>
             </a:fld>
             <a:endParaRPr lang="en-IN"/>
           </a:p>
@@ -24101,7 +22582,7 @@
           <a:p>
             <a:fld id="{C3E5FADB-0241-420F-A856-135E9D8F4D6E}" type="datetimeFigureOut">
               <a:rPr lang="en-IN" smtClean="0"/>
-              <a:t>18-12-2017</a:t>
+              <a:t>19-12-2017</a:t>
             </a:fld>
             <a:endParaRPr lang="en-IN"/>
           </a:p>
@@ -24357,7 +22838,7 @@
           <a:p>
             <a:fld id="{C3E5FADB-0241-420F-A856-135E9D8F4D6E}" type="datetimeFigureOut">
               <a:rPr lang="en-IN" smtClean="0"/>
-              <a:t>18-12-2017</a:t>
+              <a:t>19-12-2017</a:t>
             </a:fld>
             <a:endParaRPr lang="en-IN"/>
           </a:p>
@@ -24425,9 +22906,19 @@
 <p:sldMaster xmlns:a="http://schemas.openxmlformats.org/drawingml/2006/main" xmlns:r="http://schemas.openxmlformats.org/officeDocument/2006/relationships" xmlns:p="http://schemas.openxmlformats.org/presentationml/2006/main">
   <p:cSld>
     <p:bg>
-      <p:bgRef idx="1001">
-        <a:schemeClr val="bg1"/>
-      </p:bgRef>
+      <p:bgPr>
+        <a:blipFill dpi="0" rotWithShape="1">
+          <a:blip r:embed="rId13">
+            <a:alphaModFix amt="63000"/>
+            <a:lum/>
+          </a:blip>
+          <a:srcRect/>
+          <a:stretch>
+            <a:fillRect t="-17000" b="-17000"/>
+          </a:stretch>
+        </a:blipFill>
+        <a:effectLst/>
+      </p:bgPr>
     </p:bg>
     <p:spTree>
       <p:nvGrpSpPr>
@@ -24573,7 +23064,7 @@
           <a:p>
             <a:fld id="{C3E5FADB-0241-420F-A856-135E9D8F4D6E}" type="datetimeFigureOut">
               <a:rPr lang="en-IN" smtClean="0"/>
-              <a:t>18-12-2017</a:t>
+              <a:t>19-12-2017</a:t>
             </a:fld>
             <a:endParaRPr lang="en-IN"/>
           </a:p>
@@ -24965,7 +23456,7 @@
 </file>
 
 <file path=ppt/slides/slide1.xml><?xml version="1.0" encoding="utf-8"?>
-<p:sld xmlns:a="http://schemas.openxmlformats.org/drawingml/2006/main" xmlns:r="http://schemas.openxmlformats.org/officeDocument/2006/relationships" xmlns:p="http://schemas.openxmlformats.org/presentationml/2006/main" showMasterSp="0">
+<p:sld xmlns:a="http://schemas.openxmlformats.org/drawingml/2006/main" xmlns:r="http://schemas.openxmlformats.org/officeDocument/2006/relationships" xmlns:p="http://schemas.openxmlformats.org/presentationml/2006/main">
   <p:cSld>
     <p:spTree>
       <p:nvGrpSpPr>
@@ -25279,11 +23770,7 @@
           <a:p>
             <a:r>
               <a:rPr lang="en-IN" dirty="0" smtClean="0"/>
-              <a:t>Feasibility </a:t>
-            </a:r>
-            <a:r>
-              <a:rPr lang="en-IN" dirty="0" smtClean="0"/>
-              <a:t>Study - I</a:t>
+              <a:t>Feasibility Study - I</a:t>
             </a:r>
             <a:endParaRPr lang="en-IN" dirty="0"/>
           </a:p>
@@ -25442,11 +23929,7 @@
           <a:p>
             <a:r>
               <a:rPr lang="en-IN" dirty="0" smtClean="0"/>
-              <a:t>Feasibility </a:t>
-            </a:r>
-            <a:r>
-              <a:rPr lang="en-IN" dirty="0" smtClean="0"/>
-              <a:t>Study - II</a:t>
+              <a:t>Feasibility Study - II</a:t>
             </a:r>
             <a:endParaRPr lang="en-IN" dirty="0"/>
           </a:p>
@@ -25474,11 +23957,7 @@
             </a:pPr>
             <a:r>
               <a:rPr lang="en-IN" dirty="0" smtClean="0"/>
-              <a:t>2.  </a:t>
-            </a:r>
-            <a:r>
-              <a:rPr lang="en-IN" dirty="0" smtClean="0"/>
-              <a:t>Economic Feasibility:</a:t>
+              <a:t>2.  Economic Feasibility:</a:t>
             </a:r>
           </a:p>
           <a:p>
@@ -25826,7 +24305,7 @@
             <p:ph sz="half" idx="2"/>
             <p:extLst>
               <p:ext uri="{D42A27DB-BD31-4B8C-83A1-F6EECF244321}">
-                <p14:modId xmlns:p14="http://schemas.microsoft.com/office/powerpoint/2010/main" val="1439905262"/>
+                <p14:modId xmlns:p14="http://schemas.microsoft.com/office/powerpoint/2010/main" val="2729130610"/>
               </p:ext>
             </p:extLst>
           </p:nvPr>
@@ -26031,7 +24510,7 @@
             <p:ph idx="1"/>
             <p:extLst>
               <p:ext uri="{D42A27DB-BD31-4B8C-83A1-F6EECF244321}">
-                <p14:modId xmlns:p14="http://schemas.microsoft.com/office/powerpoint/2010/main" val="1658430300"/>
+                <p14:modId xmlns:p14="http://schemas.microsoft.com/office/powerpoint/2010/main" val="1895220077"/>
               </p:ext>
             </p:extLst>
           </p:nvPr>
@@ -26215,13 +24694,7 @@
               <a:rPr lang="en-IN" dirty="0" smtClean="0">
                 <a:hlinkClick r:id="rId4" action="ppaction://hlinksldjump"/>
               </a:rPr>
-              <a:t>Activity </a:t>
-            </a:r>
-            <a:r>
-              <a:rPr lang="en-IN" dirty="0" smtClean="0">
-                <a:hlinkClick r:id="rId4" action="ppaction://hlinksldjump"/>
-              </a:rPr>
-              <a:t>Diagram</a:t>
+              <a:t>Activity Diagram</a:t>
             </a:r>
             <a:endParaRPr lang="en-IN" dirty="0" smtClean="0"/>
           </a:p>
@@ -26239,13 +24712,7 @@
               <a:rPr lang="en-IN" dirty="0" smtClean="0">
                 <a:hlinkClick r:id="rId6" action="ppaction://hlinksldjump"/>
               </a:rPr>
-              <a:t>Deployment </a:t>
-            </a:r>
-            <a:r>
-              <a:rPr lang="en-IN" dirty="0" smtClean="0">
-                <a:hlinkClick r:id="rId6" action="ppaction://hlinksldjump"/>
-              </a:rPr>
-              <a:t>Diagram</a:t>
+              <a:t>Deployment Diagram</a:t>
             </a:r>
             <a:endParaRPr lang="en-IN" dirty="0" smtClean="0"/>
           </a:p>
@@ -27598,10 +26065,10 @@
           <a:lstStyle/>
           <a:p>
             <a:r>
-              <a:rPr lang="en-US" dirty="0"/>
+              <a:rPr lang="en-US" b="0" dirty="0"/>
               <a:t>Users</a:t>
             </a:r>
-            <a:endParaRPr lang="en-IN" dirty="0"/>
+            <a:endParaRPr lang="en-IN" b="0" dirty="0"/>
           </a:p>
         </p:txBody>
       </p:sp>
@@ -27617,7 +26084,7 @@
         </p:nvGraphicFramePr>
         <p:xfrm>
           <a:off x="839788" y="2426017"/>
-          <a:ext cx="5157788" cy="2750630"/>
+          <a:ext cx="5157788" cy="2763204"/>
         </p:xfrm>
         <a:graphic>
           <a:graphicData uri="http://schemas.openxmlformats.org/drawingml/2006/table">
@@ -28953,10 +27420,10 @@
           <a:lstStyle/>
           <a:p>
             <a:r>
-              <a:rPr lang="en-US" dirty="0" err="1" smtClean="0"/>
-              <a:t>Comunities</a:t>
+              <a:rPr lang="en-US" b="0" dirty="0" smtClean="0"/>
+              <a:t>Communities</a:t>
             </a:r>
-            <a:endParaRPr lang="en-IN" dirty="0"/>
+            <a:endParaRPr lang="en-IN" b="0" dirty="0"/>
           </a:p>
         </p:txBody>
       </p:sp>
@@ -30627,10 +29094,10 @@
           <a:lstStyle/>
           <a:p>
             <a:r>
-              <a:rPr lang="en-US" dirty="0" smtClean="0"/>
+              <a:rPr lang="en-US" b="0" dirty="0" smtClean="0"/>
               <a:t>Events</a:t>
             </a:r>
-            <a:endParaRPr lang="en-IN" dirty="0"/>
+            <a:endParaRPr lang="en-IN" b="0" dirty="0"/>
           </a:p>
         </p:txBody>
       </p:sp>
@@ -30646,7 +29113,7 @@
         </p:nvGraphicFramePr>
         <p:xfrm>
           <a:off x="839788" y="2701195"/>
-          <a:ext cx="5157787" cy="2174784"/>
+          <a:ext cx="5157787" cy="2212848"/>
         </p:xfrm>
         <a:graphic>
           <a:graphicData uri="http://schemas.openxmlformats.org/drawingml/2006/table">
@@ -32306,10 +30773,10 @@
           <a:lstStyle/>
           <a:p>
             <a:r>
-              <a:rPr lang="en-US" dirty="0" smtClean="0"/>
+              <a:rPr lang="en-US" b="0" dirty="0" smtClean="0"/>
               <a:t>Story</a:t>
             </a:r>
-            <a:endParaRPr lang="en-IN" dirty="0"/>
+            <a:endParaRPr lang="en-IN" b="0" dirty="0"/>
           </a:p>
         </p:txBody>
       </p:sp>
@@ -32325,7 +30792,7 @@
         </p:nvGraphicFramePr>
         <p:xfrm>
           <a:off x="6172199" y="3162205"/>
-          <a:ext cx="5183190" cy="1274869"/>
+          <a:ext cx="5183190" cy="1290828"/>
         </p:xfrm>
         <a:graphic>
           <a:graphicData uri="http://schemas.openxmlformats.org/drawingml/2006/table">
@@ -33377,10 +31844,10 @@
           <a:lstStyle/>
           <a:p>
             <a:r>
-              <a:rPr lang="en-US" dirty="0" smtClean="0"/>
+              <a:rPr lang="en-US" b="0" dirty="0" smtClean="0"/>
               <a:t>Community Members</a:t>
             </a:r>
-            <a:endParaRPr lang="en-IN" dirty="0"/>
+            <a:endParaRPr lang="en-IN" b="0" dirty="0"/>
           </a:p>
         </p:txBody>
       </p:sp>
@@ -33396,7 +31863,7 @@
         </p:nvGraphicFramePr>
         <p:xfrm>
           <a:off x="839788" y="2945930"/>
-          <a:ext cx="5157788" cy="1714170"/>
+          <a:ext cx="5157788" cy="1723377"/>
         </p:xfrm>
         <a:graphic>
           <a:graphicData uri="http://schemas.openxmlformats.org/drawingml/2006/table">
@@ -34084,10 +32551,10 @@
           <a:lstStyle/>
           <a:p>
             <a:r>
-              <a:rPr lang="en-US" dirty="0" smtClean="0"/>
+              <a:rPr lang="en-US" b="0" dirty="0" smtClean="0"/>
               <a:t>Feedbacks</a:t>
             </a:r>
-            <a:endParaRPr lang="en-IN" dirty="0"/>
+            <a:endParaRPr lang="en-IN" b="0" dirty="0"/>
           </a:p>
         </p:txBody>
       </p:sp>
@@ -34103,7 +32570,7 @@
         </p:nvGraphicFramePr>
         <p:xfrm>
           <a:off x="6172200" y="3070003"/>
-          <a:ext cx="5183189" cy="1456995"/>
+          <a:ext cx="5183189" cy="1475232"/>
         </p:xfrm>
         <a:graphic>
           <a:graphicData uri="http://schemas.openxmlformats.org/drawingml/2006/table">
@@ -34993,10 +33460,10 @@
           <a:lstStyle/>
           <a:p>
             <a:r>
-              <a:rPr lang="en-US" dirty="0" smtClean="0"/>
+              <a:rPr lang="en-US" b="0" dirty="0" smtClean="0"/>
               <a:t>Posts</a:t>
             </a:r>
-            <a:endParaRPr lang="en-IN" dirty="0"/>
+            <a:endParaRPr lang="en-IN" b="0" dirty="0"/>
           </a:p>
         </p:txBody>
       </p:sp>
@@ -35012,7 +33479,7 @@
         </p:nvGraphicFramePr>
         <p:xfrm>
           <a:off x="839788" y="2623492"/>
-          <a:ext cx="5157787" cy="2333362"/>
+          <a:ext cx="5157787" cy="2368254"/>
         </p:xfrm>
         <a:graphic>
           <a:graphicData uri="http://schemas.openxmlformats.org/drawingml/2006/table">
@@ -36353,10 +34820,10 @@
           <a:lstStyle/>
           <a:p>
             <a:r>
-              <a:rPr lang="en-US" dirty="0" smtClean="0"/>
+              <a:rPr lang="en-US" b="0" dirty="0" smtClean="0"/>
               <a:t>Likes</a:t>
             </a:r>
-            <a:endParaRPr lang="en-IN" dirty="0"/>
+            <a:endParaRPr lang="en-IN" b="0" dirty="0"/>
           </a:p>
         </p:txBody>
       </p:sp>
@@ -36372,7 +34839,7 @@
         </p:nvGraphicFramePr>
         <p:xfrm>
           <a:off x="6172199" y="3346609"/>
-          <a:ext cx="5183190" cy="910621"/>
+          <a:ext cx="5183190" cy="922020"/>
         </p:xfrm>
         <a:graphic>
           <a:graphicData uri="http://schemas.openxmlformats.org/drawingml/2006/table">
@@ -37100,10 +35567,10 @@
           <a:lstStyle/>
           <a:p>
             <a:r>
-              <a:rPr lang="en-US" dirty="0" smtClean="0"/>
+              <a:rPr lang="en-US" b="0" dirty="0" smtClean="0"/>
               <a:t>Comments</a:t>
             </a:r>
-            <a:endParaRPr lang="en-IN" dirty="0"/>
+            <a:endParaRPr lang="en-IN" b="0" dirty="0"/>
           </a:p>
         </p:txBody>
       </p:sp>
@@ -37119,7 +35586,7 @@
         </p:nvGraphicFramePr>
         <p:xfrm>
           <a:off x="839788" y="2977801"/>
-          <a:ext cx="5157787" cy="1631088"/>
+          <a:ext cx="5157787" cy="1659636"/>
         </p:xfrm>
         <a:graphic>
           <a:graphicData uri="http://schemas.openxmlformats.org/drawingml/2006/table">
@@ -38131,10 +36598,10 @@
           <a:lstStyle/>
           <a:p>
             <a:r>
-              <a:rPr lang="en-US" dirty="0" smtClean="0"/>
+              <a:rPr lang="en-US" b="0" dirty="0" smtClean="0"/>
               <a:t>RSVP</a:t>
             </a:r>
-            <a:endParaRPr lang="en-IN" dirty="0"/>
+            <a:endParaRPr lang="en-IN" b="0" dirty="0"/>
           </a:p>
         </p:txBody>
       </p:sp>
@@ -38155,7 +36622,7 @@
         </p:nvGraphicFramePr>
         <p:xfrm>
           <a:off x="6172199" y="3175652"/>
-          <a:ext cx="5183190" cy="1274870"/>
+          <a:ext cx="5183190" cy="1290828"/>
         </p:xfrm>
         <a:graphic>
           <a:graphicData uri="http://schemas.openxmlformats.org/drawingml/2006/table">
@@ -38897,7 +37364,7 @@
         </p:nvGraphicFramePr>
         <p:xfrm>
           <a:off x="3233420" y="2593118"/>
-          <a:ext cx="5725160" cy="2726055"/>
+          <a:ext cx="5725160" cy="2816352"/>
         </p:xfrm>
         <a:graphic>
           <a:graphicData uri="http://schemas.openxmlformats.org/drawingml/2006/table">
@@ -40435,10 +38902,10 @@
           <a:lstStyle/>
           <a:p>
             <a:r>
-              <a:rPr lang="en-US" dirty="0" smtClean="0"/>
+              <a:rPr lang="en-US" b="0" dirty="0" smtClean="0"/>
               <a:t>Follower</a:t>
             </a:r>
-            <a:endParaRPr lang="en-IN" dirty="0"/>
+            <a:endParaRPr lang="en-IN" b="0" dirty="0"/>
           </a:p>
         </p:txBody>
       </p:sp>
@@ -40454,7 +38921,7 @@
         </p:nvGraphicFramePr>
         <p:xfrm>
           <a:off x="839788" y="3346609"/>
-          <a:ext cx="5157787" cy="906160"/>
+          <a:ext cx="5157787" cy="922020"/>
         </p:xfrm>
         <a:graphic>
           <a:graphicData uri="http://schemas.openxmlformats.org/drawingml/2006/table">
@@ -41142,10 +39609,10 @@
           <a:lstStyle/>
           <a:p>
             <a:r>
-              <a:rPr lang="en-US" dirty="0" smtClean="0"/>
+              <a:rPr lang="en-US" b="0" dirty="0" smtClean="0"/>
               <a:t>Categories</a:t>
             </a:r>
-            <a:endParaRPr lang="en-IN" dirty="0"/>
+            <a:endParaRPr lang="en-IN" b="0" dirty="0"/>
           </a:p>
         </p:txBody>
       </p:sp>
@@ -41161,7 +39628,7 @@
         </p:nvGraphicFramePr>
         <p:xfrm>
           <a:off x="6172199" y="3531013"/>
-          <a:ext cx="5183190" cy="546372"/>
+          <a:ext cx="5183190" cy="553212"/>
         </p:xfrm>
         <a:graphic>
           <a:graphicData uri="http://schemas.openxmlformats.org/drawingml/2006/table">
@@ -42044,11 +40511,12 @@
           <a:bodyPr/>
           <a:lstStyle/>
           <a:p>
+            <a:pPr algn="ctr"/>
             <a:r>
-              <a:rPr lang="en-IN" dirty="0" smtClean="0"/>
+              <a:rPr lang="en-IN" b="0" dirty="0" smtClean="0"/>
               <a:t>Login</a:t>
             </a:r>
-            <a:endParaRPr lang="en-IN" dirty="0"/>
+            <a:endParaRPr lang="en-IN" b="0" dirty="0"/>
           </a:p>
         </p:txBody>
       </p:sp>
@@ -42101,11 +40569,12 @@
           <a:bodyPr/>
           <a:lstStyle/>
           <a:p>
+            <a:pPr algn="ctr"/>
             <a:r>
-              <a:rPr lang="en-IN" dirty="0" smtClean="0"/>
+              <a:rPr lang="en-IN" b="0" dirty="0" smtClean="0"/>
               <a:t>Sign Up</a:t>
             </a:r>
-            <a:endParaRPr lang="en-IN" dirty="0"/>
+            <a:endParaRPr lang="en-IN" b="0" dirty="0"/>
           </a:p>
         </p:txBody>
       </p:sp>
@@ -42333,6 +40802,7 @@
           <a:bodyPr/>
           <a:lstStyle/>
           <a:p>
+            <a:pPr algn="ctr"/>
             <a:r>
               <a:rPr lang="en-IN" dirty="0" smtClean="0"/>
               <a:t>View Events</a:t>
@@ -42390,6 +40860,7 @@
           <a:bodyPr/>
           <a:lstStyle/>
           <a:p>
+            <a:pPr algn="ctr"/>
             <a:r>
               <a:rPr lang="en-IN" dirty="0" smtClean="0"/>
               <a:t>Create Event</a:t>
@@ -42510,11 +40981,12 @@
           <a:bodyPr/>
           <a:lstStyle/>
           <a:p>
+            <a:pPr algn="ctr"/>
             <a:r>
-              <a:rPr lang="en-IN" dirty="0" smtClean="0"/>
+              <a:rPr lang="en-IN" b="0" dirty="0" smtClean="0"/>
               <a:t>View Stories</a:t>
             </a:r>
-            <a:endParaRPr lang="en-IN" dirty="0"/>
+            <a:endParaRPr lang="en-IN" b="0" dirty="0"/>
           </a:p>
         </p:txBody>
       </p:sp>
@@ -42567,11 +41039,12 @@
           <a:bodyPr/>
           <a:lstStyle/>
           <a:p>
+            <a:pPr algn="ctr"/>
             <a:r>
-              <a:rPr lang="en-IN" dirty="0" smtClean="0"/>
+              <a:rPr lang="en-IN" b="0" dirty="0" smtClean="0"/>
               <a:t>Add Story</a:t>
             </a:r>
-            <a:endParaRPr lang="en-IN" dirty="0"/>
+            <a:endParaRPr lang="en-IN" b="0" dirty="0"/>
           </a:p>
         </p:txBody>
       </p:sp>
@@ -42783,6 +41256,7 @@
           <a:bodyPr/>
           <a:lstStyle/>
           <a:p>
+            <a:pPr algn="ctr"/>
             <a:r>
               <a:rPr lang="en-IN" dirty="0" smtClean="0"/>
               <a:t>View Communities</a:t>
@@ -42840,6 +41314,7 @@
           <a:bodyPr/>
           <a:lstStyle/>
           <a:p>
+            <a:pPr algn="ctr"/>
             <a:r>
               <a:rPr lang="en-IN" dirty="0" smtClean="0"/>
               <a:t>Create Community</a:t>
@@ -43617,6 +42092,75 @@
     <p:extLst>
       <p:ext uri="{BB962C8B-B14F-4D97-AF65-F5344CB8AC3E}">
         <p14:creationId xmlns:p14="http://schemas.microsoft.com/office/powerpoint/2010/main" val="2591982371"/>
+      </p:ext>
+    </p:extLst>
+  </p:cSld>
+  <p:clrMapOvr>
+    <a:masterClrMapping/>
+  </p:clrMapOvr>
+  <p:transition spd="med" advClick="0">
+    <p:pull/>
+  </p:transition>
+  <p:timing>
+    <p:tnLst>
+      <p:par>
+        <p:cTn id="1" dur="indefinite" restart="never" nodeType="tmRoot"/>
+      </p:par>
+    </p:tnLst>
+  </p:timing>
+</p:sld>
+</file>
+
+<file path=ppt/slides/slide50.xml><?xml version="1.0" encoding="utf-8"?>
+<p:sld xmlns:a="http://schemas.openxmlformats.org/drawingml/2006/main" xmlns:r="http://schemas.openxmlformats.org/officeDocument/2006/relationships" xmlns:p="http://schemas.openxmlformats.org/presentationml/2006/main">
+  <p:cSld>
+    <p:spTree>
+      <p:nvGrpSpPr>
+        <p:cNvPr id="1" name=""/>
+        <p:cNvGrpSpPr/>
+        <p:nvPr/>
+      </p:nvGrpSpPr>
+      <p:grpSpPr>
+        <a:xfrm>
+          <a:off x="0" y="0"/>
+          <a:ext cx="0" cy="0"/>
+          <a:chOff x="0" y="0"/>
+          <a:chExt cx="0" cy="0"/>
+        </a:xfrm>
+      </p:grpSpPr>
+      <p:sp>
+        <p:nvSpPr>
+          <p:cNvPr id="2" name="Title 1"/>
+          <p:cNvSpPr>
+            <a:spLocks noGrp="1"/>
+          </p:cNvSpPr>
+          <p:nvPr>
+            <p:ph type="title"/>
+          </p:nvPr>
+        </p:nvSpPr>
+        <p:spPr>
+          <a:xfrm>
+            <a:off x="831850" y="1709738"/>
+            <a:ext cx="10515600" cy="2109227"/>
+          </a:xfrm>
+        </p:spPr>
+        <p:txBody>
+          <a:bodyPr/>
+          <a:lstStyle/>
+          <a:p>
+            <a:pPr algn="ctr"/>
+            <a:r>
+              <a:rPr lang="en-IN" dirty="0" smtClean="0"/>
+              <a:t>Thank You</a:t>
+            </a:r>
+            <a:endParaRPr lang="en-IN" dirty="0"/>
+          </a:p>
+        </p:txBody>
+      </p:sp>
+    </p:spTree>
+    <p:extLst>
+      <p:ext uri="{BB962C8B-B14F-4D97-AF65-F5344CB8AC3E}">
+        <p14:creationId xmlns:p14="http://schemas.microsoft.com/office/powerpoint/2010/main" val="1656349000"/>
       </p:ext>
     </p:extLst>
   </p:cSld>
